--- a/week3/알고리즘 스터디 3주차.pptx
+++ b/week3/알고리즘 스터디 3주차.pptx
@@ -27,6 +27,12 @@
     <p:sldId id="320" r:id="rId21"/>
     <p:sldId id="310" r:id="rId22"/>
     <p:sldId id="321" r:id="rId23"/>
+    <p:sldId id="322" r:id="rId24"/>
+    <p:sldId id="323" r:id="rId25"/>
+    <p:sldId id="265" r:id="rId26"/>
+    <p:sldId id="266" r:id="rId27"/>
+    <p:sldId id="261" r:id="rId28"/>
+    <p:sldId id="263" r:id="rId29"/>
   </p:sldIdLst>
   <p:sldSz cx="12192000" cy="6858000"/>
   <p:notesSz cx="6858000" cy="9144000"/>
@@ -144,6 +150,2134 @@
 </p:presentation>
 </file>
 
+<file path=ppt/ink/ink1.xml><?xml version="1.0" encoding="utf-8"?>
+<inkml:ink xmlns:inkml="http://www.w3.org/2003/InkML">
+  <inkml:definitions>
+    <inkml:context xml:id="ctx0">
+      <inkml:inkSource xml:id="inkSrc0">
+        <inkml:traceFormat>
+          <inkml:channel name="X" type="integer" min="-2.14748E9" max="2.14748E9" units="cm"/>
+          <inkml:channel name="Y" type="integer" min="-2.14748E9" max="2.14748E9" units="cm"/>
+          <inkml:channel name="F" type="integer" max="32767" units="dev"/>
+        </inkml:traceFormat>
+        <inkml:channelProperties>
+          <inkml:channelProperty channel="X" name="resolution" value="1000" units="1/cm"/>
+          <inkml:channelProperty channel="Y" name="resolution" value="1000" units="1/cm"/>
+          <inkml:channelProperty channel="F" name="resolution" value="0" units="1/dev"/>
+        </inkml:channelProperties>
+      </inkml:inkSource>
+      <inkml:timestamp xml:id="ts0" timeString="2021-10-13T08:04:37.375"/>
+    </inkml:context>
+    <inkml:brush xml:id="br0">
+      <inkml:brushProperty name="width" value="0.05" units="cm"/>
+      <inkml:brushProperty name="height" value="0.05" units="cm"/>
+      <inkml:brushProperty name="color" value="#33CCFF"/>
+    </inkml:brush>
+  </inkml:definitions>
+  <inkml:trace contextRef="#ctx0" brushRef="#br0">628 1 24575,'-23'1'0,"0"1"0,-1 1 0,1 1 0,1 1 0,-1 1 0,1 1 0,0 1 0,0 1 0,-28 16 0,17-5 0,1 0 0,1 2 0,1 2 0,1 0 0,-26 30 0,23-18 0,3 2 0,-39 61 0,63-90 0,0 1 0,1 0 0,0 0 0,0 0 0,1 1 0,0-1 0,1 1 0,-1 21 0,1 6 0,5 47 0,0-14 0,-4 30 0,3 91 0,-1-178 0,2-1 0,0 0 0,0 1 0,1-2 0,0 1 0,2 0 0,-1-1 0,1 0 0,1 0 0,11 14 0,-4-7 0,0 0 0,2-2 0,0 0 0,1 0 0,21 14 0,-26-22 0,0-1 0,1-1 0,0 0 0,0-1 0,1 0 0,0-1 0,0-1 0,0 0 0,0 0 0,1-2 0,-1 0 0,1-1 0,0 0 0,15-1 0,145-3-1365,-153 3-5461</inkml:trace>
+</inkml:ink>
+</file>
+
+<file path=ppt/ink/ink10.xml><?xml version="1.0" encoding="utf-8"?>
+<inkml:ink xmlns:inkml="http://www.w3.org/2003/InkML">
+  <inkml:definitions>
+    <inkml:context xml:id="ctx0">
+      <inkml:inkSource xml:id="inkSrc0">
+        <inkml:traceFormat>
+          <inkml:channel name="X" type="integer" min="-2.14748E9" max="2.14748E9" units="cm"/>
+          <inkml:channel name="Y" type="integer" min="-2.14748E9" max="2.14748E9" units="cm"/>
+          <inkml:channel name="F" type="integer" max="32767" units="dev"/>
+        </inkml:traceFormat>
+        <inkml:channelProperties>
+          <inkml:channelProperty channel="X" name="resolution" value="1000" units="1/cm"/>
+          <inkml:channelProperty channel="Y" name="resolution" value="1000" units="1/cm"/>
+          <inkml:channelProperty channel="F" name="resolution" value="0" units="1/dev"/>
+        </inkml:channelProperties>
+      </inkml:inkSource>
+      <inkml:timestamp xml:id="ts0" timeString="2021-10-13T08:01:58.426"/>
+    </inkml:context>
+    <inkml:brush xml:id="br0">
+      <inkml:brushProperty name="width" value="0.05" units="cm"/>
+      <inkml:brushProperty name="height" value="0.05" units="cm"/>
+      <inkml:brushProperty name="color" value="#33CCFF"/>
+    </inkml:brush>
+  </inkml:definitions>
+  <inkml:trace contextRef="#ctx0" brushRef="#br0">103 0 24575,'-12'251'0,"4"-199"0,-1-1 0,-29 90 0,29-109 7,1 0 0,1 0 1,2 1-1,-2 39 0,8 134-173,1-83-1069,-2-102-5591</inkml:trace>
+</inkml:ink>
+</file>
+
+<file path=ppt/ink/ink11.xml><?xml version="1.0" encoding="utf-8"?>
+<inkml:ink xmlns:inkml="http://www.w3.org/2003/InkML">
+  <inkml:definitions>
+    <inkml:context xml:id="ctx0">
+      <inkml:inkSource xml:id="inkSrc0">
+        <inkml:traceFormat>
+          <inkml:channel name="X" type="integer" min="-2.14748E9" max="2.14748E9" units="cm"/>
+          <inkml:channel name="Y" type="integer" min="-2.14748E9" max="2.14748E9" units="cm"/>
+          <inkml:channel name="F" type="integer" max="32767" units="dev"/>
+        </inkml:traceFormat>
+        <inkml:channelProperties>
+          <inkml:channelProperty channel="X" name="resolution" value="1000" units="1/cm"/>
+          <inkml:channelProperty channel="Y" name="resolution" value="1000" units="1/cm"/>
+          <inkml:channelProperty channel="F" name="resolution" value="0" units="1/dev"/>
+        </inkml:channelProperties>
+      </inkml:inkSource>
+      <inkml:timestamp xml:id="ts0" timeString="2021-10-13T08:01:53.987"/>
+    </inkml:context>
+    <inkml:brush xml:id="br0">
+      <inkml:brushProperty name="width" value="0.05" units="cm"/>
+      <inkml:brushProperty name="height" value="0.05" units="cm"/>
+      <inkml:brushProperty name="color" value="#33CCFF"/>
+    </inkml:brush>
+  </inkml:definitions>
+  <inkml:trace contextRef="#ctx0" brushRef="#br0">408 877 24575,'-6'-1'0,"1"0"0,0-1 0,0 0 0,0 0 0,0 0 0,0-1 0,0 0 0,0 0 0,1 0 0,0 0 0,-5-5 0,-15-10 0,-13-4 0,2-1 0,0-2 0,-39-38 0,59 49 0,1-1 0,1-1 0,0 1 0,1-2 0,1 0 0,1 0 0,0-1 0,1 0 0,-7-21 0,12 21 0,0 1 0,0 0 0,2-1 0,0 1 0,1-22 0,10-89 0,-8 118 0,2 1 0,-1-1 0,2 1 0,-1-1 0,1 1 0,0 0 0,1 0 0,0 0 0,1 1 0,12-15 0,-1 3 0,1 2 0,1 0 0,22-17 0,-32 29 0,-1 1 0,1 0 0,0 0 0,1 1 0,-1 0 0,1 0 0,0 1 0,0 1 0,0-1 0,18 0 0,4 1 0,-1 2 0,39 4 0,-52-2 0,1 2 0,-1 0 0,0 2 0,0 0 0,0 0 0,-1 2 0,0 0 0,-1 1 0,0 1 0,0 0 0,18 17 0,-27-20 0,0 0 0,-1 0 0,0 0 0,0 1 0,-1 0 0,0 1 0,0-1 0,-1 1 0,0-1 0,-1 1 0,0 1 0,0-1 0,-1 0 0,2 18 0,-1 11 0,-1 1 0,-6 55 0,1-26 0,4 30 0,-3 73 0,-2-147-1365,-2-3-5461</inkml:trace>
+</inkml:ink>
+</file>
+
+<file path=ppt/ink/ink12.xml><?xml version="1.0" encoding="utf-8"?>
+<inkml:ink xmlns:inkml="http://www.w3.org/2003/InkML">
+  <inkml:definitions>
+    <inkml:context xml:id="ctx0">
+      <inkml:inkSource xml:id="inkSrc0">
+        <inkml:traceFormat>
+          <inkml:channel name="X" type="integer" min="-2.14748E9" max="2.14748E9" units="cm"/>
+          <inkml:channel name="Y" type="integer" min="-2.14748E9" max="2.14748E9" units="cm"/>
+          <inkml:channel name="F" type="integer" max="32767" units="dev"/>
+        </inkml:traceFormat>
+        <inkml:channelProperties>
+          <inkml:channelProperty channel="X" name="resolution" value="1000" units="1/cm"/>
+          <inkml:channelProperty channel="Y" name="resolution" value="1000" units="1/cm"/>
+          <inkml:channelProperty channel="F" name="resolution" value="0" units="1/dev"/>
+        </inkml:channelProperties>
+      </inkml:inkSource>
+      <inkml:timestamp xml:id="ts0" timeString="2021-10-13T08:01:56.727"/>
+    </inkml:context>
+    <inkml:brush xml:id="br0">
+      <inkml:brushProperty name="width" value="0.05" units="cm"/>
+      <inkml:brushProperty name="height" value="0.05" units="cm"/>
+      <inkml:brushProperty name="color" value="#33CCFF"/>
+    </inkml:brush>
+  </inkml:definitions>
+  <inkml:trace contextRef="#ctx0" brushRef="#br0">1 1329 24575,'-1'-105'0,"5"0"0,23-134 0,18 6 0,42-258 0,-85 475 0,-1 3 0,1 1 0,0-1 0,1 1 0,0 0 0,7-17 0,-9 26 0,1 0 0,0-1 0,0 1 0,0 1 0,0-1 0,1 0 0,-1 0 0,1 1 0,0-1 0,-1 1 0,1 0 0,0 0 0,0 0 0,1 0 0,-1 1 0,0-1 0,1 1 0,-1 0 0,0 0 0,1 0 0,-1 0 0,1 1 0,5-1 0,39 0 0,0 3 0,0 2 0,-1 1 0,64 17 0,-29-6 0,-49-10 45,539 83-1016,841 33-3610,-679-67 4119,-10 62 396,-688-110 524,-20-5 155,-1 1 0,1 1-1,0 0 1,-1 1 0,0 1 0,0 1-1,-1 0 1,27 17 0,-29-16-606,0 0 1,1-1 0,0 0-1,0-1 1,0 0-1,1-2 1,0 1 0,18 3-1,15-1-11,54 3-1,-85-8 8,-12-2-3,1 0 0,-1 0 0,0 1 0,0 0 0,0 0 0,0 0 0,0 0 0,0 0 0,-1 1 0,1 0 0,0 0 0,-1 0 0,1 0 0,-1 0 0,0 1 0,0 0 0,0-1 0,4 5 0,-4-1 0,0-1 0,0 0 0,-1 1 0,0 0 0,0 0 0,0 0 0,-1-1 0,1 2 0,-1-1 0,-1 0 0,1 11 0,-2 5 0,0-1 0,-1 1 0,-1-1 0,-11 39 0,-34 84 0,40-123 0,-13 33 0,-2-1 0,-2-1 0,-48 72 0,71-121 0,-1 0 0,1 0 0,-1 0 0,1 0 0,-1-1 0,0 0 0,0 1 0,0-1 0,0 0 0,0 0 0,-1-1 0,-5 3 0,-46 9 0,44-12 0,1 1 0,-1 0 0,1 1 0,-12 5 0,3 1 0,-1-1 0,0-1 0,0 0 0,0-1 0,-1-2 0,0 0 0,0-1 0,-26 0 0,-341-4-1365,366 1-5461</inkml:trace>
+</inkml:ink>
+</file>
+
+<file path=ppt/ink/ink13.xml><?xml version="1.0" encoding="utf-8"?>
+<inkml:ink xmlns:inkml="http://www.w3.org/2003/InkML">
+  <inkml:definitions>
+    <inkml:context xml:id="ctx0">
+      <inkml:inkSource xml:id="inkSrc0">
+        <inkml:traceFormat>
+          <inkml:channel name="X" type="integer" min="-2.14748E9" max="2.14748E9" units="cm"/>
+          <inkml:channel name="Y" type="integer" min="-2.14748E9" max="2.14748E9" units="cm"/>
+          <inkml:channel name="F" type="integer" max="32767" units="dev"/>
+        </inkml:traceFormat>
+        <inkml:channelProperties>
+          <inkml:channelProperty channel="X" name="resolution" value="1000" units="1/cm"/>
+          <inkml:channelProperty channel="Y" name="resolution" value="1000" units="1/cm"/>
+          <inkml:channelProperty channel="F" name="resolution" value="0" units="1/dev"/>
+        </inkml:channelProperties>
+      </inkml:inkSource>
+      <inkml:timestamp xml:id="ts0" timeString="2021-10-13T08:02:00.251"/>
+    </inkml:context>
+    <inkml:brush xml:id="br0">
+      <inkml:brushProperty name="width" value="0.05" units="cm"/>
+      <inkml:brushProperty name="height" value="0.05" units="cm"/>
+      <inkml:brushProperty name="color" value="#33CCFF"/>
+    </inkml:brush>
+  </inkml:definitions>
+  <inkml:trace contextRef="#ctx0" brushRef="#br0">2 569 24575,'-1'-42'0,"1"2"0,5-52 0,-3 78 0,0 0 0,2 0 0,-1 1 0,2-1 0,0 1 0,0 0 0,11-18 0,-4 11 0,0 0 0,-1-1 0,-1-1 0,-1 0 0,-1 0 0,-1-1 0,5-25 0,-12 45 0,1-1 0,-1 1 0,1 0 0,0 0 0,0 0 0,0-1 0,0 1 0,1 0 0,-1 1 0,1-1 0,0 0 0,-1 0 0,1 1 0,1-1 0,-1 1 0,0-1 0,1 1 0,-1 0 0,1 0 0,-1 0 0,1 0 0,0 1 0,0-1 0,0 1 0,0 0 0,0-1 0,0 1 0,5 0 0,-1 0 0,-1 1 0,1 0 0,0 0 0,0 0 0,-1 1 0,1 0 0,-1 1 0,1-1 0,-1 1 0,1 0 0,-1 1 0,0 0 0,7 3 0,20 11 0,0-2 0,2-1 0,69 17 0,114 11 0,-181-36 0,59 7 0,117 2 0,99-16 0,-149-1 0,34 0 0,326 3 0,-500-1 0,1 2 0,-1 0 0,0 2 0,0 0 0,0 1 0,28 11 0,-23-5 0,1-2 0,59 10 0,17 4 0,-66-13 0,2-2 0,-1-2 0,1-2 0,0-1 0,57-4 0,-79 2 0,0 1 0,0 1 0,0 1 0,0 0 0,20 8 0,45 9 0,93 6 0,-174-26 0,0-1 0,-1 1 0,1 0 0,-1 0 0,1 0 0,-1 0 0,1 0 0,-1 0 0,1 0 0,-1 1 0,0 0 0,0-1 0,0 1 0,0 0 0,0 0 0,0 0 0,-1 0 0,1 0 0,0 0 0,-1 1 0,0-1 0,1 0 0,-1 1 0,0-1 0,0 1 0,-1-1 0,1 1 0,0 5 0,1 6 0,-1 0 0,0 0 0,-1 0 0,-3 19 0,2-23 0,-7 50 0,-22 88 0,11-67 0,14-55-72,1-8-574,-10 35-1,5-33-6179</inkml:trace>
+</inkml:ink>
+</file>
+
+<file path=ppt/ink/ink14.xml><?xml version="1.0" encoding="utf-8"?>
+<inkml:ink xmlns:inkml="http://www.w3.org/2003/InkML">
+  <inkml:definitions>
+    <inkml:context xml:id="ctx0">
+      <inkml:inkSource xml:id="inkSrc0">
+        <inkml:traceFormat>
+          <inkml:channel name="X" type="integer" min="-2.14748E9" max="2.14748E9" units="cm"/>
+          <inkml:channel name="Y" type="integer" min="-2.14748E9" max="2.14748E9" units="cm"/>
+          <inkml:channel name="F" type="integer" max="32767" units="dev"/>
+        </inkml:traceFormat>
+        <inkml:channelProperties>
+          <inkml:channelProperty channel="X" name="resolution" value="1000" units="1/cm"/>
+          <inkml:channelProperty channel="Y" name="resolution" value="1000" units="1/cm"/>
+          <inkml:channelProperty channel="F" name="resolution" value="0" units="1/dev"/>
+        </inkml:channelProperties>
+      </inkml:inkSource>
+      <inkml:timestamp xml:id="ts0" timeString="2021-10-13T08:02:03.126"/>
+    </inkml:context>
+    <inkml:brush xml:id="br0">
+      <inkml:brushProperty name="width" value="0.05" units="cm"/>
+      <inkml:brushProperty name="height" value="0.05" units="cm"/>
+      <inkml:brushProperty name="color" value="#33CCFF"/>
+    </inkml:brush>
+  </inkml:definitions>
+  <inkml:trace contextRef="#ctx0" brushRef="#br0">101 0 24575,'-5'7'0,"1"0"0,0 0 0,0 0 0,1 0 0,0 1 0,0 0 0,1-1 0,0 1 0,-2 12 0,0-1 0,-15 59 0,3 0 0,4 1 0,-4 142 0,18 604-1365,-2-795-5461</inkml:trace>
+</inkml:ink>
+</file>
+
+<file path=ppt/ink/ink15.xml><?xml version="1.0" encoding="utf-8"?>
+<inkml:ink xmlns:inkml="http://www.w3.org/2003/InkML">
+  <inkml:definitions>
+    <inkml:context xml:id="ctx0">
+      <inkml:inkSource xml:id="inkSrc0">
+        <inkml:traceFormat>
+          <inkml:channel name="X" type="integer" min="-2.14748E9" max="2.14748E9" units="cm"/>
+          <inkml:channel name="Y" type="integer" min="-2.14748E9" max="2.14748E9" units="cm"/>
+          <inkml:channel name="F" type="integer" max="32767" units="dev"/>
+        </inkml:traceFormat>
+        <inkml:channelProperties>
+          <inkml:channelProperty channel="X" name="resolution" value="1000" units="1/cm"/>
+          <inkml:channelProperty channel="Y" name="resolution" value="1000" units="1/cm"/>
+          <inkml:channelProperty channel="F" name="resolution" value="0" units="1/dev"/>
+        </inkml:channelProperties>
+      </inkml:inkSource>
+      <inkml:timestamp xml:id="ts0" timeString="2021-10-13T08:02:18.133"/>
+    </inkml:context>
+    <inkml:brush xml:id="br0">
+      <inkml:brushProperty name="width" value="0.05" units="cm"/>
+      <inkml:brushProperty name="height" value="0.05" units="cm"/>
+      <inkml:brushProperty name="color" value="#33CCFF"/>
+    </inkml:brush>
+  </inkml:definitions>
+  <inkml:trace contextRef="#ctx0" brushRef="#br0">1 226 24575,'179'1'0,"200"-2"0,-317-6 0,0-2 0,-1-2 0,94-31 0,-51 13 0,20-6 0,-68 17 0,0 2 0,2 3 0,82-8 0,-1 12 0,175-6 0,375 16 0,-651 0 0,49 10 0,20 1 0,94 4 0,-124-10 0,122-4 0,18 0 0,-193 1 0,0 1 0,-1 2 0,0 0 0,24 11 0,-21-8 0,-1-1 0,51 9 0,163 13 0,-172-19 0,-38-6 0,49 3 0,-57-6 0,1 1 0,21 5 0,-21-4 0,43 4 0,9-8-1365,-53 0-5461</inkml:trace>
+</inkml:ink>
+</file>
+
+<file path=ppt/ink/ink16.xml><?xml version="1.0" encoding="utf-8"?>
+<inkml:ink xmlns:inkml="http://www.w3.org/2003/InkML">
+  <inkml:definitions>
+    <inkml:context xml:id="ctx0">
+      <inkml:inkSource xml:id="inkSrc0">
+        <inkml:traceFormat>
+          <inkml:channel name="X" type="integer" min="-2.14748E9" max="2.14748E9" units="cm"/>
+          <inkml:channel name="Y" type="integer" min="-2.14748E9" max="2.14748E9" units="cm"/>
+          <inkml:channel name="F" type="integer" max="32767" units="dev"/>
+        </inkml:traceFormat>
+        <inkml:channelProperties>
+          <inkml:channelProperty channel="X" name="resolution" value="1000" units="1/cm"/>
+          <inkml:channelProperty channel="Y" name="resolution" value="1000" units="1/cm"/>
+          <inkml:channelProperty channel="F" name="resolution" value="0" units="1/dev"/>
+        </inkml:channelProperties>
+      </inkml:inkSource>
+      <inkml:timestamp xml:id="ts0" timeString="2021-10-13T08:02:20.262"/>
+    </inkml:context>
+    <inkml:brush xml:id="br0">
+      <inkml:brushProperty name="width" value="0.05" units="cm"/>
+      <inkml:brushProperty name="height" value="0.05" units="cm"/>
+      <inkml:brushProperty name="color" value="#33CCFF"/>
+    </inkml:brush>
+  </inkml:definitions>
+  <inkml:trace contextRef="#ctx0" brushRef="#br0">1 0 24575,'0'8'0,"1"1"0,1-1 0,-1 0 0,1 0 0,1 0 0,3 9 0,4 15 0,109 469 0,-90-370 0,10 68-682,16 241-1,-51-391-6143</inkml:trace>
+</inkml:ink>
+</file>
+
+<file path=ppt/ink/ink17.xml><?xml version="1.0" encoding="utf-8"?>
+<inkml:ink xmlns:inkml="http://www.w3.org/2003/InkML">
+  <inkml:definitions>
+    <inkml:context xml:id="ctx0">
+      <inkml:inkSource xml:id="inkSrc0">
+        <inkml:traceFormat>
+          <inkml:channel name="X" type="integer" min="-2.14748E9" max="2.14748E9" units="cm"/>
+          <inkml:channel name="Y" type="integer" min="-2.14748E9" max="2.14748E9" units="cm"/>
+          <inkml:channel name="F" type="integer" max="32767" units="dev"/>
+        </inkml:traceFormat>
+        <inkml:channelProperties>
+          <inkml:channelProperty channel="X" name="resolution" value="1000" units="1/cm"/>
+          <inkml:channelProperty channel="Y" name="resolution" value="1000" units="1/cm"/>
+          <inkml:channelProperty channel="F" name="resolution" value="0" units="1/dev"/>
+        </inkml:channelProperties>
+      </inkml:inkSource>
+      <inkml:timestamp xml:id="ts0" timeString="2021-10-13T08:02:20.885"/>
+    </inkml:context>
+    <inkml:brush xml:id="br0">
+      <inkml:brushProperty name="width" value="0.05" units="cm"/>
+      <inkml:brushProperty name="height" value="0.05" units="cm"/>
+      <inkml:brushProperty name="color" value="#33CCFF"/>
+    </inkml:brush>
+  </inkml:definitions>
+  <inkml:trace contextRef="#ctx0" brushRef="#br0">0 278 24575,'1'-16'0,"1"0"0,1 0 0,0 0 0,1 0 0,0 1 0,2-1 0,0 1 0,0 1 0,1-1 0,1 1 0,16-22 0,-19 30 0,-1 0 0,2 0 0,-1 1 0,1 0 0,-1 0 0,2 0 0,-1 1 0,0 0 0,1 0 0,0 1 0,0-1 0,0 1 0,0 1 0,0 0 0,0 0 0,11-2 0,-13 3 0,0 1 0,0-1 0,0 1 0,0 0 0,0 0 0,0 0 0,0 1 0,0 0 0,0 0 0,0 0 0,0 1 0,-1-1 0,1 1 0,0 0 0,-1 1 0,1-1 0,-1 1 0,0 0 0,0 0 0,0 0 0,0 0 0,-1 1 0,1-1 0,-1 1 0,4 6 0,13 22 0,-2 1 0,27 67 0,-37-78 0,-1 1 0,-2 0 0,0 0 0,-1 0 0,1 45 0,-5-24 0,-1 0 0,-14 82 0,12-110 0,-1 1 0,-1-1 0,-1 0 0,0 0 0,-1-1 0,-1 0 0,0 0 0,-1-1 0,0 0 0,-20 21 0,-4 9 0,28-35 0,-1 0 0,0-1 0,-1 0 0,-12 12 0,19-20 0,-1 0 0,0 1 0,1-1 0,-1 1 0,0-1 0,1 1 0,-1-1 0,1 1 0,-1-1 0,1 1 0,-1-1 0,1 1 0,-1-1 0,1 1 0,0 0 0,-1-1 0,1 1 0,0 0 0,0-1 0,-1 1 0,1 0 0,0-1 0,0 3 0,15-3 0,34-13 0,-45 12 0,150-63 0,-120 47 0,1 1 0,1 2 0,0 2 0,54-12 0,125-16 120,-182 31-417,1-1 0,-1-2 0,-1-1 0,36-20 0,-41 18-6529</inkml:trace>
+</inkml:ink>
+</file>
+
+<file path=ppt/ink/ink18.xml><?xml version="1.0" encoding="utf-8"?>
+<inkml:ink xmlns:inkml="http://www.w3.org/2003/InkML">
+  <inkml:definitions>
+    <inkml:context xml:id="ctx0">
+      <inkml:inkSource xml:id="inkSrc0">
+        <inkml:traceFormat>
+          <inkml:channel name="X" type="integer" min="-2.14748E9" max="2.14748E9" units="cm"/>
+          <inkml:channel name="Y" type="integer" min="-2.14748E9" max="2.14748E9" units="cm"/>
+          <inkml:channel name="F" type="integer" max="32767" units="dev"/>
+        </inkml:traceFormat>
+        <inkml:channelProperties>
+          <inkml:channelProperty channel="X" name="resolution" value="1000" units="1/cm"/>
+          <inkml:channelProperty channel="Y" name="resolution" value="1000" units="1/cm"/>
+          <inkml:channelProperty channel="F" name="resolution" value="0" units="1/dev"/>
+        </inkml:channelProperties>
+      </inkml:inkSource>
+      <inkml:timestamp xml:id="ts0" timeString="2021-10-13T08:02:21.573"/>
+    </inkml:context>
+    <inkml:brush xml:id="br0">
+      <inkml:brushProperty name="width" value="0.05" units="cm"/>
+      <inkml:brushProperty name="height" value="0.05" units="cm"/>
+      <inkml:brushProperty name="color" value="#33CCFF"/>
+    </inkml:brush>
+  </inkml:definitions>
+  <inkml:trace contextRef="#ctx0" brushRef="#br0">1 252 24575,'-1'-19'0,"2"1"0,1-1 0,0 0 0,1 1 0,8-24 0,-9 35 0,0 0 0,1 0 0,0 0 0,1 1 0,-1 0 0,1-1 0,1 1 0,-1 0 0,1 1 0,0-1 0,0 1 0,0 0 0,1 1 0,0-1 0,0 1 0,10-6 0,-10 8 0,-1-1 0,1 1 0,-1 1 0,1-1 0,-1 1 0,1 0 0,0 0 0,0 0 0,0 1 0,0 0 0,-1 0 0,1 1 0,0-1 0,0 1 0,9 3 0,-11-2 0,0-1 0,0 1 0,0 0 0,0 0 0,0 1 0,-1-1 0,1 1 0,-1-1 0,0 1 0,1 0 0,-1 0 0,-1 1 0,1-1 0,0 1 0,-1-1 0,0 1 0,0 0 0,0 0 0,0 0 0,-1 0 0,3 7 0,0 12 0,-1-1 0,0 1 0,-2-1 0,-1 1 0,-1 0 0,0-1 0,-2 1 0,-1-1 0,0 1 0,-2-1 0,0 0 0,-2-1 0,0 0 0,-2 0 0,0-1 0,-1 0 0,-1-1 0,-1 0 0,-17 20 0,16-24 0,10-13 0,1 1 0,-1 1 0,1-1 0,0 0 0,0 1 0,1 0 0,-1-1 0,1 1 0,0 0 0,0 0 0,-3 8 0,5-11 0,1-1 0,-1 1 0,0 0 0,0-1 0,1 1 0,-1 0 0,0-1 0,1 1 0,-1-1 0,1 1 0,-1 0 0,1-1 0,-1 1 0,1-1 0,-1 0 0,1 1 0,-1-1 0,1 1 0,0-1 0,-1 0 0,1 1 0,0-1 0,-1 0 0,1 0 0,0 0 0,-1 1 0,1-1 0,0 0 0,-1 0 0,1 0 0,1 0 0,28 1 0,-26-1 0,60-4 0,-46 2 0,-1 1 0,1 0 0,-1 1 0,1 1 0,24 5 0,-39-5 0,0 0 0,1 1 0,-1-1 0,0 1 0,0 0 0,0 0 0,-1 0 0,1 1 0,0-1 0,-1 0 0,1 1 0,-1 0 0,0 0 0,0-1 0,0 1 0,0 1 0,-1-1 0,1 0 0,-1 0 0,0 0 0,0 1 0,0-1 0,0 1 0,0-1 0,-1 1 0,0 4 0,2 12 0,-1 0 0,-2 0 0,-3 28 0,3-38 0,0 1 10,-1-1 0,-1 0 0,1 0 0,-2 0 0,1 0 0,-1 0 0,-1-1 0,0 1 0,0-1 0,-1 0 0,-10 12 0,10-14-109,0-1 0,0 0 0,0 0 0,-1 0 0,0-1 0,0 0 0,0-1 0,-1 1 0,1-1 0,-1-1 0,0 0 0,0 0 0,-1 0 0,-10 2 0,-3-3-6727</inkml:trace>
+</inkml:ink>
+</file>
+
+<file path=ppt/ink/ink19.xml><?xml version="1.0" encoding="utf-8"?>
+<inkml:ink xmlns:inkml="http://www.w3.org/2003/InkML">
+  <inkml:definitions>
+    <inkml:context xml:id="ctx0">
+      <inkml:inkSource xml:id="inkSrc0">
+        <inkml:traceFormat>
+          <inkml:channel name="X" type="integer" min="-2.14748E9" max="2.14748E9" units="cm"/>
+          <inkml:channel name="Y" type="integer" min="-2.14748E9" max="2.14748E9" units="cm"/>
+          <inkml:channel name="F" type="integer" max="32767" units="dev"/>
+        </inkml:traceFormat>
+        <inkml:channelProperties>
+          <inkml:channelProperty channel="X" name="resolution" value="1000" units="1/cm"/>
+          <inkml:channelProperty channel="Y" name="resolution" value="1000" units="1/cm"/>
+          <inkml:channelProperty channel="F" name="resolution" value="0" units="1/dev"/>
+        </inkml:channelProperties>
+      </inkml:inkSource>
+      <inkml:timestamp xml:id="ts0" timeString="2021-10-13T08:02:24.563"/>
+    </inkml:context>
+    <inkml:brush xml:id="br0">
+      <inkml:brushProperty name="width" value="0.05" units="cm"/>
+      <inkml:brushProperty name="height" value="0.05" units="cm"/>
+      <inkml:brushProperty name="color" value="#33CCFF"/>
+    </inkml:brush>
+  </inkml:definitions>
+  <inkml:trace contextRef="#ctx0" brushRef="#br0">236 0 24575,'1'45'0,"-3"-1"0,-2 0 0,-1 0 0,-18 66 0,-7 15 0,6 1 0,6 1 0,-3 131 0,17-213 0,-2 0 0,-2 0 0,-2-1 0,-32 85 0,11-35-1365,23-72-5461</inkml:trace>
+</inkml:ink>
+</file>
+
+<file path=ppt/ink/ink2.xml><?xml version="1.0" encoding="utf-8"?>
+<inkml:ink xmlns:inkml="http://www.w3.org/2003/InkML">
+  <inkml:definitions>
+    <inkml:context xml:id="ctx0">
+      <inkml:inkSource xml:id="inkSrc0">
+        <inkml:traceFormat>
+          <inkml:channel name="X" type="integer" min="-2.14748E9" max="2.14748E9" units="cm"/>
+          <inkml:channel name="Y" type="integer" min="-2.14748E9" max="2.14748E9" units="cm"/>
+          <inkml:channel name="F" type="integer" max="32767" units="dev"/>
+        </inkml:traceFormat>
+        <inkml:channelProperties>
+          <inkml:channelProperty channel="X" name="resolution" value="1000" units="1/cm"/>
+          <inkml:channelProperty channel="Y" name="resolution" value="1000" units="1/cm"/>
+          <inkml:channelProperty channel="F" name="resolution" value="0" units="1/dev"/>
+        </inkml:channelProperties>
+      </inkml:inkSource>
+      <inkml:timestamp xml:id="ts0" timeString="2021-10-13T08:01:47.545"/>
+    </inkml:context>
+    <inkml:brush xml:id="br0">
+      <inkml:brushProperty name="width" value="0.05" units="cm"/>
+      <inkml:brushProperty name="height" value="0.05" units="cm"/>
+      <inkml:brushProperty name="color" value="#33CCFF"/>
+    </inkml:brush>
+  </inkml:definitions>
+  <inkml:trace contextRef="#ctx0" brushRef="#br0">1 2 24575,'79'-1'0,"55"0"0,-113 2 0,1 1 0,-1 1 0,0 1 0,22 8 0,-12-4 0,1 0 0,0-2 0,0-1 0,34 0 0,133-5 0,-87-2 0,978 2 0,-916 12 0,-27 1 0,68-9 0,163 7 0,-132 0 0,37 3 0,-4 12 0,-173-18 0,-67-7 0,-1 3 0,1 0 0,71 20 0,-76-13 0,0-2 0,1-1 0,0-2 0,0-1 0,42 1 0,36-7 0,-41-1 0,117 13 0,-94-2 0,132-3 0,-209-5 0,0 1 0,35 7 0,-33-4 0,0-2 0,22 2 0,235-5 87,-131-1-1539,-124 1-5374</inkml:trace>
+</inkml:ink>
+</file>
+
+<file path=ppt/ink/ink20.xml><?xml version="1.0" encoding="utf-8"?>
+<inkml:ink xmlns:inkml="http://www.w3.org/2003/InkML">
+  <inkml:definitions>
+    <inkml:context xml:id="ctx0">
+      <inkml:inkSource xml:id="inkSrc0">
+        <inkml:traceFormat>
+          <inkml:channel name="X" type="integer" min="-2.14748E9" max="2.14748E9" units="cm"/>
+          <inkml:channel name="Y" type="integer" min="-2.14748E9" max="2.14748E9" units="cm"/>
+          <inkml:channel name="F" type="integer" max="32767" units="dev"/>
+        </inkml:traceFormat>
+        <inkml:channelProperties>
+          <inkml:channelProperty channel="X" name="resolution" value="1000" units="1/cm"/>
+          <inkml:channelProperty channel="Y" name="resolution" value="1000" units="1/cm"/>
+          <inkml:channelProperty channel="F" name="resolution" value="0" units="1/dev"/>
+        </inkml:channelProperties>
+      </inkml:inkSource>
+      <inkml:timestamp xml:id="ts0" timeString="2021-10-13T08:02:25.948"/>
+    </inkml:context>
+    <inkml:brush xml:id="br0">
+      <inkml:brushProperty name="width" value="0.05" units="cm"/>
+      <inkml:brushProperty name="height" value="0.05" units="cm"/>
+      <inkml:brushProperty name="color" value="#33CCFF"/>
+    </inkml:brush>
+  </inkml:definitions>
+  <inkml:trace contextRef="#ctx0" brushRef="#br0">351 1 24575,'-1'0'0,"-1"0"0,0 0 0,0 1 0,0-1 0,0 1 0,0-1 0,0 1 0,1 0 0,-1-1 0,0 1 0,0 0 0,1 0 0,-1 1 0,1-1 0,-1 0 0,1 0 0,-1 1 0,1-1 0,0 1 0,0-1 0,0 1 0,0-1 0,0 1 0,0 0 0,-1 2 0,-2 6 0,0 1 0,1 0 0,-3 16 0,-1 2 0,-123 486 0,51-183 0,58-250-273,2 0 0,4 2 0,4 0 0,0 112 0,12-172-6553</inkml:trace>
+</inkml:ink>
+</file>
+
+<file path=ppt/ink/ink21.xml><?xml version="1.0" encoding="utf-8"?>
+<inkml:ink xmlns:inkml="http://www.w3.org/2003/InkML">
+  <inkml:definitions>
+    <inkml:context xml:id="ctx0">
+      <inkml:inkSource xml:id="inkSrc0">
+        <inkml:traceFormat>
+          <inkml:channel name="X" type="integer" min="-2.14748E9" max="2.14748E9" units="cm"/>
+          <inkml:channel name="Y" type="integer" min="-2.14748E9" max="2.14748E9" units="cm"/>
+          <inkml:channel name="F" type="integer" max="32767" units="dev"/>
+        </inkml:traceFormat>
+        <inkml:channelProperties>
+          <inkml:channelProperty channel="X" name="resolution" value="1000" units="1/cm"/>
+          <inkml:channelProperty channel="Y" name="resolution" value="1000" units="1/cm"/>
+          <inkml:channelProperty channel="F" name="resolution" value="0" units="1/dev"/>
+        </inkml:channelProperties>
+      </inkml:inkSource>
+      <inkml:timestamp xml:id="ts0" timeString="2021-10-13T08:02:28.096"/>
+    </inkml:context>
+    <inkml:brush xml:id="br0">
+      <inkml:brushProperty name="width" value="0.05" units="cm"/>
+      <inkml:brushProperty name="height" value="0.05" units="cm"/>
+      <inkml:brushProperty name="color" value="#33CCFF"/>
+    </inkml:brush>
+  </inkml:definitions>
+  <inkml:trace contextRef="#ctx0" brushRef="#br0">476 2147 24575,'-23'0'0,"-2"0"0,-1 0 0,-34-6 0,50 4 0,1 0 0,0-1 0,0 0 0,0 0 0,1-1 0,-1 0 0,1-1 0,0 0 0,0 0 0,-8-7 0,2-1 0,0 0 0,1-1 0,1-1 0,0 0 0,1-1 0,1 0 0,0 0 0,1-1 0,-7-19 0,1-5 0,2-1 0,-15-79 0,4-12 0,-13-246 0,39-183 0,-1 527 0,2 1 0,2 0 0,1 0 0,2 0 0,15-44 0,-15 57 0,1 1 0,1 0 0,1 1 0,0 0 0,2 0 0,0 2 0,1-1 0,0 2 0,24-21 0,-7 10 0,1 1 0,1 2 0,48-27 0,-62 41 0,1 1 0,-1 1 0,2 1 0,-1 0 0,1 2 0,0 0 0,0 2 0,24-2 0,-39 5 0,6-1 0,1 0 0,-1 1 0,1 1 0,15 2 0,-24-2 0,0 0 0,0 0 0,0 1 0,0-1 0,-1 1 0,1 0 0,-1 0 0,1 0 0,-1 1 0,0-1 0,0 1 0,0-1 0,0 1 0,0 0 0,-1 0 0,1 1 0,2 5 0,3 6 0,-1 1 0,0 0 0,-1 0 0,-1 1 0,-1-1 0,5 35 0,1 109 0,-9-130 0,0 697-308,-4-331 64,4-188 244,-3 226 0,1-408 55,-1 0 0,-1 0 0,-2 0 1,0 0-1,-2 0 0,-1-1 0,-1 0 1,-1-1-1,-21 37 0,11-34-1420,1-9-5461</inkml:trace>
+</inkml:ink>
+</file>
+
+<file path=ppt/ink/ink22.xml><?xml version="1.0" encoding="utf-8"?>
+<inkml:ink xmlns:inkml="http://www.w3.org/2003/InkML">
+  <inkml:definitions>
+    <inkml:context xml:id="ctx0">
+      <inkml:inkSource xml:id="inkSrc0">
+        <inkml:traceFormat>
+          <inkml:channel name="X" type="integer" min="-2.14748E9" max="2.14748E9" units="cm"/>
+          <inkml:channel name="Y" type="integer" min="-2.14748E9" max="2.14748E9" units="cm"/>
+          <inkml:channel name="F" type="integer" max="32767" units="dev"/>
+        </inkml:traceFormat>
+        <inkml:channelProperties>
+          <inkml:channelProperty channel="X" name="resolution" value="1000" units="1/cm"/>
+          <inkml:channelProperty channel="Y" name="resolution" value="1000" units="1/cm"/>
+          <inkml:channelProperty channel="F" name="resolution" value="0" units="1/dev"/>
+        </inkml:channelProperties>
+      </inkml:inkSource>
+      <inkml:timestamp xml:id="ts0" timeString="2021-10-13T08:02:21.976"/>
+    </inkml:context>
+    <inkml:brush xml:id="br0">
+      <inkml:brushProperty name="width" value="0.05" units="cm"/>
+      <inkml:brushProperty name="height" value="0.05" units="cm"/>
+      <inkml:brushProperty name="color" value="#33CCFF"/>
+    </inkml:brush>
+  </inkml:definitions>
+  <inkml:trace contextRef="#ctx0" brushRef="#br0">0 0 24575,'1'1'0,"0"-1"0,0 0 0,0 1 0,0-1 0,0 1 0,0-1 0,0 1 0,-1-1 0,1 1 0,0-1 0,0 1 0,0 0 0,-1-1 0,1 1 0,-1 0 0,1 0 0,0 0 0,-1 0 0,1-1 0,-1 1 0,0 0 0,1 0 0,-1 0 0,0 0 0,0 0 0,1 0 0,-1 0 0,0 1 0,4 34 0,-3-30 0,3 380 0,-6-210 0,2 146-1365,0-300-5461</inkml:trace>
+</inkml:ink>
+</file>
+
+<file path=ppt/ink/ink23.xml><?xml version="1.0" encoding="utf-8"?>
+<inkml:ink xmlns:inkml="http://www.w3.org/2003/InkML">
+  <inkml:definitions>
+    <inkml:context xml:id="ctx0">
+      <inkml:inkSource xml:id="inkSrc0">
+        <inkml:traceFormat>
+          <inkml:channel name="X" type="integer" min="-2.14748E9" max="2.14748E9" units="cm"/>
+          <inkml:channel name="Y" type="integer" min="-2.14748E9" max="2.14748E9" units="cm"/>
+          <inkml:channel name="F" type="integer" max="32767" units="dev"/>
+        </inkml:traceFormat>
+        <inkml:channelProperties>
+          <inkml:channelProperty channel="X" name="resolution" value="1000" units="1/cm"/>
+          <inkml:channelProperty channel="Y" name="resolution" value="1000" units="1/cm"/>
+          <inkml:channelProperty channel="F" name="resolution" value="0" units="1/dev"/>
+        </inkml:channelProperties>
+      </inkml:inkSource>
+      <inkml:timestamp xml:id="ts0" timeString="2021-10-13T08:02:22.523"/>
+    </inkml:context>
+    <inkml:brush xml:id="br0">
+      <inkml:brushProperty name="width" value="0.05" units="cm"/>
+      <inkml:brushProperty name="height" value="0.05" units="cm"/>
+      <inkml:brushProperty name="color" value="#33CCFF"/>
+    </inkml:brush>
+  </inkml:definitions>
+  <inkml:trace contextRef="#ctx0" brushRef="#br0">0 106 24575,'1'-3'0,"0"0"0,0 0 0,0 0 0,0 0 0,1 0 0,-1 0 0,1 0 0,0 1 0,-1-1 0,1 1 0,1-1 0,2-2 0,30-27 0,-28 27 0,1 1 0,0-1 0,0 2 0,0-1 0,0 1 0,1 1 0,0-1 0,-1 1 0,1 1 0,0 0 0,0 0 0,14 1 0,-15 0 0,0 0 0,0 1 0,0 0 0,0 0 0,0 1 0,0 0 0,0 0 0,0 1 0,-1 0 0,0 1 0,1-1 0,-1 1 0,12 10 0,-4 1 0,0 1 0,-1 1 0,24 35 0,27 62 0,-60-102 0,1 2 0,-1-1 0,-1 0 0,0 1 0,-1 0 0,-1 0 0,2 22 0,-4-15 0,0 0 0,-1-1 0,-1 1 0,-7 32 0,4-37 0,0 0 0,-2-1 0,0 0 0,-1 0 0,-1 0 0,0-1 0,0 0 0,-2-1 0,0 0 0,0-1 0,-19 17 0,-19 11 0,-85 56 0,131-94 0,-128 81 0,184-117-341,2 3 0,0 3-1,82-30 1,-110 49-6485</inkml:trace>
+</inkml:ink>
+</file>
+
+<file path=ppt/ink/ink24.xml><?xml version="1.0" encoding="utf-8"?>
+<inkml:ink xmlns:inkml="http://www.w3.org/2003/InkML">
+  <inkml:definitions>
+    <inkml:context xml:id="ctx0">
+      <inkml:inkSource xml:id="inkSrc0">
+        <inkml:traceFormat>
+          <inkml:channel name="X" type="integer" min="-2.14748E9" max="2.14748E9" units="cm"/>
+          <inkml:channel name="Y" type="integer" min="-2.14748E9" max="2.14748E9" units="cm"/>
+          <inkml:channel name="F" type="integer" max="32767" units="dev"/>
+        </inkml:traceFormat>
+        <inkml:channelProperties>
+          <inkml:channelProperty channel="X" name="resolution" value="1000" units="1/cm"/>
+          <inkml:channelProperty channel="Y" name="resolution" value="1000" units="1/cm"/>
+          <inkml:channelProperty channel="F" name="resolution" value="0" units="1/dev"/>
+        </inkml:channelProperties>
+      </inkml:inkSource>
+      <inkml:timestamp xml:id="ts0" timeString="2021-10-13T08:02:23.567"/>
+    </inkml:context>
+    <inkml:brush xml:id="br0">
+      <inkml:brushProperty name="width" value="0.05" units="cm"/>
+      <inkml:brushProperty name="height" value="0.05" units="cm"/>
+      <inkml:brushProperty name="color" value="#33CCFF"/>
+    </inkml:brush>
+  </inkml:definitions>
+  <inkml:trace contextRef="#ctx0" brushRef="#br0">602 1 24575,'-12'11'0,"-2"0"0,1-1 0,-30 16 0,-16 13 0,-144 102 0,57-42 0,115-78 0,22-16 0,0 1 0,0 0 0,0 0 0,1 1 0,0 0 0,0 1 0,-10 13 0,18-21 0,-1 1 0,1-1 0,0 0 0,0 1 0,-1-1 0,1 1 0,0-1 0,0 1 0,0-1 0,-1 1 0,1-1 0,0 1 0,0-1 0,0 1 0,0-1 0,0 1 0,0-1 0,0 1 0,0-1 0,0 1 0,0-1 0,1 1 0,-1-1 0,0 1 0,0-1 0,0 1 0,1-1 0,-1 1 0,0-1 0,1 1 0,16 7 0,30-3 0,-42-5 0,245 9 0,167 3 0,-225-13-1365,-171 1-5461</inkml:trace>
+</inkml:ink>
+</file>
+
+<file path=ppt/ink/ink25.xml><?xml version="1.0" encoding="utf-8"?>
+<inkml:ink xmlns:inkml="http://www.w3.org/2003/InkML">
+  <inkml:definitions>
+    <inkml:context xml:id="ctx0">
+      <inkml:inkSource xml:id="inkSrc0">
+        <inkml:traceFormat>
+          <inkml:channel name="X" type="integer" min="-2.14748E9" max="2.14748E9" units="cm"/>
+          <inkml:channel name="Y" type="integer" min="-2.14748E9" max="2.14748E9" units="cm"/>
+          <inkml:channel name="F" type="integer" max="32767" units="dev"/>
+        </inkml:traceFormat>
+        <inkml:channelProperties>
+          <inkml:channelProperty channel="X" name="resolution" value="1000" units="1/cm"/>
+          <inkml:channelProperty channel="Y" name="resolution" value="1000" units="1/cm"/>
+          <inkml:channelProperty channel="F" name="resolution" value="0" units="1/dev"/>
+        </inkml:channelProperties>
+      </inkml:inkSource>
+      <inkml:timestamp xml:id="ts0" timeString="2021-10-13T08:02:23.940"/>
+    </inkml:context>
+    <inkml:brush xml:id="br0">
+      <inkml:brushProperty name="width" value="0.05" units="cm"/>
+      <inkml:brushProperty name="height" value="0.05" units="cm"/>
+      <inkml:brushProperty name="color" value="#33CCFF"/>
+    </inkml:brush>
+  </inkml:definitions>
+  <inkml:trace contextRef="#ctx0" brushRef="#br0">29 0 24575,'-1'1'0,"1"-1"0,-1 0 0,0 0 0,0 0 0,1 1 0,-1-1 0,0 1 0,0-1 0,1 0 0,-1 1 0,1-1 0,-1 1 0,0-1 0,1 1 0,-1 0 0,1-1 0,-1 1 0,1-1 0,-1 1 0,1 0 0,0-1 0,-1 1 0,1 0 0,0 0 0,-1-1 0,1 1 0,0 0 0,0 1 0,-4 25 0,3-21 0,-7 360 0,10-232 0,-2 534 0,1-656 5,1 0 0,0 0-1,4 16 1,5 29 27,-10-53-141,-1 0 0,0 0 0,0-1 0,-1 1 0,1 0 0,-1-1 0,1 1 1,-1 0-1,-1-1 0,1 1 0,0-1 0,-3 5 0,-6 7-6717</inkml:trace>
+</inkml:ink>
+</file>
+
+<file path=ppt/ink/ink26.xml><?xml version="1.0" encoding="utf-8"?>
+<inkml:ink xmlns:inkml="http://www.w3.org/2003/InkML">
+  <inkml:definitions>
+    <inkml:context xml:id="ctx0">
+      <inkml:inkSource xml:id="inkSrc0">
+        <inkml:traceFormat>
+          <inkml:channel name="X" type="integer" min="-2.14748E9" max="2.14748E9" units="cm"/>
+          <inkml:channel name="Y" type="integer" min="-2.14748E9" max="2.14748E9" units="cm"/>
+          <inkml:channel name="F" type="integer" max="32767" units="dev"/>
+        </inkml:traceFormat>
+        <inkml:channelProperties>
+          <inkml:channelProperty channel="X" name="resolution" value="1000" units="1/cm"/>
+          <inkml:channelProperty channel="Y" name="resolution" value="1000" units="1/cm"/>
+          <inkml:channelProperty channel="F" name="resolution" value="0" units="1/dev"/>
+        </inkml:channelProperties>
+      </inkml:inkSource>
+      <inkml:timestamp xml:id="ts0" timeString="2021-10-13T08:02:25.290"/>
+    </inkml:context>
+    <inkml:brush xml:id="br0">
+      <inkml:brushProperty name="width" value="0.05" units="cm"/>
+      <inkml:brushProperty name="height" value="0.05" units="cm"/>
+      <inkml:brushProperty name="color" value="#33CCFF"/>
+    </inkml:brush>
+  </inkml:definitions>
+  <inkml:trace contextRef="#ctx0" brushRef="#br0">326 1 24575,'-4'98'0,"-4"-1"0,-4 0 0,-35 138 0,-1-28 0,-57 229 0,85-365-115,-58 260-1135,74-304-5576</inkml:trace>
+</inkml:ink>
+</file>
+
+<file path=ppt/ink/ink27.xml><?xml version="1.0" encoding="utf-8"?>
+<inkml:ink xmlns:inkml="http://www.w3.org/2003/InkML">
+  <inkml:definitions>
+    <inkml:context xml:id="ctx0">
+      <inkml:inkSource xml:id="inkSrc0">
+        <inkml:traceFormat>
+          <inkml:channel name="X" type="integer" min="-2.14748E9" max="2.14748E9" units="cm"/>
+          <inkml:channel name="Y" type="integer" min="-2.14748E9" max="2.14748E9" units="cm"/>
+          <inkml:channel name="F" type="integer" max="32767" units="dev"/>
+        </inkml:traceFormat>
+        <inkml:channelProperties>
+          <inkml:channelProperty channel="X" name="resolution" value="1000" units="1/cm"/>
+          <inkml:channelProperty channel="Y" name="resolution" value="1000" units="1/cm"/>
+          <inkml:channelProperty channel="F" name="resolution" value="0" units="1/dev"/>
+        </inkml:channelProperties>
+      </inkml:inkSource>
+      <inkml:timestamp xml:id="ts0" timeString="2021-10-13T08:02:26.792"/>
+    </inkml:context>
+    <inkml:brush xml:id="br0">
+      <inkml:brushProperty name="width" value="0.05" units="cm"/>
+      <inkml:brushProperty name="height" value="0.05" units="cm"/>
+      <inkml:brushProperty name="color" value="#33CCFF"/>
+    </inkml:brush>
+  </inkml:definitions>
+  <inkml:trace contextRef="#ctx0" brushRef="#br0">373 1 24575,'-2'42'0,"-1"0"0,-2 0 0,-12 46 0,-41 122 0,20-84 0,2 8 0,-79 273 0,107-382-93,-76 285-1179,77-276-5554</inkml:trace>
+</inkml:ink>
+</file>
+
+<file path=ppt/ink/ink28.xml><?xml version="1.0" encoding="utf-8"?>
+<inkml:ink xmlns:inkml="http://www.w3.org/2003/InkML">
+  <inkml:definitions>
+    <inkml:context xml:id="ctx0">
+      <inkml:inkSource xml:id="inkSrc0">
+        <inkml:traceFormat>
+          <inkml:channel name="X" type="integer" min="-2.14748E9" max="2.14748E9" units="cm"/>
+          <inkml:channel name="Y" type="integer" min="-2.14748E9" max="2.14748E9" units="cm"/>
+          <inkml:channel name="F" type="integer" max="32767" units="dev"/>
+        </inkml:traceFormat>
+        <inkml:channelProperties>
+          <inkml:channelProperty channel="X" name="resolution" value="1000" units="1/cm"/>
+          <inkml:channelProperty channel="Y" name="resolution" value="1000" units="1/cm"/>
+          <inkml:channelProperty channel="F" name="resolution" value="0" units="1/dev"/>
+        </inkml:channelProperties>
+      </inkml:inkSource>
+      <inkml:timestamp xml:id="ts0" timeString="2021-10-13T08:02:29.201"/>
+    </inkml:context>
+    <inkml:brush xml:id="br0">
+      <inkml:brushProperty name="width" value="0.05" units="cm"/>
+      <inkml:brushProperty name="height" value="0.05" units="cm"/>
+      <inkml:brushProperty name="color" value="#33CCFF"/>
+    </inkml:brush>
+  </inkml:definitions>
+  <inkml:trace contextRef="#ctx0" brushRef="#br0">451 1721 24575,'-13'0'0,"-9"0"0,0 0 0,-23-5 0,36 4 0,1-1 0,0-1 0,0 1 0,0-1 0,0-1 0,0 0 0,1 0 0,-13-8 0,0-4 0,0 0 0,2-1 0,0-1 0,0-1 0,2 0 0,0-1 0,2-1 0,0-1 0,1 0 0,1 0 0,2-1 0,0-1 0,1 0 0,1 0 0,-7-43 0,3 8 0,3 1 0,-3-106 0,14-350 0,-2 492 0,2 0 0,0 0 0,2 1 0,0-1 0,2 1 0,0 0 0,1 0 0,1 1 0,1 0 0,1 0 0,1 1 0,0 0 0,2 1 0,0 0 0,0 1 0,2 1 0,0 0 0,1 1 0,1 1 0,0 0 0,1 1 0,0 1 0,1 1 0,0 1 0,1 0 0,0 1 0,40-11 0,-21 11 0,0 2 0,78-5 0,80 12 0,-92 1 0,-94-1 0,1 1 0,-1 0 0,0 1 0,1 0 0,-1 0 0,0 2 0,0-1 0,-1 1 0,1 1 0,-1 0 0,0 0 0,0 1 0,0 0 0,-1 1 0,0 0 0,-1 0 0,1 1 0,-1 0 0,-1 1 0,1 0 0,-2 0 0,7 10 0,18 28 0,-3 1 0,27 65 0,-43-84 0,-1 1 0,-2 1 0,-1 0 0,-1 0 0,3 45 0,-5 42 0,-5-1 0,-5 0 0,-5 0 0,-40 187 0,36-236 0,3-9 0,-2-2 0,-3 1 0,-26 61 0,40-115 0,0 1 0,0-1 0,0 1 0,-1-1 0,0 0 0,0 0 0,0 0 0,0 0 0,-1-1 0,1 1 0,-1-1 0,0 0 0,0 0 0,0 0 0,-6 2 0,2-2 0,0 0 0,0-1 0,0-1 0,-1 0 0,1 0 0,0 0 0,-1-1 0,-10-1 0,-56-1-1365,53 1-5461</inkml:trace>
+</inkml:ink>
+</file>
+
+<file path=ppt/ink/ink29.xml><?xml version="1.0" encoding="utf-8"?>
+<inkml:ink xmlns:inkml="http://www.w3.org/2003/InkML">
+  <inkml:definitions>
+    <inkml:context xml:id="ctx0">
+      <inkml:inkSource xml:id="inkSrc0">
+        <inkml:traceFormat>
+          <inkml:channel name="X" type="integer" min="-2.14748E9" max="2.14748E9" units="cm"/>
+          <inkml:channel name="Y" type="integer" min="-2.14748E9" max="2.14748E9" units="cm"/>
+          <inkml:channel name="F" type="integer" max="32767" units="dev"/>
+        </inkml:traceFormat>
+        <inkml:channelProperties>
+          <inkml:channelProperty channel="X" name="resolution" value="1000" units="1/cm"/>
+          <inkml:channelProperty channel="Y" name="resolution" value="1000" units="1/cm"/>
+          <inkml:channelProperty channel="F" name="resolution" value="0" units="1/dev"/>
+        </inkml:channelProperties>
+      </inkml:inkSource>
+      <inkml:timestamp xml:id="ts0" timeString="2021-10-13T08:02:33.868"/>
+    </inkml:context>
+    <inkml:brush xml:id="br0">
+      <inkml:brushProperty name="width" value="0.05" units="cm"/>
+      <inkml:brushProperty name="height" value="0.05" units="cm"/>
+      <inkml:brushProperty name="color" value="#33CCFF"/>
+    </inkml:brush>
+  </inkml:definitions>
+  <inkml:trace contextRef="#ctx0" brushRef="#br0">0 165 24575,'1'-1'0,"-1"0"0,1 0 0,-1 0 0,1 0 0,-1-1 0,1 1 0,0 0 0,-1 0 0,1 1 0,0-1 0,0 0 0,0 0 0,0 0 0,0 0 0,0 1 0,0-1 0,0 1 0,0-1 0,0 0 0,0 1 0,3-1 0,29-10 0,-27 9 0,19-4 0,0 0 0,1 2 0,43-2 0,83 8 0,-56 1 0,54-1 0,193-5 0,-307-1 0,0-2 0,0-2 0,36-12 0,-41 10 0,0 2 0,1 1 0,0 1 0,38-1 0,-33 6 0,0-2 0,38-7 0,-36 5 0,1 2 0,70 3 0,25-2 0,-86-7-1365,-27 4-5461</inkml:trace>
+</inkml:ink>
+</file>
+
+<file path=ppt/ink/ink3.xml><?xml version="1.0" encoding="utf-8"?>
+<inkml:ink xmlns:inkml="http://www.w3.org/2003/InkML">
+  <inkml:definitions>
+    <inkml:context xml:id="ctx0">
+      <inkml:inkSource xml:id="inkSrc0">
+        <inkml:traceFormat>
+          <inkml:channel name="X" type="integer" min="-2.14748E9" max="2.14748E9" units="cm"/>
+          <inkml:channel name="Y" type="integer" min="-2.14748E9" max="2.14748E9" units="cm"/>
+          <inkml:channel name="F" type="integer" max="32767" units="dev"/>
+        </inkml:traceFormat>
+        <inkml:channelProperties>
+          <inkml:channelProperty channel="X" name="resolution" value="1000" units="1/cm"/>
+          <inkml:channelProperty channel="Y" name="resolution" value="1000" units="1/cm"/>
+          <inkml:channelProperty channel="F" name="resolution" value="0" units="1/dev"/>
+        </inkml:channelProperties>
+      </inkml:inkSource>
+      <inkml:timestamp xml:id="ts0" timeString="2021-10-13T08:01:43.576"/>
+    </inkml:context>
+    <inkml:brush xml:id="br0">
+      <inkml:brushProperty name="width" value="0.05" units="cm"/>
+      <inkml:brushProperty name="height" value="0.05" units="cm"/>
+      <inkml:brushProperty name="color" value="#33CCFF"/>
+    </inkml:brush>
+  </inkml:definitions>
+  <inkml:trace contextRef="#ctx0" brushRef="#br0">1 1 24575,'401'0'0,"-383"1"0,1 2 0,0 0 0,0 1 0,-1 1 0,0 0 0,24 11 0,-23-8 0,0-1 0,1-1 0,0 0 0,0-2 0,27 3 0,340-6 0,-184-3 0,-168 2 0,401 15 0,95-3 0,-335-14 0,973 2 0,-960 13 0,3 0 0,2736-15 0,-2918 4 0,-1 1 0,1 2 0,41 11 0,-40-8 0,1-1 0,52 3 0,456-8 0,-267-4 0,-178 3 0,109-3 0,-179-1 0,0-1 0,-1-2 0,27-9 0,25-6 0,-53 16-1365,-3-2-5461</inkml:trace>
+</inkml:ink>
+</file>
+
+<file path=ppt/ink/ink30.xml><?xml version="1.0" encoding="utf-8"?>
+<inkml:ink xmlns:inkml="http://www.w3.org/2003/InkML">
+  <inkml:definitions>
+    <inkml:context xml:id="ctx0">
+      <inkml:inkSource xml:id="inkSrc0">
+        <inkml:traceFormat>
+          <inkml:channel name="X" type="integer" min="-2.14748E9" max="2.14748E9" units="cm"/>
+          <inkml:channel name="Y" type="integer" min="-2.14748E9" max="2.14748E9" units="cm"/>
+          <inkml:channel name="F" type="integer" max="32767" units="dev"/>
+        </inkml:traceFormat>
+        <inkml:channelProperties>
+          <inkml:channelProperty channel="X" name="resolution" value="1000" units="1/cm"/>
+          <inkml:channelProperty channel="Y" name="resolution" value="1000" units="1/cm"/>
+          <inkml:channelProperty channel="F" name="resolution" value="0" units="1/dev"/>
+        </inkml:channelProperties>
+      </inkml:inkSource>
+      <inkml:timestamp xml:id="ts0" timeString="2021-10-13T08:02:40.307"/>
+    </inkml:context>
+    <inkml:brush xml:id="br0">
+      <inkml:brushProperty name="width" value="0.05" units="cm"/>
+      <inkml:brushProperty name="height" value="0.05" units="cm"/>
+      <inkml:brushProperty name="color" value="#33CCFF"/>
+    </inkml:brush>
+  </inkml:definitions>
+  <inkml:trace contextRef="#ctx0" brushRef="#br0">177 0 24575,'-2'1'0,"-1"-1"0,0 1 0,1-1 0,-1 1 0,1 0 0,0 0 0,-1 0 0,1 1 0,0-1 0,0 0 0,-1 1 0,1-1 0,0 1 0,1 0 0,-1 0 0,0 0 0,0 0 0,1 0 0,-1 0 0,1 0 0,0 1 0,0-1 0,-1 0 0,1 3 0,-6 12 0,1 0 0,-7 26 0,7-18 0,-60 209 0,56-186 0,2 1 0,2-1 0,0 51 0,6-67 0,6 128 0,-4-142 0,1 0 0,1 0 0,1 0 0,0 0 0,1-1 0,15 28 0,-12-27 0,1-2 0,0 1 0,2-1 0,0-1 0,0 0 0,2-1 0,0 0 0,0-1 0,1 0 0,32 19 0,7 3-82,-38-23-79,1 0 1,0-2 0,0 0-1,1-1 1,1 0 0,-1-2-1,37 10 1,-34-14-6666</inkml:trace>
+</inkml:ink>
+</file>
+
+<file path=ppt/ink/ink31.xml><?xml version="1.0" encoding="utf-8"?>
+<inkml:ink xmlns:inkml="http://www.w3.org/2003/InkML">
+  <inkml:definitions>
+    <inkml:context xml:id="ctx0">
+      <inkml:inkSource xml:id="inkSrc0">
+        <inkml:traceFormat>
+          <inkml:channel name="X" type="integer" min="-2.14748E9" max="2.14748E9" units="cm"/>
+          <inkml:channel name="Y" type="integer" min="-2.14748E9" max="2.14748E9" units="cm"/>
+          <inkml:channel name="F" type="integer" max="32767" units="dev"/>
+        </inkml:traceFormat>
+        <inkml:channelProperties>
+          <inkml:channelProperty channel="X" name="resolution" value="1000" units="1/cm"/>
+          <inkml:channelProperty channel="Y" name="resolution" value="1000" units="1/cm"/>
+          <inkml:channelProperty channel="F" name="resolution" value="0" units="1/dev"/>
+        </inkml:channelProperties>
+      </inkml:inkSource>
+      <inkml:timestamp xml:id="ts0" timeString="2021-10-13T08:02:41.148"/>
+    </inkml:context>
+    <inkml:brush xml:id="br0">
+      <inkml:brushProperty name="width" value="0.05" units="cm"/>
+      <inkml:brushProperty name="height" value="0.05" units="cm"/>
+      <inkml:brushProperty name="color" value="#33CCFF"/>
+    </inkml:brush>
+  </inkml:definitions>
+  <inkml:trace contextRef="#ctx0" brushRef="#br0">10 1 24575,'3'0'0,"1"0"0,-1 1 0,0 0 0,0-1 0,0 1 0,0 0 0,0 1 0,0-1 0,0 0 0,-1 1 0,1 0 0,0-1 0,-1 1 0,1 0 0,-1 0 0,4 5 0,31 44 0,-27-36 0,-2-3 0,19 27 0,28 56 0,-48-80 0,-1-1 0,0 1 0,-1 0 0,-1 0 0,0 1 0,-2-1 0,3 31 0,-8 253 0,3-288 0,-1 1 0,-1-1 0,1 0 0,-2 0 0,1 0 0,-2-1 0,1 1 0,-1-1 0,-8 14 0,-4 4 0,-38 47 0,-4 8 0,46-66-152,0-1-1,-19 19 1,21-25-756,0 1-5918</inkml:trace>
+</inkml:ink>
+</file>
+
+<file path=ppt/ink/ink32.xml><?xml version="1.0" encoding="utf-8"?>
+<inkml:ink xmlns:inkml="http://www.w3.org/2003/InkML">
+  <inkml:definitions>
+    <inkml:context xml:id="ctx0">
+      <inkml:inkSource xml:id="inkSrc0">
+        <inkml:traceFormat>
+          <inkml:channel name="X" type="integer" min="-2.14748E9" max="2.14748E9" units="cm"/>
+          <inkml:channel name="Y" type="integer" min="-2.14748E9" max="2.14748E9" units="cm"/>
+          <inkml:channel name="F" type="integer" max="32767" units="dev"/>
+        </inkml:traceFormat>
+        <inkml:channelProperties>
+          <inkml:channelProperty channel="X" name="resolution" value="1000" units="1/cm"/>
+          <inkml:channelProperty channel="Y" name="resolution" value="1000" units="1/cm"/>
+          <inkml:channelProperty channel="F" name="resolution" value="0" units="1/dev"/>
+        </inkml:channelProperties>
+      </inkml:inkSource>
+      <inkml:timestamp xml:id="ts0" timeString="2021-10-13T08:02:37.944"/>
+    </inkml:context>
+    <inkml:brush xml:id="br0">
+      <inkml:brushProperty name="width" value="0.05" units="cm"/>
+      <inkml:brushProperty name="height" value="0.05" units="cm"/>
+      <inkml:brushProperty name="color" value="#33CCFF"/>
+    </inkml:brush>
+  </inkml:definitions>
+  <inkml:trace contextRef="#ctx0" brushRef="#br0">328 1027 24575,'-14'-1'0,"0"0"0,0-1 0,0-1 0,1 0 0,-1-1 0,1 0 0,0-1 0,-21-11 0,12 3 0,0 0 0,1-1 0,-36-31 0,52 39 0,-1-1 0,1 1 0,0-1 0,0 0 0,1 0 0,0-1 0,0 1 0,1-1 0,0 0 0,0 0 0,1 0 0,0 0 0,-1-11 0,-1-15 0,1-64 0,3 80 0,-2-68 0,6-140 0,-3 220 0,0 0 0,1 0 0,-1 0 0,1 0 0,1 1 0,-1-1 0,1 0 0,5-7 0,34-44 0,-25 36 0,-1 3 0,0 0 0,1 2 0,1 0 0,30-21 0,-24 20 0,-9 5 0,-9 6 0,0 1 0,0 0 0,1 1 0,-1-1 0,1 1 0,0 1 0,0-1 0,0 1 0,1 0 0,-1 1 0,1 0 0,-1 0 0,17-1 0,12 0 0,1 2 0,-1 2 0,55 8 0,-81-6 0,1 0 0,0 1 0,-1 0 0,0 1 0,0 0 0,0 0 0,-1 1 0,0 0 0,0 1 0,0 0 0,8 9 0,0 0 0,-12-13 0,-1 0 0,0 1 0,0 0 0,0-1 0,0 1 0,0 1 0,-1-1 0,0 0 0,0 1 0,0 0 0,-1 0 0,0 0 0,1 0 0,-2 0 0,1 0 0,1 10 0,2 35 0,-3 0 0,-5 70 0,0-14 0,3-93 0,-4 99 0,2-97 0,-1-1 0,0 1 0,-1 0 0,0-1 0,-9 20 0,-2-5 0,-2-1 0,-31 41 0,-13 22 0,53-81-76,1-1 1,-1 1-1,-1-1 0,0-1 0,0 1 0,-1-1 0,1-1 0,-2 0 1,1-1-1,-1 1 0,0-2 0,0 0 0,-1 0 0,0-1 1,1-1-1,-1 0 0,-17 2 0,8-2-6750</inkml:trace>
+</inkml:ink>
+</file>
+
+<file path=ppt/ink/ink33.xml><?xml version="1.0" encoding="utf-8"?>
+<inkml:ink xmlns:inkml="http://www.w3.org/2003/InkML">
+  <inkml:definitions>
+    <inkml:context xml:id="ctx0">
+      <inkml:inkSource xml:id="inkSrc0">
+        <inkml:traceFormat>
+          <inkml:channel name="X" type="integer" min="-2.14748E9" max="2.14748E9" units="cm"/>
+          <inkml:channel name="Y" type="integer" min="-2.14748E9" max="2.14748E9" units="cm"/>
+          <inkml:channel name="F" type="integer" max="32767" units="dev"/>
+        </inkml:traceFormat>
+        <inkml:channelProperties>
+          <inkml:channelProperty channel="X" name="resolution" value="1000" units="1/cm"/>
+          <inkml:channelProperty channel="Y" name="resolution" value="1000" units="1/cm"/>
+          <inkml:channelProperty channel="F" name="resolution" value="0" units="1/dev"/>
+        </inkml:channelProperties>
+      </inkml:inkSource>
+      <inkml:timestamp xml:id="ts0" timeString="2021-10-13T08:02:39.267"/>
+    </inkml:context>
+    <inkml:brush xml:id="br0">
+      <inkml:brushProperty name="width" value="0.05" units="cm"/>
+      <inkml:brushProperty name="height" value="0.05" units="cm"/>
+      <inkml:brushProperty name="color" value="#33CCFF"/>
+    </inkml:brush>
+  </inkml:definitions>
+  <inkml:trace contextRef="#ctx0" brushRef="#br0">126 507 24575,'-1'-6'0,"0"1"0,0 0 0,0-1 0,-1 1 0,0 0 0,0 0 0,0 0 0,-1 0 0,-4-6 0,3 4 0,0 1 0,1-1 0,-1 0 0,-2-11 0,-1-6 0,-14-33 0,2 5 0,14 28 0,1-1 0,1 1 0,1-1 0,1 1 0,1-1 0,6-41 0,-6 64 0,0-1 0,1 1 0,-1 0 0,1-1 0,-1 1 0,1 0 0,0 0 0,0 0 0,0 0 0,0 0 0,1 0 0,-1 0 0,1 0 0,-1 0 0,1 0 0,-1 1 0,1-1 0,2-1 0,0 1 0,0 0 0,0 0 0,0 0 0,0 0 0,0 1 0,0-1 0,1 1 0,-1 0 0,5 0 0,9 0 0,0 1 0,0 0 0,30 5 0,-45-4 0,1-1 0,1 1 0,-1 0 0,0 0 0,1 1 0,-1 0 0,0-1 0,0 1 0,0 1 0,0-1 0,0 0 0,0 1 0,-1 0 0,1 0 0,3 4 0,-2-1 0,0 1 0,0 0 0,-1 0 0,1 0 0,-2 0 0,1 1 0,3 10 0,-1 3 0,0 1 0,-2 0 0,0 0 0,0 43 0,-3-50 0,-4 244 0,2-250 0,-1 0 0,0 0 0,0 0 0,-1-1 0,0 1 0,-1-1 0,0 0 0,0 0 0,-10 14 0,-2-1 0,-1-1 0,-21 21 0,29-34 0,1 1 0,-1-1 0,-1-1 0,1 0 0,-20 9 0,24-12 0,0-1 0,0 0 0,0 0 0,0 0 0,-1-1 0,1 0 0,-1 0 0,1 0 0,-1-1 0,1 0 0,-1 0 0,1 0 0,-10-2 0,13 1 0,-1 0 0,1-1 0,0 1 0,0-1 0,0 1 0,0-1 0,0 0 0,0 0 0,0 0 0,0 0 0,1 0 0,-1 0 0,1-1 0,-1 1 0,1 0 0,0-1 0,0 1 0,0-1 0,-1-4 0,-10-55 0,10 51 0,-4-66-1365,5 55-5461</inkml:trace>
+</inkml:ink>
+</file>
+
+<file path=ppt/ink/ink34.xml><?xml version="1.0" encoding="utf-8"?>
+<inkml:ink xmlns:inkml="http://www.w3.org/2003/InkML">
+  <inkml:definitions>
+    <inkml:context xml:id="ctx0">
+      <inkml:inkSource xml:id="inkSrc0">
+        <inkml:traceFormat>
+          <inkml:channel name="X" type="integer" min="-2.14748E9" max="2.14748E9" units="cm"/>
+          <inkml:channel name="Y" type="integer" min="-2.14748E9" max="2.14748E9" units="cm"/>
+          <inkml:channel name="F" type="integer" max="32767" units="dev"/>
+        </inkml:traceFormat>
+        <inkml:channelProperties>
+          <inkml:channelProperty channel="X" name="resolution" value="1000" units="1/cm"/>
+          <inkml:channelProperty channel="Y" name="resolution" value="1000" units="1/cm"/>
+          <inkml:channelProperty channel="F" name="resolution" value="0" units="1/dev"/>
+        </inkml:channelProperties>
+      </inkml:inkSource>
+      <inkml:timestamp xml:id="ts0" timeString="2021-10-13T08:02:43.923"/>
+    </inkml:context>
+    <inkml:brush xml:id="br0">
+      <inkml:brushProperty name="width" value="0.05" units="cm"/>
+      <inkml:brushProperty name="height" value="0.05" units="cm"/>
+      <inkml:brushProperty name="color" value="#33CCFF"/>
+    </inkml:brush>
+  </inkml:definitions>
+  <inkml:trace contextRef="#ctx0" brushRef="#br0">1 176 24575,'144'0'0,"169"-1"0,-240-5 0,-1-4 0,91-22 0,72-11 0,321 31 0,-318 16 0,2040-4 0,-2097 12 0,2 1 0,533-14 0,-646-2 0,0-4 0,87-20 0,-78 12 0,96-6 0,321 18 0,-259 5 0,2003-2 0,-2192-2 0,48-9 0,-49 5 0,53-1 0,322 8-1365,-401-1-5461</inkml:trace>
+</inkml:ink>
+</file>
+
+<file path=ppt/ink/ink35.xml><?xml version="1.0" encoding="utf-8"?>
+<inkml:ink xmlns:inkml="http://www.w3.org/2003/InkML">
+  <inkml:definitions>
+    <inkml:context xml:id="ctx0">
+      <inkml:inkSource xml:id="inkSrc0">
+        <inkml:traceFormat>
+          <inkml:channel name="X" type="integer" min="-2.14748E9" max="2.14748E9" units="cm"/>
+          <inkml:channel name="Y" type="integer" min="-2.14748E9" max="2.14748E9" units="cm"/>
+          <inkml:channel name="F" type="integer" max="32767" units="dev"/>
+        </inkml:traceFormat>
+        <inkml:channelProperties>
+          <inkml:channelProperty channel="X" name="resolution" value="1000" units="1/cm"/>
+          <inkml:channelProperty channel="Y" name="resolution" value="1000" units="1/cm"/>
+          <inkml:channelProperty channel="F" name="resolution" value="0" units="1/dev"/>
+        </inkml:channelProperties>
+      </inkml:inkSource>
+      <inkml:timestamp xml:id="ts0" timeString="2021-10-13T08:04:44.077"/>
+    </inkml:context>
+    <inkml:brush xml:id="br0">
+      <inkml:brushProperty name="width" value="0.05" units="cm"/>
+      <inkml:brushProperty name="height" value="0.05" units="cm"/>
+      <inkml:brushProperty name="color" value="#33CCFF"/>
+    </inkml:brush>
+  </inkml:definitions>
+  <inkml:trace contextRef="#ctx0" brushRef="#br0">1 1 24575,'598'16'0,"612"-4"-902,-750-14 612,358 2 1482,-665 13-1192,-5-1 0,-60-12 0,-23-1 0,106 11 0,-86 4 0,-20-3 0,0-3 0,70 0 0,-37-9-1365,-77 1-5461</inkml:trace>
+</inkml:ink>
+</file>
+
+<file path=ppt/ink/ink36.xml><?xml version="1.0" encoding="utf-8"?>
+<inkml:ink xmlns:inkml="http://www.w3.org/2003/InkML">
+  <inkml:definitions>
+    <inkml:context xml:id="ctx0">
+      <inkml:inkSource xml:id="inkSrc0">
+        <inkml:traceFormat>
+          <inkml:channel name="X" type="integer" min="-2.14748E9" max="2.14748E9" units="cm"/>
+          <inkml:channel name="Y" type="integer" min="-2.14748E9" max="2.14748E9" units="cm"/>
+          <inkml:channel name="F" type="integer" max="32767" units="dev"/>
+        </inkml:traceFormat>
+        <inkml:channelProperties>
+          <inkml:channelProperty channel="X" name="resolution" value="1000" units="1/cm"/>
+          <inkml:channelProperty channel="Y" name="resolution" value="1000" units="1/cm"/>
+          <inkml:channelProperty channel="F" name="resolution" value="0" units="1/dev"/>
+        </inkml:channelProperties>
+      </inkml:inkSource>
+      <inkml:timestamp xml:id="ts0" timeString="2021-10-13T08:04:44.930"/>
+    </inkml:context>
+    <inkml:brush xml:id="br0">
+      <inkml:brushProperty name="width" value="0.05" units="cm"/>
+      <inkml:brushProperty name="height" value="0.05" units="cm"/>
+      <inkml:brushProperty name="color" value="#33CCFF"/>
+    </inkml:brush>
+  </inkml:definitions>
+  <inkml:trace contextRef="#ctx0" brushRef="#br0">0 0 24575,'1543'0'0,"-1263"13"0,-6 0 0,547-14-1365,-800 1-5461</inkml:trace>
+</inkml:ink>
+</file>
+
+<file path=ppt/ink/ink37.xml><?xml version="1.0" encoding="utf-8"?>
+<inkml:ink xmlns:inkml="http://www.w3.org/2003/InkML">
+  <inkml:definitions>
+    <inkml:context xml:id="ctx0">
+      <inkml:inkSource xml:id="inkSrc0">
+        <inkml:traceFormat>
+          <inkml:channel name="X" type="integer" min="-2.14748E9" max="2.14748E9" units="cm"/>
+          <inkml:channel name="Y" type="integer" min="-2.14748E9" max="2.14748E9" units="cm"/>
+          <inkml:channel name="F" type="integer" max="32767" units="dev"/>
+        </inkml:traceFormat>
+        <inkml:channelProperties>
+          <inkml:channelProperty channel="X" name="resolution" value="1000" units="1/cm"/>
+          <inkml:channelProperty channel="Y" name="resolution" value="1000" units="1/cm"/>
+          <inkml:channelProperty channel="F" name="resolution" value="0" units="1/dev"/>
+        </inkml:channelProperties>
+      </inkml:inkSource>
+      <inkml:timestamp xml:id="ts0" timeString="2021-10-13T08:03:01.083"/>
+    </inkml:context>
+    <inkml:brush xml:id="br0">
+      <inkml:brushProperty name="width" value="0.05" units="cm"/>
+      <inkml:brushProperty name="height" value="0.05" units="cm"/>
+      <inkml:brushProperty name="color" value="#33CCFF"/>
+    </inkml:brush>
+  </inkml:definitions>
+  <inkml:trace contextRef="#ctx0" brushRef="#br0">577 3394 24575,'21'-2'0,"0"0"0,36-8 0,-5 0 0,146-22 32,372-46-825,506 59-1171,-745 21 2091,4306 0-2872,-2466-3 8088,-1971-12-5343,3 0 0,-131 15 0,75-3 0,-145 1 0,1-1 0,0 1 0,-1 0 0,1-1 0,-1 0 0,1 1 0,-1-1 0,0 0 0,1 0 0,-1 0 0,0-1 0,1 1 0,-1 0 0,0-1 0,0 0 0,0 1 0,-1-1 0,1 0 0,0 0 0,-1 0 0,1 0 0,-1 0 0,1-1 0,-1 1 0,0 0 0,0-1 0,0 1 0,0-1 0,0-3 0,1-6 0,0 0 0,-1-1 0,-1 1 0,-2-25 0,1 12 0,-6-1371-2667,9 817 1720,-2-425 4561,0 1000-3614,1 0 0,-1 0 0,-1 0 0,1 0 0,-1 0 0,1 0 0,-1 0 0,0 0 0,-1 0 0,1 1 0,-1-1 0,1 0 0,-4-5 0,2 7 0,1 0 0,0 0 0,-1 1 0,1-1 0,-1 0 0,0 1 0,0 0 0,1-1 0,-1 1 0,0 0 0,0 0 0,0 1 0,0-1 0,0 1 0,0-1 0,0 1 0,0 0 0,-4 0 0,-352 7 0,-372-9-967,-1042 4-2756,1538 6 3061,-268 43 0,-361 64 93,-4-62 398,78-55 689,-156 2 165,296 39-683,5 37 0,467-53 0,-105 21 47,206-27 23,-120 42 0,49-1 58,-104 35 158,169-62 450,-47 13 1890,112-39-2361,-1-1 0,0-1 0,-1-1 0,1 0 0,-20-1 0,-256-5-265,246 4 0,46 0 0,0-1 0,-1 1 0,1 0 0,-1 1 0,1-1 0,-1 1 0,1-1 0,0 1 0,-1 0 0,1 0 0,0 1 0,0-1 0,0 1 0,0-1 0,0 1 0,0 0 0,0 0 0,1 0 0,-1 1 0,1-1 0,-1 1 0,1-1 0,0 1 0,0 0 0,0 0 0,1 0 0,-1 0 0,1 0 0,-1 0 0,1 0 0,-1 5 0,-7 18 0,1 0 0,1 1 0,2 0 0,-5 53 0,8 117 0,4-119 0,0 1021 0,-1-1045 0,4-1 0,20 102 0,44 101 0,-43-173 0,23 88 0,-24-46 0,-20-104-151,1-1-1,0-1 0,2 1 0,1-1 1,0 0-1,1-1 0,1 0 1,22 26-1,-23-30-6674</inkml:trace>
+</inkml:ink>
+</file>
+
+<file path=ppt/ink/ink38.xml><?xml version="1.0" encoding="utf-8"?>
+<inkml:ink xmlns:inkml="http://www.w3.org/2003/InkML">
+  <inkml:definitions>
+    <inkml:context xml:id="ctx0">
+      <inkml:inkSource xml:id="inkSrc0">
+        <inkml:traceFormat>
+          <inkml:channel name="X" type="integer" min="-2.14748E9" max="2.14748E9" units="cm"/>
+          <inkml:channel name="Y" type="integer" min="-2.14748E9" max="2.14748E9" units="cm"/>
+          <inkml:channel name="F" type="integer" max="32767" units="dev"/>
+        </inkml:traceFormat>
+        <inkml:channelProperties>
+          <inkml:channelProperty channel="X" name="resolution" value="1000" units="1/cm"/>
+          <inkml:channelProperty channel="Y" name="resolution" value="1000" units="1/cm"/>
+          <inkml:channelProperty channel="F" name="resolution" value="0" units="1/dev"/>
+        </inkml:channelProperties>
+      </inkml:inkSource>
+      <inkml:timestamp xml:id="ts0" timeString="2021-10-13T08:03:02.848"/>
+    </inkml:context>
+    <inkml:brush xml:id="br0">
+      <inkml:brushProperty name="width" value="0.05" units="cm"/>
+      <inkml:brushProperty name="height" value="0.05" units="cm"/>
+      <inkml:brushProperty name="color" value="#33CCFF"/>
+    </inkml:brush>
+  </inkml:definitions>
+  <inkml:trace contextRef="#ctx0" brushRef="#br0">1498 2143 24575,'-148'1'0,"-160"-3"0,291 0 0,-1 0 0,1-2 0,0 0 0,1 0 0,-1-2 0,1 0 0,0-1 0,-21-12 0,-14-13 0,-52-40 0,39 25 0,-301-229 0,343 257 0,1-2 0,1 0 0,0-1 0,2-2 0,1 1 0,1-2 0,-25-49 0,26 47 0,1 0 0,1-1 0,1-1 0,2 0 0,-10-40 0,8-10 0,4 0 0,2-126 0,5 137 0,0 14 0,7-59 0,-4 96 0,0 0 0,2 0 0,0 1 0,1-1 0,1 1 0,0 0 0,15-26 0,-6 18 0,2 1 0,0 0 0,2 1 0,0 1 0,31-26 0,-4 10 0,81-49 0,-91 63 0,1 2 0,1 1 0,1 3 0,0 0 0,1 3 0,1 1 0,1 3 0,67-10 0,415-8 0,-459 28 0,107 4 0,-148-1 0,1 0 0,-2 2 0,1 1 0,0 0 0,25 12 0,51 33 0,-1 3 0,108 81 0,-104-67 0,12 13 0,110 100 0,-190-149 0,-1 2 0,-2 2 0,39 55 0,66 130 0,-127-202 0,0 1 0,-2 0 0,0 1 0,-1 0 0,-1 0 0,5 38 0,-6-5 0,-2 84 0,-7 339 0,2-438 0,-2-1 0,-2 0 0,-2 0 0,-1-1 0,-2 0 0,-1 0 0,-2-1 0,-1-1 0,-2 0 0,-2-1 0,-1-1 0,-1-1 0,-34 39 0,27-43 0,-2-2 0,0 0 0,-1-3 0,-63 37 0,26-16 0,24-17 0,-1-1 0,-1-2 0,0-2 0,-78 23 0,84-33 0,-1-2 0,0-1 0,-1-3 0,0-1 0,0-2 0,-43-3 0,56-3 0,-1-2 0,1-1 0,-30-11 0,-6 0 0,56 14 0,0-1 0,0 0 0,0 0 0,0 0 0,1-1 0,-15-11 0,12 8 0,1 1 0,-23-11 0,8 6 0,1-2 0,0-1 0,1 0 0,-24-22 0,19 14 0,-53-31 0,71 47 0,-1 0 0,-17-16 0,19 15 0,0 0 0,-1 1 0,-13-9 0,1 4-273,0-1 0,2-1 0,-1-1 0,-18-19 0,22 18-6553</inkml:trace>
+</inkml:ink>
+</file>
+
+<file path=ppt/ink/ink39.xml><?xml version="1.0" encoding="utf-8"?>
+<inkml:ink xmlns:inkml="http://www.w3.org/2003/InkML">
+  <inkml:definitions>
+    <inkml:context xml:id="ctx0">
+      <inkml:inkSource xml:id="inkSrc0">
+        <inkml:traceFormat>
+          <inkml:channel name="X" type="integer" min="-2.14748E9" max="2.14748E9" units="cm"/>
+          <inkml:channel name="Y" type="integer" min="-2.14748E9" max="2.14748E9" units="cm"/>
+          <inkml:channel name="F" type="integer" max="32767" units="dev"/>
+        </inkml:traceFormat>
+        <inkml:channelProperties>
+          <inkml:channelProperty channel="X" name="resolution" value="1000" units="1/cm"/>
+          <inkml:channelProperty channel="Y" name="resolution" value="1000" units="1/cm"/>
+          <inkml:channelProperty channel="F" name="resolution" value="0" units="1/dev"/>
+        </inkml:channelProperties>
+      </inkml:inkSource>
+      <inkml:timestamp xml:id="ts0" timeString="2021-10-13T08:03:28.927"/>
+    </inkml:context>
+    <inkml:brush xml:id="br0">
+      <inkml:brushProperty name="width" value="0.05" units="cm"/>
+      <inkml:brushProperty name="height" value="0.05" units="cm"/>
+      <inkml:brushProperty name="color" value="#33CCFF"/>
+    </inkml:brush>
+  </inkml:definitions>
+  <inkml:trace contextRef="#ctx0" brushRef="#br0">1 0 24575,'6328'0'0,"-6292"2"0,53 9 0,-52-5 0,50 1 0,11-7-1365,-77-1-5461</inkml:trace>
+</inkml:ink>
+</file>
+
+<file path=ppt/ink/ink4.xml><?xml version="1.0" encoding="utf-8"?>
+<inkml:ink xmlns:inkml="http://www.w3.org/2003/InkML">
+  <inkml:definitions>
+    <inkml:context xml:id="ctx0">
+      <inkml:inkSource xml:id="inkSrc0">
+        <inkml:traceFormat>
+          <inkml:channel name="X" type="integer" min="-2.14748E9" max="2.14748E9" units="cm"/>
+          <inkml:channel name="Y" type="integer" min="-2.14748E9" max="2.14748E9" units="cm"/>
+          <inkml:channel name="F" type="integer" max="32767" units="dev"/>
+        </inkml:traceFormat>
+        <inkml:channelProperties>
+          <inkml:channelProperty channel="X" name="resolution" value="1000" units="1/cm"/>
+          <inkml:channelProperty channel="Y" name="resolution" value="1000" units="1/cm"/>
+          <inkml:channelProperty channel="F" name="resolution" value="0" units="1/dev"/>
+        </inkml:channelProperties>
+      </inkml:inkSource>
+      <inkml:timestamp xml:id="ts0" timeString="2021-10-13T08:01:44.728"/>
+    </inkml:context>
+    <inkml:brush xml:id="br0">
+      <inkml:brushProperty name="width" value="0.05" units="cm"/>
+      <inkml:brushProperty name="height" value="0.05" units="cm"/>
+      <inkml:brushProperty name="color" value="#33CCFF"/>
+    </inkml:brush>
+  </inkml:definitions>
+  <inkml:trace contextRef="#ctx0" brushRef="#br0">1 568 24575,'0'-8'0,"1"-1"0,1 1 0,-1 0 0,1 0 0,1 0 0,-1 1 0,1-1 0,6-10 0,38-60 0,-31 54 0,12-16 0,-19 30 0,-1-2 0,-1 1 0,0-1 0,7-16 0,69-158 0,-66 152 0,-15 29 0,0 0 0,1 1 0,0-1 0,0 1 0,0 0 0,1 0 0,-1 0 0,8-5 0,-11 8 0,1 0 0,0 1 0,0-1 0,0 1 0,0-1 0,0 1 0,0-1 0,0 1 0,0 0 0,1-1 0,-1 1 0,0 0 0,0 0 0,0 0 0,0 0 0,0 0 0,0 0 0,2 0 0,-1 1 0,-1 0 0,0-1 0,1 1 0,-1 0 0,0 0 0,0 0 0,0 0 0,0 0 0,0 0 0,0 0 0,0 0 0,0 1 0,0-1 0,0 0 0,0 0 0,-1 1 0,1-1 0,0 2 0,3 8 0,-1 0 0,0 0 0,0 0 0,-1 0 0,0 0 0,-1 13 0,-1 73 0,-2-56 0,0 129-1365,2-147-5461</inkml:trace>
+</inkml:ink>
+</file>
+
+<file path=ppt/ink/ink40.xml><?xml version="1.0" encoding="utf-8"?>
+<inkml:ink xmlns:inkml="http://www.w3.org/2003/InkML">
+  <inkml:definitions>
+    <inkml:context xml:id="ctx0">
+      <inkml:inkSource xml:id="inkSrc0">
+        <inkml:traceFormat>
+          <inkml:channel name="X" type="integer" min="-2.14748E9" max="2.14748E9" units="cm"/>
+          <inkml:channel name="Y" type="integer" min="-2.14748E9" max="2.14748E9" units="cm"/>
+          <inkml:channel name="F" type="integer" max="32767" units="dev"/>
+        </inkml:traceFormat>
+        <inkml:channelProperties>
+          <inkml:channelProperty channel="X" name="resolution" value="1000" units="1/cm"/>
+          <inkml:channelProperty channel="Y" name="resolution" value="1000" units="1/cm"/>
+          <inkml:channelProperty channel="F" name="resolution" value="0" units="1/dev"/>
+        </inkml:channelProperties>
+      </inkml:inkSource>
+      <inkml:timestamp xml:id="ts0" timeString="2021-10-13T08:03:36.471"/>
+    </inkml:context>
+    <inkml:brush xml:id="br0">
+      <inkml:brushProperty name="width" value="0.05" units="cm"/>
+      <inkml:brushProperty name="height" value="0.05" units="cm"/>
+      <inkml:brushProperty name="color" value="#33CCFF"/>
+    </inkml:brush>
+  </inkml:definitions>
+  <inkml:trace contextRef="#ctx0" brushRef="#br0">1 30 24575,'0'-1'0,"1"0"0,-1 0 0,1 0 0,-1 0 0,1 0 0,-1 0 0,1 0 0,0 1 0,-1-1 0,1 0 0,0 0 0,0 0 0,0 1 0,-1-1 0,1 0 0,0 1 0,0-1 0,0 1 0,0-1 0,0 1 0,0 0 0,0-1 0,0 1 0,1 0 0,-1 0 0,0-1 0,1 1 0,37-5 0,-33 5 0,22-3 0,0 1 0,0 1 0,1 1 0,-1 2 0,1 1 0,41 10 0,-35-4 0,1-1 0,0-1 0,48 2 0,108-7 0,-19 0 0,-115 3 0,0 4 0,67 17 0,-42-7 0,137 34 0,28 5 0,-183-46 0,124 7 0,94-20 0,-105-1 0,-162 3 0,-1 1 0,1 1 0,-1 0 0,0 1 0,0 1 0,27 12 0,-20-9 0,-1 0 0,29 6 0,-38-11 0,299 49 0,33-45 0,-194-9 0,-48 3 0,117-3 0,-171-7-1365,-26 3-5461</inkml:trace>
+</inkml:ink>
+</file>
+
+<file path=ppt/ink/ink41.xml><?xml version="1.0" encoding="utf-8"?>
+<inkml:ink xmlns:inkml="http://www.w3.org/2003/InkML">
+  <inkml:definitions>
+    <inkml:context xml:id="ctx0">
+      <inkml:inkSource xml:id="inkSrc0">
+        <inkml:traceFormat>
+          <inkml:channel name="X" type="integer" min="-2.14748E9" max="2.14748E9" units="cm"/>
+          <inkml:channel name="Y" type="integer" min="-2.14748E9" max="2.14748E9" units="cm"/>
+          <inkml:channel name="F" type="integer" max="32767" units="dev"/>
+        </inkml:traceFormat>
+        <inkml:channelProperties>
+          <inkml:channelProperty channel="X" name="resolution" value="1000" units="1/cm"/>
+          <inkml:channelProperty channel="Y" name="resolution" value="1000" units="1/cm"/>
+          <inkml:channelProperty channel="F" name="resolution" value="0" units="1/dev"/>
+        </inkml:channelProperties>
+      </inkml:inkSource>
+      <inkml:timestamp xml:id="ts0" timeString="2021-10-13T08:04:07.368"/>
+    </inkml:context>
+    <inkml:brush xml:id="br0">
+      <inkml:brushProperty name="width" value="0.05" units="cm"/>
+      <inkml:brushProperty name="height" value="0.05" units="cm"/>
+      <inkml:brushProperty name="color" value="#33CCFF"/>
+    </inkml:brush>
+  </inkml:definitions>
+  <inkml:trace contextRef="#ctx0" brushRef="#br0">1 26 24575,'12'0'0,"0"-2"0,0 1 0,20-7 0,22-3 0,176 7 0,-134 6 0,173 10 0,-30 0 0,993-10 0,-631-4 0,-565 4 0,1 2 0,0 1 0,61 17 0,-79-17 0,28 2 0,0-1 0,1-2 0,-1-3 0,56-4 0,-1 0 0,575 3-1365,-644 0-5461</inkml:trace>
+</inkml:ink>
+</file>
+
+<file path=ppt/ink/ink42.xml><?xml version="1.0" encoding="utf-8"?>
+<inkml:ink xmlns:inkml="http://www.w3.org/2003/InkML">
+  <inkml:definitions>
+    <inkml:context xml:id="ctx0">
+      <inkml:inkSource xml:id="inkSrc0">
+        <inkml:traceFormat>
+          <inkml:channel name="X" type="integer" min="-2.14748E9" max="2.14748E9" units="cm"/>
+          <inkml:channel name="Y" type="integer" min="-2.14748E9" max="2.14748E9" units="cm"/>
+          <inkml:channel name="F" type="integer" max="32767" units="dev"/>
+        </inkml:traceFormat>
+        <inkml:channelProperties>
+          <inkml:channelProperty channel="X" name="resolution" value="1000" units="1/cm"/>
+          <inkml:channelProperty channel="Y" name="resolution" value="1000" units="1/cm"/>
+          <inkml:channelProperty channel="F" name="resolution" value="0" units="1/dev"/>
+        </inkml:channelProperties>
+      </inkml:inkSource>
+      <inkml:timestamp xml:id="ts0" timeString="2021-10-13T08:03:42.841"/>
+    </inkml:context>
+    <inkml:brush xml:id="br0">
+      <inkml:brushProperty name="width" value="0.05" units="cm"/>
+      <inkml:brushProperty name="height" value="0.05" units="cm"/>
+      <inkml:brushProperty name="color" value="#33CCFF"/>
+    </inkml:brush>
+  </inkml:definitions>
+  <inkml:trace contextRef="#ctx0" brushRef="#br0">1673 1595 24575,'-3'-1'0,"0"1"0,1-1 0,-1 0 0,0 0 0,1 0 0,-1-1 0,1 1 0,-1-1 0,1 1 0,0-1 0,-1 0 0,-1-2 0,-18-11 0,-126-41 0,39 18 0,42 15 0,-1 4 0,-76-12 0,-5-1 0,30 4 0,-128-37 0,233 60 0,1 0 0,-1-1 0,1-1 0,0 0 0,1-1 0,0-1 0,0 0 0,1 0 0,0-1 0,-11-12 0,-13-11 0,22 22 0,0-1 0,-13-17 0,22 25 0,1-1 0,0 0 0,0 0 0,0 0 0,0 0 0,1 0 0,0-1 0,0 1 0,1-1 0,-2-10 0,-4-34 0,2 19 0,2-1 0,0-49 0,4 72 0,-1 0 0,2 0 0,-1-1 0,1 1 0,1 1 0,-1-1 0,1 0 0,1 1 0,0-1 0,0 1 0,1 0 0,0 0 0,8-10 0,15-10 0,1 2 0,1 0 0,2 2 0,49-29 0,59-46 0,-119 81 0,1 1 0,1 1 0,1 0 0,0 2 0,1 2 0,0 0 0,1 1 0,1 1 0,29-6 0,-13 7 0,-1 2 0,77-3 0,90 11 0,-74 2 0,-128-3 0,207 5 0,-173-1 0,0 1 0,-1 2 0,46 15 0,-62-15 0,-1 1 0,35 18 0,-49-22 0,0 2 0,-1-1 0,0 1 0,0 1 0,-1-1 0,1 2 0,-2-1 0,1 0 0,6 11 0,-1 1 0,0 1 0,-1 1 0,-2 0 0,0 1 0,-1 0 0,-1 0 0,-1 0 0,-1 1 0,-1 0 0,-1 0 0,-1 0 0,-2 43 0,0 17 0,-3 101 0,1-167 0,-1 0 0,0 1 0,-1-2 0,0 1 0,-2 0 0,0-1 0,-1 0 0,0 0 0,-1-1 0,-1 0 0,-1-1 0,-18 24 0,10-18 0,-1-1 0,-1 0 0,0-2 0,-1 0 0,-1-1 0,-1-2 0,-36 19 0,-25 11 0,46-23 0,-1-1 0,0-2 0,-61 18 0,45-23 0,-1-3 0,-92 6 0,-113-12 0,185-5 0,26-2 0,1-1 0,-65-16 0,13 2 0,66 11 0,1-1 0,0-2 0,0-1 0,-52-26 0,-125-78 0,138 72 0,58 35 0,1-1 0,1-1 0,0 0 0,0-1 0,1 0 0,0-1 0,1 0 0,-12-19 0,16 21 0,0-1 0,1 0 0,1 0 0,0-1 0,0 0 0,1 1 0,0-2 0,1 1 0,1 0 0,0-1 0,0-18 0,1 17 0,0 0 0,2-1 0,0 1 0,0 0 0,1 1 0,1-1 0,0 0 0,1 1 0,1-1 0,0 1 0,1 0 0,13-22 0,0 7 0,2 1 0,2 1 0,0 1 0,1 1 0,1 2 0,35-25 0,-30 28 0,32-15 0,-34 20 0,48-34 0,229-159 0,-187 149 0,-25 13 0,-67 32 0,0 2 0,1 1 0,0 1 0,1 1 0,0 1 0,0 2 0,32-2 0,202 4 0,-132 6 0,-107-3 0,0 2 0,0 1 0,1 1 0,-2 1 0,1 1 0,-1 1 0,0 1 0,0 1 0,-1 1 0,0 1 0,-1 0 0,0 2 0,-1 0 0,27 24 0,-16-11 0,-14-13 0,0 1 0,18 22 0,-18-17 0,2 1 0,-1 1 0,-1 1 0,0 0 0,-2 1 0,-1 1 0,13 31 0,67 268 0,-91-316 0,6 41 0,-1 1 0,-2 1 0,-3-1 0,-4 62 0,0-35 0,2-63 0,0-1 0,-1 1 0,-1-1 0,0 1 0,-5 15 0,6-24 0,0-1 0,0 0 0,-1 0 0,1 0 0,-1 0 0,0 0 0,0 0 0,0 0 0,0 0 0,0-1 0,-1 1 0,1-1 0,-1 0 0,1 0 0,-1 1 0,0-2 0,0 1 0,0 0 0,0-1 0,0 1 0,0-1 0,-1 0 0,-5 2 0,-86 16 0,49-9 0,-75 7 0,-142 11 0,62-5 0,-111 3 0,192-15 0,-67 3 0,157-13 0,1-3 0,-1 0 0,1-1 0,-38-11 0,54 10 0,0-2 0,0 1 0,1-2 0,0 1 0,0-2 0,1 1 0,0-2 0,0 1 0,1-2 0,0 1 0,-9-13 0,1 3 0,-34-26 0,27 25 0,0-1 0,-38-44 0,51 53 0,0 0 0,-2 1 0,-20-14 0,-19-15 0,47 35 0,1-1 0,-1-1 0,1 1 0,0-1 0,1 0 0,-1 0 0,1 0 0,1-1 0,0 0 0,0 1 0,0-1 0,1 0 0,0 0 0,-1-15 0,0-9 0,2 0 0,4-48 0,-2 66 0,1-9 0,1 0 0,1 0 0,1 1 0,1-1 0,1 1 0,17-35 0,-5 19 0,3 1 0,43-59 0,-33 53 0,80-102 0,-88 118 0,1 1 0,1 1 0,32-24 0,-19 22 0,1 2 0,2 2 0,0 2 0,1 1 0,77-23 0,-26 18 0,168-25 0,-164 41 0,160 6 0,-128 5 0,-108-1 0,0 1 0,0 1 0,-1 1 0,1 0 0,-1 2 0,0 1 0,36 16 0,-32-11 0,-1 1 0,0 2 0,-1 0 0,-1 1 0,38 36 0,-38-27 0,-1 1 0,-1 1 0,18 32 0,-12-17 0,9 8 0,-16-24 0,-2 1 0,20 39 0,-29-50 0,-1 0 0,0 1 0,-1-1 0,-1 1 0,-1 0 0,-1 1 0,0-1 0,0 25 0,-2 8 0,1 17 0,-11 101 0,4-143 0,0 0 0,-2-1 0,-1 0 0,-1 0 0,-1-1 0,-14 23 0,8-7 53,13-30-337,-1 1 1,0-1-1,-1 0 0,-5 9 1,-3-3-6543</inkml:trace>
+</inkml:ink>
+</file>
+
+<file path=ppt/ink/ink43.xml><?xml version="1.0" encoding="utf-8"?>
+<inkml:ink xmlns:inkml="http://www.w3.org/2003/InkML">
+  <inkml:definitions>
+    <inkml:context xml:id="ctx0">
+      <inkml:inkSource xml:id="inkSrc0">
+        <inkml:traceFormat>
+          <inkml:channel name="X" type="integer" min="-2.14748E9" max="2.14748E9" units="cm"/>
+          <inkml:channel name="Y" type="integer" min="-2.14748E9" max="2.14748E9" units="cm"/>
+          <inkml:channel name="F" type="integer" max="32767" units="dev"/>
+        </inkml:traceFormat>
+        <inkml:channelProperties>
+          <inkml:channelProperty channel="X" name="resolution" value="1000" units="1/cm"/>
+          <inkml:channelProperty channel="Y" name="resolution" value="1000" units="1/cm"/>
+          <inkml:channelProperty channel="F" name="resolution" value="0" units="1/dev"/>
+        </inkml:channelProperties>
+      </inkml:inkSource>
+      <inkml:timestamp xml:id="ts0" timeString="2021-10-13T08:03:45.276"/>
+    </inkml:context>
+    <inkml:brush xml:id="br0">
+      <inkml:brushProperty name="width" value="0.05" units="cm"/>
+      <inkml:brushProperty name="height" value="0.05" units="cm"/>
+      <inkml:brushProperty name="color" value="#33CCFF"/>
+    </inkml:brush>
+  </inkml:definitions>
+  <inkml:trace contextRef="#ctx0" brushRef="#br0">0 0 24575,'5'0'0,"5"0"0,5 0 0,5 0 0,2 0 0,-1 4 0,3 6 0,2 2 0,5 2 0,2-1 0,-1-3 0,-2 2 0,-1-2 0,-6-3-8191</inkml:trace>
+</inkml:ink>
+</file>
+
+<file path=ppt/ink/ink44.xml><?xml version="1.0" encoding="utf-8"?>
+<inkml:ink xmlns:inkml="http://www.w3.org/2003/InkML">
+  <inkml:definitions>
+    <inkml:context xml:id="ctx0">
+      <inkml:inkSource xml:id="inkSrc0">
+        <inkml:traceFormat>
+          <inkml:channel name="X" type="integer" min="-2.14748E9" max="2.14748E9" units="cm"/>
+          <inkml:channel name="Y" type="integer" min="-2.14748E9" max="2.14748E9" units="cm"/>
+          <inkml:channel name="F" type="integer" max="32767" units="dev"/>
+        </inkml:traceFormat>
+        <inkml:channelProperties>
+          <inkml:channelProperty channel="X" name="resolution" value="1000" units="1/cm"/>
+          <inkml:channelProperty channel="Y" name="resolution" value="1000" units="1/cm"/>
+          <inkml:channelProperty channel="F" name="resolution" value="0" units="1/dev"/>
+        </inkml:channelProperties>
+      </inkml:inkSource>
+      <inkml:timestamp xml:id="ts0" timeString="2021-10-13T08:03:45.677"/>
+    </inkml:context>
+    <inkml:brush xml:id="br0">
+      <inkml:brushProperty name="width" value="0.05" units="cm"/>
+      <inkml:brushProperty name="height" value="0.05" units="cm"/>
+      <inkml:brushProperty name="color" value="#33CCFF"/>
+    </inkml:brush>
+  </inkml:definitions>
+  <inkml:trace contextRef="#ctx0" brushRef="#br0">2 0 24575,'0'79'0,"-2"0"0,4 0 0,13 82 0,-9-109-9,-6-39-184,1-1-1,1 1 0,0-1 0,0 0 0,1 0 1,6 14-1,2-5-6632</inkml:trace>
+</inkml:ink>
+</file>
+
+<file path=ppt/ink/ink45.xml><?xml version="1.0" encoding="utf-8"?>
+<inkml:ink xmlns:inkml="http://www.w3.org/2003/InkML">
+  <inkml:definitions>
+    <inkml:context xml:id="ctx0">
+      <inkml:inkSource xml:id="inkSrc0">
+        <inkml:traceFormat>
+          <inkml:channel name="X" type="integer" min="-2.14748E9" max="2.14748E9" units="cm"/>
+          <inkml:channel name="Y" type="integer" min="-2.14748E9" max="2.14748E9" units="cm"/>
+          <inkml:channel name="F" type="integer" max="32767" units="dev"/>
+        </inkml:traceFormat>
+        <inkml:channelProperties>
+          <inkml:channelProperty channel="X" name="resolution" value="1000" units="1/cm"/>
+          <inkml:channelProperty channel="Y" name="resolution" value="1000" units="1/cm"/>
+          <inkml:channelProperty channel="F" name="resolution" value="0" units="1/dev"/>
+        </inkml:channelProperties>
+      </inkml:inkSource>
+      <inkml:timestamp xml:id="ts0" timeString="2021-10-13T08:03:46.328"/>
+    </inkml:context>
+    <inkml:brush xml:id="br0">
+      <inkml:brushProperty name="width" value="0.05" units="cm"/>
+      <inkml:brushProperty name="height" value="0.05" units="cm"/>
+      <inkml:brushProperty name="color" value="#33CCFF"/>
+    </inkml:brush>
+  </inkml:definitions>
+  <inkml:trace contextRef="#ctx0" brushRef="#br0">1 29 24575,'0'376'0,"0"-369"0,1-1 0,0 1 0,0-1 0,4 11 0,-5-16 0,0 0 0,0 0 0,1-1 0,-1 1 0,0 0 0,1 0 0,-1 0 0,1-1 0,-1 1 0,1 0 0,-1-1 0,1 1 0,0 0 0,-1-1 0,1 1 0,0-1 0,0 1 0,0 0 0,0-1 0,0 0 0,0 0 0,-1-1 0,1 1 0,0 0 0,0 0 0,-1 0 0,1-1 0,0 1 0,0 0 0,-1-1 0,1 1 0,0-1 0,-1 1 0,1-1 0,-1 1 0,1-1 0,-1 1 0,1-1 0,-1 0 0,1 1 0,-1-1 0,1 0 0,-1 1 0,1-2 0,3-7 0,0-1 0,0 1 0,-1 0 0,0-1 0,0 0 0,1-13 0,8-31 0,4 19 0,1 1 0,1 1 0,2 0 0,1 1 0,40-45 0,-50 63 0,-6 9 0,0 0 0,0 0 0,0 1 0,1-1 0,0 1 0,-1 0 0,2 0 0,-1 1 0,0 0 0,1 0 0,0 1 0,-1-1 0,1 2 0,0-1 0,0 1 0,0 0 0,8-1 0,-9 2 0,0 0 0,0 0 0,0 0 0,0 1 0,0 0 0,0 0 0,0 0 0,0 1 0,0 0 0,-1 0 0,1 0 0,-1 1 0,1 0 0,-1 0 0,0 0 0,0 0 0,0 1 0,-1 0 0,9 9 0,-5-1 15,1 0 0,-2 1 0,1 0 0,-2 1 0,0 0 0,0 0 0,6 28 0,-7-16-386,-1 0-1,-1 0 1,-1 43 0,-2-48-6455</inkml:trace>
+</inkml:ink>
+</file>
+
+<file path=ppt/ink/ink46.xml><?xml version="1.0" encoding="utf-8"?>
+<inkml:ink xmlns:inkml="http://www.w3.org/2003/InkML">
+  <inkml:definitions>
+    <inkml:context xml:id="ctx0">
+      <inkml:inkSource xml:id="inkSrc0">
+        <inkml:traceFormat>
+          <inkml:channel name="X" type="integer" min="-2.14748E9" max="2.14748E9" units="cm"/>
+          <inkml:channel name="Y" type="integer" min="-2.14748E9" max="2.14748E9" units="cm"/>
+          <inkml:channel name="F" type="integer" max="32767" units="dev"/>
+        </inkml:traceFormat>
+        <inkml:channelProperties>
+          <inkml:channelProperty channel="X" name="resolution" value="1000" units="1/cm"/>
+          <inkml:channelProperty channel="Y" name="resolution" value="1000" units="1/cm"/>
+          <inkml:channelProperty channel="F" name="resolution" value="0" units="1/dev"/>
+        </inkml:channelProperties>
+      </inkml:inkSource>
+      <inkml:timestamp xml:id="ts0" timeString="2021-10-13T08:03:46.766"/>
+    </inkml:context>
+    <inkml:brush xml:id="br0">
+      <inkml:brushProperty name="width" value="0.05" units="cm"/>
+      <inkml:brushProperty name="height" value="0.05" units="cm"/>
+      <inkml:brushProperty name="color" value="#33CCFF"/>
+    </inkml:brush>
+  </inkml:definitions>
+  <inkml:trace contextRef="#ctx0" brushRef="#br0">1 0 24575,'978'0'-1365,"-946"0"-5461</inkml:trace>
+</inkml:ink>
+</file>
+
+<file path=ppt/ink/ink47.xml><?xml version="1.0" encoding="utf-8"?>
+<inkml:ink xmlns:inkml="http://www.w3.org/2003/InkML">
+  <inkml:definitions>
+    <inkml:context xml:id="ctx0">
+      <inkml:inkSource xml:id="inkSrc0">
+        <inkml:traceFormat>
+          <inkml:channel name="X" type="integer" min="-2.14748E9" max="2.14748E9" units="cm"/>
+          <inkml:channel name="Y" type="integer" min="-2.14748E9" max="2.14748E9" units="cm"/>
+          <inkml:channel name="F" type="integer" max="32767" units="dev"/>
+        </inkml:traceFormat>
+        <inkml:channelProperties>
+          <inkml:channelProperty channel="X" name="resolution" value="1000" units="1/cm"/>
+          <inkml:channelProperty channel="Y" name="resolution" value="1000" units="1/cm"/>
+          <inkml:channelProperty channel="F" name="resolution" value="0" units="1/dev"/>
+        </inkml:channelProperties>
+      </inkml:inkSource>
+      <inkml:timestamp xml:id="ts0" timeString="2021-10-13T08:03:47.251"/>
+    </inkml:context>
+    <inkml:brush xml:id="br0">
+      <inkml:brushProperty name="width" value="0.05" units="cm"/>
+      <inkml:brushProperty name="height" value="0.05" units="cm"/>
+      <inkml:brushProperty name="color" value="#33CCFF"/>
+    </inkml:brush>
+  </inkml:definitions>
+  <inkml:trace contextRef="#ctx0" brushRef="#br0">50 0 24575,'0'1'0,"-1"-1"0,0 0 0,0 0 0,1 0 0,-1 1 0,0-1 0,1 0 0,-1 1 0,0-1 0,1 1 0,-1-1 0,1 0 0,-1 1 0,1-1 0,-1 1 0,1 0 0,-1-1 0,1 1 0,-1-1 0,1 1 0,0 0 0,-1-1 0,1 1 0,0 0 0,0 0 0,-1-1 0,1 2 0,-4 23 0,3-20 0,-14 102 0,5 1 0,4 135 0,9-222 0,1 0 0,1 0 0,0-1 0,2 1 0,0-1 0,2 0 0,20 36 0,11 28 0,-24-44 0,-14-32 0,0 0 0,1-1 0,0 1 0,0-1 0,1 1 0,0-1 0,0 0 0,1 0 0,-1-1 0,2 0 0,-1 0 0,1 0 0,0 0 0,0-1 0,0 0 0,8 5 0,-4-5 0,0 0 0,0-1 0,0 0 0,1-1 0,-1 0 0,1-1 0,0 0 0,15 0 0,94-3 0,-57-1 0,-55 2-151,0 0-1,0-1 0,-1 0 0,1-1 1,0 0-1,0 0 0,-1 0 1,15-8-1,-5 1-6674</inkml:trace>
+</inkml:ink>
+</file>
+
+<file path=ppt/ink/ink48.xml><?xml version="1.0" encoding="utf-8"?>
+<inkml:ink xmlns:inkml="http://www.w3.org/2003/InkML">
+  <inkml:definitions>
+    <inkml:context xml:id="ctx0">
+      <inkml:inkSource xml:id="inkSrc0">
+        <inkml:traceFormat>
+          <inkml:channel name="X" type="integer" min="-2.14748E9" max="2.14748E9" units="cm"/>
+          <inkml:channel name="Y" type="integer" min="-2.14748E9" max="2.14748E9" units="cm"/>
+          <inkml:channel name="F" type="integer" max="32767" units="dev"/>
+        </inkml:traceFormat>
+        <inkml:channelProperties>
+          <inkml:channelProperty channel="X" name="resolution" value="1000" units="1/cm"/>
+          <inkml:channelProperty channel="Y" name="resolution" value="1000" units="1/cm"/>
+          <inkml:channelProperty channel="F" name="resolution" value="0" units="1/dev"/>
+        </inkml:channelProperties>
+      </inkml:inkSource>
+      <inkml:timestamp xml:id="ts0" timeString="2021-10-13T08:03:51.883"/>
+    </inkml:context>
+    <inkml:brush xml:id="br0">
+      <inkml:brushProperty name="width" value="0.05" units="cm"/>
+      <inkml:brushProperty name="height" value="0.05" units="cm"/>
+      <inkml:brushProperty name="color" value="#33CCFF"/>
+    </inkml:brush>
+  </inkml:definitions>
+  <inkml:trace contextRef="#ctx0" brushRef="#br0">1475 1670 24575,'-5'-1'0,"0"0"0,0-1 0,0 0 0,0 0 0,0 0 0,1-1 0,-1 0 0,1 1 0,-8-8 0,-6-2 0,-14-6 0,-2 1 0,-57-21 0,-79-15 0,104 34 0,-111-25 0,112 30 0,0-3 0,-80-32 0,115 37 0,-157-74 0,153 68 0,0-2 0,2-1 0,-39-32 0,56 37 0,1 1 0,1-2 0,0 1 0,2-2 0,-14-25 0,-6-9 0,24 41 0,1 0 0,0-1 0,1 0 0,1 0 0,0 0 0,0 0 0,1-1 0,1 1 0,-1-16 0,1-7 0,2-1 0,4-37 0,-1 53 0,0 0 0,2 0 0,0 0 0,1 1 0,1-1 0,1 2 0,1-1 0,0 1 0,1 0 0,1 1 0,1 0 0,16-17 0,4-1 0,2 1 0,1 1 0,1 2 0,44-28 0,-35 29 0,1 2 0,1 2 0,1 2 0,1 3 0,2 1 0,0 3 0,0 2 0,82-13 0,-14 12 0,223-1 0,-219 17 0,99 2 0,-196 0 0,-1 2 0,1 1 0,-1 0 0,-1 2 0,1 1 0,-1 1 0,33 18 0,14 12 0,66 48 0,-111-66 0,-1 1 0,0 1 0,-2 1 0,-1 1 0,31 45 0,21 23 0,40 62 0,-50-62 0,-57-84 0,-2 1 0,0 0 0,0 0 0,0 1 0,-1-1 0,-1 1 0,0 0 0,-1 0 0,0 0 0,1 20 0,-1 10 0,-7 63 0,5-98 0,-3 12 0,0 0 0,-1-1 0,0 1 0,-2-1 0,0 0 0,-1 0 0,-1-1 0,0 0 0,-1 0 0,-1-1 0,0 0 0,-1-1 0,-1 0 0,-18 17 0,20-22 0,0-1 0,-1 0 0,0 0 0,-1-1 0,1-1 0,-2 0 0,-19 8 0,-99 24 0,86-27 0,-38 12 0,-121 29 0,170-45 0,-1-3 0,0 0 0,-70-3 0,98-2-97,0 0-1,0 0 1,0 0-1,0-1 1,0 0-1,1 0 1,-1-1-1,1 0 1,-1 0-1,1 0 1,0-1-1,0 0 0,-7-6 1,-8-11-6729</inkml:trace>
+</inkml:ink>
+</file>
+
+<file path=ppt/ink/ink49.xml><?xml version="1.0" encoding="utf-8"?>
+<inkml:ink xmlns:inkml="http://www.w3.org/2003/InkML">
+  <inkml:definitions>
+    <inkml:context xml:id="ctx0">
+      <inkml:inkSource xml:id="inkSrc0">
+        <inkml:traceFormat>
+          <inkml:channel name="X" type="integer" min="-2.14748E9" max="2.14748E9" units="cm"/>
+          <inkml:channel name="Y" type="integer" min="-2.14748E9" max="2.14748E9" units="cm"/>
+          <inkml:channel name="F" type="integer" max="32767" units="dev"/>
+        </inkml:traceFormat>
+        <inkml:channelProperties>
+          <inkml:channelProperty channel="X" name="resolution" value="1000" units="1/cm"/>
+          <inkml:channelProperty channel="Y" name="resolution" value="1000" units="1/cm"/>
+          <inkml:channelProperty channel="F" name="resolution" value="0" units="1/dev"/>
+        </inkml:channelProperties>
+      </inkml:inkSource>
+      <inkml:timestamp xml:id="ts0" timeString="2021-10-13T08:03:52.950"/>
+    </inkml:context>
+    <inkml:brush xml:id="br0">
+      <inkml:brushProperty name="width" value="0.05" units="cm"/>
+      <inkml:brushProperty name="height" value="0.05" units="cm"/>
+      <inkml:brushProperty name="color" value="#33CCFF"/>
+    </inkml:brush>
+  </inkml:definitions>
+  <inkml:trace contextRef="#ctx0" brushRef="#br0">14 1798 24575,'0'0'0,"-1"0"0,1 0 0,-1 0 0,1 0 0,-1 0 0,0 0 0,1 0 0,-1 0 0,1-1 0,-1 1 0,1 0 0,-1 0 0,1 0 0,-1-1 0,1 1 0,-1 0 0,1-1 0,-1 1 0,1 0 0,0-1 0,-1 1 0,1-1 0,-1 1 0,1-1 0,0 1 0,0-1 0,-1 1 0,1-1 0,-1-19 0,16-21 0,-14 38 0,21-42 0,3 2 0,1 0 0,45-54 0,-1 0 0,211-296 0,-251 356 0,3 1 0,67-59 0,86-48 0,39 6 0,-108 70 0,-50 30 0,2 3 0,2 3 0,108-33 0,230-40 0,-323 84 0,606-133 0,-605 136 0,1 3 0,126-4 0,182 19 0,-161 2 0,-151-2 0,1 3 0,-1 4 0,126 29 0,204 72 0,-369-95 0,0 3 0,-1 1 0,-1 2 0,-1 2 0,75 52 0,-61-31 0,-2 2 0,-2 3 0,60 69 0,17 31 0,-123-140 0,-1 1 0,0-1 0,-1 1 0,0 0 0,0 0 0,-1 1 0,0-1 0,-1 1 0,0 0 0,0-1 0,0 18 0,6 23 0,16 48 0,9 47 0,-29-118 0,5 21 0,-3 0 0,1 56 0,-8-80-1365,1-3-5461</inkml:trace>
+</inkml:ink>
+</file>
+
+<file path=ppt/ink/ink5.xml><?xml version="1.0" encoding="utf-8"?>
+<inkml:ink xmlns:inkml="http://www.w3.org/2003/InkML">
+  <inkml:definitions>
+    <inkml:context xml:id="ctx0">
+      <inkml:inkSource xml:id="inkSrc0">
+        <inkml:traceFormat>
+          <inkml:channel name="X" type="integer" min="-2.14748E9" max="2.14748E9" units="cm"/>
+          <inkml:channel name="Y" type="integer" min="-2.14748E9" max="2.14748E9" units="cm"/>
+          <inkml:channel name="F" type="integer" max="32767" units="dev"/>
+        </inkml:traceFormat>
+        <inkml:channelProperties>
+          <inkml:channelProperty channel="X" name="resolution" value="1000" units="1/cm"/>
+          <inkml:channelProperty channel="Y" name="resolution" value="1000" units="1/cm"/>
+          <inkml:channelProperty channel="F" name="resolution" value="0" units="1/dev"/>
+        </inkml:channelProperties>
+      </inkml:inkSource>
+      <inkml:timestamp xml:id="ts0" timeString="2021-10-13T08:01:45.177"/>
+    </inkml:context>
+    <inkml:brush xml:id="br0">
+      <inkml:brushProperty name="width" value="0.05" units="cm"/>
+      <inkml:brushProperty name="height" value="0.05" units="cm"/>
+      <inkml:brushProperty name="color" value="#33CCFF"/>
+    </inkml:brush>
+  </inkml:definitions>
+  <inkml:trace contextRef="#ctx0" brushRef="#br0">0 1 24575,'5'0'0,"4"0"0,6 0 0,5 0 0,3 0 0,1 0 0,2 0 0,0 0 0,4 0 0,1 0 0,0 0 0,-1 0 0,-2 0 0,-1 0 0,-1 0 0,-5 0-8191</inkml:trace>
+</inkml:ink>
+</file>
+
+<file path=ppt/ink/ink50.xml><?xml version="1.0" encoding="utf-8"?>
+<inkml:ink xmlns:inkml="http://www.w3.org/2003/InkML">
+  <inkml:definitions>
+    <inkml:context xml:id="ctx0">
+      <inkml:inkSource xml:id="inkSrc0">
+        <inkml:traceFormat>
+          <inkml:channel name="X" type="integer" min="-2.14748E9" max="2.14748E9" units="cm"/>
+          <inkml:channel name="Y" type="integer" min="-2.14748E9" max="2.14748E9" units="cm"/>
+          <inkml:channel name="F" type="integer" max="32767" units="dev"/>
+        </inkml:traceFormat>
+        <inkml:channelProperties>
+          <inkml:channelProperty channel="X" name="resolution" value="1000" units="1/cm"/>
+          <inkml:channelProperty channel="Y" name="resolution" value="1000" units="1/cm"/>
+          <inkml:channelProperty channel="F" name="resolution" value="0" units="1/dev"/>
+        </inkml:channelProperties>
+      </inkml:inkSource>
+      <inkml:timestamp xml:id="ts0" timeString="2021-10-13T08:03:53.664"/>
+    </inkml:context>
+    <inkml:brush xml:id="br0">
+      <inkml:brushProperty name="width" value="0.05" units="cm"/>
+      <inkml:brushProperty name="height" value="0.05" units="cm"/>
+      <inkml:brushProperty name="color" value="#33CCFF"/>
+    </inkml:brush>
+  </inkml:definitions>
+  <inkml:trace contextRef="#ctx0" brushRef="#br0">1 0 24575,'45'42'0,"-16"-16"0,0 2 0,-2 1 0,29 39 0,23 33 0,-6-9 0,-69-88 0,-1 0 0,1-1 0,0 1 0,0-1 0,0 0 0,0 0 0,1 0 0,-1-1 0,1 1 0,0-1 0,-1 0 0,1 0 0,0-1 0,0 1 0,0-1 0,0 0 0,1-1 0,-1 1 0,0-1 0,9-1 0,-6 1 0,0-1 0,0 0 0,0 0 0,0-1 0,0 0 0,-1 0 0,1-1 0,-1 0 0,1-1 0,-1 1 0,0-1 0,12-9 0,15-17 0,1 2 0,2 2 0,76-42 0,-100 61 0,0-1 0,20-17 0,-23 17 0,1 0 0,0 0 0,0 1 0,12-5 0,-13 8-170,-1 0-1,1-1 0,-1 0 1,0 0-1,0-1 0,-1 0 1,9-9-1,-7 4-6655</inkml:trace>
+</inkml:ink>
+</file>
+
+<file path=ppt/ink/ink51.xml><?xml version="1.0" encoding="utf-8"?>
+<inkml:ink xmlns:inkml="http://www.w3.org/2003/InkML">
+  <inkml:definitions>
+    <inkml:context xml:id="ctx0">
+      <inkml:inkSource xml:id="inkSrc0">
+        <inkml:traceFormat>
+          <inkml:channel name="X" type="integer" min="-2.14748E9" max="2.14748E9" units="cm"/>
+          <inkml:channel name="Y" type="integer" min="-2.14748E9" max="2.14748E9" units="cm"/>
+          <inkml:channel name="F" type="integer" max="32767" units="dev"/>
+        </inkml:traceFormat>
+        <inkml:channelProperties>
+          <inkml:channelProperty channel="X" name="resolution" value="1000" units="1/cm"/>
+          <inkml:channelProperty channel="Y" name="resolution" value="1000" units="1/cm"/>
+          <inkml:channelProperty channel="F" name="resolution" value="0" units="1/dev"/>
+        </inkml:channelProperties>
+      </inkml:inkSource>
+      <inkml:timestamp xml:id="ts0" timeString="2021-10-13T08:04:01.364"/>
+    </inkml:context>
+    <inkml:brush xml:id="br0">
+      <inkml:brushProperty name="width" value="0.05" units="cm"/>
+      <inkml:brushProperty name="height" value="0.05" units="cm"/>
+      <inkml:brushProperty name="color" value="#33CCFF"/>
+    </inkml:brush>
+  </inkml:definitions>
+  <inkml:trace contextRef="#ctx0" brushRef="#br0">478 1325 24575,'-9'-1'0,"0"-1"0,-1 0 0,1 0 0,0-1 0,0 0 0,0-1 0,-13-6 0,-19-8 0,33 14 0,0 0 0,1 0 0,0-1 0,0 0 0,0 0 0,0-1 0,1 0 0,0 0 0,-9-11 0,7 7 0,-1 1 0,-1-1 0,-11-8 0,-1 3 0,0-2 0,2 0 0,0-1 0,1-1 0,0-1 0,-15-23 0,25 30 0,1 0 0,0-1 0,1 0 0,0 0 0,2 0 0,-1-1 0,2 0 0,0 0 0,1 0 0,0-1 0,-1-29 0,4 27 0,0-1 0,1 0 0,1 1 0,1-1 0,0 1 0,2 0 0,0 0 0,10-23 0,34-64 0,5 2 0,104-150 0,-145 235 0,0 1 0,1 0 0,1 1 0,0 0 0,25-18 0,-31 27 0,-1 1 0,2 1 0,-1 0 0,0 0 0,1 1 0,0 0 0,0 0 0,0 1 0,1 1 0,-1-1 0,1 2 0,-1 0 0,12 0 0,-5 1 0,0 0 0,0 2 0,25 5 0,-34-5 0,-1 0 0,0 0 0,0 1 0,0 0 0,0 1 0,-1-1 0,1 1 0,-1 1 0,0-1 0,8 8 0,-9-6 0,0 0 0,0 0 0,-1 0 0,0 1 0,-1-1 0,1 1 0,-1 0 0,0 0 0,-1 0 0,0 1 0,0-1 0,1 15 0,0 9 0,-2 57 0,-2-58 0,1 15 0,1-10 0,-5 35 0,2-58 0,0-1 0,0 0 0,-1 0 0,0 0 0,-1 0 0,-1 0 0,-5 11 0,-34 55 0,-107 140 0,82-124 0,50-63 0,-2-2 0,-1 0 0,-2-2 0,-41 38 0,41-45-1365,3-2-5461</inkml:trace>
+</inkml:ink>
+</file>
+
+<file path=ppt/ink/ink52.xml><?xml version="1.0" encoding="utf-8"?>
+<inkml:ink xmlns:inkml="http://www.w3.org/2003/InkML">
+  <inkml:definitions>
+    <inkml:context xml:id="ctx0">
+      <inkml:inkSource xml:id="inkSrc0">
+        <inkml:traceFormat>
+          <inkml:channel name="X" type="integer" min="-2.14748E9" max="2.14748E9" units="cm"/>
+          <inkml:channel name="Y" type="integer" min="-2.14748E9" max="2.14748E9" units="cm"/>
+          <inkml:channel name="F" type="integer" max="32767" units="dev"/>
+        </inkml:traceFormat>
+        <inkml:channelProperties>
+          <inkml:channelProperty channel="X" name="resolution" value="1000" units="1/cm"/>
+          <inkml:channelProperty channel="Y" name="resolution" value="1000" units="1/cm"/>
+          <inkml:channelProperty channel="F" name="resolution" value="0" units="1/dev"/>
+        </inkml:channelProperties>
+      </inkml:inkSource>
+      <inkml:timestamp xml:id="ts0" timeString="2021-10-13T08:04:02.608"/>
+    </inkml:context>
+    <inkml:brush xml:id="br0">
+      <inkml:brushProperty name="width" value="0.05" units="cm"/>
+      <inkml:brushProperty name="height" value="0.05" units="cm"/>
+      <inkml:brushProperty name="color" value="#33CCFF"/>
+    </inkml:brush>
+  </inkml:definitions>
+  <inkml:trace contextRef="#ctx0" brushRef="#br0">1 28 24575,'238'1'0,"264"-3"0,-278-10 0,80-1 0,-188 12 0,181 4 0,-173 8 0,67 3 0,-95-16 0,104 4 0,-176 1-1365,-2 3-5461</inkml:trace>
+</inkml:ink>
+</file>
+
+<file path=ppt/ink/ink53.xml><?xml version="1.0" encoding="utf-8"?>
+<inkml:ink xmlns:inkml="http://www.w3.org/2003/InkML">
+  <inkml:definitions>
+    <inkml:context xml:id="ctx0">
+      <inkml:inkSource xml:id="inkSrc0">
+        <inkml:traceFormat>
+          <inkml:channel name="X" type="integer" min="-2.14748E9" max="2.14748E9" units="cm"/>
+          <inkml:channel name="Y" type="integer" min="-2.14748E9" max="2.14748E9" units="cm"/>
+          <inkml:channel name="F" type="integer" max="32767" units="dev"/>
+        </inkml:traceFormat>
+        <inkml:channelProperties>
+          <inkml:channelProperty channel="X" name="resolution" value="1000" units="1/cm"/>
+          <inkml:channelProperty channel="Y" name="resolution" value="1000" units="1/cm"/>
+          <inkml:channelProperty channel="F" name="resolution" value="0" units="1/dev"/>
+        </inkml:channelProperties>
+      </inkml:inkSource>
+      <inkml:timestamp xml:id="ts0" timeString="2021-10-13T08:04:20.458"/>
+    </inkml:context>
+    <inkml:brush xml:id="br0">
+      <inkml:brushProperty name="width" value="0.05" units="cm"/>
+      <inkml:brushProperty name="height" value="0.05" units="cm"/>
+      <inkml:brushProperty name="color" value="#33CCFF"/>
+    </inkml:brush>
+  </inkml:definitions>
+  <inkml:trace contextRef="#ctx0" brushRef="#br0">28 1 24575,'-14'518'-5,"1"-42"-1098,14 401 1072,-2-854 94,1-2 41,3 35 1,-3-52-196,0 0 1,1 0-1,0 0 1,0-1-1,0 1 1,0 0 0,0-1-1,1 1 1,0-1-1,0 1 1,0-1-1,0 0 1,0 0-1,0 0 1,6 5-1,7-1-5785</inkml:trace>
+</inkml:ink>
+</file>
+
+<file path=ppt/ink/ink54.xml><?xml version="1.0" encoding="utf-8"?>
+<inkml:ink xmlns:inkml="http://www.w3.org/2003/InkML">
+  <inkml:definitions>
+    <inkml:context xml:id="ctx0">
+      <inkml:inkSource xml:id="inkSrc0">
+        <inkml:traceFormat>
+          <inkml:channel name="X" type="integer" min="-2.14748E9" max="2.14748E9" units="cm"/>
+          <inkml:channel name="Y" type="integer" min="-2.14748E9" max="2.14748E9" units="cm"/>
+          <inkml:channel name="F" type="integer" max="32767" units="dev"/>
+        </inkml:traceFormat>
+        <inkml:channelProperties>
+          <inkml:channelProperty channel="X" name="resolution" value="1000" units="1/cm"/>
+          <inkml:channelProperty channel="Y" name="resolution" value="1000" units="1/cm"/>
+          <inkml:channelProperty channel="F" name="resolution" value="0" units="1/dev"/>
+        </inkml:channelProperties>
+      </inkml:inkSource>
+      <inkml:timestamp xml:id="ts0" timeString="2021-10-13T08:04:21.077"/>
+    </inkml:context>
+    <inkml:brush xml:id="br0">
+      <inkml:brushProperty name="width" value="0.05" units="cm"/>
+      <inkml:brushProperty name="height" value="0.05" units="cm"/>
+      <inkml:brushProperty name="color" value="#33CCFF"/>
+    </inkml:brush>
+  </inkml:definitions>
+  <inkml:trace contextRef="#ctx0" brushRef="#br0">97 29 24575,'6'-1'0,"-1"1"0,1-1 0,-1-1 0,1 1 0,7-4 0,18-4 0,-12 5 0,0 2 0,0 0 0,1 1 0,-1 0 0,1 2 0,-1 0 0,24 6 0,-39-5 0,0 0 0,0 0 0,0 1 0,0-1 0,0 1 0,-1 0 0,1 0 0,-1 1 0,0-1 0,0 1 0,0-1 0,0 1 0,-1 0 0,1 0 0,-1 0 0,0 0 0,0 1 0,-1-1 0,1 0 0,-1 1 0,1 6 0,2 10 0,0-1 0,-2 1 0,1 28 0,-3-31 0,1 1 0,-1 1 0,-1-1 0,-4 23 0,4-36 0,-1-1 0,1 1 0,-1 0 0,-1 0 0,1-1 0,-1 1 0,0-1 0,0 0 0,0 0 0,-1 0 0,0 0 0,0-1 0,0 1 0,-6 4 0,-2-1 11,0 0 1,0-1-1,-1 0 0,0-1 0,0 0 0,0-1 0,-1 0 0,0-2 1,-28 5-1,-8-2-622,-73-1-1,112-5 358,-15 0-6572</inkml:trace>
+</inkml:ink>
+</file>
+
+<file path=ppt/ink/ink55.xml><?xml version="1.0" encoding="utf-8"?>
+<inkml:ink xmlns:inkml="http://www.w3.org/2003/InkML">
+  <inkml:definitions>
+    <inkml:context xml:id="ctx0">
+      <inkml:inkSource xml:id="inkSrc0">
+        <inkml:traceFormat>
+          <inkml:channel name="X" type="integer" min="-2.14748E9" max="2.14748E9" units="cm"/>
+          <inkml:channel name="Y" type="integer" min="-2.14748E9" max="2.14748E9" units="cm"/>
+          <inkml:channel name="F" type="integer" max="32767" units="dev"/>
+        </inkml:traceFormat>
+        <inkml:channelProperties>
+          <inkml:channelProperty channel="X" name="resolution" value="1000" units="1/cm"/>
+          <inkml:channelProperty channel="Y" name="resolution" value="1000" units="1/cm"/>
+          <inkml:channelProperty channel="F" name="resolution" value="0" units="1/dev"/>
+        </inkml:channelProperties>
+      </inkml:inkSource>
+      <inkml:timestamp xml:id="ts0" timeString="2021-10-13T08:04:21.625"/>
+    </inkml:context>
+    <inkml:brush xml:id="br0">
+      <inkml:brushProperty name="width" value="0.05" units="cm"/>
+      <inkml:brushProperty name="height" value="0.05" units="cm"/>
+      <inkml:brushProperty name="color" value="#33CCFF"/>
+    </inkml:brush>
+  </inkml:definitions>
+  <inkml:trace contextRef="#ctx0" brushRef="#br0">26 2 24575,'80'-2'0,"90"5"0,-165-2 0,0 0 0,0 0 0,0 1 0,0 0 0,0 0 0,0 0 0,-1 1 0,1-1 0,-1 1 0,1 0 0,-1 1 0,0-1 0,0 1 0,-1 0 0,1-1 0,-1 2 0,0-1 0,0 0 0,0 1 0,-1-1 0,1 1 0,2 8 0,1 2 0,0 1 0,-1 0 0,-1 0 0,-1 0 0,0 0 0,0 17 0,0 0 0,-2 0 0,-2 0 0,-5 36 0,5-58 0,-2 0 0,0-1 0,0 1 0,0-1 0,-2 1 0,1-1 0,-1 0 0,-1-1 0,1 1 0,-2-1 0,1 0 0,-1-1 0,-9 9 0,10-11 0,-1-1 0,0 1 0,0-1 0,-1-1 0,0 1 0,1-1 0,-2-1 0,1 1 0,0-1 0,-1-1 0,1 1 0,-1-2 0,0 1 0,1-1 0,-16 0 0,16-1 0,1-1 0,0 1 0,0-1 0,-1-1 0,1 1 0,0-1 0,0-1 0,1 1 0,-1-1 0,0 0 0,1-1 0,0 1 0,0-1 0,0 0 0,0-1 0,1 0 0,-1 0 0,1 0 0,-7-10 0,7 7 0,1-1 0,0 0 0,1 0 0,0 0 0,0-1 0,1 1 0,0-1 0,0-18 0,-3-3 0,-2-36-136,2 0 0,5-72 0,1 90-821,-1 20-5869</inkml:trace>
+</inkml:ink>
+</file>
+
+<file path=ppt/ink/ink56.xml><?xml version="1.0" encoding="utf-8"?>
+<inkml:ink xmlns:inkml="http://www.w3.org/2003/InkML">
+  <inkml:definitions>
+    <inkml:context xml:id="ctx0">
+      <inkml:inkSource xml:id="inkSrc0">
+        <inkml:traceFormat>
+          <inkml:channel name="X" type="integer" min="-2.14748E9" max="2.14748E9" units="cm"/>
+          <inkml:channel name="Y" type="integer" min="-2.14748E9" max="2.14748E9" units="cm"/>
+          <inkml:channel name="F" type="integer" max="32767" units="dev"/>
+        </inkml:traceFormat>
+        <inkml:channelProperties>
+          <inkml:channelProperty channel="X" name="resolution" value="1000" units="1/cm"/>
+          <inkml:channelProperty channel="Y" name="resolution" value="1000" units="1/cm"/>
+          <inkml:channelProperty channel="F" name="resolution" value="0" units="1/dev"/>
+        </inkml:channelProperties>
+      </inkml:inkSource>
+      <inkml:timestamp xml:id="ts0" timeString="2021-10-13T08:04:22.599"/>
+    </inkml:context>
+    <inkml:brush xml:id="br0">
+      <inkml:brushProperty name="width" value="0.05" units="cm"/>
+      <inkml:brushProperty name="height" value="0.05" units="cm"/>
+      <inkml:brushProperty name="color" value="#33CCFF"/>
+    </inkml:brush>
+  </inkml:definitions>
+  <inkml:trace contextRef="#ctx0" brushRef="#br0">1 69 24575,'2'37'0,"2"-1"0,2 1 0,1-1 0,2 0 0,20 53 0,-22-69 0,1-1 0,1 0 0,16 25 0,-18-34 0,-1-1 0,1 0 0,1 0 0,0-1 0,0 0 0,0 0 0,18 11 0,-24-17 0,1-1 0,-1 1 0,1-1 0,0 0 0,-1 0 0,1 0 0,0-1 0,0 1 0,0 0 0,-1-1 0,1 0 0,0 0 0,0 0 0,0 0 0,0 0 0,0 0 0,5-2 0,-3 0 0,0 0 0,0 0 0,-1-1 0,1 1 0,0-1 0,-1 0 0,0 0 0,9-8 0,1-5 0,0-1 0,0 0 0,18-32 0,-31 47 0,130-204 0,-99 136 0,-32 69 0,1 1 0,-1-1 0,0 1 0,0-1 0,0 1 0,0 0 0,1-1 0,-1 1 0,0-1 0,1 1 0,-1 0 0,0-1 0,0 1 0,1 0 0,-1-1 0,1 1 0,-1 0 0,0 0 0,1-1 0,-1 1 0,1 0 0,-1 0 0,1-1 0,-1 1 0,1 0 0,-1 0 0,0 0 0,1 0 0,-1 0 0,1 0 0,-1 0 0,1 0 0,-1 0 0,1 0 0,-1 0 0,1 0 0,-1 0 0,1 1 0,-1-1 0,1 0 0,-1 0 0,0 0 0,1 1 0,-1-1 0,1 0 0,-1 0 0,0 1 0,1-1 0,-1 0 0,0 1 0,1-1 0,-1 0 0,0 1 0,1-1 0,-1 1 0,0-1 0,0 1 0,0-1 0,1 1 0,15 34 0,-13-27 0,14 37 0,18 86 0,-23-80 0,24 63 0,-32-102 0,0-1 0,2 0 0,-1-1 0,1 0 0,1 1 0,0-2 0,0 1 0,12 11 0,-14-17 0,0 0 0,0-1 0,0 1 0,0-1 0,0 0 0,1 0 0,-1-1 0,1 0 0,0 0 0,0 0 0,0 0 0,0-1 0,0 0 0,0-1 0,0 1 0,0-1 0,0 0 0,7-1 0,0-1 0,0-1 0,0 0 0,-1 0 0,1-2 0,-1 1 0,0-1 0,0-1 0,-1 0 0,0-1 0,0 0 0,0-1 0,-1 0 0,0-1 0,12-12 0,8-14 0,-2-1 0,42-68 0,-50 72 0,166-281-1365,-170 283-5461</inkml:trace>
+</inkml:ink>
+</file>
+
+<file path=ppt/ink/ink57.xml><?xml version="1.0" encoding="utf-8"?>
+<inkml:ink xmlns:inkml="http://www.w3.org/2003/InkML">
+  <inkml:definitions>
+    <inkml:context xml:id="ctx0">
+      <inkml:inkSource xml:id="inkSrc0">
+        <inkml:traceFormat>
+          <inkml:channel name="X" type="integer" min="-2.14748E9" max="2.14748E9" units="cm"/>
+          <inkml:channel name="Y" type="integer" min="-2.14748E9" max="2.14748E9" units="cm"/>
+          <inkml:channel name="F" type="integer" max="32767" units="dev"/>
+        </inkml:traceFormat>
+        <inkml:channelProperties>
+          <inkml:channelProperty channel="X" name="resolution" value="1000" units="1/cm"/>
+          <inkml:channelProperty channel="Y" name="resolution" value="1000" units="1/cm"/>
+          <inkml:channelProperty channel="F" name="resolution" value="0" units="1/dev"/>
+        </inkml:channelProperties>
+      </inkml:inkSource>
+      <inkml:timestamp xml:id="ts0" timeString="2021-10-13T08:04:28.041"/>
+    </inkml:context>
+    <inkml:brush xml:id="br0">
+      <inkml:brushProperty name="width" value="0.05" units="cm"/>
+      <inkml:brushProperty name="height" value="0.05" units="cm"/>
+      <inkml:brushProperty name="color" value="#33CCFF"/>
+    </inkml:brush>
+  </inkml:definitions>
+  <inkml:trace contextRef="#ctx0" brushRef="#br0">0 0 24575,'1'1'0,"-1"0"0,0 0 0,1 0 0,-1 0 0,0 0 0,1-1 0,-1 1 0,1 0 0,-1 0 0,1 0 0,0-1 0,-1 1 0,1 0 0,0-1 0,-1 1 0,1-1 0,0 1 0,0-1 0,0 1 0,0-1 0,-1 1 0,1-1 0,0 0 0,0 1 0,0-1 0,0 0 0,2 0 0,30 5 0,-27-5 0,6 2 0,24 0 0,1 2 0,-1 2 0,57 17 0,-58-11 0,26 10 0,2-3 0,76 14 0,-45-18 0,-1 5 0,99 34 0,-154-42 0,0-3 0,0-1 0,1-1 0,52 1 0,162-9 0,-109-2 0,-103 3 0,-16 2 0,-1-2 0,1-1 0,0-1 0,-1-1 0,46-12 0,154-41 0,-36 13 0,-120 25 0,1 4 0,72-6 0,-67 15 0,-55 5 0,0 0 0,-1-2 0,1 0 0,-1-1 0,1-1 0,-1-1 0,20-8 0,-25 8 0,1 0 0,-1 1 0,1 1 0,0 0 0,-1 1 0,20-1 0,89 5 0,-50 0 0,2560 0 0,-1330-3 0,-1283-1-15,0 0-1,0-1 1,0-1-1,35-12 1,-11 3-1273,-21 8-5538</inkml:trace>
+</inkml:ink>
+</file>
+
+<file path=ppt/ink/ink58.xml><?xml version="1.0" encoding="utf-8"?>
+<inkml:ink xmlns:inkml="http://www.w3.org/2003/InkML">
+  <inkml:definitions>
+    <inkml:context xml:id="ctx0">
+      <inkml:inkSource xml:id="inkSrc0">
+        <inkml:traceFormat>
+          <inkml:channel name="X" type="integer" min="-2.14748E9" max="2.14748E9" units="cm"/>
+          <inkml:channel name="Y" type="integer" min="-2.14748E9" max="2.14748E9" units="cm"/>
+          <inkml:channel name="F" type="integer" max="32767" units="dev"/>
+        </inkml:traceFormat>
+        <inkml:channelProperties>
+          <inkml:channelProperty channel="X" name="resolution" value="1000" units="1/cm"/>
+          <inkml:channelProperty channel="Y" name="resolution" value="1000" units="1/cm"/>
+          <inkml:channelProperty channel="F" name="resolution" value="0" units="1/dev"/>
+        </inkml:channelProperties>
+      </inkml:inkSource>
+      <inkml:timestamp xml:id="ts0" timeString="2021-10-13T08:05:03.877"/>
+    </inkml:context>
+    <inkml:brush xml:id="br0">
+      <inkml:brushProperty name="width" value="0.05" units="cm"/>
+      <inkml:brushProperty name="height" value="0.05" units="cm"/>
+      <inkml:brushProperty name="color" value="#33CCFF"/>
+    </inkml:brush>
+  </inkml:definitions>
+  <inkml:trace contextRef="#ctx0" brushRef="#br0">1173 0 24575,'-22'1'0,"0"2"0,0 0 0,0 1 0,1 2 0,-1 0 0,1 1 0,1 1 0,-1 1 0,2 0 0,-32 21 0,-2 6 0,2 2 0,-65 62 0,-73 66 0,-65 62 0,232-204 0,1 0 0,1 1 0,-28 48 0,-36 90 0,74-141 0,1 0 0,2 1 0,0 0 0,1 1 0,1-1 0,2 1 0,0 0 0,1 0 0,3 40 0,0-58 0,1 1 0,-1 0 0,1-1 0,0 1 0,0-1 0,1 0 0,0 0 0,0 0 0,0 0 0,1 0 0,0-1 0,0 0 0,0 0 0,1 0 0,0 0 0,0 0 0,0-1 0,0 0 0,1 0 0,9 5 0,10 3 0,0 0 0,1-2 0,44 12 0,-52-16 0,12 2 0,1-2 0,0 0 0,0-2 0,0-2 0,1 0 0,46-5 0,183-39 0,-140 19 0,-56 14 0,-47 8 0,1-1 0,0-1 0,0-1 0,27-10 0,-42 13-39,27-12-403,1 1 0,43-8 0,-54 16-6384</inkml:trace>
+</inkml:ink>
+</file>
+
+<file path=ppt/ink/ink59.xml><?xml version="1.0" encoding="utf-8"?>
+<inkml:ink xmlns:inkml="http://www.w3.org/2003/InkML">
+  <inkml:definitions>
+    <inkml:context xml:id="ctx0">
+      <inkml:inkSource xml:id="inkSrc0">
+        <inkml:traceFormat>
+          <inkml:channel name="X" type="integer" min="-2.14748E9" max="2.14748E9" units="cm"/>
+          <inkml:channel name="Y" type="integer" min="-2.14748E9" max="2.14748E9" units="cm"/>
+          <inkml:channel name="F" type="integer" max="32767" units="dev"/>
+        </inkml:traceFormat>
+        <inkml:channelProperties>
+          <inkml:channelProperty channel="X" name="resolution" value="1000" units="1/cm"/>
+          <inkml:channelProperty channel="Y" name="resolution" value="1000" units="1/cm"/>
+          <inkml:channelProperty channel="F" name="resolution" value="0" units="1/dev"/>
+        </inkml:channelProperties>
+      </inkml:inkSource>
+      <inkml:timestamp xml:id="ts0" timeString="2021-10-13T08:05:14.940"/>
+    </inkml:context>
+    <inkml:brush xml:id="br0">
+      <inkml:brushProperty name="width" value="0.05" units="cm"/>
+      <inkml:brushProperty name="height" value="0.05" units="cm"/>
+      <inkml:brushProperty name="color" value="#33CCFF"/>
+    </inkml:brush>
+  </inkml:definitions>
+  <inkml:trace contextRef="#ctx0" brushRef="#br0">0 1 24575,'29'14'0,"21"13"0,86 30 0,-96-42 0,-1 2 0,69 40 0,67 58 0,-141-92 0,-8-5 0,-1 1 0,-1 1 0,36 39 0,-49-46 0,0 0 0,-1 1 0,0 1 0,-2 0 0,0 0 0,0 1 0,-1 0 0,5 20 0,-5-9 0,-1 1 0,-2 0 0,2 46 0,-9 88 0,0-60 0,2-78 0,0-1 0,-2 1 0,0-1 0,-2 0 0,0 0 0,-17 43 0,18-57 0,0 0 0,-1 0 0,0 0 0,0 0 0,-1-1 0,0 1 0,0-2 0,-1 1 0,0-1 0,0 0 0,-1 0 0,0-1 0,0 0 0,-1 0 0,0-1 0,0 0 0,0-1 0,-15 6 0,-140 26 48,88-21-1461,55-11-5413</inkml:trace>
+</inkml:ink>
+</file>
+
+<file path=ppt/ink/ink6.xml><?xml version="1.0" encoding="utf-8"?>
+<inkml:ink xmlns:inkml="http://www.w3.org/2003/InkML">
+  <inkml:definitions>
+    <inkml:context xml:id="ctx0">
+      <inkml:inkSource xml:id="inkSrc0">
+        <inkml:traceFormat>
+          <inkml:channel name="X" type="integer" min="-2.14748E9" max="2.14748E9" units="cm"/>
+          <inkml:channel name="Y" type="integer" min="-2.14748E9" max="2.14748E9" units="cm"/>
+          <inkml:channel name="F" type="integer" max="32767" units="dev"/>
+        </inkml:traceFormat>
+        <inkml:channelProperties>
+          <inkml:channelProperty channel="X" name="resolution" value="1000" units="1/cm"/>
+          <inkml:channelProperty channel="Y" name="resolution" value="1000" units="1/cm"/>
+          <inkml:channelProperty channel="F" name="resolution" value="0" units="1/dev"/>
+        </inkml:channelProperties>
+      </inkml:inkSource>
+      <inkml:timestamp xml:id="ts0" timeString="2021-10-13T08:01:46.063"/>
+    </inkml:context>
+    <inkml:brush xml:id="br0">
+      <inkml:brushProperty name="width" value="0.05" units="cm"/>
+      <inkml:brushProperty name="height" value="0.05" units="cm"/>
+      <inkml:brushProperty name="color" value="#33CCFF"/>
+    </inkml:brush>
+  </inkml:definitions>
+  <inkml:trace contextRef="#ctx0" brushRef="#br0">528 1100 24575,'-13'0'0,"0"-1"0,0 0 0,0-1 0,0 0 0,1-1 0,-1 0 0,1-1 0,0-1 0,0 0 0,0-1 0,1 0 0,-21-14 0,24 15 0,-10-6 0,1 0 0,0-1 0,1-1 0,0 0 0,1-1 0,-24-29 0,14 6 0,3-1 0,1 0 0,-17-45 0,0 11 0,31 61 0,-1-1 0,2-1 0,-1 1 0,2-1 0,0 0 0,0-1 0,1 1 0,1-1 0,0 1 0,0-16 0,7-190 0,-3 210 0,1 0 0,1 0 0,-1 1 0,1-1 0,1 1 0,-1-1 0,1 1 0,1 1 0,0-1 0,0 1 0,0-1 0,1 1 0,0 1 0,0-1 0,1 1 0,0 0 0,0 1 0,0-1 0,1 1 0,-1 1 0,1 0 0,1 0 0,-1 0 0,12-3 0,86-27 0,51-14 0,-127 41 0,-1 1 0,1 2 0,46-1 0,-1 4 0,146 5 0,-211-3 0,0 1 0,0 1 0,0 0 0,-1 0 0,0 1 0,1 0 0,-1 1 0,-1 0 0,1 0 0,15 13 0,-14-10 0,0 1 0,-1 0 0,0 1 0,-1 0 0,1 0 0,-2 1 0,13 22 0,-7-3 0,-1 1 0,-2 0 0,-1 1 0,-1 0 0,6 60 0,-7 165 0,-7-191 0,0-58 0,-1 1 0,0-1 0,0 1 0,-1-1 0,0 0 0,-1 0 0,0 0 0,0 0 0,0 0 0,-1 0 0,0-1 0,-1 0 0,0 0 0,0 0 0,0 0 0,-12 10 0,-1-2 0,0 0 0,-1-1 0,-1-1 0,-38 19 0,37-19 0,0 1 0,0 0 0,-29 30 0,36-31 0,0 0 0,-1-1 0,0-1 0,-1 0 0,0-1 0,-1-1 0,-26 11 0,33-18-273,1 0 0,-1 0 0,0-1 0,-16 1 0,6-2-6553</inkml:trace>
+</inkml:ink>
+</file>
+
+<file path=ppt/ink/ink60.xml><?xml version="1.0" encoding="utf-8"?>
+<inkml:ink xmlns:inkml="http://www.w3.org/2003/InkML">
+  <inkml:definitions>
+    <inkml:context xml:id="ctx0">
+      <inkml:inkSource xml:id="inkSrc0">
+        <inkml:traceFormat>
+          <inkml:channel name="X" type="integer" min="-2.14748E9" max="2.14748E9" units="cm"/>
+          <inkml:channel name="Y" type="integer" min="-2.14748E9" max="2.14748E9" units="cm"/>
+          <inkml:channel name="F" type="integer" max="32767" units="dev"/>
+        </inkml:traceFormat>
+        <inkml:channelProperties>
+          <inkml:channelProperty channel="X" name="resolution" value="1000" units="1/cm"/>
+          <inkml:channelProperty channel="Y" name="resolution" value="1000" units="1/cm"/>
+          <inkml:channelProperty channel="F" name="resolution" value="0" units="1/dev"/>
+        </inkml:channelProperties>
+      </inkml:inkSource>
+      <inkml:timestamp xml:id="ts0" timeString="2021-10-13T08:05:45.121"/>
+    </inkml:context>
+    <inkml:brush xml:id="br0">
+      <inkml:brushProperty name="width" value="0.05" units="cm"/>
+      <inkml:brushProperty name="height" value="0.05" units="cm"/>
+      <inkml:brushProperty name="color" value="#33CCFF"/>
+    </inkml:brush>
+  </inkml:definitions>
+  <inkml:trace contextRef="#ctx0" brushRef="#br0">554 1529 24575,'-7'-1'0,"0"1"0,0-1 0,1 0 0,-1 0 0,0-1 0,1 0 0,-1-1 0,1 1 0,0-1 0,-1 0 0,2-1 0,-9-4 0,-4-6 0,1-1 0,-22-24 0,-6-5 0,-46-29 0,64 54 0,1-2 0,1 0 0,1-2 0,0 0 0,-28-39 0,38 42 0,-22-43 0,32 54 0,0 0 0,1-1 0,0 1 0,1-1 0,0 0 0,0 0 0,0-17 0,1 6 0,0-1 0,2 1 0,0 0 0,2-1 0,0 1 0,1 0 0,1 1 0,1-1 0,11-24 0,4 4 0,3 1 0,1 1 0,2 1 0,2 1 0,1 2 0,2 1 0,1 2 0,1 1 0,50-34 0,-29 22 0,73-71 0,-84 72 0,-36 36 0,-1 1 0,1 0 0,0 0 0,0 0 0,1 1 0,10-4 0,-7 4 0,-1-1 0,0-1 0,10-6 0,-7 1-91,0-1-1,11-13 1,-13 13-1000,4-4-5735</inkml:trace>
+</inkml:ink>
+</file>
+
+<file path=ppt/ink/ink61.xml><?xml version="1.0" encoding="utf-8"?>
+<inkml:ink xmlns:inkml="http://www.w3.org/2003/InkML">
+  <inkml:definitions>
+    <inkml:context xml:id="ctx0">
+      <inkml:inkSource xml:id="inkSrc0">
+        <inkml:traceFormat>
+          <inkml:channel name="X" type="integer" min="-2.14748E9" max="2.14748E9" units="cm"/>
+          <inkml:channel name="Y" type="integer" min="-2.14748E9" max="2.14748E9" units="cm"/>
+          <inkml:channel name="F" type="integer" max="32767" units="dev"/>
+        </inkml:traceFormat>
+        <inkml:channelProperties>
+          <inkml:channelProperty channel="X" name="resolution" value="1000" units="1/cm"/>
+          <inkml:channelProperty channel="Y" name="resolution" value="1000" units="1/cm"/>
+          <inkml:channelProperty channel="F" name="resolution" value="0" units="1/dev"/>
+        </inkml:channelProperties>
+      </inkml:inkSource>
+      <inkml:timestamp xml:id="ts0" timeString="2021-10-13T08:05:45.773"/>
+    </inkml:context>
+    <inkml:brush xml:id="br0">
+      <inkml:brushProperty name="width" value="0.05" units="cm"/>
+      <inkml:brushProperty name="height" value="0.05" units="cm"/>
+      <inkml:brushProperty name="color" value="#33CCFF"/>
+    </inkml:brush>
+  </inkml:definitions>
+  <inkml:trace contextRef="#ctx0" brushRef="#br0">0 117 24575,'0'-3'0,"1"1"0,-1 0 0,1 0 0,-1 0 0,1 0 0,0-1 0,-1 1 0,1 0 0,0 0 0,1 1 0,-1-1 0,0 0 0,0 0 0,1 0 0,-1 1 0,1-1 0,0 1 0,-1-1 0,1 1 0,0 0 0,0-1 0,0 1 0,0 0 0,0 0 0,0 1 0,0-1 0,0 0 0,0 1 0,0-1 0,0 1 0,4-1 0,10-1 0,1 0 0,-1 1 0,22 2 0,-18-1 0,2 0 0,43 1 0,0-3 0,111-19 0,-111 7 0,71-13 0,-133 26 0,-1 1 0,1-1 0,-1 1 0,1 0 0,-1 0 0,0 0 0,1 0 0,-1 1 0,1-1 0,-1 0 0,1 1 0,-1 0 0,0 0 0,0-1 0,1 1 0,-1 1 0,0-1 0,0 0 0,0 0 0,0 1 0,3 3 0,-2-2 0,-1 0 0,-1 1 0,1-1 0,0 1 0,-1 0 0,0 0 0,0-1 0,0 1 0,0 0 0,-1 0 0,1 0 0,-1 8 0,-9 292 0,-9-188-1365,15-94-5461</inkml:trace>
+</inkml:ink>
+</file>
+
+<file path=ppt/ink/ink62.xml><?xml version="1.0" encoding="utf-8"?>
+<inkml:ink xmlns:inkml="http://www.w3.org/2003/InkML">
+  <inkml:definitions>
+    <inkml:context xml:id="ctx0">
+      <inkml:inkSource xml:id="inkSrc0">
+        <inkml:traceFormat>
+          <inkml:channel name="X" type="integer" min="-2.14748E9" max="2.14748E9" units="cm"/>
+          <inkml:channel name="Y" type="integer" min="-2.14748E9" max="2.14748E9" units="cm"/>
+          <inkml:channel name="F" type="integer" max="32767" units="dev"/>
+        </inkml:traceFormat>
+        <inkml:channelProperties>
+          <inkml:channelProperty channel="X" name="resolution" value="1000" units="1/cm"/>
+          <inkml:channelProperty channel="Y" name="resolution" value="1000" units="1/cm"/>
+          <inkml:channelProperty channel="F" name="resolution" value="0" units="1/dev"/>
+        </inkml:channelProperties>
+      </inkml:inkSource>
+      <inkml:timestamp xml:id="ts0" timeString="2021-10-13T08:05:46.271"/>
+    </inkml:context>
+    <inkml:brush xml:id="br0">
+      <inkml:brushProperty name="width" value="0.05" units="cm"/>
+      <inkml:brushProperty name="height" value="0.05" units="cm"/>
+      <inkml:brushProperty name="color" value="#33CCFF"/>
+    </inkml:brush>
+  </inkml:definitions>
+  <inkml:trace contextRef="#ctx0" brushRef="#br0">1 28 24575,'0'-1'0,"0"0"0,0 0 0,1 0 0,-1 0 0,1 0 0,-1 0 0,1 0 0,-1 1 0,1-1 0,-1 0 0,1 0 0,0 1 0,0-1 0,-1 0 0,1 1 0,0-1 0,0 1 0,0-1 0,-1 1 0,1-1 0,0 1 0,0-1 0,0 1 0,0 0 0,0 0 0,0-1 0,0 1 0,1 0 0,34-4 0,-30 3 0,379-3 46,-210 6-1457,-151-2-5415</inkml:trace>
+</inkml:ink>
+</file>
+
+<file path=ppt/ink/ink63.xml><?xml version="1.0" encoding="utf-8"?>
+<inkml:ink xmlns:inkml="http://www.w3.org/2003/InkML">
+  <inkml:definitions>
+    <inkml:context xml:id="ctx0">
+      <inkml:inkSource xml:id="inkSrc0">
+        <inkml:traceFormat>
+          <inkml:channel name="X" type="integer" min="-2.14748E9" max="2.14748E9" units="cm"/>
+          <inkml:channel name="Y" type="integer" min="-2.14748E9" max="2.14748E9" units="cm"/>
+          <inkml:channel name="F" type="integer" max="32767" units="dev"/>
+        </inkml:traceFormat>
+        <inkml:channelProperties>
+          <inkml:channelProperty channel="X" name="resolution" value="1000" units="1/cm"/>
+          <inkml:channelProperty channel="Y" name="resolution" value="1000" units="1/cm"/>
+          <inkml:channelProperty channel="F" name="resolution" value="0" units="1/dev"/>
+        </inkml:channelProperties>
+      </inkml:inkSource>
+      <inkml:timestamp xml:id="ts0" timeString="2021-10-13T08:05:46.663"/>
+    </inkml:context>
+    <inkml:brush xml:id="br0">
+      <inkml:brushProperty name="width" value="0.05" units="cm"/>
+      <inkml:brushProperty name="height" value="0.05" units="cm"/>
+      <inkml:brushProperty name="color" value="#33CCFF"/>
+    </inkml:brush>
+  </inkml:definitions>
+  <inkml:trace contextRef="#ctx0" brushRef="#br0">28 0 24575,'-4'0'0,"-2"5"0,0 4 0,2 7 0,0 3 0,2 3 0,1 3 0,1 1 0,4 0 0,2 0 0,0-1 0,-1 1 0,3-5 0,3-6 0,2-5-8191</inkml:trace>
+</inkml:ink>
+</file>
+
+<file path=ppt/ink/ink64.xml><?xml version="1.0" encoding="utf-8"?>
+<inkml:ink xmlns:inkml="http://www.w3.org/2003/InkML">
+  <inkml:definitions>
+    <inkml:context xml:id="ctx0">
+      <inkml:inkSource xml:id="inkSrc0">
+        <inkml:traceFormat>
+          <inkml:channel name="X" type="integer" min="-2.14748E9" max="2.14748E9" units="cm"/>
+          <inkml:channel name="Y" type="integer" min="-2.14748E9" max="2.14748E9" units="cm"/>
+          <inkml:channel name="F" type="integer" max="32767" units="dev"/>
+        </inkml:traceFormat>
+        <inkml:channelProperties>
+          <inkml:channelProperty channel="X" name="resolution" value="1000" units="1/cm"/>
+          <inkml:channelProperty channel="Y" name="resolution" value="1000" units="1/cm"/>
+          <inkml:channelProperty channel="F" name="resolution" value="0" units="1/dev"/>
+        </inkml:channelProperties>
+      </inkml:inkSource>
+      <inkml:timestamp xml:id="ts0" timeString="2021-10-13T08:05:47.191"/>
+    </inkml:context>
+    <inkml:brush xml:id="br0">
+      <inkml:brushProperty name="width" value="0.05" units="cm"/>
+      <inkml:brushProperty name="height" value="0.05" units="cm"/>
+      <inkml:brushProperty name="color" value="#33CCFF"/>
+    </inkml:brush>
+  </inkml:definitions>
+  <inkml:trace contextRef="#ctx0" brushRef="#br0">103 1 24575,'-1'3'0,"0"0"0,0 1 0,-1-1 0,1 0 0,-1 0 0,0 0 0,1 0 0,-1 0 0,-1 0 0,1 0 0,0-1 0,-5 4 0,-5 9 0,4-4 0,1 0 0,0 1 0,1 0 0,0 0 0,1 0 0,0 0 0,1 1 0,-3 19 0,3-5 0,1 0 0,1 0 0,3 32 0,-1-57-6,0-1-1,0 0 1,0 1-1,0-1 1,0 0-1,0 1 1,0-1-1,1 0 1,-1 0-1,1 1 1,-1-1-1,1 0 1,-1 0-1,1 0 1,0 2-1,0-3 13,-1 0-1,1 0 1,-1 0-1,0 0 1,1 0-1,-1 0 1,1 1-1,-1-1 1,0 0-1,1 0 1,-1-1 0,1 1-1,-1 0 1,0 0-1,1 0 1,-1 0-1,1 0 1,-1 0-1,0 0 1,1-1-1,-1 1 1,0 0-1,1 0 1,-1 0-1,0-1 1,1 1-1,-1 0 1,0-1-1,0 1 1,1-1-1,27-38-459,-21 27-524,4-5-5848</inkml:trace>
+</inkml:ink>
+</file>
+
+<file path=ppt/ink/ink65.xml><?xml version="1.0" encoding="utf-8"?>
+<inkml:ink xmlns:inkml="http://www.w3.org/2003/InkML">
+  <inkml:definitions>
+    <inkml:context xml:id="ctx0">
+      <inkml:inkSource xml:id="inkSrc0">
+        <inkml:traceFormat>
+          <inkml:channel name="X" type="integer" min="-2.14748E9" max="2.14748E9" units="cm"/>
+          <inkml:channel name="Y" type="integer" min="-2.14748E9" max="2.14748E9" units="cm"/>
+          <inkml:channel name="F" type="integer" max="32767" units="dev"/>
+        </inkml:traceFormat>
+        <inkml:channelProperties>
+          <inkml:channelProperty channel="X" name="resolution" value="1000" units="1/cm"/>
+          <inkml:channelProperty channel="Y" name="resolution" value="1000" units="1/cm"/>
+          <inkml:channelProperty channel="F" name="resolution" value="0" units="1/dev"/>
+        </inkml:channelProperties>
+      </inkml:inkSource>
+      <inkml:timestamp xml:id="ts0" timeString="2021-10-13T08:05:47.554"/>
+    </inkml:context>
+    <inkml:brush xml:id="br0">
+      <inkml:brushProperty name="width" value="0.05" units="cm"/>
+      <inkml:brushProperty name="height" value="0.05" units="cm"/>
+      <inkml:brushProperty name="color" value="#33CCFF"/>
+    </inkml:brush>
+  </inkml:definitions>
+  <inkml:trace contextRef="#ctx0" brushRef="#br0">0 1 24575,'474'0'-1365,"-451"0"-5461</inkml:trace>
+</inkml:ink>
+</file>
+
+<file path=ppt/ink/ink66.xml><?xml version="1.0" encoding="utf-8"?>
+<inkml:ink xmlns:inkml="http://www.w3.org/2003/InkML">
+  <inkml:definitions>
+    <inkml:context xml:id="ctx0">
+      <inkml:inkSource xml:id="inkSrc0">
+        <inkml:traceFormat>
+          <inkml:channel name="X" type="integer" min="-2.14748E9" max="2.14748E9" units="cm"/>
+          <inkml:channel name="Y" type="integer" min="-2.14748E9" max="2.14748E9" units="cm"/>
+          <inkml:channel name="F" type="integer" max="32767" units="dev"/>
+        </inkml:traceFormat>
+        <inkml:channelProperties>
+          <inkml:channelProperty channel="X" name="resolution" value="1000" units="1/cm"/>
+          <inkml:channelProperty channel="Y" name="resolution" value="1000" units="1/cm"/>
+          <inkml:channelProperty channel="F" name="resolution" value="0" units="1/dev"/>
+        </inkml:channelProperties>
+      </inkml:inkSource>
+      <inkml:timestamp xml:id="ts0" timeString="2021-10-13T08:05:48.347"/>
+    </inkml:context>
+    <inkml:brush xml:id="br0">
+      <inkml:brushProperty name="width" value="0.05" units="cm"/>
+      <inkml:brushProperty name="height" value="0.05" units="cm"/>
+      <inkml:brushProperty name="color" value="#33CCFF"/>
+    </inkml:brush>
+  </inkml:definitions>
+  <inkml:trace contextRef="#ctx0" brushRef="#br0">45 57 24575,'0'0'0,"-1"0"0,0 1 0,1-1 0,-1 0 0,1-1 0,-1 1 0,1 0 0,-1 0 0,1 0 0,-1 0 0,0 0 0,1 0 0,-1-1 0,1 1 0,-1 0 0,1 0 0,-1-1 0,1 1 0,0 0 0,-1-1 0,1 1 0,-1-1 0,1 1 0,0 0 0,-1-1 0,1 1 0,0-1 0,-1 1 0,1-1 0,0 1 0,0-1 0,0 1 0,-1-1 0,1 1 0,0-1 0,0 0 0,0 1 0,0-1 0,0 1 0,0-1 0,0 1 0,0-1 0,0 1 0,0-1 0,0 0 0,0 1 0,1-1 0,-1 1 0,1-2 0,-1 1 0,1-1 0,-1 1 0,1-1 0,0 0 0,0 1 0,0 0 0,0-1 0,0 1 0,0-1 0,0 1 0,0 0 0,1 0 0,-1 0 0,0 0 0,4-2 0,11-1 0,1 0 0,0 1 0,0 1 0,1 1 0,-1 0 0,0 1 0,22 4 0,9-2 0,-40-2 0,1-1 0,0 1 0,0 1 0,0 0 0,0 0 0,-1 0 0,16 6 0,-22-6 0,0 0 0,0 0 0,0 1 0,0-1 0,0 1 0,0-1 0,0 1 0,0 0 0,-1 0 0,1 0 0,-1 0 0,1 0 0,-1 0 0,0 0 0,0 0 0,0 1 0,0-1 0,0 0 0,0 1 0,-1-1 0,1 1 0,-1-1 0,1 0 0,-1 1 0,0-1 0,0 1 0,0-1 0,-1 5 0,0-1 0,0 0 0,-1 0 0,1 0 0,-1 0 0,-1 0 0,1 0 0,-1-1 0,0 1 0,0-1 0,0 0 0,-1 0 0,0 0 0,0 0 0,0-1 0,-9 8 0,-8 6 0,-1-2 0,-31 18 0,26-17 0,-25 14 0,30-19 0,1 1 0,1 1 0,-33 28 0,50-40 0,1 0 0,-1 1 0,1-1 0,0 0 0,0 1 0,0-1 0,0 1 0,1 0 0,-1 0 0,1-1 0,-1 1 0,1 0 0,0 0 0,0 1 0,0-1 0,1 0 0,-1 0 0,1 0 0,0 0 0,0 1 0,0-1 0,0 0 0,0 0 0,1 0 0,-1 1 0,1-1 0,0 0 0,0 0 0,0 0 0,0 0 0,1 0 0,-1 0 0,1-1 0,0 1 0,0 0 0,0-1 0,0 1 0,0-1 0,0 0 0,1 0 0,-1 0 0,1 0 0,-1 0 0,6 2 0,0 1 8,1 0 0,0 0-1,0-1 1,0-1 0,0 1-1,1-1 1,-1-1 0,1 0-1,13 1 1,10-1-293,48-3 0,-47 0-587,-12 1-5954</inkml:trace>
+</inkml:ink>
+</file>
+
+<file path=ppt/ink/ink67.xml><?xml version="1.0" encoding="utf-8"?>
+<inkml:ink xmlns:inkml="http://www.w3.org/2003/InkML">
+  <inkml:definitions>
+    <inkml:context xml:id="ctx0">
+      <inkml:inkSource xml:id="inkSrc0">
+        <inkml:traceFormat>
+          <inkml:channel name="X" type="integer" min="-2.14748E9" max="2.14748E9" units="cm"/>
+          <inkml:channel name="Y" type="integer" min="-2.14748E9" max="2.14748E9" units="cm"/>
+          <inkml:channel name="F" type="integer" max="32767" units="dev"/>
+        </inkml:traceFormat>
+        <inkml:channelProperties>
+          <inkml:channelProperty channel="X" name="resolution" value="1000" units="1/cm"/>
+          <inkml:channelProperty channel="Y" name="resolution" value="1000" units="1/cm"/>
+          <inkml:channelProperty channel="F" name="resolution" value="0" units="1/dev"/>
+        </inkml:channelProperties>
+      </inkml:inkSource>
+      <inkml:timestamp xml:id="ts0" timeString="2021-10-13T08:05:48.770"/>
+    </inkml:context>
+    <inkml:brush xml:id="br0">
+      <inkml:brushProperty name="width" value="0.05" units="cm"/>
+      <inkml:brushProperty name="height" value="0.05" units="cm"/>
+      <inkml:brushProperty name="color" value="#33CCFF"/>
+    </inkml:brush>
+  </inkml:definitions>
+  <inkml:trace contextRef="#ctx0" brushRef="#br0">200 0 24575,'-3'1'0,"1"-1"0,-1 1 0,1 0 0,-1 0 0,1 0 0,-1 0 0,1 1 0,-1-1 0,1 1 0,0-1 0,0 1 0,-3 3 0,-24 25 0,17-14 0,0 1 0,2 0 0,0 1 0,-10 24 0,-13 23 0,27-53 0,0-1 0,1 0 0,0 1 0,1 0 0,1 0 0,0 1 0,0-1 0,1 1 0,1-1 0,0 1 0,1-1 0,2 25 0,-1-31 0,0 0 0,0-1 0,0 1 0,1-1 0,0 1 0,0-1 0,0 0 0,1 0 0,0 0 0,0 0 0,0 0 0,0-1 0,1 1 0,0-1 0,0 0 0,0 0 0,0 0 0,1-1 0,-1 0 0,1 0 0,0 0 0,0 0 0,0 0 0,0-1 0,1 0 0,-1 0 0,1-1 0,-1 0 0,1 0 0,9 1 0,30 0 0,59-3 0,-29-1 0,-61 1-80,0-1 0,0 0-1,-1-1 1,0-1 0,1 0-1,-1 0 1,0-1 0,-1-1-1,1 0 1,-1-1 0,-1 0 0,1-1-1,-1 0 1,0-1 0,-1 0-1,12-14 1,-9 7-6746</inkml:trace>
+</inkml:ink>
+</file>
+
+<file path=ppt/ink/ink68.xml><?xml version="1.0" encoding="utf-8"?>
+<inkml:ink xmlns:inkml="http://www.w3.org/2003/InkML">
+  <inkml:definitions>
+    <inkml:context xml:id="ctx0">
+      <inkml:inkSource xml:id="inkSrc0">
+        <inkml:traceFormat>
+          <inkml:channel name="X" type="integer" min="-2.14748E9" max="2.14748E9" units="cm"/>
+          <inkml:channel name="Y" type="integer" min="-2.14748E9" max="2.14748E9" units="cm"/>
+          <inkml:channel name="F" type="integer" max="32767" units="dev"/>
+        </inkml:traceFormat>
+        <inkml:channelProperties>
+          <inkml:channelProperty channel="X" name="resolution" value="1000" units="1/cm"/>
+          <inkml:channelProperty channel="Y" name="resolution" value="1000" units="1/cm"/>
+          <inkml:channelProperty channel="F" name="resolution" value="0" units="1/dev"/>
+        </inkml:channelProperties>
+      </inkml:inkSource>
+      <inkml:timestamp xml:id="ts0" timeString="2021-10-13T08:05:49.363"/>
+    </inkml:context>
+    <inkml:brush xml:id="br0">
+      <inkml:brushProperty name="width" value="0.05" units="cm"/>
+      <inkml:brushProperty name="height" value="0.05" units="cm"/>
+      <inkml:brushProperty name="color" value="#33CCFF"/>
+    </inkml:brush>
+  </inkml:definitions>
+  <inkml:trace contextRef="#ctx0" brushRef="#br0">16 104 24575,'-1'0'0,"1"0"0,-1 0 0,0 0 0,1 0 0,-1 0 0,1 0 0,-1 0 0,0 0 0,1-1 0,-1 1 0,1 0 0,-1 0 0,1 0 0,-1-1 0,1 1 0,-1 0 0,1-1 0,-1 1 0,1 0 0,-1-1 0,1 1 0,-1-1 0,1 1 0,0-1 0,-1 1 0,1-1 0,0 1 0,-1-1 0,1 0 0,2-19 0,-1 16 0,1 0 0,0 0 0,-1 0 0,2 1 0,-1-1 0,0 1 0,1-1 0,3-3 0,2 2 0,-1 1 0,1-1 0,0 1 0,0 1 0,1 0 0,-1 0 0,1 1 0,0 0 0,-1 0 0,16-1 0,13 1 0,47 4 0,-45 0 0,3-3 0,-30-1 0,-1 2 0,1 0 0,0 0 0,0 1 0,-1 0 0,22 6 0,-31-6 0,1 1 0,-1-1 0,0 1 0,0-1 0,0 1 0,0 0 0,0 0 0,-1-1 0,1 1 0,-1 0 0,1 1 0,-1-1 0,1 0 0,-1 0 0,0 1 0,0-1 0,0 0 0,-1 1 0,1-1 0,0 1 0,-1-1 0,1 5 0,0 8 0,-1 0 0,-2 27 0,1-22 0,-2 307-269,3-251-827,0-55-5730</inkml:trace>
+</inkml:ink>
+</file>
+
+<file path=ppt/ink/ink69.xml><?xml version="1.0" encoding="utf-8"?>
+<inkml:ink xmlns:inkml="http://www.w3.org/2003/InkML">
+  <inkml:definitions>
+    <inkml:context xml:id="ctx0">
+      <inkml:inkSource xml:id="inkSrc0">
+        <inkml:traceFormat>
+          <inkml:channel name="X" type="integer" min="-2.14748E9" max="2.14748E9" units="cm"/>
+          <inkml:channel name="Y" type="integer" min="-2.14748E9" max="2.14748E9" units="cm"/>
+          <inkml:channel name="F" type="integer" max="32767" units="dev"/>
+        </inkml:traceFormat>
+        <inkml:channelProperties>
+          <inkml:channelProperty channel="X" name="resolution" value="1000" units="1/cm"/>
+          <inkml:channelProperty channel="Y" name="resolution" value="1000" units="1/cm"/>
+          <inkml:channelProperty channel="F" name="resolution" value="0" units="1/dev"/>
+        </inkml:channelProperties>
+      </inkml:inkSource>
+      <inkml:timestamp xml:id="ts0" timeString="2021-10-13T08:05:49.785"/>
+    </inkml:context>
+    <inkml:brush xml:id="br0">
+      <inkml:brushProperty name="width" value="0.05" units="cm"/>
+      <inkml:brushProperty name="height" value="0.05" units="cm"/>
+      <inkml:brushProperty name="color" value="#33CCFF"/>
+    </inkml:brush>
+  </inkml:definitions>
+  <inkml:trace contextRef="#ctx0" brushRef="#br0">1 100 24575,'13'-2'0,"0"0"0,-1-1 0,1 0 0,15-7 0,-8 3 0,1 1 0,21-4 0,22-2 0,67-21 0,-84 24-1365,-27 6-5461</inkml:trace>
+</inkml:ink>
+</file>
+
+<file path=ppt/ink/ink7.xml><?xml version="1.0" encoding="utf-8"?>
+<inkml:ink xmlns:inkml="http://www.w3.org/2003/InkML">
+  <inkml:definitions>
+    <inkml:context xml:id="ctx0">
+      <inkml:inkSource xml:id="inkSrc0">
+        <inkml:traceFormat>
+          <inkml:channel name="X" type="integer" min="-2.14748E9" max="2.14748E9" units="cm"/>
+          <inkml:channel name="Y" type="integer" min="-2.14748E9" max="2.14748E9" units="cm"/>
+          <inkml:channel name="F" type="integer" max="32767" units="dev"/>
+        </inkml:traceFormat>
+        <inkml:channelProperties>
+          <inkml:channelProperty channel="X" name="resolution" value="1000" units="1/cm"/>
+          <inkml:channelProperty channel="Y" name="resolution" value="1000" units="1/cm"/>
+          <inkml:channelProperty channel="F" name="resolution" value="0" units="1/dev"/>
+        </inkml:channelProperties>
+      </inkml:inkSource>
+      <inkml:timestamp xml:id="ts0" timeString="2021-10-13T08:01:48.867"/>
+    </inkml:context>
+    <inkml:brush xml:id="br0">
+      <inkml:brushProperty name="width" value="0.05" units="cm"/>
+      <inkml:brushProperty name="height" value="0.05" units="cm"/>
+      <inkml:brushProperty name="color" value="#33CCFF"/>
+    </inkml:brush>
+  </inkml:definitions>
+  <inkml:trace contextRef="#ctx0" brushRef="#br0">53 254 24575,'-1'-3'0,"0"0"0,0 0 0,0 1 0,0-1 0,-1 0 0,0 1 0,1-1 0,-1 1 0,0 0 0,-2-3 0,-12-17 0,12 13 0,1 0 0,0 0 0,1 0 0,0 0 0,0-1 0,1 1 0,0-1 0,1 0 0,0 1 0,0-1 0,4-17 0,-3 23 0,0 0 0,0 1 0,0-1 0,1 1 0,-1-1 0,1 1 0,0-1 0,0 1 0,0 0 0,0 0 0,0 0 0,1 0 0,-1 1 0,1-1 0,0 1 0,0-1 0,0 1 0,0 0 0,0 0 0,1 0 0,-1 1 0,1-1 0,-1 1 0,1 0 0,-1 0 0,1 0 0,0 0 0,-1 1 0,1-1 0,0 1 0,0 0 0,5 1 0,-1-1 0,0 1 0,0 0 0,1 1 0,-1 0 0,0 0 0,0 1 0,-1 0 0,1 1 0,0-1 0,-1 1 0,0 1 0,0-1 0,0 1 0,-1 1 0,0-1 0,0 1 0,0 0 0,0 0 0,-1 1 0,0 0 0,-1-1 0,1 2 0,-1-1 0,-1 0 0,1 1 0,-1 0 0,-1 0 0,0 0 0,0 0 0,0 0 0,0 12 0,-1-10 0,-2 1 0,1 0 0,-1-1 0,-1 1 0,0-1 0,0 1 0,-1-1 0,-1 0 0,1 0 0,-2 0 0,1-1 0,-1 1 0,-1-1 0,0 0 0,0-1 0,0 1 0,-1-1 0,-1 0 0,1-1 0,-14 10 0,16-14 0,0-1 0,0 0 0,0 0 0,0 0 0,-1-1 0,1 0 0,-1 0 0,1 0 0,-1-1 0,1 0 0,-7 0 0,7 0 0,1 0 0,0 0 0,-1 0 0,1 0 0,-1 1 0,1-1 0,-1 1 0,1 1 0,0-1 0,0 1 0,0-1 0,-1 1 0,1 0 0,-4 3 0,8-5 0,0 1 0,-1-1 0,1 0 0,-1 0 0,1 1 0,0-1 0,-1 0 0,1 1 0,0-1 0,-1 1 0,1-1 0,0 0 0,0 1 0,-1-1 0,1 1 0,0-1 0,0 1 0,0-1 0,-1 0 0,1 1 0,0-1 0,0 1 0,0-1 0,0 1 0,0-1 0,0 1 0,0-1 0,0 1 0,0-1 0,0 1 0,1-1 0,-1 1 0,0-1 0,0 1 0,0-1 0,1 1 0,19 9 0,26-2 0,191-7 61,-124-3-1487,-92 2-5400</inkml:trace>
+</inkml:ink>
+</file>
+
+<file path=ppt/ink/ink70.xml><?xml version="1.0" encoding="utf-8"?>
+<inkml:ink xmlns:inkml="http://www.w3.org/2003/InkML">
+  <inkml:definitions>
+    <inkml:context xml:id="ctx0">
+      <inkml:inkSource xml:id="inkSrc0">
+        <inkml:traceFormat>
+          <inkml:channel name="X" type="integer" min="-2.14748E9" max="2.14748E9" units="cm"/>
+          <inkml:channel name="Y" type="integer" min="-2.14748E9" max="2.14748E9" units="cm"/>
+          <inkml:channel name="F" type="integer" max="32767" units="dev"/>
+        </inkml:traceFormat>
+        <inkml:channelProperties>
+          <inkml:channelProperty channel="X" name="resolution" value="1000" units="1/cm"/>
+          <inkml:channelProperty channel="Y" name="resolution" value="1000" units="1/cm"/>
+          <inkml:channelProperty channel="F" name="resolution" value="0" units="1/dev"/>
+        </inkml:channelProperties>
+      </inkml:inkSource>
+      <inkml:timestamp xml:id="ts0" timeString="2021-10-13T08:05:50.467"/>
+    </inkml:context>
+    <inkml:brush xml:id="br0">
+      <inkml:brushProperty name="width" value="0.05" units="cm"/>
+      <inkml:brushProperty name="height" value="0.05" units="cm"/>
+      <inkml:brushProperty name="color" value="#33CCFF"/>
+    </inkml:brush>
+  </inkml:definitions>
+  <inkml:trace contextRef="#ctx0" brushRef="#br0">202 56 24575,'0'-2'0,"0"0"0,1 0 0,-1 0 0,0 1 0,1-1 0,-1 0 0,1 0 0,-1 1 0,1-1 0,0 0 0,0 1 0,0-1 0,0 0 0,0 1 0,0 0 0,0-1 0,1 1 0,-1 0 0,2-2 0,0 1 0,1-1 0,-1 1 0,1 0 0,0 0 0,0 1 0,0-1 0,0 1 0,6-1 0,-3 0 0,0 1 0,0 0 0,1 1 0,-1 0 0,0 0 0,1 0 0,-1 1 0,0 0 0,14 4 0,-19-3 0,0-1 0,1 0 0,-1 0 0,0 1 0,0-1 0,0 1 0,0 0 0,0-1 0,0 1 0,0 0 0,-1 0 0,1 0 0,-1 1 0,1-1 0,-1 0 0,0 1 0,0-1 0,0 0 0,0 1 0,-1-1 0,1 1 0,0-1 0,-1 1 0,0 0 0,0-1 0,0 1 0,0-1 0,0 1 0,0 0 0,-1 3 0,0 1 0,-1-1 0,0 1 0,0 0 0,0-1 0,0 0 0,-1 1 0,0-1 0,-1 0 0,1 0 0,-8 8 0,-101 135 0,37-45 0,64-90 0,-19 24 0,1 1 0,-37 67 0,63-98 0,-1 0 0,1 0 0,0 0 0,1 0 0,0 1 0,0-1 0,1 1 0,-1 13 0,2-20 0,0 1 0,0-1 0,1 1 0,-1-1 0,0 1 0,1-1 0,0 0 0,-1 1 0,1-1 0,0 0 0,0 1 0,0-1 0,1 0 0,-1 0 0,0 0 0,1 0 0,0 0 0,-1 0 0,1 0 0,0-1 0,0 1 0,0-1 0,0 1 0,0-1 0,0 0 0,0 1 0,1-1 0,-1 0 0,0-1 0,1 1 0,-1 0 0,5 0 0,5 0 0,1 0 0,-1 0 0,0-2 0,0 1 0,1-2 0,-1 1 0,0-2 0,0 0 0,0 0 0,-1-1 0,1 0 0,-1-1 0,0-1 0,14-8 0,12-11 0,0-1 0,50-48 0,-72 61 0,0-3-1365,-3 3-5461</inkml:trace>
+</inkml:ink>
+</file>
+
+<file path=ppt/ink/ink71.xml><?xml version="1.0" encoding="utf-8"?>
+<inkml:ink xmlns:inkml="http://www.w3.org/2003/InkML">
+  <inkml:definitions>
+    <inkml:context xml:id="ctx0">
+      <inkml:inkSource xml:id="inkSrc0">
+        <inkml:traceFormat>
+          <inkml:channel name="X" type="integer" min="-2.14748E9" max="2.14748E9" units="cm"/>
+          <inkml:channel name="Y" type="integer" min="-2.14748E9" max="2.14748E9" units="cm"/>
+          <inkml:channel name="F" type="integer" max="32767" units="dev"/>
+        </inkml:traceFormat>
+        <inkml:channelProperties>
+          <inkml:channelProperty channel="X" name="resolution" value="1000" units="1/cm"/>
+          <inkml:channelProperty channel="Y" name="resolution" value="1000" units="1/cm"/>
+          <inkml:channelProperty channel="F" name="resolution" value="0" units="1/dev"/>
+        </inkml:channelProperties>
+      </inkml:inkSource>
+      <inkml:timestamp xml:id="ts0" timeString="2021-10-13T08:05:51.249"/>
+    </inkml:context>
+    <inkml:brush xml:id="br0">
+      <inkml:brushProperty name="width" value="0.05" units="cm"/>
+      <inkml:brushProperty name="height" value="0.05" units="cm"/>
+      <inkml:brushProperty name="color" value="#33CCFF"/>
+    </inkml:brush>
+  </inkml:definitions>
+  <inkml:trace contextRef="#ctx0" brushRef="#br0">1 0 24575,'-1'86'0,"3"96"0,7-144 0,-9-38 0,0 1 0,0 0 0,0-1 0,0 1 0,1 0 0,-1-1 0,0 1 0,0 0 0,1-1 0,-1 1 0,0-1 0,1 1 0,-1-1 0,1 1 0,-1-1 0,0 1 0,1-1 0,-1 1 0,1-1 0,-1 1 0,1-1 0,0 0 0,-1 1 0,1-1 0,-1 0 0,1 0 0,0 1 0,-1-1 0,1 0 0,0 0 0,-1 0 0,1 0 0,0 0 0,-1 0 0,1 0 0,0 0 0,-1 0 0,1 0 0,0 0 0,-1 0 0,1 0 0,0-1 0,-1 1 0,1 0 0,-1 0 0,1-1 0,-1 1 0,1-1 0,0 1 0,0-1 0,59-64 0,-23 23 0,-6 6 0,-25 28 0,0 0 0,1 1 0,-1-1 0,2 2 0,-1-1 0,1 1 0,0 0 0,0 0 0,0 1 0,11-5 0,41-12 0,-34 13 0,32-16 0,-57 24 0,0 0 0,1 0 0,-1 0 0,0 1 0,1-1 0,-1 0 0,1 1 0,-1-1 0,1 1 0,-1 0 0,1-1 0,-1 1 0,1 0 0,-1 0 0,1 0 0,0 0 0,-1 0 0,1 0 0,-1 1 0,1-1 0,-1 0 0,3 2 0,-3-1 0,0 0 0,0 0 0,0 0 0,-1 0 0,1 0 0,0 0 0,-1 1 0,1-1 0,-1 0 0,1 0 0,-1 1 0,0-1 0,1 0 0,-1 1 0,0-1 0,0 0 0,0 1 0,0-1 0,0 0 0,0 2 0,-1 6 0,-1 0 0,0 0 0,0 0 0,-1 0 0,0 0 0,-4 9 0,-18 26 0,18-32 0,0-1 0,1 1 0,0 0 0,0 0 0,2 0 0,0 1 0,0 0 0,1 0 0,-3 26 0,4-12-412,-8 36-1,9-56-127,-3 14-6286</inkml:trace>
+</inkml:ink>
+</file>
+
+<file path=ppt/ink/ink72.xml><?xml version="1.0" encoding="utf-8"?>
+<inkml:ink xmlns:inkml="http://www.w3.org/2003/InkML">
+  <inkml:definitions>
+    <inkml:context xml:id="ctx0">
+      <inkml:inkSource xml:id="inkSrc0">
+        <inkml:traceFormat>
+          <inkml:channel name="X" type="integer" min="-2.14748E9" max="2.14748E9" units="cm"/>
+          <inkml:channel name="Y" type="integer" min="-2.14748E9" max="2.14748E9" units="cm"/>
+          <inkml:channel name="F" type="integer" max="32767" units="dev"/>
+        </inkml:traceFormat>
+        <inkml:channelProperties>
+          <inkml:channelProperty channel="X" name="resolution" value="1000" units="1/cm"/>
+          <inkml:channelProperty channel="Y" name="resolution" value="1000" units="1/cm"/>
+          <inkml:channelProperty channel="F" name="resolution" value="0" units="1/dev"/>
+        </inkml:channelProperties>
+      </inkml:inkSource>
+      <inkml:timestamp xml:id="ts0" timeString="2021-10-13T08:05:52.149"/>
+    </inkml:context>
+    <inkml:brush xml:id="br0">
+      <inkml:brushProperty name="width" value="0.05" units="cm"/>
+      <inkml:brushProperty name="height" value="0.05" units="cm"/>
+      <inkml:brushProperty name="color" value="#33CCFF"/>
+    </inkml:brush>
+  </inkml:definitions>
+  <inkml:trace contextRef="#ctx0" brushRef="#br0">2 144 24575,'0'427'0,"-2"-540"0,5-131 0,-1 231 0,0 0 0,1 0 0,1 1 0,0-1 0,1 1 0,1-1 0,10-18 0,12-25 0,-28 54 0,1-1 0,0 1 0,0 0 0,0 0 0,0 1 0,0-1 0,0 0 0,0 0 0,1 0 0,-1 1 0,0-1 0,1 1 0,0-1 0,-1 1 0,1 0 0,0-1 0,0 1 0,0 0 0,0 0 0,0 0 0,0 0 0,0 1 0,0-1 0,0 1 0,0-1 0,0 1 0,0 0 0,0-1 0,1 1 0,2 1 0,-2-1 0,0 1 0,0 0 0,0 0 0,0 1 0,0-1 0,0 1 0,0-1 0,-1 1 0,1 0 0,-1 0 0,1 0 0,-1 0 0,0 1 0,1-1 0,-1 0 0,0 1 0,-1 0 0,1-1 0,0 1 0,1 4 0,2 7 0,0 0 0,0 0 0,-2 1 0,0-1 0,0 1 0,0 22 0,-5 95 0,0-66 0,2 7 0,-2 58 0,0-122 0,1 0 0,-2-1 0,1 1 0,-1-1 0,0 1 0,-1-1 0,0 0 0,-1 0 0,-5 8 0,8-13 0,0 0 0,-1 0 0,1-1 0,-1 1 0,0-1 0,1 0 0,-1 1 0,0-1 0,0 0 0,0-1 0,-4 3 0,5-4 0,0 1 0,0-1 0,0 1 0,0-1 0,0 0 0,0 0 0,0 0 0,0 0 0,0 0 0,0 0 0,0 0 0,0-1 0,0 1 0,1-1 0,-1 0 0,0 1 0,0-1 0,0 0 0,1 0 0,-1 0 0,-2-2 0,1 1-124,1 0 0,-1-1 0,1 1 0,0-1 0,0 0 0,0 0-1,0 1 1,0-1 0,1 0 0,-3-7 0,-3-10-6702</inkml:trace>
+</inkml:ink>
+</file>
+
+<file path=ppt/ink/ink73.xml><?xml version="1.0" encoding="utf-8"?>
+<inkml:ink xmlns:inkml="http://www.w3.org/2003/InkML">
+  <inkml:definitions>
+    <inkml:context xml:id="ctx0">
+      <inkml:inkSource xml:id="inkSrc0">
+        <inkml:traceFormat>
+          <inkml:channel name="X" type="integer" min="-2.14748E9" max="2.14748E9" units="cm"/>
+          <inkml:channel name="Y" type="integer" min="-2.14748E9" max="2.14748E9" units="cm"/>
+          <inkml:channel name="F" type="integer" max="32767" units="dev"/>
+        </inkml:traceFormat>
+        <inkml:channelProperties>
+          <inkml:channelProperty channel="X" name="resolution" value="1000" units="1/cm"/>
+          <inkml:channelProperty channel="Y" name="resolution" value="1000" units="1/cm"/>
+          <inkml:channelProperty channel="F" name="resolution" value="0" units="1/dev"/>
+        </inkml:channelProperties>
+      </inkml:inkSource>
+      <inkml:timestamp xml:id="ts0" timeString="2021-10-13T08:05:52.768"/>
+    </inkml:context>
+    <inkml:brush xml:id="br0">
+      <inkml:brushProperty name="width" value="0.05" units="cm"/>
+      <inkml:brushProperty name="height" value="0.05" units="cm"/>
+      <inkml:brushProperty name="color" value="#33CCFF"/>
+    </inkml:brush>
+  </inkml:definitions>
+  <inkml:trace contextRef="#ctx0" brushRef="#br0">1 305 24575,'0'-6'0,"2"0"0,-1 0 0,1 1 0,-1-1 0,1 0 0,1 1 0,-1-1 0,1 1 0,0 0 0,1 0 0,-1 0 0,1 0 0,6-7 0,4-2 0,0 0 0,31-22 0,132-88 0,-170 119 0,-1 1 0,1 0 0,0 1 0,0 0 0,0 0 0,0 0 0,0 1 0,1 0 0,-1 0 0,1 1 0,0 0 0,-1 1 0,1-1 0,0 1 0,-1 1 0,1 0 0,0 0 0,-1 0 0,1 1 0,-1 0 0,0 0 0,10 5 0,-10-4 0,-1 0 0,1 0 0,-1 1 0,1 0 0,-1 0 0,-1 1 0,1-1 0,-1 1 0,1 0 0,-1 1 0,-1 0 0,1-1 0,-1 1 0,0 1 0,0-1 0,-1 1 0,0-1 0,0 1 0,-1 0 0,1 0 0,-1 0 0,-1 0 0,1 9 0,0 53-273,-3 0 0,-3-1 0,-3 1 0,-25 103 0,27-148-6553</inkml:trace>
+</inkml:ink>
+</file>
+
+<file path=ppt/ink/ink74.xml><?xml version="1.0" encoding="utf-8"?>
+<inkml:ink xmlns:inkml="http://www.w3.org/2003/InkML">
+  <inkml:definitions>
+    <inkml:context xml:id="ctx0">
+      <inkml:inkSource xml:id="inkSrc0">
+        <inkml:traceFormat>
+          <inkml:channel name="X" type="integer" min="-2.14748E9" max="2.14748E9" units="cm"/>
+          <inkml:channel name="Y" type="integer" min="-2.14748E9" max="2.14748E9" units="cm"/>
+          <inkml:channel name="F" type="integer" max="32767" units="dev"/>
+        </inkml:traceFormat>
+        <inkml:channelProperties>
+          <inkml:channelProperty channel="X" name="resolution" value="1000" units="1/cm"/>
+          <inkml:channelProperty channel="Y" name="resolution" value="1000" units="1/cm"/>
+          <inkml:channelProperty channel="F" name="resolution" value="0" units="1/dev"/>
+        </inkml:channelProperties>
+      </inkml:inkSource>
+      <inkml:timestamp xml:id="ts0" timeString="2021-10-13T08:05:53.260"/>
+    </inkml:context>
+    <inkml:brush xml:id="br0">
+      <inkml:brushProperty name="width" value="0.05" units="cm"/>
+      <inkml:brushProperty name="height" value="0.05" units="cm"/>
+      <inkml:brushProperty name="color" value="#33CCFF"/>
+    </inkml:brush>
+  </inkml:definitions>
+  <inkml:trace contextRef="#ctx0" brushRef="#br0">447 1 24575,'-7'-1'0,"0"1"0,0 0 0,1 1 0,-1-1 0,0 2 0,0-1 0,0 1 0,1 0 0,-1 0 0,1 0 0,0 1 0,-1 0 0,1 1 0,1-1 0,-1 1 0,0 0 0,1 0 0,-9 9 0,-5 5 0,1 1 0,1 0 0,-16 23 0,-96 134 0,100-139 0,-22 26-1365,30-39-5461</inkml:trace>
+</inkml:ink>
+</file>
+
+<file path=ppt/ink/ink75.xml><?xml version="1.0" encoding="utf-8"?>
+<inkml:ink xmlns:inkml="http://www.w3.org/2003/InkML">
+  <inkml:definitions>
+    <inkml:context xml:id="ctx0">
+      <inkml:inkSource xml:id="inkSrc0">
+        <inkml:traceFormat>
+          <inkml:channel name="X" type="integer" min="-2.14748E9" max="2.14748E9" units="cm"/>
+          <inkml:channel name="Y" type="integer" min="-2.14748E9" max="2.14748E9" units="cm"/>
+          <inkml:channel name="F" type="integer" max="32767" units="dev"/>
+        </inkml:traceFormat>
+        <inkml:channelProperties>
+          <inkml:channelProperty channel="X" name="resolution" value="1000" units="1/cm"/>
+          <inkml:channelProperty channel="Y" name="resolution" value="1000" units="1/cm"/>
+          <inkml:channelProperty channel="F" name="resolution" value="0" units="1/dev"/>
+        </inkml:channelProperties>
+      </inkml:inkSource>
+      <inkml:timestamp xml:id="ts0" timeString="2021-10-13T08:05:53.622"/>
+    </inkml:context>
+    <inkml:brush xml:id="br0">
+      <inkml:brushProperty name="width" value="0.05" units="cm"/>
+      <inkml:brushProperty name="height" value="0.05" units="cm"/>
+      <inkml:brushProperty name="color" value="#33CCFF"/>
+    </inkml:brush>
+  </inkml:definitions>
+  <inkml:trace contextRef="#ctx0" brushRef="#br0">1 1 24575,'9'0'0,"1"0"0,0 1 0,-1 0 0,1 0 0,-1 1 0,0 0 0,1 1 0,-1 0 0,0 1 0,-1-1 0,1 2 0,0-1 0,-1 1 0,0 1 0,7 6 0,110 78 0,-46-36-1365,-69-43-5461</inkml:trace>
+</inkml:ink>
+</file>
+
+<file path=ppt/ink/ink76.xml><?xml version="1.0" encoding="utf-8"?>
+<inkml:ink xmlns:inkml="http://www.w3.org/2003/InkML">
+  <inkml:definitions>
+    <inkml:context xml:id="ctx0">
+      <inkml:inkSource xml:id="inkSrc0">
+        <inkml:traceFormat>
+          <inkml:channel name="X" type="integer" min="-2.14748E9" max="2.14748E9" units="cm"/>
+          <inkml:channel name="Y" type="integer" min="-2.14748E9" max="2.14748E9" units="cm"/>
+          <inkml:channel name="F" type="integer" max="32767" units="dev"/>
+        </inkml:traceFormat>
+        <inkml:channelProperties>
+          <inkml:channelProperty channel="X" name="resolution" value="1000" units="1/cm"/>
+          <inkml:channelProperty channel="Y" name="resolution" value="1000" units="1/cm"/>
+          <inkml:channelProperty channel="F" name="resolution" value="0" units="1/dev"/>
+        </inkml:channelProperties>
+      </inkml:inkSource>
+      <inkml:timestamp xml:id="ts0" timeString="2021-10-13T08:05:54.180"/>
+    </inkml:context>
+    <inkml:brush xml:id="br0">
+      <inkml:brushProperty name="width" value="0.05" units="cm"/>
+      <inkml:brushProperty name="height" value="0.05" units="cm"/>
+      <inkml:brushProperty name="color" value="#33CCFF"/>
+    </inkml:brush>
+  </inkml:definitions>
+  <inkml:trace contextRef="#ctx0" brushRef="#br0">1 51 24575,'19'-8'0,"0"0"0,1 2 0,0 0 0,0 1 0,35-3 0,105 0 0,-132 7 0,532 0 90,-260 3-1545,-280-2-5371</inkml:trace>
+</inkml:ink>
+</file>
+
+<file path=ppt/ink/ink8.xml><?xml version="1.0" encoding="utf-8"?>
+<inkml:ink xmlns:inkml="http://www.w3.org/2003/InkML">
+  <inkml:definitions>
+    <inkml:context xml:id="ctx0">
+      <inkml:inkSource xml:id="inkSrc0">
+        <inkml:traceFormat>
+          <inkml:channel name="X" type="integer" min="-2.14748E9" max="2.14748E9" units="cm"/>
+          <inkml:channel name="Y" type="integer" min="-2.14748E9" max="2.14748E9" units="cm"/>
+          <inkml:channel name="F" type="integer" max="32767" units="dev"/>
+        </inkml:traceFormat>
+        <inkml:channelProperties>
+          <inkml:channelProperty channel="X" name="resolution" value="1000" units="1/cm"/>
+          <inkml:channelProperty channel="Y" name="resolution" value="1000" units="1/cm"/>
+          <inkml:channelProperty channel="F" name="resolution" value="0" units="1/dev"/>
+        </inkml:channelProperties>
+      </inkml:inkSource>
+      <inkml:timestamp xml:id="ts0" timeString="2021-10-13T08:01:49.661"/>
+    </inkml:context>
+    <inkml:brush xml:id="br0">
+      <inkml:brushProperty name="width" value="0.05" units="cm"/>
+      <inkml:brushProperty name="height" value="0.05" units="cm"/>
+      <inkml:brushProperty name="color" value="#33CCFF"/>
+    </inkml:brush>
+  </inkml:definitions>
+  <inkml:trace contextRef="#ctx0" brushRef="#br0">579 798 24575,'-67'1'0,"-80"-3"0,135 0 0,-1 0 0,1-1 0,-1-1 0,1 0 0,0 0 0,0-1 0,1-1 0,0 0 0,0 0 0,-20-16 0,12 7 0,1-2 0,0 1 0,1-2 0,-26-34 0,29 29 0,1-1 0,1 0 0,1-1 0,-9-31 0,12 32 0,3 12 0,1 0 0,1-1 0,0 0 0,0 1 0,1-1 0,1 0 0,1 0 0,-1 0 0,2 0 0,0 0 0,1 0 0,0 0 0,0 0 0,2 0 0,0 1 0,0 0 0,1-1 0,0 2 0,1-1 0,1 1 0,0 0 0,0 0 0,1 0 0,0 1 0,1 1 0,0-1 0,1 2 0,0-1 0,0 1 0,0 0 0,1 1 0,1 1 0,-1 0 0,1 0 0,0 1 0,25-7 0,16 0 0,0 2 0,86-4 0,110 12 0,-161 2 0,-81 0 0,0 1 0,-1 0 0,1 0 0,-1 0 0,1 1 0,-1 0 0,0 0 0,1 0 0,-1 1 0,0 0 0,0 0 0,-1 1 0,1-1 0,6 7 0,-3-1 0,0 0 0,0 0 0,0 2 0,-1-1 0,-1 1 0,9 16 0,-3 0 0,-2 1 0,-1 1 0,12 55 0,-6-21 0,36 164 0,-43-146 0,-9-72 0,0 0 0,0 0 0,-1 0 0,0 0 0,0 0 0,-6 16 0,5-19 0,-1-2 0,0 1 0,0 0 0,0-1 0,-1 1 0,0-1 0,0 0 0,0 0 0,-5 4 0,-47 30 0,32-23 0,3-1 0,-1-1 0,-1-1 0,0-1 0,-1-1 0,-43 12 0,28-11 0,-94 23 0,109-29-1365,2 2-5461</inkml:trace>
+</inkml:ink>
+</file>
+
+<file path=ppt/ink/ink9.xml><?xml version="1.0" encoding="utf-8"?>
+<inkml:ink xmlns:inkml="http://www.w3.org/2003/InkML">
+  <inkml:definitions>
+    <inkml:context xml:id="ctx0">
+      <inkml:inkSource xml:id="inkSrc0">
+        <inkml:traceFormat>
+          <inkml:channel name="X" type="integer" min="-2.14748E9" max="2.14748E9" units="cm"/>
+          <inkml:channel name="Y" type="integer" min="-2.14748E9" max="2.14748E9" units="cm"/>
+          <inkml:channel name="F" type="integer" max="32767" units="dev"/>
+        </inkml:traceFormat>
+        <inkml:channelProperties>
+          <inkml:channelProperty channel="X" name="resolution" value="1000" units="1/cm"/>
+          <inkml:channelProperty channel="Y" name="resolution" value="1000" units="1/cm"/>
+          <inkml:channelProperty channel="F" name="resolution" value="0" units="1/dev"/>
+        </inkml:channelProperties>
+      </inkml:inkSource>
+      <inkml:timestamp xml:id="ts0" timeString="2021-10-13T08:01:57.694"/>
+    </inkml:context>
+    <inkml:brush xml:id="br0">
+      <inkml:brushProperty name="width" value="0.05" units="cm"/>
+      <inkml:brushProperty name="height" value="0.05" units="cm"/>
+      <inkml:brushProperty name="color" value="#33CCFF"/>
+    </inkml:brush>
+  </inkml:definitions>
+  <inkml:trace contextRef="#ctx0" brushRef="#br0">1 1 24575,'-1'108'0,"6"197"0,-1-246 0,3-1 0,2 1 0,20 64 0,-23-103-81,79 300-1203,-81-297-5542</inkml:trace>
+</inkml:ink>
+</file>
+
 <file path=ppt/slideLayouts/slideLayout1.xml><?xml version="1.0" encoding="utf-8"?>
 <p:sldLayout xmlns:a="http://schemas.openxmlformats.org/drawingml/2006/main" xmlns:r="http://schemas.openxmlformats.org/officeDocument/2006/relationships" xmlns:p="http://schemas.openxmlformats.org/presentationml/2006/main" type="title" preserve="1">
   <p:cSld name="제목 슬라이드">
@@ -291,7 +2425,7 @@
           <a:p>
             <a:fld id="{4C548A02-B4BE-476C-98F2-A8FD528D6D8D}" type="datetimeFigureOut">
               <a:rPr lang="ko-KR" altLang="en-US" smtClean="0"/>
-              <a:t>2021-10-12</a:t>
+              <a:t>2021-10-15</a:t>
             </a:fld>
             <a:endParaRPr lang="ko-KR" altLang="en-US"/>
           </a:p>
@@ -501,7 +2635,7 @@
           <a:p>
             <a:fld id="{4C548A02-B4BE-476C-98F2-A8FD528D6D8D}" type="datetimeFigureOut">
               <a:rPr lang="ko-KR" altLang="en-US" smtClean="0"/>
-              <a:t>2021-10-12</a:t>
+              <a:t>2021-10-15</a:t>
             </a:fld>
             <a:endParaRPr lang="ko-KR" altLang="en-US"/>
           </a:p>
@@ -721,7 +2855,7 @@
           <a:p>
             <a:fld id="{4C548A02-B4BE-476C-98F2-A8FD528D6D8D}" type="datetimeFigureOut">
               <a:rPr lang="ko-KR" altLang="en-US" smtClean="0"/>
-              <a:t>2021-10-12</a:t>
+              <a:t>2021-10-15</a:t>
             </a:fld>
             <a:endParaRPr lang="ko-KR" altLang="en-US"/>
           </a:p>
@@ -931,7 +3065,7 @@
           <a:p>
             <a:fld id="{4C548A02-B4BE-476C-98F2-A8FD528D6D8D}" type="datetimeFigureOut">
               <a:rPr lang="ko-KR" altLang="en-US" smtClean="0"/>
-              <a:t>2021-10-12</a:t>
+              <a:t>2021-10-15</a:t>
             </a:fld>
             <a:endParaRPr lang="ko-KR" altLang="en-US"/>
           </a:p>
@@ -1218,7 +3352,7 @@
           <a:p>
             <a:fld id="{4C548A02-B4BE-476C-98F2-A8FD528D6D8D}" type="datetimeFigureOut">
               <a:rPr lang="ko-KR" altLang="en-US" smtClean="0"/>
-              <a:t>2021-10-12</a:t>
+              <a:t>2021-10-15</a:t>
             </a:fld>
             <a:endParaRPr lang="ko-KR" altLang="en-US"/>
           </a:p>
@@ -1495,7 +3629,7 @@
           <a:p>
             <a:fld id="{4C548A02-B4BE-476C-98F2-A8FD528D6D8D}" type="datetimeFigureOut">
               <a:rPr lang="ko-KR" altLang="en-US" smtClean="0"/>
-              <a:t>2021-10-12</a:t>
+              <a:t>2021-10-15</a:t>
             </a:fld>
             <a:endParaRPr lang="ko-KR" altLang="en-US"/>
           </a:p>
@@ -1919,7 +4053,7 @@
           <a:p>
             <a:fld id="{4C548A02-B4BE-476C-98F2-A8FD528D6D8D}" type="datetimeFigureOut">
               <a:rPr lang="ko-KR" altLang="en-US" smtClean="0"/>
-              <a:t>2021-10-12</a:t>
+              <a:t>2021-10-15</a:t>
             </a:fld>
             <a:endParaRPr lang="ko-KR" altLang="en-US"/>
           </a:p>
@@ -2072,7 +4206,7 @@
           <a:p>
             <a:fld id="{4C548A02-B4BE-476C-98F2-A8FD528D6D8D}" type="datetimeFigureOut">
               <a:rPr lang="ko-KR" altLang="en-US" smtClean="0"/>
-              <a:t>2021-10-12</a:t>
+              <a:t>2021-10-15</a:t>
             </a:fld>
             <a:endParaRPr lang="ko-KR" altLang="en-US"/>
           </a:p>
@@ -2197,7 +4331,7 @@
           <a:p>
             <a:fld id="{4C548A02-B4BE-476C-98F2-A8FD528D6D8D}" type="datetimeFigureOut">
               <a:rPr lang="ko-KR" altLang="en-US" smtClean="0"/>
-              <a:t>2021-10-12</a:t>
+              <a:t>2021-10-15</a:t>
             </a:fld>
             <a:endParaRPr lang="ko-KR" altLang="en-US"/>
           </a:p>
@@ -2615,7 +4749,7 @@
           <a:p>
             <a:fld id="{4C548A02-B4BE-476C-98F2-A8FD528D6D8D}" type="datetimeFigureOut">
               <a:rPr lang="ko-KR" altLang="en-US" smtClean="0"/>
-              <a:t>2021-10-12</a:t>
+              <a:t>2021-10-15</a:t>
             </a:fld>
             <a:endParaRPr lang="ko-KR" altLang="en-US"/>
           </a:p>
@@ -2915,7 +5049,7 @@
           <a:p>
             <a:fld id="{4C548A02-B4BE-476C-98F2-A8FD528D6D8D}" type="datetimeFigureOut">
               <a:rPr lang="ko-KR" altLang="en-US" smtClean="0"/>
-              <a:t>2021-10-12</a:t>
+              <a:t>2021-10-15</a:t>
             </a:fld>
             <a:endParaRPr lang="ko-KR" altLang="en-US"/>
           </a:p>
@@ -3168,7 +5302,7 @@
           <a:p>
             <a:fld id="{4C548A02-B4BE-476C-98F2-A8FD528D6D8D}" type="datetimeFigureOut">
               <a:rPr lang="ko-KR" altLang="en-US" smtClean="0"/>
-              <a:t>2021-10-12</a:t>
+              <a:t>2021-10-15</a:t>
             </a:fld>
             <a:endParaRPr lang="ko-KR" altLang="en-US"/>
           </a:p>
@@ -4240,13 +6374,13 @@
   <p:clrMapOvr>
     <a:masterClrMapping/>
   </p:clrMapOvr>
-  <mc:AlternateContent xmlns:mc="http://schemas.openxmlformats.org/markup-compatibility/2006">
-    <mc:Choice xmlns:p159="http://schemas.microsoft.com/office/powerpoint/2015/09/main" Requires="p159">
+  <mc:AlternateContent xmlns:mc="http://schemas.openxmlformats.org/markup-compatibility/2006" xmlns:p159="http://schemas.microsoft.com/office/powerpoint/2015/09/main">
+    <mc:Choice Requires="p159">
       <p:transition xmlns:p14="http://schemas.microsoft.com/office/powerpoint/2010/main" spd="slow" p14:dur="2000">
         <p159:morph option="byObject"/>
       </p:transition>
     </mc:Choice>
-    <mc:Fallback>
+    <mc:Fallback xmlns="">
       <p:transition spd="slow">
         <p:fade/>
       </p:transition>
@@ -5029,13 +7163,13 @@
   <p:clrMapOvr>
     <a:masterClrMapping/>
   </p:clrMapOvr>
-  <mc:AlternateContent xmlns:mc="http://schemas.openxmlformats.org/markup-compatibility/2006">
-    <mc:Choice xmlns:p159="http://schemas.microsoft.com/office/powerpoint/2015/09/main" Requires="p159">
+  <mc:AlternateContent xmlns:mc="http://schemas.openxmlformats.org/markup-compatibility/2006" xmlns:p159="http://schemas.microsoft.com/office/powerpoint/2015/09/main">
+    <mc:Choice Requires="p159">
       <p:transition xmlns:p14="http://schemas.microsoft.com/office/powerpoint/2010/main" spd="slow" p14:dur="2000">
         <p159:morph option="byObject"/>
       </p:transition>
     </mc:Choice>
-    <mc:Fallback>
+    <mc:Fallback xmlns="">
       <p:transition spd="slow">
         <p:fade/>
       </p:transition>
@@ -5886,13 +8020,13 @@
   <p:clrMapOvr>
     <a:masterClrMapping/>
   </p:clrMapOvr>
-  <mc:AlternateContent xmlns:mc="http://schemas.openxmlformats.org/markup-compatibility/2006">
-    <mc:Choice xmlns:p159="http://schemas.microsoft.com/office/powerpoint/2015/09/main" Requires="p159">
+  <mc:AlternateContent xmlns:mc="http://schemas.openxmlformats.org/markup-compatibility/2006" xmlns:p159="http://schemas.microsoft.com/office/powerpoint/2015/09/main">
+    <mc:Choice Requires="p159">
       <p:transition xmlns:p14="http://schemas.microsoft.com/office/powerpoint/2010/main" spd="slow" p14:dur="2000">
         <p159:morph option="byObject"/>
       </p:transition>
     </mc:Choice>
-    <mc:Fallback>
+    <mc:Fallback xmlns="">
       <p:transition spd="slow">
         <p:fade/>
       </p:transition>
@@ -6698,13 +8832,13 @@
   <p:clrMapOvr>
     <a:masterClrMapping/>
   </p:clrMapOvr>
-  <mc:AlternateContent xmlns:mc="http://schemas.openxmlformats.org/markup-compatibility/2006">
-    <mc:Choice xmlns:p159="http://schemas.microsoft.com/office/powerpoint/2015/09/main" Requires="p159">
+  <mc:AlternateContent xmlns:mc="http://schemas.openxmlformats.org/markup-compatibility/2006" xmlns:p159="http://schemas.microsoft.com/office/powerpoint/2015/09/main">
+    <mc:Choice Requires="p159">
       <p:transition xmlns:p14="http://schemas.microsoft.com/office/powerpoint/2010/main" spd="slow" p14:dur="2000">
         <p159:morph option="byObject"/>
       </p:transition>
     </mc:Choice>
-    <mc:Fallback>
+    <mc:Fallback xmlns="">
       <p:transition spd="slow">
         <p:fade/>
       </p:transition>
@@ -7154,13 +9288,13 @@
   <p:clrMapOvr>
     <a:masterClrMapping/>
   </p:clrMapOvr>
-  <mc:AlternateContent xmlns:mc="http://schemas.openxmlformats.org/markup-compatibility/2006">
-    <mc:Choice xmlns:p159="http://schemas.microsoft.com/office/powerpoint/2015/09/main" Requires="p159">
+  <mc:AlternateContent xmlns:mc="http://schemas.openxmlformats.org/markup-compatibility/2006" xmlns:p159="http://schemas.microsoft.com/office/powerpoint/2015/09/main">
+    <mc:Choice Requires="p159">
       <p:transition xmlns:p14="http://schemas.microsoft.com/office/powerpoint/2010/main" spd="slow" p14:dur="2000">
         <p159:morph option="byObject"/>
       </p:transition>
     </mc:Choice>
-    <mc:Fallback>
+    <mc:Fallback xmlns="">
       <p:transition spd="slow">
         <p:fade/>
       </p:transition>
@@ -9370,13 +11504,13 @@
   <p:clrMapOvr>
     <a:masterClrMapping/>
   </p:clrMapOvr>
-  <mc:AlternateContent xmlns:mc="http://schemas.openxmlformats.org/markup-compatibility/2006">
-    <mc:Choice xmlns:p159="http://schemas.microsoft.com/office/powerpoint/2015/09/main" Requires="p159">
+  <mc:AlternateContent xmlns:mc="http://schemas.openxmlformats.org/markup-compatibility/2006" xmlns:p159="http://schemas.microsoft.com/office/powerpoint/2015/09/main">
+    <mc:Choice Requires="p159">
       <p:transition xmlns:p14="http://schemas.microsoft.com/office/powerpoint/2010/main" spd="slow" p14:dur="2000">
         <p159:morph option="byObject"/>
       </p:transition>
     </mc:Choice>
-    <mc:Fallback>
+    <mc:Fallback xmlns="">
       <p:transition spd="slow">
         <p:fade/>
       </p:transition>
@@ -10207,13 +12341,5403 @@
   <p:clrMapOvr>
     <a:masterClrMapping/>
   </p:clrMapOvr>
-  <mc:AlternateContent xmlns:mc="http://schemas.openxmlformats.org/markup-compatibility/2006">
-    <mc:Choice xmlns:p159="http://schemas.microsoft.com/office/powerpoint/2015/09/main" Requires="p159">
+  <mc:AlternateContent xmlns:mc="http://schemas.openxmlformats.org/markup-compatibility/2006" xmlns:p159="http://schemas.microsoft.com/office/powerpoint/2015/09/main">
+    <mc:Choice Requires="p159">
       <p:transition xmlns:p14="http://schemas.microsoft.com/office/powerpoint/2010/main" spd="slow" p14:dur="2000">
         <p159:morph option="byObject"/>
       </p:transition>
     </mc:Choice>
-    <mc:Fallback>
+    <mc:Fallback xmlns="">
+      <p:transition spd="slow">
+        <p:fade/>
+      </p:transition>
+    </mc:Fallback>
+  </mc:AlternateContent>
+</p:sld>
+</file>
+
+<file path=ppt/slides/slide23.xml><?xml version="1.0" encoding="utf-8"?>
+<p:sld xmlns:a="http://schemas.openxmlformats.org/drawingml/2006/main" xmlns:r="http://schemas.openxmlformats.org/officeDocument/2006/relationships" xmlns:p="http://schemas.openxmlformats.org/presentationml/2006/main">
+  <p:cSld>
+    <p:spTree>
+      <p:nvGrpSpPr>
+        <p:cNvPr id="1" name=""/>
+        <p:cNvGrpSpPr/>
+        <p:nvPr/>
+      </p:nvGrpSpPr>
+      <p:grpSpPr>
+        <a:xfrm>
+          <a:off x="0" y="0"/>
+          <a:ext cx="0" cy="0"/>
+          <a:chOff x="0" y="0"/>
+          <a:chExt cx="0" cy="0"/>
+        </a:xfrm>
+      </p:grpSpPr>
+      <p:sp>
+        <p:nvSpPr>
+          <p:cNvPr id="2" name="제목 1">
+            <a:extLst>
+              <a:ext uri="{FF2B5EF4-FFF2-40B4-BE49-F238E27FC236}">
+                <a16:creationId xmlns:a16="http://schemas.microsoft.com/office/drawing/2014/main" id="{477B987E-B5DF-4A79-A8D9-43DA34126BB7}"/>
+              </a:ext>
+            </a:extLst>
+          </p:cNvPr>
+          <p:cNvSpPr>
+            <a:spLocks noGrp="1"/>
+          </p:cNvSpPr>
+          <p:nvPr>
+            <p:ph type="title"/>
+          </p:nvPr>
+        </p:nvSpPr>
+        <p:spPr/>
+        <p:txBody>
+          <a:bodyPr/>
+          <a:lstStyle/>
+          <a:p>
+            <a:r>
+              <a:rPr lang="ko-KR" altLang="en-US" dirty="0"/>
+              <a:t>재귀 추가</a:t>
+            </a:r>
+          </a:p>
+        </p:txBody>
+      </p:sp>
+      <p:sp>
+        <p:nvSpPr>
+          <p:cNvPr id="3" name="내용 개체 틀 2">
+            <a:extLst>
+              <a:ext uri="{FF2B5EF4-FFF2-40B4-BE49-F238E27FC236}">
+                <a16:creationId xmlns:a16="http://schemas.microsoft.com/office/drawing/2014/main" id="{AAE17842-8F8D-4B5D-8A0E-89F16450CEF3}"/>
+              </a:ext>
+            </a:extLst>
+          </p:cNvPr>
+          <p:cNvSpPr>
+            <a:spLocks noGrp="1"/>
+          </p:cNvSpPr>
+          <p:nvPr>
+            <p:ph idx="1"/>
+          </p:nvPr>
+        </p:nvSpPr>
+        <p:spPr/>
+        <p:txBody>
+          <a:bodyPr/>
+          <a:lstStyle/>
+          <a:p>
+            <a:r>
+              <a:rPr lang="ko-KR" altLang="en-US" dirty="0"/>
+              <a:t>재귀로 푸는 문제의 경우 </a:t>
+            </a:r>
+            <a:r>
+              <a:rPr lang="ko-KR" altLang="en-US" dirty="0" err="1"/>
+              <a:t>백준에서</a:t>
+            </a:r>
+            <a:r>
+              <a:rPr lang="ko-KR" altLang="en-US" dirty="0"/>
+              <a:t> </a:t>
+            </a:r>
+            <a:r>
+              <a:rPr lang="en-US" altLang="ko-KR" dirty="0" err="1"/>
+              <a:t>RecursionError</a:t>
+            </a:r>
+            <a:r>
+              <a:rPr lang="ko-KR" altLang="en-US" dirty="0"/>
+              <a:t>가 날 수 있음</a:t>
+            </a:r>
+            <a:endParaRPr lang="en-US" altLang="ko-KR" dirty="0"/>
+          </a:p>
+          <a:p>
+            <a:pPr lvl="1"/>
+            <a:r>
+              <a:rPr lang="en-US" altLang="ko-KR" dirty="0"/>
+              <a:t>DFS </a:t>
+            </a:r>
+            <a:r>
+              <a:rPr lang="ko-KR" altLang="en-US" dirty="0"/>
+              <a:t>문제</a:t>
+            </a:r>
+            <a:r>
+              <a:rPr lang="en-US" altLang="ko-KR" dirty="0"/>
+              <a:t> </a:t>
+            </a:r>
+            <a:r>
+              <a:rPr lang="ko-KR" altLang="en-US" dirty="0"/>
+              <a:t>등</a:t>
+            </a:r>
+            <a:r>
+              <a:rPr lang="en-US" altLang="ko-KR" dirty="0"/>
+              <a:t>..</a:t>
+            </a:r>
+          </a:p>
+          <a:p>
+            <a:r>
+              <a:rPr lang="ko-KR" altLang="en-US" dirty="0"/>
+              <a:t>그럴 때는</a:t>
+            </a:r>
+            <a:endParaRPr lang="en-US" altLang="ko-KR" dirty="0"/>
+          </a:p>
+          <a:p>
+            <a:pPr lvl="1"/>
+            <a:r>
+              <a:rPr lang="en-US" altLang="ko-KR" dirty="0"/>
+              <a:t>import sys</a:t>
+            </a:r>
+          </a:p>
+          <a:p>
+            <a:pPr lvl="1"/>
+            <a:r>
+              <a:rPr lang="en-US" altLang="ko-KR" dirty="0" err="1"/>
+              <a:t>sys.setrecursionlimit</a:t>
+            </a:r>
+            <a:r>
+              <a:rPr lang="en-US" altLang="ko-KR" dirty="0"/>
+              <a:t>(10 ** 6)	# 100</a:t>
+            </a:r>
+            <a:r>
+              <a:rPr lang="ko-KR" altLang="en-US" dirty="0" err="1"/>
+              <a:t>만번</a:t>
+            </a:r>
+            <a:r>
+              <a:rPr lang="ko-KR" altLang="en-US" dirty="0"/>
+              <a:t> 재귀까지 허용</a:t>
+            </a:r>
+            <a:endParaRPr lang="en-US" altLang="ko-KR" dirty="0"/>
+          </a:p>
+          <a:p>
+            <a:r>
+              <a:rPr lang="ko-KR" altLang="en-US" dirty="0"/>
+              <a:t>이렇게 쓰면 된다</a:t>
+            </a:r>
+            <a:r>
+              <a:rPr lang="en-US" altLang="ko-KR" dirty="0"/>
+              <a:t>!</a:t>
+            </a:r>
+          </a:p>
+          <a:p>
+            <a:endParaRPr lang="ko-KR" altLang="en-US" dirty="0"/>
+          </a:p>
+        </p:txBody>
+      </p:sp>
+      <mc:AlternateContent xmlns:mc="http://schemas.openxmlformats.org/markup-compatibility/2006" xmlns:p14="http://schemas.microsoft.com/office/powerpoint/2010/main">
+        <mc:Choice Requires="p14">
+          <p:contentPart p14:bwMode="auto" r:id="rId2">
+            <p14:nvContentPartPr>
+              <p14:cNvPr id="4" name="잉크 3">
+                <a:extLst>
+                  <a:ext uri="{FF2B5EF4-FFF2-40B4-BE49-F238E27FC236}">
+                    <a16:creationId xmlns:a16="http://schemas.microsoft.com/office/drawing/2014/main" id="{4414679E-BF72-44A3-A2C0-DDC7C98146ED}"/>
+                  </a:ext>
+                </a:extLst>
+              </p14:cNvPr>
+              <p14:cNvContentPartPr/>
+              <p14:nvPr/>
+            </p14:nvContentPartPr>
+            <p14:xfrm>
+              <a:off x="975000" y="3361129"/>
+              <a:ext cx="226440" cy="485280"/>
+            </p14:xfrm>
+          </p:contentPart>
+        </mc:Choice>
+        <mc:Fallback xmlns="">
+          <p:pic>
+            <p:nvPicPr>
+              <p:cNvPr id="4" name="잉크 3">
+                <a:extLst>
+                  <a:ext uri="{FF2B5EF4-FFF2-40B4-BE49-F238E27FC236}">
+                    <a16:creationId xmlns:a16="http://schemas.microsoft.com/office/drawing/2014/main" id="{4414679E-BF72-44A3-A2C0-DDC7C98146ED}"/>
+                  </a:ext>
+                </a:extLst>
+              </p:cNvPr>
+              <p:cNvPicPr/>
+              <p:nvPr/>
+            </p:nvPicPr>
+            <p:blipFill>
+              <a:blip r:embed="rId3"/>
+              <a:stretch>
+                <a:fillRect/>
+              </a:stretch>
+            </p:blipFill>
+            <p:spPr>
+              <a:xfrm>
+                <a:off x="966000" y="3352489"/>
+                <a:ext cx="244080" cy="502920"/>
+              </a:xfrm>
+              <a:prstGeom prst="rect">
+                <a:avLst/>
+              </a:prstGeom>
+            </p:spPr>
+          </p:pic>
+        </mc:Fallback>
+      </mc:AlternateContent>
+    </p:spTree>
+    <p:extLst>
+      <p:ext uri="{BB962C8B-B14F-4D97-AF65-F5344CB8AC3E}">
+        <p14:creationId xmlns:p14="http://schemas.microsoft.com/office/powerpoint/2010/main" val="2899649758"/>
+      </p:ext>
+    </p:extLst>
+  </p:cSld>
+  <p:clrMapOvr>
+    <a:masterClrMapping/>
+  </p:clrMapOvr>
+  <mc:AlternateContent xmlns:mc="http://schemas.openxmlformats.org/markup-compatibility/2006" xmlns:p159="http://schemas.microsoft.com/office/powerpoint/2015/09/main">
+    <mc:Choice Requires="p159">
+      <p:transition xmlns:p14="http://schemas.microsoft.com/office/powerpoint/2010/main" spd="slow" p14:dur="2000">
+        <p159:morph option="byObject"/>
+      </p:transition>
+    </mc:Choice>
+    <mc:Fallback xmlns="">
+      <p:transition spd="slow">
+        <p:fade/>
+      </p:transition>
+    </mc:Fallback>
+  </mc:AlternateContent>
+</p:sld>
+</file>
+
+<file path=ppt/slides/slide24.xml><?xml version="1.0" encoding="utf-8"?>
+<p:sld xmlns:a="http://schemas.openxmlformats.org/drawingml/2006/main" xmlns:r="http://schemas.openxmlformats.org/officeDocument/2006/relationships" xmlns:p="http://schemas.openxmlformats.org/presentationml/2006/main">
+  <p:cSld>
+    <p:spTree>
+      <p:nvGrpSpPr>
+        <p:cNvPr id="1" name=""/>
+        <p:cNvGrpSpPr/>
+        <p:nvPr/>
+      </p:nvGrpSpPr>
+      <p:grpSpPr>
+        <a:xfrm>
+          <a:off x="0" y="0"/>
+          <a:ext cx="0" cy="0"/>
+          <a:chOff x="0" y="0"/>
+          <a:chExt cx="0" cy="0"/>
+        </a:xfrm>
+      </p:grpSpPr>
+      <p:sp>
+        <p:nvSpPr>
+          <p:cNvPr id="2" name="제목 1">
+            <a:extLst>
+              <a:ext uri="{FF2B5EF4-FFF2-40B4-BE49-F238E27FC236}">
+                <a16:creationId xmlns:a16="http://schemas.microsoft.com/office/drawing/2014/main" id="{1E3990BE-F3E0-4F98-AD9C-34DD44513F27}"/>
+              </a:ext>
+            </a:extLst>
+          </p:cNvPr>
+          <p:cNvSpPr>
+            <a:spLocks noGrp="1"/>
+          </p:cNvSpPr>
+          <p:nvPr>
+            <p:ph type="title"/>
+          </p:nvPr>
+        </p:nvSpPr>
+        <p:spPr/>
+        <p:txBody>
+          <a:bodyPr/>
+          <a:lstStyle/>
+          <a:p>
+            <a:r>
+              <a:rPr lang="ko-KR" altLang="en-US" dirty="0"/>
+              <a:t>정렬 부분 추가</a:t>
+            </a:r>
+          </a:p>
+        </p:txBody>
+      </p:sp>
+      <p:sp>
+        <p:nvSpPr>
+          <p:cNvPr id="3" name="내용 개체 틀 2">
+            <a:extLst>
+              <a:ext uri="{FF2B5EF4-FFF2-40B4-BE49-F238E27FC236}">
+                <a16:creationId xmlns:a16="http://schemas.microsoft.com/office/drawing/2014/main" id="{9E3718EF-1622-4CCE-A1E3-88F0D4326D8F}"/>
+              </a:ext>
+            </a:extLst>
+          </p:cNvPr>
+          <p:cNvSpPr>
+            <a:spLocks noGrp="1"/>
+          </p:cNvSpPr>
+          <p:nvPr>
+            <p:ph idx="1"/>
+          </p:nvPr>
+        </p:nvSpPr>
+        <p:spPr/>
+        <p:txBody>
+          <a:bodyPr/>
+          <a:lstStyle/>
+          <a:p>
+            <a:r>
+              <a:rPr lang="ko-KR" altLang="en-US" dirty="0"/>
+              <a:t>사실 </a:t>
+            </a:r>
+            <a:r>
+              <a:rPr lang="en-US" altLang="ko-KR" dirty="0"/>
+              <a:t>OO</a:t>
+            </a:r>
+            <a:r>
+              <a:rPr lang="ko-KR" altLang="en-US" dirty="0"/>
+              <a:t>정렬을 구현하라는 문제가 나오지 않는 이상 대부분은 </a:t>
+            </a:r>
+            <a:r>
+              <a:rPr lang="en-US" altLang="ko-KR" dirty="0"/>
+              <a:t>list</a:t>
+            </a:r>
+            <a:r>
+              <a:rPr lang="ko-KR" altLang="en-US" dirty="0"/>
+              <a:t>의 내장 메소드인 </a:t>
+            </a:r>
+            <a:r>
+              <a:rPr lang="en-US" altLang="ko-KR" dirty="0"/>
+              <a:t>sort</a:t>
+            </a:r>
+            <a:r>
+              <a:rPr lang="ko-KR" altLang="en-US" dirty="0"/>
+              <a:t>를 사용하게 됩니다</a:t>
+            </a:r>
+            <a:endParaRPr lang="en-US" altLang="ko-KR" dirty="0"/>
+          </a:p>
+          <a:p>
+            <a:r>
+              <a:rPr lang="ko-KR" altLang="en-US" dirty="0"/>
+              <a:t>파이썬 </a:t>
+            </a:r>
+            <a:r>
+              <a:rPr lang="en-US" altLang="ko-KR" dirty="0"/>
+              <a:t>list</a:t>
+            </a:r>
+            <a:r>
+              <a:rPr lang="ko-KR" altLang="en-US" dirty="0"/>
+              <a:t>의 </a:t>
+            </a:r>
+            <a:r>
+              <a:rPr lang="en-US" altLang="ko-KR" dirty="0"/>
+              <a:t>sort</a:t>
+            </a:r>
+            <a:r>
+              <a:rPr lang="ko-KR" altLang="en-US" dirty="0"/>
+              <a:t>는 내부적으로 </a:t>
+            </a:r>
+            <a:r>
+              <a:rPr lang="en-US" altLang="ko-KR" dirty="0"/>
+              <a:t>Tim sort</a:t>
+            </a:r>
+            <a:r>
+              <a:rPr lang="ko-KR" altLang="en-US" dirty="0"/>
+              <a:t>라는 방법을 써서 아주 효율적이라고 하네요</a:t>
+            </a:r>
+            <a:endParaRPr lang="en-US" altLang="ko-KR" dirty="0"/>
+          </a:p>
+          <a:p>
+            <a:endParaRPr lang="en-US" altLang="ko-KR" dirty="0"/>
+          </a:p>
+        </p:txBody>
+      </p:sp>
+    </p:spTree>
+    <p:extLst>
+      <p:ext uri="{BB962C8B-B14F-4D97-AF65-F5344CB8AC3E}">
+        <p14:creationId xmlns:p14="http://schemas.microsoft.com/office/powerpoint/2010/main" val="885847661"/>
+      </p:ext>
+    </p:extLst>
+  </p:cSld>
+  <p:clrMapOvr>
+    <a:masterClrMapping/>
+  </p:clrMapOvr>
+  <mc:AlternateContent xmlns:mc="http://schemas.openxmlformats.org/markup-compatibility/2006" xmlns:p159="http://schemas.microsoft.com/office/powerpoint/2015/09/main">
+    <mc:Choice Requires="p159">
+      <p:transition xmlns:p14="http://schemas.microsoft.com/office/powerpoint/2010/main" spd="slow" p14:dur="2000">
+        <p159:morph option="byObject"/>
+      </p:transition>
+    </mc:Choice>
+    <mc:Fallback xmlns="">
+      <p:transition spd="slow">
+        <p:fade/>
+      </p:transition>
+    </mc:Fallback>
+  </mc:AlternateContent>
+</p:sld>
+</file>
+
+<file path=ppt/slides/slide25.xml><?xml version="1.0" encoding="utf-8"?>
+<p:sld xmlns:a="http://schemas.openxmlformats.org/drawingml/2006/main" xmlns:r="http://schemas.openxmlformats.org/officeDocument/2006/relationships" xmlns:p="http://schemas.openxmlformats.org/presentationml/2006/main">
+  <p:cSld>
+    <p:spTree>
+      <p:nvGrpSpPr>
+        <p:cNvPr id="1" name=""/>
+        <p:cNvGrpSpPr/>
+        <p:nvPr/>
+      </p:nvGrpSpPr>
+      <p:grpSpPr>
+        <a:xfrm>
+          <a:off x="0" y="0"/>
+          <a:ext cx="0" cy="0"/>
+          <a:chOff x="0" y="0"/>
+          <a:chExt cx="0" cy="0"/>
+        </a:xfrm>
+      </p:grpSpPr>
+      <p:sp>
+        <p:nvSpPr>
+          <p:cNvPr id="2" name="제목 1">
+            <a:extLst>
+              <a:ext uri="{FF2B5EF4-FFF2-40B4-BE49-F238E27FC236}">
+                <a16:creationId xmlns:a16="http://schemas.microsoft.com/office/drawing/2014/main" id="{61EE3E58-1B5B-46B1-BAFF-1A709C3CD57D}"/>
+              </a:ext>
+            </a:extLst>
+          </p:cNvPr>
+          <p:cNvSpPr>
+            <a:spLocks noGrp="1"/>
+          </p:cNvSpPr>
+          <p:nvPr>
+            <p:ph type="title"/>
+          </p:nvPr>
+        </p:nvSpPr>
+        <p:spPr/>
+        <p:txBody>
+          <a:bodyPr/>
+          <a:lstStyle/>
+          <a:p>
+            <a:r>
+              <a:rPr lang="ko-KR" altLang="en-US" dirty="0"/>
+              <a:t>내장 메소드 </a:t>
+            </a:r>
+            <a:r>
+              <a:rPr lang="en-US" altLang="ko-KR" dirty="0"/>
+              <a:t>sort</a:t>
+            </a:r>
+            <a:endParaRPr lang="ko-KR" altLang="en-US" dirty="0"/>
+          </a:p>
+        </p:txBody>
+      </p:sp>
+      <p:sp>
+        <p:nvSpPr>
+          <p:cNvPr id="3" name="내용 개체 틀 2">
+            <a:extLst>
+              <a:ext uri="{FF2B5EF4-FFF2-40B4-BE49-F238E27FC236}">
+                <a16:creationId xmlns:a16="http://schemas.microsoft.com/office/drawing/2014/main" id="{20B17D21-D2D2-4990-B295-70FE33D9E06D}"/>
+              </a:ext>
+            </a:extLst>
+          </p:cNvPr>
+          <p:cNvSpPr>
+            <a:spLocks noGrp="1"/>
+          </p:cNvSpPr>
+          <p:nvPr>
+            <p:ph idx="1"/>
+          </p:nvPr>
+        </p:nvSpPr>
+        <p:spPr>
+          <a:xfrm>
+            <a:off x="838200" y="1825624"/>
+            <a:ext cx="10515600" cy="4772399"/>
+          </a:xfrm>
+        </p:spPr>
+        <p:txBody>
+          <a:bodyPr>
+            <a:normAutofit/>
+          </a:bodyPr>
+          <a:lstStyle/>
+          <a:p>
+            <a:r>
+              <a:rPr lang="ko-KR" altLang="en-US" dirty="0"/>
+              <a:t>알파벳</a:t>
+            </a:r>
+            <a:r>
+              <a:rPr lang="en-US" altLang="ko-KR" dirty="0"/>
+              <a:t>, </a:t>
+            </a:r>
+            <a:r>
+              <a:rPr lang="ko-KR" altLang="en-US" dirty="0"/>
+              <a:t>숫자 오름차순으로 정렬 </a:t>
+            </a:r>
+            <a:r>
+              <a:rPr lang="en-US" altLang="ko-KR" dirty="0"/>
+              <a:t>-&gt; .sort()</a:t>
+            </a:r>
+          </a:p>
+          <a:p>
+            <a:r>
+              <a:rPr lang="ko-KR" altLang="en-US" dirty="0"/>
+              <a:t>역순으로 정렬 </a:t>
+            </a:r>
+            <a:r>
+              <a:rPr lang="en-US" altLang="ko-KR" dirty="0"/>
+              <a:t>-&gt; .sort(reverse=True)</a:t>
+            </a:r>
+          </a:p>
+          <a:p>
+            <a:r>
+              <a:rPr lang="ko-KR" altLang="en-US" dirty="0"/>
+              <a:t>길이 순으로 정렬 </a:t>
+            </a:r>
+            <a:r>
+              <a:rPr lang="en-US" altLang="ko-KR" dirty="0"/>
+              <a:t>-&gt; .sort(key=</a:t>
+            </a:r>
+            <a:r>
+              <a:rPr lang="en-US" altLang="ko-KR" dirty="0" err="1"/>
+              <a:t>len</a:t>
+            </a:r>
+            <a:r>
+              <a:rPr lang="en-US" altLang="ko-KR" dirty="0"/>
+              <a:t>)</a:t>
+            </a:r>
+          </a:p>
+          <a:p>
+            <a:r>
+              <a:rPr lang="ko-KR" altLang="en-US" dirty="0"/>
+              <a:t>복잡한 기준</a:t>
+            </a:r>
+            <a:r>
+              <a:rPr lang="en-US" altLang="ko-KR" dirty="0"/>
+              <a:t>, </a:t>
+            </a:r>
+            <a:r>
+              <a:rPr lang="ko-KR" altLang="en-US" dirty="0"/>
+              <a:t>혹은 여러 가지 기준의 정렬</a:t>
+            </a:r>
+            <a:endParaRPr lang="en-US" altLang="ko-KR" dirty="0"/>
+          </a:p>
+          <a:p>
+            <a:pPr lvl="1"/>
+            <a:r>
+              <a:rPr lang="ko-KR" altLang="en-US" dirty="0"/>
+              <a:t>주로 </a:t>
+            </a:r>
+            <a:r>
+              <a:rPr lang="en-US" altLang="ko-KR" dirty="0"/>
+              <a:t>key</a:t>
+            </a:r>
+            <a:r>
+              <a:rPr lang="ko-KR" altLang="en-US" dirty="0"/>
+              <a:t>에 </a:t>
+            </a:r>
+            <a:r>
+              <a:rPr lang="en-US" altLang="ko-KR" dirty="0"/>
+              <a:t>lambda </a:t>
+            </a:r>
+            <a:r>
+              <a:rPr lang="ko-KR" altLang="en-US" dirty="0"/>
+              <a:t>함수를 대입해 사용</a:t>
+            </a:r>
+            <a:endParaRPr lang="en-US" altLang="ko-KR" dirty="0"/>
+          </a:p>
+          <a:p>
+            <a:pPr lvl="1"/>
+            <a:r>
+              <a:rPr lang="en-US" altLang="ko-KR" dirty="0"/>
+              <a:t>.sort(key=lambda x: (x[0], x[1], x[2]))</a:t>
+            </a:r>
+          </a:p>
+          <a:p>
+            <a:pPr lvl="1"/>
+            <a:r>
+              <a:rPr lang="ko-KR" altLang="en-US" dirty="0"/>
+              <a:t>위의 방법은 리스트의 원소들이 모두 </a:t>
+            </a:r>
+            <a:r>
+              <a:rPr lang="en-US" altLang="ko-KR" dirty="0"/>
+              <a:t>3</a:t>
+            </a:r>
+            <a:r>
+              <a:rPr lang="ko-KR" altLang="en-US" dirty="0" err="1"/>
+              <a:t>개짜리</a:t>
+            </a:r>
+            <a:r>
+              <a:rPr lang="ko-KR" altLang="en-US" dirty="0"/>
+              <a:t> 원소를 가진 </a:t>
+            </a:r>
+            <a:r>
+              <a:rPr lang="ko-KR" altLang="en-US" dirty="0" err="1"/>
+              <a:t>튜플</a:t>
+            </a:r>
+            <a:r>
+              <a:rPr lang="en-US" altLang="ko-KR" dirty="0"/>
+              <a:t>, </a:t>
+            </a:r>
+            <a:r>
+              <a:rPr lang="ko-KR" altLang="en-US" dirty="0"/>
+              <a:t>리스트일 때 사용 가능 </a:t>
+            </a:r>
+            <a:r>
+              <a:rPr lang="en-US" altLang="ko-KR" dirty="0"/>
+              <a:t>([[1, 2, 3], [4, 5, 6], [7, 8, 9]])</a:t>
+            </a:r>
+          </a:p>
+          <a:p>
+            <a:pPr lvl="1"/>
+            <a:r>
+              <a:rPr lang="ko-KR" altLang="en-US" dirty="0"/>
+              <a:t>각 원소의 첫 번째 원소들끼리 비교</a:t>
+            </a:r>
+            <a:r>
+              <a:rPr lang="en-US" altLang="ko-KR" dirty="0"/>
+              <a:t>(1, 4, 7)</a:t>
+            </a:r>
+            <a:r>
+              <a:rPr lang="ko-KR" altLang="en-US" dirty="0"/>
+              <a:t>하고</a:t>
+            </a:r>
+            <a:r>
+              <a:rPr lang="en-US" altLang="ko-KR" dirty="0"/>
+              <a:t>, </a:t>
+            </a:r>
+            <a:r>
+              <a:rPr lang="ko-KR" altLang="en-US" dirty="0"/>
+              <a:t>만약 첫 번째 원소가 같다면 두 번째 원소를 그 다음으로 비교</a:t>
+            </a:r>
+            <a:r>
+              <a:rPr lang="en-US" altLang="ko-KR" dirty="0"/>
+              <a:t>(2, 5, 8)</a:t>
+            </a:r>
+            <a:r>
+              <a:rPr lang="ko-KR" altLang="en-US" dirty="0"/>
+              <a:t>하고</a:t>
+            </a:r>
+            <a:r>
+              <a:rPr lang="en-US" altLang="ko-KR" dirty="0"/>
+              <a:t>, </a:t>
+            </a:r>
+            <a:r>
+              <a:rPr lang="ko-KR" altLang="en-US" dirty="0"/>
+              <a:t>두 번째까지 같다면 세 번째 원소를 비교</a:t>
+            </a:r>
+            <a:r>
+              <a:rPr lang="en-US" altLang="ko-KR" dirty="0"/>
+              <a:t>(3, 6, 9)</a:t>
+            </a:r>
+            <a:r>
+              <a:rPr lang="ko-KR" altLang="en-US" dirty="0"/>
+              <a:t>해서 정렬하는 다중 기준 정렬 방식</a:t>
+            </a:r>
+          </a:p>
+        </p:txBody>
+      </p:sp>
+      <mc:AlternateContent xmlns:mc="http://schemas.openxmlformats.org/markup-compatibility/2006" xmlns:p14="http://schemas.microsoft.com/office/powerpoint/2010/main">
+        <mc:Choice Requires="p14">
+          <p:contentPart p14:bwMode="auto" r:id="rId2">
+            <p14:nvContentPartPr>
+              <p14:cNvPr id="8" name="잉크 7">
+                <a:extLst>
+                  <a:ext uri="{FF2B5EF4-FFF2-40B4-BE49-F238E27FC236}">
+                    <a16:creationId xmlns:a16="http://schemas.microsoft.com/office/drawing/2014/main" id="{D5F655FD-9965-4CC0-99DF-66895C5F3051}"/>
+                  </a:ext>
+                </a:extLst>
+              </p14:cNvPr>
+              <p14:cNvContentPartPr/>
+              <p14:nvPr/>
+            </p14:nvContentPartPr>
+            <p14:xfrm>
+              <a:off x="2634960" y="5924689"/>
+              <a:ext cx="1998720" cy="100080"/>
+            </p14:xfrm>
+          </p:contentPart>
+        </mc:Choice>
+        <mc:Fallback xmlns="">
+          <p:pic>
+            <p:nvPicPr>
+              <p:cNvPr id="8" name="잉크 7">
+                <a:extLst>
+                  <a:ext uri="{FF2B5EF4-FFF2-40B4-BE49-F238E27FC236}">
+                    <a16:creationId xmlns:a16="http://schemas.microsoft.com/office/drawing/2014/main" id="{D5F655FD-9965-4CC0-99DF-66895C5F3051}"/>
+                  </a:ext>
+                </a:extLst>
+              </p:cNvPr>
+              <p:cNvPicPr/>
+              <p:nvPr/>
+            </p:nvPicPr>
+            <p:blipFill>
+              <a:blip r:embed="rId3"/>
+              <a:stretch>
+                <a:fillRect/>
+              </a:stretch>
+            </p:blipFill>
+            <p:spPr>
+              <a:xfrm>
+                <a:off x="2626320" y="5915689"/>
+                <a:ext cx="2016360" cy="117720"/>
+              </a:xfrm>
+              <a:prstGeom prst="rect">
+                <a:avLst/>
+              </a:prstGeom>
+            </p:spPr>
+          </p:pic>
+        </mc:Fallback>
+      </mc:AlternateContent>
+      <p:grpSp>
+        <p:nvGrpSpPr>
+          <p:cNvPr id="12" name="그룹 11">
+            <a:extLst>
+              <a:ext uri="{FF2B5EF4-FFF2-40B4-BE49-F238E27FC236}">
+                <a16:creationId xmlns:a16="http://schemas.microsoft.com/office/drawing/2014/main" id="{EC38E357-D93F-4E48-A6CE-3BF65C1FF15C}"/>
+              </a:ext>
+            </a:extLst>
+          </p:cNvPr>
+          <p:cNvGrpSpPr/>
+          <p:nvPr/>
+        </p:nvGrpSpPr>
+        <p:grpSpPr>
+          <a:xfrm>
+            <a:off x="2310240" y="5018569"/>
+            <a:ext cx="3901320" cy="749880"/>
+            <a:chOff x="2310240" y="5018569"/>
+            <a:chExt cx="3901320" cy="749880"/>
+          </a:xfrm>
+        </p:grpSpPr>
+        <mc:AlternateContent xmlns:mc="http://schemas.openxmlformats.org/markup-compatibility/2006" xmlns:p14="http://schemas.microsoft.com/office/powerpoint/2010/main">
+          <mc:Choice Requires="p14">
+            <p:contentPart p14:bwMode="auto" r:id="rId4">
+              <p14:nvContentPartPr>
+                <p14:cNvPr id="4" name="잉크 3">
+                  <a:extLst>
+                    <a:ext uri="{FF2B5EF4-FFF2-40B4-BE49-F238E27FC236}">
+                      <a16:creationId xmlns:a16="http://schemas.microsoft.com/office/drawing/2014/main" id="{790CD87A-CADF-4874-8A06-9A41EAA65775}"/>
+                    </a:ext>
+                  </a:extLst>
+                </p14:cNvPr>
+                <p14:cNvContentPartPr/>
+                <p14:nvPr/>
+              </p14:nvContentPartPr>
+              <p14:xfrm>
+                <a:off x="3083520" y="5629489"/>
+                <a:ext cx="3128040" cy="63720"/>
+              </p14:xfrm>
+            </p:contentPart>
+          </mc:Choice>
+          <mc:Fallback xmlns="">
+            <p:pic>
+              <p:nvPicPr>
+                <p:cNvPr id="4" name="잉크 3">
+                  <a:extLst>
+                    <a:ext uri="{FF2B5EF4-FFF2-40B4-BE49-F238E27FC236}">
+                      <a16:creationId xmlns:a16="http://schemas.microsoft.com/office/drawing/2014/main" id="{790CD87A-CADF-4874-8A06-9A41EAA65775}"/>
+                    </a:ext>
+                  </a:extLst>
+                </p:cNvPr>
+                <p:cNvPicPr/>
+                <p:nvPr/>
+              </p:nvPicPr>
+              <p:blipFill>
+                <a:blip r:embed="rId5"/>
+                <a:stretch>
+                  <a:fillRect/>
+                </a:stretch>
+              </p:blipFill>
+              <p:spPr>
+                <a:xfrm>
+                  <a:off x="3074880" y="5620849"/>
+                  <a:ext cx="3145680" cy="81360"/>
+                </a:xfrm>
+                <a:prstGeom prst="rect">
+                  <a:avLst/>
+                </a:prstGeom>
+              </p:spPr>
+            </p:pic>
+          </mc:Fallback>
+        </mc:AlternateContent>
+        <mc:AlternateContent xmlns:mc="http://schemas.openxmlformats.org/markup-compatibility/2006" xmlns:p14="http://schemas.microsoft.com/office/powerpoint/2010/main">
+          <mc:Choice Requires="p14">
+            <p:contentPart p14:bwMode="auto" r:id="rId6">
+              <p14:nvContentPartPr>
+                <p14:cNvPr id="5" name="잉크 4">
+                  <a:extLst>
+                    <a:ext uri="{FF2B5EF4-FFF2-40B4-BE49-F238E27FC236}">
+                      <a16:creationId xmlns:a16="http://schemas.microsoft.com/office/drawing/2014/main" id="{0ED0B19C-6A25-43CD-B080-C3BD13BC4E00}"/>
+                    </a:ext>
+                  </a:extLst>
+                </p14:cNvPr>
+                <p14:cNvContentPartPr/>
+                <p14:nvPr/>
+              </p14:nvContentPartPr>
+              <p14:xfrm>
+                <a:off x="2984880" y="5156449"/>
+                <a:ext cx="127440" cy="204480"/>
+              </p14:xfrm>
+            </p:contentPart>
+          </mc:Choice>
+          <mc:Fallback xmlns="">
+            <p:pic>
+              <p:nvPicPr>
+                <p:cNvPr id="5" name="잉크 4">
+                  <a:extLst>
+                    <a:ext uri="{FF2B5EF4-FFF2-40B4-BE49-F238E27FC236}">
+                      <a16:creationId xmlns:a16="http://schemas.microsoft.com/office/drawing/2014/main" id="{0ED0B19C-6A25-43CD-B080-C3BD13BC4E00}"/>
+                    </a:ext>
+                  </a:extLst>
+                </p:cNvPr>
+                <p:cNvPicPr/>
+                <p:nvPr/>
+              </p:nvPicPr>
+              <p:blipFill>
+                <a:blip r:embed="rId7"/>
+                <a:stretch>
+                  <a:fillRect/>
+                </a:stretch>
+              </p:blipFill>
+              <p:spPr>
+                <a:xfrm>
+                  <a:off x="2976240" y="5147809"/>
+                  <a:ext cx="145080" cy="222120"/>
+                </a:xfrm>
+                <a:prstGeom prst="rect">
+                  <a:avLst/>
+                </a:prstGeom>
+              </p:spPr>
+            </p:pic>
+          </mc:Fallback>
+        </mc:AlternateContent>
+        <mc:AlternateContent xmlns:mc="http://schemas.openxmlformats.org/markup-compatibility/2006" xmlns:p14="http://schemas.microsoft.com/office/powerpoint/2010/main">
+          <mc:Choice Requires="p14">
+            <p:contentPart p14:bwMode="auto" r:id="rId8">
+              <p14:nvContentPartPr>
+                <p14:cNvPr id="6" name="잉크 5">
+                  <a:extLst>
+                    <a:ext uri="{FF2B5EF4-FFF2-40B4-BE49-F238E27FC236}">
+                      <a16:creationId xmlns:a16="http://schemas.microsoft.com/office/drawing/2014/main" id="{32BCD77F-BB9C-4C4E-957C-471B139A6D56}"/>
+                    </a:ext>
+                  </a:extLst>
+                </p14:cNvPr>
+                <p14:cNvContentPartPr/>
+                <p14:nvPr/>
+              </p14:nvContentPartPr>
+              <p14:xfrm>
+                <a:off x="3029880" y="5324569"/>
+                <a:ext cx="133920" cy="360"/>
+              </p14:xfrm>
+            </p:contentPart>
+          </mc:Choice>
+          <mc:Fallback xmlns="">
+            <p:pic>
+              <p:nvPicPr>
+                <p:cNvPr id="6" name="잉크 5">
+                  <a:extLst>
+                    <a:ext uri="{FF2B5EF4-FFF2-40B4-BE49-F238E27FC236}">
+                      <a16:creationId xmlns:a16="http://schemas.microsoft.com/office/drawing/2014/main" id="{32BCD77F-BB9C-4C4E-957C-471B139A6D56}"/>
+                    </a:ext>
+                  </a:extLst>
+                </p:cNvPr>
+                <p:cNvPicPr/>
+                <p:nvPr/>
+              </p:nvPicPr>
+              <p:blipFill>
+                <a:blip r:embed="rId9"/>
+                <a:stretch>
+                  <a:fillRect/>
+                </a:stretch>
+              </p:blipFill>
+              <p:spPr>
+                <a:xfrm>
+                  <a:off x="3020880" y="5315929"/>
+                  <a:ext cx="151560" cy="18000"/>
+                </a:xfrm>
+                <a:prstGeom prst="rect">
+                  <a:avLst/>
+                </a:prstGeom>
+              </p:spPr>
+            </p:pic>
+          </mc:Fallback>
+        </mc:AlternateContent>
+        <mc:AlternateContent xmlns:mc="http://schemas.openxmlformats.org/markup-compatibility/2006" xmlns:p14="http://schemas.microsoft.com/office/powerpoint/2010/main">
+          <mc:Choice Requires="p14">
+            <p:contentPart p14:bwMode="auto" r:id="rId10">
+              <p14:nvContentPartPr>
+                <p14:cNvPr id="7" name="잉크 6">
+                  <a:extLst>
+                    <a:ext uri="{FF2B5EF4-FFF2-40B4-BE49-F238E27FC236}">
+                      <a16:creationId xmlns:a16="http://schemas.microsoft.com/office/drawing/2014/main" id="{D1D9CA5E-5022-4FB9-AECC-48DAA465E81F}"/>
+                    </a:ext>
+                  </a:extLst>
+                </p14:cNvPr>
+                <p14:cNvContentPartPr/>
+                <p14:nvPr/>
+              </p14:nvContentPartPr>
+              <p14:xfrm>
+                <a:off x="2893800" y="5018569"/>
+                <a:ext cx="414360" cy="415080"/>
+              </p14:xfrm>
+            </p:contentPart>
+          </mc:Choice>
+          <mc:Fallback xmlns="">
+            <p:pic>
+              <p:nvPicPr>
+                <p:cNvPr id="7" name="잉크 6">
+                  <a:extLst>
+                    <a:ext uri="{FF2B5EF4-FFF2-40B4-BE49-F238E27FC236}">
+                      <a16:creationId xmlns:a16="http://schemas.microsoft.com/office/drawing/2014/main" id="{D1D9CA5E-5022-4FB9-AECC-48DAA465E81F}"/>
+                    </a:ext>
+                  </a:extLst>
+                </p:cNvPr>
+                <p:cNvPicPr/>
+                <p:nvPr/>
+              </p:nvPicPr>
+              <p:blipFill>
+                <a:blip r:embed="rId11"/>
+                <a:stretch>
+                  <a:fillRect/>
+                </a:stretch>
+              </p:blipFill>
+              <p:spPr>
+                <a:xfrm>
+                  <a:off x="2885160" y="5009929"/>
+                  <a:ext cx="432000" cy="432720"/>
+                </a:xfrm>
+                <a:prstGeom prst="rect">
+                  <a:avLst/>
+                </a:prstGeom>
+              </p:spPr>
+            </p:pic>
+          </mc:Fallback>
+        </mc:AlternateContent>
+        <mc:AlternateContent xmlns:mc="http://schemas.openxmlformats.org/markup-compatibility/2006" xmlns:p14="http://schemas.microsoft.com/office/powerpoint/2010/main">
+          <mc:Choice Requires="p14">
+            <p:contentPart p14:bwMode="auto" r:id="rId12">
+              <p14:nvContentPartPr>
+                <p14:cNvPr id="10" name="잉크 9">
+                  <a:extLst>
+                    <a:ext uri="{FF2B5EF4-FFF2-40B4-BE49-F238E27FC236}">
+                      <a16:creationId xmlns:a16="http://schemas.microsoft.com/office/drawing/2014/main" id="{570B7633-DFF0-466B-8F90-641D1DFE9A85}"/>
+                    </a:ext>
+                  </a:extLst>
+                </p14:cNvPr>
+                <p14:cNvContentPartPr/>
+                <p14:nvPr/>
+              </p14:nvContentPartPr>
+              <p14:xfrm>
+                <a:off x="2436960" y="5511409"/>
+                <a:ext cx="171720" cy="163800"/>
+              </p14:xfrm>
+            </p:contentPart>
+          </mc:Choice>
+          <mc:Fallback xmlns="">
+            <p:pic>
+              <p:nvPicPr>
+                <p:cNvPr id="10" name="잉크 9">
+                  <a:extLst>
+                    <a:ext uri="{FF2B5EF4-FFF2-40B4-BE49-F238E27FC236}">
+                      <a16:creationId xmlns:a16="http://schemas.microsoft.com/office/drawing/2014/main" id="{570B7633-DFF0-466B-8F90-641D1DFE9A85}"/>
+                    </a:ext>
+                  </a:extLst>
+                </p:cNvPr>
+                <p:cNvPicPr/>
+                <p:nvPr/>
+              </p:nvPicPr>
+              <p:blipFill>
+                <a:blip r:embed="rId13"/>
+                <a:stretch>
+                  <a:fillRect/>
+                </a:stretch>
+              </p:blipFill>
+              <p:spPr>
+                <a:xfrm>
+                  <a:off x="2428320" y="5502409"/>
+                  <a:ext cx="189360" cy="181440"/>
+                </a:xfrm>
+                <a:prstGeom prst="rect">
+                  <a:avLst/>
+                </a:prstGeom>
+              </p:spPr>
+            </p:pic>
+          </mc:Fallback>
+        </mc:AlternateContent>
+        <mc:AlternateContent xmlns:mc="http://schemas.openxmlformats.org/markup-compatibility/2006" xmlns:p14="http://schemas.microsoft.com/office/powerpoint/2010/main">
+          <mc:Choice Requires="p14">
+            <p:contentPart p14:bwMode="auto" r:id="rId14">
+              <p14:nvContentPartPr>
+                <p14:cNvPr id="11" name="잉크 10">
+                  <a:extLst>
+                    <a:ext uri="{FF2B5EF4-FFF2-40B4-BE49-F238E27FC236}">
+                      <a16:creationId xmlns:a16="http://schemas.microsoft.com/office/drawing/2014/main" id="{CFE0958F-D253-4E24-B39C-F6087F44DC2D}"/>
+                    </a:ext>
+                  </a:extLst>
+                </p14:cNvPr>
+                <p14:cNvContentPartPr/>
+                <p14:nvPr/>
+              </p14:nvContentPartPr>
+              <p14:xfrm>
+                <a:off x="2310240" y="5414209"/>
+                <a:ext cx="399240" cy="354240"/>
+              </p14:xfrm>
+            </p:contentPart>
+          </mc:Choice>
+          <mc:Fallback xmlns="">
+            <p:pic>
+              <p:nvPicPr>
+                <p:cNvPr id="11" name="잉크 10">
+                  <a:extLst>
+                    <a:ext uri="{FF2B5EF4-FFF2-40B4-BE49-F238E27FC236}">
+                      <a16:creationId xmlns:a16="http://schemas.microsoft.com/office/drawing/2014/main" id="{CFE0958F-D253-4E24-B39C-F6087F44DC2D}"/>
+                    </a:ext>
+                  </a:extLst>
+                </p:cNvPr>
+                <p:cNvPicPr/>
+                <p:nvPr/>
+              </p:nvPicPr>
+              <p:blipFill>
+                <a:blip r:embed="rId15"/>
+                <a:stretch>
+                  <a:fillRect/>
+                </a:stretch>
+              </p:blipFill>
+              <p:spPr>
+                <a:xfrm>
+                  <a:off x="2301240" y="5405569"/>
+                  <a:ext cx="416880" cy="371880"/>
+                </a:xfrm>
+                <a:prstGeom prst="rect">
+                  <a:avLst/>
+                </a:prstGeom>
+              </p:spPr>
+            </p:pic>
+          </mc:Fallback>
+        </mc:AlternateContent>
+      </p:grpSp>
+      <mc:AlternateContent xmlns:mc="http://schemas.openxmlformats.org/markup-compatibility/2006" xmlns:p14="http://schemas.microsoft.com/office/powerpoint/2010/main">
+        <mc:Choice Requires="p14">
+          <p:contentPart p14:bwMode="auto" r:id="rId16">
+            <p14:nvContentPartPr>
+              <p14:cNvPr id="16" name="잉크 15">
+                <a:extLst>
+                  <a:ext uri="{FF2B5EF4-FFF2-40B4-BE49-F238E27FC236}">
+                    <a16:creationId xmlns:a16="http://schemas.microsoft.com/office/drawing/2014/main" id="{68F24D04-5B98-4FE2-83F8-A8C82C49CBDC}"/>
+                  </a:ext>
+                </a:extLst>
+              </p14:cNvPr>
+              <p14:cNvContentPartPr/>
+              <p14:nvPr/>
+            </p14:nvContentPartPr>
+            <p14:xfrm>
+              <a:off x="8659200" y="2581369"/>
+              <a:ext cx="54000" cy="387360"/>
+            </p14:xfrm>
+          </p:contentPart>
+        </mc:Choice>
+        <mc:Fallback xmlns="">
+          <p:pic>
+            <p:nvPicPr>
+              <p:cNvPr id="16" name="잉크 15">
+                <a:extLst>
+                  <a:ext uri="{FF2B5EF4-FFF2-40B4-BE49-F238E27FC236}">
+                    <a16:creationId xmlns:a16="http://schemas.microsoft.com/office/drawing/2014/main" id="{68F24D04-5B98-4FE2-83F8-A8C82C49CBDC}"/>
+                  </a:ext>
+                </a:extLst>
+              </p:cNvPr>
+              <p:cNvPicPr/>
+              <p:nvPr/>
+            </p:nvPicPr>
+            <p:blipFill>
+              <a:blip r:embed="rId17"/>
+              <a:stretch>
+                <a:fillRect/>
+              </a:stretch>
+            </p:blipFill>
+            <p:spPr>
+              <a:xfrm>
+                <a:off x="8650200" y="2572729"/>
+                <a:ext cx="71640" cy="405000"/>
+              </a:xfrm>
+              <a:prstGeom prst="rect">
+                <a:avLst/>
+              </a:prstGeom>
+            </p:spPr>
+          </p:pic>
+        </mc:Fallback>
+      </mc:AlternateContent>
+      <mc:AlternateContent xmlns:mc="http://schemas.openxmlformats.org/markup-compatibility/2006" xmlns:p14="http://schemas.microsoft.com/office/powerpoint/2010/main">
+        <mc:Choice Requires="p14">
+          <p:contentPart p14:bwMode="auto" r:id="rId18">
+            <p14:nvContentPartPr>
+              <p14:cNvPr id="17" name="잉크 16">
+                <a:extLst>
+                  <a:ext uri="{FF2B5EF4-FFF2-40B4-BE49-F238E27FC236}">
+                    <a16:creationId xmlns:a16="http://schemas.microsoft.com/office/drawing/2014/main" id="{DA29D86F-32E6-4E27-BEAD-D241784E84C1}"/>
+                  </a:ext>
+                </a:extLst>
+              </p14:cNvPr>
+              <p14:cNvContentPartPr/>
+              <p14:nvPr/>
+            </p14:nvContentPartPr>
+            <p14:xfrm>
+              <a:off x="9734160" y="2572729"/>
+              <a:ext cx="37440" cy="376920"/>
+            </p14:xfrm>
+          </p:contentPart>
+        </mc:Choice>
+        <mc:Fallback xmlns="">
+          <p:pic>
+            <p:nvPicPr>
+              <p:cNvPr id="17" name="잉크 16">
+                <a:extLst>
+                  <a:ext uri="{FF2B5EF4-FFF2-40B4-BE49-F238E27FC236}">
+                    <a16:creationId xmlns:a16="http://schemas.microsoft.com/office/drawing/2014/main" id="{DA29D86F-32E6-4E27-BEAD-D241784E84C1}"/>
+                  </a:ext>
+                </a:extLst>
+              </p:cNvPr>
+              <p:cNvPicPr/>
+              <p:nvPr/>
+            </p:nvPicPr>
+            <p:blipFill>
+              <a:blip r:embed="rId19"/>
+              <a:stretch>
+                <a:fillRect/>
+              </a:stretch>
+            </p:blipFill>
+            <p:spPr>
+              <a:xfrm>
+                <a:off x="9725160" y="2563729"/>
+                <a:ext cx="55080" cy="394560"/>
+              </a:xfrm>
+              <a:prstGeom prst="rect">
+                <a:avLst/>
+              </a:prstGeom>
+            </p:spPr>
+          </p:pic>
+        </mc:Fallback>
+      </mc:AlternateContent>
+      <p:grpSp>
+        <p:nvGrpSpPr>
+          <p:cNvPr id="19" name="그룹 18">
+            <a:extLst>
+              <a:ext uri="{FF2B5EF4-FFF2-40B4-BE49-F238E27FC236}">
+                <a16:creationId xmlns:a16="http://schemas.microsoft.com/office/drawing/2014/main" id="{B5FF4134-4673-48AF-9508-1C71611F74FC}"/>
+              </a:ext>
+            </a:extLst>
+          </p:cNvPr>
+          <p:cNvGrpSpPr/>
+          <p:nvPr/>
+        </p:nvGrpSpPr>
+        <p:grpSpPr>
+          <a:xfrm>
+            <a:off x="4434240" y="4424929"/>
+            <a:ext cx="1762560" cy="810360"/>
+            <a:chOff x="4434240" y="4424929"/>
+            <a:chExt cx="1762560" cy="810360"/>
+          </a:xfrm>
+        </p:grpSpPr>
+        <mc:AlternateContent xmlns:mc="http://schemas.openxmlformats.org/markup-compatibility/2006" xmlns:p14="http://schemas.microsoft.com/office/powerpoint/2010/main">
+          <mc:Choice Requires="p14">
+            <p:contentPart p14:bwMode="auto" r:id="rId20">
+              <p14:nvContentPartPr>
+                <p14:cNvPr id="13" name="잉크 12">
+                  <a:extLst>
+                    <a:ext uri="{FF2B5EF4-FFF2-40B4-BE49-F238E27FC236}">
+                      <a16:creationId xmlns:a16="http://schemas.microsoft.com/office/drawing/2014/main" id="{B46E6D91-D96C-4E0A-A32D-E663857C8683}"/>
+                    </a:ext>
+                  </a:extLst>
+                </p14:cNvPr>
+                <p14:cNvContentPartPr/>
+                <p14:nvPr/>
+              </p14:nvContentPartPr>
+              <p14:xfrm>
+                <a:off x="4434240" y="4919209"/>
+                <a:ext cx="257040" cy="316080"/>
+              </p14:xfrm>
+            </p:contentPart>
+          </mc:Choice>
+          <mc:Fallback xmlns="">
+            <p:pic>
+              <p:nvPicPr>
+                <p:cNvPr id="13" name="잉크 12">
+                  <a:extLst>
+                    <a:ext uri="{FF2B5EF4-FFF2-40B4-BE49-F238E27FC236}">
+                      <a16:creationId xmlns:a16="http://schemas.microsoft.com/office/drawing/2014/main" id="{B46E6D91-D96C-4E0A-A32D-E663857C8683}"/>
+                    </a:ext>
+                  </a:extLst>
+                </p:cNvPr>
+                <p:cNvPicPr/>
+                <p:nvPr/>
+              </p:nvPicPr>
+              <p:blipFill>
+                <a:blip r:embed="rId21"/>
+                <a:stretch>
+                  <a:fillRect/>
+                </a:stretch>
+              </p:blipFill>
+              <p:spPr>
+                <a:xfrm>
+                  <a:off x="4425240" y="4910569"/>
+                  <a:ext cx="274680" cy="333720"/>
+                </a:xfrm>
+                <a:prstGeom prst="rect">
+                  <a:avLst/>
+                </a:prstGeom>
+              </p:spPr>
+            </p:pic>
+          </mc:Fallback>
+        </mc:AlternateContent>
+        <mc:AlternateContent xmlns:mc="http://schemas.openxmlformats.org/markup-compatibility/2006" xmlns:p14="http://schemas.microsoft.com/office/powerpoint/2010/main">
+          <mc:Choice Requires="p14">
+            <p:contentPart p14:bwMode="auto" r:id="rId22">
+              <p14:nvContentPartPr>
+                <p14:cNvPr id="14" name="잉크 13">
+                  <a:extLst>
+                    <a:ext uri="{FF2B5EF4-FFF2-40B4-BE49-F238E27FC236}">
+                      <a16:creationId xmlns:a16="http://schemas.microsoft.com/office/drawing/2014/main" id="{7E063547-8126-4A27-8CBD-A9F382C0A7C1}"/>
+                    </a:ext>
+                  </a:extLst>
+                </p14:cNvPr>
+                <p14:cNvContentPartPr/>
+                <p14:nvPr/>
+              </p14:nvContentPartPr>
+              <p14:xfrm>
+                <a:off x="4499760" y="4424929"/>
+                <a:ext cx="1697040" cy="506520"/>
+              </p14:xfrm>
+            </p:contentPart>
+          </mc:Choice>
+          <mc:Fallback xmlns="">
+            <p:pic>
+              <p:nvPicPr>
+                <p:cNvPr id="14" name="잉크 13">
+                  <a:extLst>
+                    <a:ext uri="{FF2B5EF4-FFF2-40B4-BE49-F238E27FC236}">
+                      <a16:creationId xmlns:a16="http://schemas.microsoft.com/office/drawing/2014/main" id="{7E063547-8126-4A27-8CBD-A9F382C0A7C1}"/>
+                    </a:ext>
+                  </a:extLst>
+                </p:cNvPr>
+                <p:cNvPicPr/>
+                <p:nvPr/>
+              </p:nvPicPr>
+              <p:blipFill>
+                <a:blip r:embed="rId23"/>
+                <a:stretch>
+                  <a:fillRect/>
+                </a:stretch>
+              </p:blipFill>
+              <p:spPr>
+                <a:xfrm>
+                  <a:off x="4490760" y="4415929"/>
+                  <a:ext cx="1714680" cy="524160"/>
+                </a:xfrm>
+                <a:prstGeom prst="rect">
+                  <a:avLst/>
+                </a:prstGeom>
+              </p:spPr>
+            </p:pic>
+          </mc:Fallback>
+        </mc:AlternateContent>
+        <mc:AlternateContent xmlns:mc="http://schemas.openxmlformats.org/markup-compatibility/2006" xmlns:p14="http://schemas.microsoft.com/office/powerpoint/2010/main">
+          <mc:Choice Requires="p14">
+            <p:contentPart p14:bwMode="auto" r:id="rId24">
+              <p14:nvContentPartPr>
+                <p14:cNvPr id="18" name="잉크 17">
+                  <a:extLst>
+                    <a:ext uri="{FF2B5EF4-FFF2-40B4-BE49-F238E27FC236}">
+                      <a16:creationId xmlns:a16="http://schemas.microsoft.com/office/drawing/2014/main" id="{5178C209-4C24-4BB2-AEF5-7ED2F50EEA5A}"/>
+                    </a:ext>
+                  </a:extLst>
+                </p14:cNvPr>
+                <p14:cNvContentPartPr/>
+                <p14:nvPr/>
+              </p14:nvContentPartPr>
+              <p14:xfrm>
+                <a:off x="4911960" y="4734529"/>
+                <a:ext cx="1240560" cy="335160"/>
+              </p14:xfrm>
+            </p:contentPart>
+          </mc:Choice>
+          <mc:Fallback xmlns="">
+            <p:pic>
+              <p:nvPicPr>
+                <p:cNvPr id="18" name="잉크 17">
+                  <a:extLst>
+                    <a:ext uri="{FF2B5EF4-FFF2-40B4-BE49-F238E27FC236}">
+                      <a16:creationId xmlns:a16="http://schemas.microsoft.com/office/drawing/2014/main" id="{5178C209-4C24-4BB2-AEF5-7ED2F50EEA5A}"/>
+                    </a:ext>
+                  </a:extLst>
+                </p:cNvPr>
+                <p:cNvPicPr/>
+                <p:nvPr/>
+              </p:nvPicPr>
+              <p:blipFill>
+                <a:blip r:embed="rId25"/>
+                <a:stretch>
+                  <a:fillRect/>
+                </a:stretch>
+              </p:blipFill>
+              <p:spPr>
+                <a:xfrm>
+                  <a:off x="4903320" y="4725889"/>
+                  <a:ext cx="1258200" cy="352800"/>
+                </a:xfrm>
+                <a:prstGeom prst="rect">
+                  <a:avLst/>
+                </a:prstGeom>
+              </p:spPr>
+            </p:pic>
+          </mc:Fallback>
+        </mc:AlternateContent>
+      </p:grpSp>
+      <mc:AlternateContent xmlns:mc="http://schemas.openxmlformats.org/markup-compatibility/2006" xmlns:p14="http://schemas.microsoft.com/office/powerpoint/2010/main">
+        <mc:Choice Requires="p14">
+          <p:contentPart p14:bwMode="auto" r:id="rId26">
+            <p14:nvContentPartPr>
+              <p14:cNvPr id="20" name="잉크 19">
+                <a:extLst>
+                  <a:ext uri="{FF2B5EF4-FFF2-40B4-BE49-F238E27FC236}">
+                    <a16:creationId xmlns:a16="http://schemas.microsoft.com/office/drawing/2014/main" id="{F1A0AA4F-E54E-4091-B8D7-B841C0B1A474}"/>
+                  </a:ext>
+                </a:extLst>
+              </p14:cNvPr>
+              <p14:cNvContentPartPr/>
+              <p14:nvPr/>
+            </p14:nvContentPartPr>
+            <p14:xfrm>
+              <a:off x="10765920" y="2572729"/>
+              <a:ext cx="36720" cy="510120"/>
+            </p14:xfrm>
+          </p:contentPart>
+        </mc:Choice>
+        <mc:Fallback xmlns="">
+          <p:pic>
+            <p:nvPicPr>
+              <p:cNvPr id="20" name="잉크 19">
+                <a:extLst>
+                  <a:ext uri="{FF2B5EF4-FFF2-40B4-BE49-F238E27FC236}">
+                    <a16:creationId xmlns:a16="http://schemas.microsoft.com/office/drawing/2014/main" id="{F1A0AA4F-E54E-4091-B8D7-B841C0B1A474}"/>
+                  </a:ext>
+                </a:extLst>
+              </p:cNvPr>
+              <p:cNvPicPr/>
+              <p:nvPr/>
+            </p:nvPicPr>
+            <p:blipFill>
+              <a:blip r:embed="rId27"/>
+              <a:stretch>
+                <a:fillRect/>
+              </a:stretch>
+            </p:blipFill>
+            <p:spPr>
+              <a:xfrm>
+                <a:off x="10756920" y="2563729"/>
+                <a:ext cx="54360" cy="527760"/>
+              </a:xfrm>
+              <a:prstGeom prst="rect">
+                <a:avLst/>
+              </a:prstGeom>
+            </p:spPr>
+          </p:pic>
+        </mc:Fallback>
+      </mc:AlternateContent>
+      <mc:AlternateContent xmlns:mc="http://schemas.openxmlformats.org/markup-compatibility/2006" xmlns:p14="http://schemas.microsoft.com/office/powerpoint/2010/main">
+        <mc:Choice Requires="p14">
+          <p:contentPart p14:bwMode="auto" r:id="rId28">
+            <p14:nvContentPartPr>
+              <p14:cNvPr id="21" name="잉크 20">
+                <a:extLst>
+                  <a:ext uri="{FF2B5EF4-FFF2-40B4-BE49-F238E27FC236}">
+                    <a16:creationId xmlns:a16="http://schemas.microsoft.com/office/drawing/2014/main" id="{DE1960F4-BA4C-4F50-B6F9-D3B62EFA3874}"/>
+                  </a:ext>
+                </a:extLst>
+              </p14:cNvPr>
+              <p14:cNvContentPartPr/>
+              <p14:nvPr/>
+            </p14:nvContentPartPr>
+            <p14:xfrm>
+              <a:off x="2375400" y="6247609"/>
+              <a:ext cx="1603800" cy="82080"/>
+            </p14:xfrm>
+          </p:contentPart>
+        </mc:Choice>
+        <mc:Fallback xmlns="">
+          <p:pic>
+            <p:nvPicPr>
+              <p:cNvPr id="21" name="잉크 20">
+                <a:extLst>
+                  <a:ext uri="{FF2B5EF4-FFF2-40B4-BE49-F238E27FC236}">
+                    <a16:creationId xmlns:a16="http://schemas.microsoft.com/office/drawing/2014/main" id="{DE1960F4-BA4C-4F50-B6F9-D3B62EFA3874}"/>
+                  </a:ext>
+                </a:extLst>
+              </p:cNvPr>
+              <p:cNvPicPr/>
+              <p:nvPr/>
+            </p:nvPicPr>
+            <p:blipFill>
+              <a:blip r:embed="rId29"/>
+              <a:stretch>
+                <a:fillRect/>
+              </a:stretch>
+            </p:blipFill>
+            <p:spPr>
+              <a:xfrm>
+                <a:off x="2366760" y="6238969"/>
+                <a:ext cx="1621440" cy="99720"/>
+              </a:xfrm>
+              <a:prstGeom prst="rect">
+                <a:avLst/>
+              </a:prstGeom>
+            </p:spPr>
+          </p:pic>
+        </mc:Fallback>
+      </mc:AlternateContent>
+      <p:grpSp>
+        <p:nvGrpSpPr>
+          <p:cNvPr id="36" name="그룹 35">
+            <a:extLst>
+              <a:ext uri="{FF2B5EF4-FFF2-40B4-BE49-F238E27FC236}">
+                <a16:creationId xmlns:a16="http://schemas.microsoft.com/office/drawing/2014/main" id="{B0DE17CD-53BE-472B-A1B2-CF111511E350}"/>
+              </a:ext>
+            </a:extLst>
+          </p:cNvPr>
+          <p:cNvGrpSpPr/>
+          <p:nvPr/>
+        </p:nvGrpSpPr>
+        <p:grpSpPr>
+          <a:xfrm>
+            <a:off x="8359320" y="698929"/>
+            <a:ext cx="1117440" cy="1530720"/>
+            <a:chOff x="8359320" y="698929"/>
+            <a:chExt cx="1117440" cy="1530720"/>
+          </a:xfrm>
+        </p:grpSpPr>
+        <mc:AlternateContent xmlns:mc="http://schemas.openxmlformats.org/markup-compatibility/2006" xmlns:p14="http://schemas.microsoft.com/office/powerpoint/2010/main">
+          <mc:Choice Requires="p14">
+            <p:contentPart p14:bwMode="auto" r:id="rId30">
+              <p14:nvContentPartPr>
+                <p14:cNvPr id="22" name="잉크 21">
+                  <a:extLst>
+                    <a:ext uri="{FF2B5EF4-FFF2-40B4-BE49-F238E27FC236}">
+                      <a16:creationId xmlns:a16="http://schemas.microsoft.com/office/drawing/2014/main" id="{A25C6D96-2689-4CED-9072-5965B5004DD5}"/>
+                    </a:ext>
+                  </a:extLst>
+                </p14:cNvPr>
+                <p14:cNvContentPartPr/>
+                <p14:nvPr/>
+              </p14:nvContentPartPr>
+              <p14:xfrm>
+                <a:off x="8399640" y="1559689"/>
+                <a:ext cx="97920" cy="510840"/>
+              </p14:xfrm>
+            </p:contentPart>
+          </mc:Choice>
+          <mc:Fallback xmlns="">
+            <p:pic>
+              <p:nvPicPr>
+                <p:cNvPr id="22" name="잉크 21">
+                  <a:extLst>
+                    <a:ext uri="{FF2B5EF4-FFF2-40B4-BE49-F238E27FC236}">
+                      <a16:creationId xmlns:a16="http://schemas.microsoft.com/office/drawing/2014/main" id="{A25C6D96-2689-4CED-9072-5965B5004DD5}"/>
+                    </a:ext>
+                  </a:extLst>
+                </p:cNvPr>
+                <p:cNvPicPr/>
+                <p:nvPr/>
+              </p:nvPicPr>
+              <p:blipFill>
+                <a:blip r:embed="rId31"/>
+                <a:stretch>
+                  <a:fillRect/>
+                </a:stretch>
+              </p:blipFill>
+              <p:spPr>
+                <a:xfrm>
+                  <a:off x="8391000" y="1550689"/>
+                  <a:ext cx="115560" cy="528480"/>
+                </a:xfrm>
+                <a:prstGeom prst="rect">
+                  <a:avLst/>
+                </a:prstGeom>
+              </p:spPr>
+            </p:pic>
+          </mc:Fallback>
+        </mc:AlternateContent>
+        <mc:AlternateContent xmlns:mc="http://schemas.openxmlformats.org/markup-compatibility/2006" xmlns:p14="http://schemas.microsoft.com/office/powerpoint/2010/main">
+          <mc:Choice Requires="p14">
+            <p:contentPart p14:bwMode="auto" r:id="rId32">
+              <p14:nvContentPartPr>
+                <p14:cNvPr id="23" name="잉크 22">
+                  <a:extLst>
+                    <a:ext uri="{FF2B5EF4-FFF2-40B4-BE49-F238E27FC236}">
+                      <a16:creationId xmlns:a16="http://schemas.microsoft.com/office/drawing/2014/main" id="{4918A828-98BA-433C-9670-076BEF27F660}"/>
+                    </a:ext>
+                  </a:extLst>
+                </p14:cNvPr>
+                <p14:cNvContentPartPr/>
+                <p14:nvPr/>
+              </p14:nvContentPartPr>
+              <p14:xfrm>
+                <a:off x="8713200" y="1567249"/>
+                <a:ext cx="405720" cy="330120"/>
+              </p14:xfrm>
+            </p:contentPart>
+          </mc:Choice>
+          <mc:Fallback xmlns="">
+            <p:pic>
+              <p:nvPicPr>
+                <p:cNvPr id="23" name="잉크 22">
+                  <a:extLst>
+                    <a:ext uri="{FF2B5EF4-FFF2-40B4-BE49-F238E27FC236}">
+                      <a16:creationId xmlns:a16="http://schemas.microsoft.com/office/drawing/2014/main" id="{4918A828-98BA-433C-9670-076BEF27F660}"/>
+                    </a:ext>
+                  </a:extLst>
+                </p:cNvPr>
+                <p:cNvPicPr/>
+                <p:nvPr/>
+              </p:nvPicPr>
+              <p:blipFill>
+                <a:blip r:embed="rId33"/>
+                <a:stretch>
+                  <a:fillRect/>
+                </a:stretch>
+              </p:blipFill>
+              <p:spPr>
+                <a:xfrm>
+                  <a:off x="8704200" y="1558609"/>
+                  <a:ext cx="423360" cy="347760"/>
+                </a:xfrm>
+                <a:prstGeom prst="rect">
+                  <a:avLst/>
+                </a:prstGeom>
+              </p:spPr>
+            </p:pic>
+          </mc:Fallback>
+        </mc:AlternateContent>
+        <mc:AlternateContent xmlns:mc="http://schemas.openxmlformats.org/markup-compatibility/2006" xmlns:p14="http://schemas.microsoft.com/office/powerpoint/2010/main">
+          <mc:Choice Requires="p14">
+            <p:contentPart p14:bwMode="auto" r:id="rId34">
+              <p14:nvContentPartPr>
+                <p14:cNvPr id="24" name="잉크 23">
+                  <a:extLst>
+                    <a:ext uri="{FF2B5EF4-FFF2-40B4-BE49-F238E27FC236}">
+                      <a16:creationId xmlns:a16="http://schemas.microsoft.com/office/drawing/2014/main" id="{8E622DBF-7F51-41EB-8C84-18EDDEFD498E}"/>
+                    </a:ext>
+                  </a:extLst>
+                </p14:cNvPr>
+                <p14:cNvContentPartPr/>
+                <p14:nvPr/>
+              </p14:nvContentPartPr>
+              <p14:xfrm>
+                <a:off x="9251040" y="1540609"/>
+                <a:ext cx="146880" cy="361440"/>
+              </p14:xfrm>
+            </p:contentPart>
+          </mc:Choice>
+          <mc:Fallback xmlns="">
+            <p:pic>
+              <p:nvPicPr>
+                <p:cNvPr id="24" name="잉크 23">
+                  <a:extLst>
+                    <a:ext uri="{FF2B5EF4-FFF2-40B4-BE49-F238E27FC236}">
+                      <a16:creationId xmlns:a16="http://schemas.microsoft.com/office/drawing/2014/main" id="{8E622DBF-7F51-41EB-8C84-18EDDEFD498E}"/>
+                    </a:ext>
+                  </a:extLst>
+                </p:cNvPr>
+                <p:cNvPicPr/>
+                <p:nvPr/>
+              </p:nvPicPr>
+              <p:blipFill>
+                <a:blip r:embed="rId35"/>
+                <a:stretch>
+                  <a:fillRect/>
+                </a:stretch>
+              </p:blipFill>
+              <p:spPr>
+                <a:xfrm>
+                  <a:off x="9242040" y="1531609"/>
+                  <a:ext cx="164520" cy="379080"/>
+                </a:xfrm>
+                <a:prstGeom prst="rect">
+                  <a:avLst/>
+                </a:prstGeom>
+              </p:spPr>
+            </p:pic>
+          </mc:Fallback>
+        </mc:AlternateContent>
+        <mc:AlternateContent xmlns:mc="http://schemas.openxmlformats.org/markup-compatibility/2006" xmlns:p14="http://schemas.microsoft.com/office/powerpoint/2010/main">
+          <mc:Choice Requires="p14">
+            <p:contentPart p14:bwMode="auto" r:id="rId36">
+              <p14:nvContentPartPr>
+                <p14:cNvPr id="29" name="잉크 28">
+                  <a:extLst>
+                    <a:ext uri="{FF2B5EF4-FFF2-40B4-BE49-F238E27FC236}">
+                      <a16:creationId xmlns:a16="http://schemas.microsoft.com/office/drawing/2014/main" id="{476206FE-D639-47C5-B1BC-21AA6EBB008F}"/>
+                    </a:ext>
+                  </a:extLst>
+                </p14:cNvPr>
+                <p14:cNvContentPartPr/>
+                <p14:nvPr/>
+              </p14:nvContentPartPr>
+              <p14:xfrm>
+                <a:off x="8359320" y="698929"/>
+                <a:ext cx="85320" cy="485280"/>
+              </p14:xfrm>
+            </p:contentPart>
+          </mc:Choice>
+          <mc:Fallback xmlns="">
+            <p:pic>
+              <p:nvPicPr>
+                <p:cNvPr id="29" name="잉크 28">
+                  <a:extLst>
+                    <a:ext uri="{FF2B5EF4-FFF2-40B4-BE49-F238E27FC236}">
+                      <a16:creationId xmlns:a16="http://schemas.microsoft.com/office/drawing/2014/main" id="{476206FE-D639-47C5-B1BC-21AA6EBB008F}"/>
+                    </a:ext>
+                  </a:extLst>
+                </p:cNvPr>
+                <p:cNvPicPr/>
+                <p:nvPr/>
+              </p:nvPicPr>
+              <p:blipFill>
+                <a:blip r:embed="rId37"/>
+                <a:stretch>
+                  <a:fillRect/>
+                </a:stretch>
+              </p:blipFill>
+              <p:spPr>
+                <a:xfrm>
+                  <a:off x="8350680" y="689929"/>
+                  <a:ext cx="102960" cy="502920"/>
+                </a:xfrm>
+                <a:prstGeom prst="rect">
+                  <a:avLst/>
+                </a:prstGeom>
+              </p:spPr>
+            </p:pic>
+          </mc:Fallback>
+        </mc:AlternateContent>
+        <mc:AlternateContent xmlns:mc="http://schemas.openxmlformats.org/markup-compatibility/2006" xmlns:p14="http://schemas.microsoft.com/office/powerpoint/2010/main">
+          <mc:Choice Requires="p14">
+            <p:contentPart p14:bwMode="auto" r:id="rId38">
+              <p14:nvContentPartPr>
+                <p14:cNvPr id="31" name="잉크 30">
+                  <a:extLst>
+                    <a:ext uri="{FF2B5EF4-FFF2-40B4-BE49-F238E27FC236}">
+                      <a16:creationId xmlns:a16="http://schemas.microsoft.com/office/drawing/2014/main" id="{6468A4EA-2FC1-4BC3-9790-7C085B82C6F2}"/>
+                    </a:ext>
+                  </a:extLst>
+                </p14:cNvPr>
+                <p14:cNvContentPartPr/>
+                <p14:nvPr/>
+              </p14:nvContentPartPr>
+              <p14:xfrm>
+                <a:off x="8855760" y="761569"/>
+                <a:ext cx="126720" cy="546480"/>
+              </p14:xfrm>
+            </p:contentPart>
+          </mc:Choice>
+          <mc:Fallback xmlns="">
+            <p:pic>
+              <p:nvPicPr>
+                <p:cNvPr id="31" name="잉크 30">
+                  <a:extLst>
+                    <a:ext uri="{FF2B5EF4-FFF2-40B4-BE49-F238E27FC236}">
+                      <a16:creationId xmlns:a16="http://schemas.microsoft.com/office/drawing/2014/main" id="{6468A4EA-2FC1-4BC3-9790-7C085B82C6F2}"/>
+                    </a:ext>
+                  </a:extLst>
+                </p:cNvPr>
+                <p:cNvPicPr/>
+                <p:nvPr/>
+              </p:nvPicPr>
+              <p:blipFill>
+                <a:blip r:embed="rId39"/>
+                <a:stretch>
+                  <a:fillRect/>
+                </a:stretch>
+              </p:blipFill>
+              <p:spPr>
+                <a:xfrm>
+                  <a:off x="8847120" y="752929"/>
+                  <a:ext cx="144360" cy="564120"/>
+                </a:xfrm>
+                <a:prstGeom prst="rect">
+                  <a:avLst/>
+                </a:prstGeom>
+              </p:spPr>
+            </p:pic>
+          </mc:Fallback>
+        </mc:AlternateContent>
+        <mc:AlternateContent xmlns:mc="http://schemas.openxmlformats.org/markup-compatibility/2006" xmlns:p14="http://schemas.microsoft.com/office/powerpoint/2010/main">
+          <mc:Choice Requires="p14">
+            <p:contentPart p14:bwMode="auto" r:id="rId40">
+              <p14:nvContentPartPr>
+                <p14:cNvPr id="33" name="잉크 32">
+                  <a:extLst>
+                    <a:ext uri="{FF2B5EF4-FFF2-40B4-BE49-F238E27FC236}">
+                      <a16:creationId xmlns:a16="http://schemas.microsoft.com/office/drawing/2014/main" id="{117AEC3D-B738-4ABE-95E6-F5407EF232DD}"/>
+                    </a:ext>
+                  </a:extLst>
+                </p14:cNvPr>
+                <p14:cNvContentPartPr/>
+                <p14:nvPr/>
+              </p14:nvContentPartPr>
+              <p14:xfrm>
+                <a:off x="9196680" y="1333609"/>
+                <a:ext cx="280080" cy="896040"/>
+              </p14:xfrm>
+            </p:contentPart>
+          </mc:Choice>
+          <mc:Fallback xmlns="">
+            <p:pic>
+              <p:nvPicPr>
+                <p:cNvPr id="33" name="잉크 32">
+                  <a:extLst>
+                    <a:ext uri="{FF2B5EF4-FFF2-40B4-BE49-F238E27FC236}">
+                      <a16:creationId xmlns:a16="http://schemas.microsoft.com/office/drawing/2014/main" id="{117AEC3D-B738-4ABE-95E6-F5407EF232DD}"/>
+                    </a:ext>
+                  </a:extLst>
+                </p:cNvPr>
+                <p:cNvPicPr/>
+                <p:nvPr/>
+              </p:nvPicPr>
+              <p:blipFill>
+                <a:blip r:embed="rId41"/>
+                <a:stretch>
+                  <a:fillRect/>
+                </a:stretch>
+              </p:blipFill>
+              <p:spPr>
+                <a:xfrm>
+                  <a:off x="9188040" y="1324609"/>
+                  <a:ext cx="297720" cy="913680"/>
+                </a:xfrm>
+                <a:prstGeom prst="rect">
+                  <a:avLst/>
+                </a:prstGeom>
+              </p:spPr>
+            </p:pic>
+          </mc:Fallback>
+        </mc:AlternateContent>
+      </p:grpSp>
+      <p:grpSp>
+        <p:nvGrpSpPr>
+          <p:cNvPr id="35" name="그룹 34">
+            <a:extLst>
+              <a:ext uri="{FF2B5EF4-FFF2-40B4-BE49-F238E27FC236}">
+                <a16:creationId xmlns:a16="http://schemas.microsoft.com/office/drawing/2014/main" id="{8C822D54-CBB0-4607-994D-12114CAD9E86}"/>
+              </a:ext>
+            </a:extLst>
+          </p:cNvPr>
+          <p:cNvGrpSpPr/>
+          <p:nvPr/>
+        </p:nvGrpSpPr>
+        <p:grpSpPr>
+          <a:xfrm>
+            <a:off x="10147080" y="627289"/>
+            <a:ext cx="1015200" cy="1328760"/>
+            <a:chOff x="10147080" y="627289"/>
+            <a:chExt cx="1015200" cy="1328760"/>
+          </a:xfrm>
+        </p:grpSpPr>
+        <mc:AlternateContent xmlns:mc="http://schemas.openxmlformats.org/markup-compatibility/2006" xmlns:p14="http://schemas.microsoft.com/office/powerpoint/2010/main">
+          <mc:Choice Requires="p14">
+            <p:contentPart p14:bwMode="auto" r:id="rId42">
+              <p14:nvContentPartPr>
+                <p14:cNvPr id="25" name="잉크 24">
+                  <a:extLst>
+                    <a:ext uri="{FF2B5EF4-FFF2-40B4-BE49-F238E27FC236}">
+                      <a16:creationId xmlns:a16="http://schemas.microsoft.com/office/drawing/2014/main" id="{1A77F29B-DB6D-4A05-92C5-EF5CACA20FFA}"/>
+                    </a:ext>
+                  </a:extLst>
+                </p14:cNvPr>
+                <p14:cNvContentPartPr/>
+                <p14:nvPr/>
+              </p14:nvContentPartPr>
+              <p14:xfrm>
+                <a:off x="10174800" y="1344409"/>
+                <a:ext cx="10080" cy="349560"/>
+              </p14:xfrm>
+            </p:contentPart>
+          </mc:Choice>
+          <mc:Fallback xmlns="">
+            <p:pic>
+              <p:nvPicPr>
+                <p:cNvPr id="25" name="잉크 24">
+                  <a:extLst>
+                    <a:ext uri="{FF2B5EF4-FFF2-40B4-BE49-F238E27FC236}">
+                      <a16:creationId xmlns:a16="http://schemas.microsoft.com/office/drawing/2014/main" id="{1A77F29B-DB6D-4A05-92C5-EF5CACA20FFA}"/>
+                    </a:ext>
+                  </a:extLst>
+                </p:cNvPr>
+                <p:cNvPicPr/>
+                <p:nvPr/>
+              </p:nvPicPr>
+              <p:blipFill>
+                <a:blip r:embed="rId43"/>
+                <a:stretch>
+                  <a:fillRect/>
+                </a:stretch>
+              </p:blipFill>
+              <p:spPr>
+                <a:xfrm>
+                  <a:off x="10165800" y="1335409"/>
+                  <a:ext cx="27720" cy="367200"/>
+                </a:xfrm>
+                <a:prstGeom prst="rect">
+                  <a:avLst/>
+                </a:prstGeom>
+              </p:spPr>
+            </p:pic>
+          </mc:Fallback>
+        </mc:AlternateContent>
+        <mc:AlternateContent xmlns:mc="http://schemas.openxmlformats.org/markup-compatibility/2006" xmlns:p14="http://schemas.microsoft.com/office/powerpoint/2010/main">
+          <mc:Choice Requires="p14">
+            <p:contentPart p14:bwMode="auto" r:id="rId44">
+              <p14:nvContentPartPr>
+                <p14:cNvPr id="26" name="잉크 25">
+                  <a:extLst>
+                    <a:ext uri="{FF2B5EF4-FFF2-40B4-BE49-F238E27FC236}">
+                      <a16:creationId xmlns:a16="http://schemas.microsoft.com/office/drawing/2014/main" id="{7DE7033A-4A22-4913-9C86-71C8358B2EC6}"/>
+                    </a:ext>
+                  </a:extLst>
+                </p14:cNvPr>
+                <p14:cNvContentPartPr/>
+                <p14:nvPr/>
+              </p14:nvContentPartPr>
+              <p14:xfrm>
+                <a:off x="10371720" y="1386889"/>
+                <a:ext cx="173520" cy="334440"/>
+              </p14:xfrm>
+            </p:contentPart>
+          </mc:Choice>
+          <mc:Fallback xmlns="">
+            <p:pic>
+              <p:nvPicPr>
+                <p:cNvPr id="26" name="잉크 25">
+                  <a:extLst>
+                    <a:ext uri="{FF2B5EF4-FFF2-40B4-BE49-F238E27FC236}">
+                      <a16:creationId xmlns:a16="http://schemas.microsoft.com/office/drawing/2014/main" id="{7DE7033A-4A22-4913-9C86-71C8358B2EC6}"/>
+                    </a:ext>
+                  </a:extLst>
+                </p:cNvPr>
+                <p:cNvPicPr/>
+                <p:nvPr/>
+              </p:nvPicPr>
+              <p:blipFill>
+                <a:blip r:embed="rId45"/>
+                <a:stretch>
+                  <a:fillRect/>
+                </a:stretch>
+              </p:blipFill>
+              <p:spPr>
+                <a:xfrm>
+                  <a:off x="10362720" y="1378249"/>
+                  <a:ext cx="191160" cy="352080"/>
+                </a:xfrm>
+                <a:prstGeom prst="rect">
+                  <a:avLst/>
+                </a:prstGeom>
+              </p:spPr>
+            </p:pic>
+          </mc:Fallback>
+        </mc:AlternateContent>
+        <mc:AlternateContent xmlns:mc="http://schemas.openxmlformats.org/markup-compatibility/2006" xmlns:p14="http://schemas.microsoft.com/office/powerpoint/2010/main">
+          <mc:Choice Requires="p14">
+            <p:contentPart p14:bwMode="auto" r:id="rId46">
+              <p14:nvContentPartPr>
+                <p14:cNvPr id="27" name="잉크 26">
+                  <a:extLst>
+                    <a:ext uri="{FF2B5EF4-FFF2-40B4-BE49-F238E27FC236}">
+                      <a16:creationId xmlns:a16="http://schemas.microsoft.com/office/drawing/2014/main" id="{0DF1EFBF-5C78-4AFA-811D-DE3EFC03E278}"/>
+                    </a:ext>
+                  </a:extLst>
+                </p14:cNvPr>
+                <p14:cNvContentPartPr/>
+                <p14:nvPr/>
+              </p14:nvContentPartPr>
+              <p14:xfrm>
+                <a:off x="10737840" y="1407049"/>
+                <a:ext cx="343080" cy="171000"/>
+              </p14:xfrm>
+            </p:contentPart>
+          </mc:Choice>
+          <mc:Fallback xmlns="">
+            <p:pic>
+              <p:nvPicPr>
+                <p:cNvPr id="27" name="잉크 26">
+                  <a:extLst>
+                    <a:ext uri="{FF2B5EF4-FFF2-40B4-BE49-F238E27FC236}">
+                      <a16:creationId xmlns:a16="http://schemas.microsoft.com/office/drawing/2014/main" id="{0DF1EFBF-5C78-4AFA-811D-DE3EFC03E278}"/>
+                    </a:ext>
+                  </a:extLst>
+                </p:cNvPr>
+                <p:cNvPicPr/>
+                <p:nvPr/>
+              </p:nvPicPr>
+              <p:blipFill>
+                <a:blip r:embed="rId47"/>
+                <a:stretch>
+                  <a:fillRect/>
+                </a:stretch>
+              </p:blipFill>
+              <p:spPr>
+                <a:xfrm>
+                  <a:off x="10728840" y="1398409"/>
+                  <a:ext cx="360720" cy="188640"/>
+                </a:xfrm>
+                <a:prstGeom prst="rect">
+                  <a:avLst/>
+                </a:prstGeom>
+              </p:spPr>
+            </p:pic>
+          </mc:Fallback>
+        </mc:AlternateContent>
+        <mc:AlternateContent xmlns:mc="http://schemas.openxmlformats.org/markup-compatibility/2006" xmlns:p14="http://schemas.microsoft.com/office/powerpoint/2010/main">
+          <mc:Choice Requires="p14">
+            <p:contentPart p14:bwMode="auto" r:id="rId48">
+              <p14:nvContentPartPr>
+                <p14:cNvPr id="28" name="잉크 27">
+                  <a:extLst>
+                    <a:ext uri="{FF2B5EF4-FFF2-40B4-BE49-F238E27FC236}">
+                      <a16:creationId xmlns:a16="http://schemas.microsoft.com/office/drawing/2014/main" id="{FBDC6A9B-981C-44FB-8C95-ED9B36D21A47}"/>
+                    </a:ext>
+                  </a:extLst>
+                </p14:cNvPr>
+                <p14:cNvContentPartPr/>
+                <p14:nvPr/>
+              </p14:nvContentPartPr>
+              <p14:xfrm>
+                <a:off x="10917480" y="1380409"/>
+                <a:ext cx="10440" cy="506160"/>
+              </p14:xfrm>
+            </p:contentPart>
+          </mc:Choice>
+          <mc:Fallback xmlns="">
+            <p:pic>
+              <p:nvPicPr>
+                <p:cNvPr id="28" name="잉크 27">
+                  <a:extLst>
+                    <a:ext uri="{FF2B5EF4-FFF2-40B4-BE49-F238E27FC236}">
+                      <a16:creationId xmlns:a16="http://schemas.microsoft.com/office/drawing/2014/main" id="{FBDC6A9B-981C-44FB-8C95-ED9B36D21A47}"/>
+                    </a:ext>
+                  </a:extLst>
+                </p:cNvPr>
+                <p:cNvPicPr/>
+                <p:nvPr/>
+              </p:nvPicPr>
+              <p:blipFill>
+                <a:blip r:embed="rId49"/>
+                <a:stretch>
+                  <a:fillRect/>
+                </a:stretch>
+              </p:blipFill>
+              <p:spPr>
+                <a:xfrm>
+                  <a:off x="10908840" y="1371409"/>
+                  <a:ext cx="28080" cy="523800"/>
+                </a:xfrm>
+                <a:prstGeom prst="rect">
+                  <a:avLst/>
+                </a:prstGeom>
+              </p:spPr>
+            </p:pic>
+          </mc:Fallback>
+        </mc:AlternateContent>
+        <mc:AlternateContent xmlns:mc="http://schemas.openxmlformats.org/markup-compatibility/2006" xmlns:p14="http://schemas.microsoft.com/office/powerpoint/2010/main">
+          <mc:Choice Requires="p14">
+            <p:contentPart p14:bwMode="auto" r:id="rId50">
+              <p14:nvContentPartPr>
+                <p14:cNvPr id="30" name="잉크 29">
+                  <a:extLst>
+                    <a:ext uri="{FF2B5EF4-FFF2-40B4-BE49-F238E27FC236}">
+                      <a16:creationId xmlns:a16="http://schemas.microsoft.com/office/drawing/2014/main" id="{01751331-3DFE-4F9E-ADB6-042D09677BA1}"/>
+                    </a:ext>
+                  </a:extLst>
+                </p14:cNvPr>
+                <p14:cNvContentPartPr/>
+                <p14:nvPr/>
+              </p14:nvContentPartPr>
+              <p14:xfrm>
+                <a:off x="10147080" y="716569"/>
+                <a:ext cx="117360" cy="576000"/>
+              </p14:xfrm>
+            </p:contentPart>
+          </mc:Choice>
+          <mc:Fallback xmlns="">
+            <p:pic>
+              <p:nvPicPr>
+                <p:cNvPr id="30" name="잉크 29">
+                  <a:extLst>
+                    <a:ext uri="{FF2B5EF4-FFF2-40B4-BE49-F238E27FC236}">
+                      <a16:creationId xmlns:a16="http://schemas.microsoft.com/office/drawing/2014/main" id="{01751331-3DFE-4F9E-ADB6-042D09677BA1}"/>
+                    </a:ext>
+                  </a:extLst>
+                </p:cNvPr>
+                <p:cNvPicPr/>
+                <p:nvPr/>
+              </p:nvPicPr>
+              <p:blipFill>
+                <a:blip r:embed="rId51"/>
+                <a:stretch>
+                  <a:fillRect/>
+                </a:stretch>
+              </p:blipFill>
+              <p:spPr>
+                <a:xfrm>
+                  <a:off x="10138080" y="707929"/>
+                  <a:ext cx="135000" cy="593640"/>
+                </a:xfrm>
+                <a:prstGeom prst="rect">
+                  <a:avLst/>
+                </a:prstGeom>
+              </p:spPr>
+            </p:pic>
+          </mc:Fallback>
+        </mc:AlternateContent>
+        <mc:AlternateContent xmlns:mc="http://schemas.openxmlformats.org/markup-compatibility/2006" xmlns:p14="http://schemas.microsoft.com/office/powerpoint/2010/main">
+          <mc:Choice Requires="p14">
+            <p:contentPart p14:bwMode="auto" r:id="rId52">
+              <p14:nvContentPartPr>
+                <p14:cNvPr id="32" name="잉크 31">
+                  <a:extLst>
+                    <a:ext uri="{FF2B5EF4-FFF2-40B4-BE49-F238E27FC236}">
+                      <a16:creationId xmlns:a16="http://schemas.microsoft.com/office/drawing/2014/main" id="{C6267127-77D2-45F9-B575-E498DE1ECF49}"/>
+                    </a:ext>
+                  </a:extLst>
+                </p14:cNvPr>
+                <p14:cNvContentPartPr/>
+                <p14:nvPr/>
+              </p14:nvContentPartPr>
+              <p14:xfrm>
+                <a:off x="10596360" y="627289"/>
+                <a:ext cx="134280" cy="525960"/>
+              </p14:xfrm>
+            </p:contentPart>
+          </mc:Choice>
+          <mc:Fallback xmlns="">
+            <p:pic>
+              <p:nvPicPr>
+                <p:cNvPr id="32" name="잉크 31">
+                  <a:extLst>
+                    <a:ext uri="{FF2B5EF4-FFF2-40B4-BE49-F238E27FC236}">
+                      <a16:creationId xmlns:a16="http://schemas.microsoft.com/office/drawing/2014/main" id="{C6267127-77D2-45F9-B575-E498DE1ECF49}"/>
+                    </a:ext>
+                  </a:extLst>
+                </p:cNvPr>
+                <p:cNvPicPr/>
+                <p:nvPr/>
+              </p:nvPicPr>
+              <p:blipFill>
+                <a:blip r:embed="rId53"/>
+                <a:stretch>
+                  <a:fillRect/>
+                </a:stretch>
+              </p:blipFill>
+              <p:spPr>
+                <a:xfrm>
+                  <a:off x="10587360" y="618649"/>
+                  <a:ext cx="151920" cy="543600"/>
+                </a:xfrm>
+                <a:prstGeom prst="rect">
+                  <a:avLst/>
+                </a:prstGeom>
+              </p:spPr>
+            </p:pic>
+          </mc:Fallback>
+        </mc:AlternateContent>
+        <mc:AlternateContent xmlns:mc="http://schemas.openxmlformats.org/markup-compatibility/2006" xmlns:p14="http://schemas.microsoft.com/office/powerpoint/2010/main">
+          <mc:Choice Requires="p14">
+            <p:contentPart p14:bwMode="auto" r:id="rId54">
+              <p14:nvContentPartPr>
+                <p14:cNvPr id="34" name="잉크 33">
+                  <a:extLst>
+                    <a:ext uri="{FF2B5EF4-FFF2-40B4-BE49-F238E27FC236}">
+                      <a16:creationId xmlns:a16="http://schemas.microsoft.com/office/drawing/2014/main" id="{1FFDD34F-9E70-4925-A976-147460E06D6D}"/>
+                    </a:ext>
+                  </a:extLst>
+                </p14:cNvPr>
+                <p14:cNvContentPartPr/>
+                <p14:nvPr/>
+              </p14:nvContentPartPr>
+              <p14:xfrm>
+                <a:off x="10702560" y="1316689"/>
+                <a:ext cx="459720" cy="639360"/>
+              </p14:xfrm>
+            </p:contentPart>
+          </mc:Choice>
+          <mc:Fallback xmlns="">
+            <p:pic>
+              <p:nvPicPr>
+                <p:cNvPr id="34" name="잉크 33">
+                  <a:extLst>
+                    <a:ext uri="{FF2B5EF4-FFF2-40B4-BE49-F238E27FC236}">
+                      <a16:creationId xmlns:a16="http://schemas.microsoft.com/office/drawing/2014/main" id="{1FFDD34F-9E70-4925-A976-147460E06D6D}"/>
+                    </a:ext>
+                  </a:extLst>
+                </p:cNvPr>
+                <p:cNvPicPr/>
+                <p:nvPr/>
+              </p:nvPicPr>
+              <p:blipFill>
+                <a:blip r:embed="rId55"/>
+                <a:stretch>
+                  <a:fillRect/>
+                </a:stretch>
+              </p:blipFill>
+              <p:spPr>
+                <a:xfrm>
+                  <a:off x="10693920" y="1308049"/>
+                  <a:ext cx="477360" cy="657000"/>
+                </a:xfrm>
+                <a:prstGeom prst="rect">
+                  <a:avLst/>
+                </a:prstGeom>
+              </p:spPr>
+            </p:pic>
+          </mc:Fallback>
+        </mc:AlternateContent>
+      </p:grpSp>
+      <mc:AlternateContent xmlns:mc="http://schemas.openxmlformats.org/markup-compatibility/2006" xmlns:p14="http://schemas.microsoft.com/office/powerpoint/2010/main">
+        <mc:Choice Requires="p14">
+          <p:contentPart p14:bwMode="auto" r:id="rId56">
+            <p14:nvContentPartPr>
+              <p14:cNvPr id="37" name="잉크 36">
+                <a:extLst>
+                  <a:ext uri="{FF2B5EF4-FFF2-40B4-BE49-F238E27FC236}">
+                    <a16:creationId xmlns:a16="http://schemas.microsoft.com/office/drawing/2014/main" id="{BB7870C4-0CD8-4F77-861C-7BAE08D1E5A2}"/>
+                  </a:ext>
+                </a:extLst>
+              </p14:cNvPr>
+              <p14:cNvContentPartPr/>
+              <p14:nvPr/>
+            </p14:nvContentPartPr>
+            <p14:xfrm>
+              <a:off x="6821760" y="6341209"/>
+              <a:ext cx="671760" cy="59400"/>
+            </p14:xfrm>
+          </p:contentPart>
+        </mc:Choice>
+        <mc:Fallback xmlns="">
+          <p:pic>
+            <p:nvPicPr>
+              <p:cNvPr id="37" name="잉크 36">
+                <a:extLst>
+                  <a:ext uri="{FF2B5EF4-FFF2-40B4-BE49-F238E27FC236}">
+                    <a16:creationId xmlns:a16="http://schemas.microsoft.com/office/drawing/2014/main" id="{BB7870C4-0CD8-4F77-861C-7BAE08D1E5A2}"/>
+                  </a:ext>
+                </a:extLst>
+              </p:cNvPr>
+              <p:cNvPicPr/>
+              <p:nvPr/>
+            </p:nvPicPr>
+            <p:blipFill>
+              <a:blip r:embed="rId57"/>
+              <a:stretch>
+                <a:fillRect/>
+              </a:stretch>
+            </p:blipFill>
+            <p:spPr>
+              <a:xfrm>
+                <a:off x="6812760" y="6332569"/>
+                <a:ext cx="689400" cy="77040"/>
+              </a:xfrm>
+              <a:prstGeom prst="rect">
+                <a:avLst/>
+              </a:prstGeom>
+            </p:spPr>
+          </p:pic>
+        </mc:Fallback>
+      </mc:AlternateContent>
+      <mc:AlternateContent xmlns:mc="http://schemas.openxmlformats.org/markup-compatibility/2006" xmlns:p14="http://schemas.microsoft.com/office/powerpoint/2010/main">
+        <mc:Choice Requires="p14">
+          <p:contentPart p14:bwMode="auto" r:id="rId58">
+            <p14:nvContentPartPr>
+              <p14:cNvPr id="40" name="잉크 39">
+                <a:extLst>
+                  <a:ext uri="{FF2B5EF4-FFF2-40B4-BE49-F238E27FC236}">
+                    <a16:creationId xmlns:a16="http://schemas.microsoft.com/office/drawing/2014/main" id="{E33226D0-D17B-41E4-81EB-E05AA4AF57E6}"/>
+                  </a:ext>
+                </a:extLst>
+              </p14:cNvPr>
+              <p14:cNvContentPartPr/>
+              <p14:nvPr/>
+            </p14:nvContentPartPr>
+            <p14:xfrm>
+              <a:off x="8255280" y="3415129"/>
+              <a:ext cx="170640" cy="458280"/>
+            </p14:xfrm>
+          </p:contentPart>
+        </mc:Choice>
+        <mc:Fallback xmlns="">
+          <p:pic>
+            <p:nvPicPr>
+              <p:cNvPr id="40" name="잉크 39">
+                <a:extLst>
+                  <a:ext uri="{FF2B5EF4-FFF2-40B4-BE49-F238E27FC236}">
+                    <a16:creationId xmlns:a16="http://schemas.microsoft.com/office/drawing/2014/main" id="{E33226D0-D17B-41E4-81EB-E05AA4AF57E6}"/>
+                  </a:ext>
+                </a:extLst>
+              </p:cNvPr>
+              <p:cNvPicPr/>
+              <p:nvPr/>
+            </p:nvPicPr>
+            <p:blipFill>
+              <a:blip r:embed="rId59"/>
+              <a:stretch>
+                <a:fillRect/>
+              </a:stretch>
+            </p:blipFill>
+            <p:spPr>
+              <a:xfrm>
+                <a:off x="8246280" y="3406129"/>
+                <a:ext cx="188280" cy="475920"/>
+              </a:xfrm>
+              <a:prstGeom prst="rect">
+                <a:avLst/>
+              </a:prstGeom>
+            </p:spPr>
+          </p:pic>
+        </mc:Fallback>
+      </mc:AlternateContent>
+      <mc:AlternateContent xmlns:mc="http://schemas.openxmlformats.org/markup-compatibility/2006" xmlns:p14="http://schemas.microsoft.com/office/powerpoint/2010/main">
+        <mc:Choice Requires="p14">
+          <p:contentPart p14:bwMode="auto" r:id="rId60">
+            <p14:nvContentPartPr>
+              <p14:cNvPr id="41" name="잉크 40">
+                <a:extLst>
+                  <a:ext uri="{FF2B5EF4-FFF2-40B4-BE49-F238E27FC236}">
+                    <a16:creationId xmlns:a16="http://schemas.microsoft.com/office/drawing/2014/main" id="{A3FB5701-ED0C-4AFC-BC8E-909C27D6FCB0}"/>
+                  </a:ext>
+                </a:extLst>
+              </p14:cNvPr>
+              <p14:cNvContentPartPr/>
+              <p14:nvPr/>
+            </p14:nvContentPartPr>
+            <p14:xfrm>
+              <a:off x="9830280" y="3370489"/>
+              <a:ext cx="86040" cy="390960"/>
+            </p14:xfrm>
+          </p:contentPart>
+        </mc:Choice>
+        <mc:Fallback xmlns="">
+          <p:pic>
+            <p:nvPicPr>
+              <p:cNvPr id="41" name="잉크 40">
+                <a:extLst>
+                  <a:ext uri="{FF2B5EF4-FFF2-40B4-BE49-F238E27FC236}">
+                    <a16:creationId xmlns:a16="http://schemas.microsoft.com/office/drawing/2014/main" id="{A3FB5701-ED0C-4AFC-BC8E-909C27D6FCB0}"/>
+                  </a:ext>
+                </a:extLst>
+              </p:cNvPr>
+              <p:cNvPicPr/>
+              <p:nvPr/>
+            </p:nvPicPr>
+            <p:blipFill>
+              <a:blip r:embed="rId61"/>
+              <a:stretch>
+                <a:fillRect/>
+              </a:stretch>
+            </p:blipFill>
+            <p:spPr>
+              <a:xfrm>
+                <a:off x="9821280" y="3361849"/>
+                <a:ext cx="103680" cy="408600"/>
+              </a:xfrm>
+              <a:prstGeom prst="rect">
+                <a:avLst/>
+              </a:prstGeom>
+            </p:spPr>
+          </p:pic>
+        </mc:Fallback>
+      </mc:AlternateContent>
+      <p:grpSp>
+        <p:nvGrpSpPr>
+          <p:cNvPr id="43" name="그룹 42">
+            <a:extLst>
+              <a:ext uri="{FF2B5EF4-FFF2-40B4-BE49-F238E27FC236}">
+                <a16:creationId xmlns:a16="http://schemas.microsoft.com/office/drawing/2014/main" id="{11A3A0E6-09DC-4447-AB53-91749592DBD1}"/>
+              </a:ext>
+            </a:extLst>
+          </p:cNvPr>
+          <p:cNvGrpSpPr/>
+          <p:nvPr/>
+        </p:nvGrpSpPr>
+        <p:grpSpPr>
+          <a:xfrm>
+            <a:off x="3047520" y="4211089"/>
+            <a:ext cx="3407400" cy="415080"/>
+            <a:chOff x="3047520" y="4211089"/>
+            <a:chExt cx="3407400" cy="415080"/>
+          </a:xfrm>
+        </p:grpSpPr>
+        <mc:AlternateContent xmlns:mc="http://schemas.openxmlformats.org/markup-compatibility/2006" xmlns:p14="http://schemas.microsoft.com/office/powerpoint/2010/main">
+          <mc:Choice Requires="p14">
+            <p:contentPart p14:bwMode="auto" r:id="rId62">
+              <p14:nvContentPartPr>
+                <p14:cNvPr id="38" name="잉크 37">
+                  <a:extLst>
+                    <a:ext uri="{FF2B5EF4-FFF2-40B4-BE49-F238E27FC236}">
+                      <a16:creationId xmlns:a16="http://schemas.microsoft.com/office/drawing/2014/main" id="{2A4147A3-FB31-43D4-B7F0-2FF4B736EE1B}"/>
+                    </a:ext>
+                  </a:extLst>
+                </p14:cNvPr>
+                <p14:cNvContentPartPr/>
+                <p14:nvPr/>
+              </p14:nvContentPartPr>
+              <p14:xfrm>
+                <a:off x="4355400" y="4211089"/>
+                <a:ext cx="272520" cy="388440"/>
+              </p14:xfrm>
+            </p:contentPart>
+          </mc:Choice>
+          <mc:Fallback xmlns="">
+            <p:pic>
+              <p:nvPicPr>
+                <p:cNvPr id="38" name="잉크 37">
+                  <a:extLst>
+                    <a:ext uri="{FF2B5EF4-FFF2-40B4-BE49-F238E27FC236}">
+                      <a16:creationId xmlns:a16="http://schemas.microsoft.com/office/drawing/2014/main" id="{2A4147A3-FB31-43D4-B7F0-2FF4B736EE1B}"/>
+                    </a:ext>
+                  </a:extLst>
+                </p:cNvPr>
+                <p:cNvPicPr/>
+                <p:nvPr/>
+              </p:nvPicPr>
+              <p:blipFill>
+                <a:blip r:embed="rId63"/>
+                <a:stretch>
+                  <a:fillRect/>
+                </a:stretch>
+              </p:blipFill>
+              <p:spPr>
+                <a:xfrm>
+                  <a:off x="4346400" y="4202089"/>
+                  <a:ext cx="290160" cy="406080"/>
+                </a:xfrm>
+                <a:prstGeom prst="rect">
+                  <a:avLst/>
+                </a:prstGeom>
+              </p:spPr>
+            </p:pic>
+          </mc:Fallback>
+        </mc:AlternateContent>
+        <mc:AlternateContent xmlns:mc="http://schemas.openxmlformats.org/markup-compatibility/2006" xmlns:p14="http://schemas.microsoft.com/office/powerpoint/2010/main">
+          <mc:Choice Requires="p14">
+            <p:contentPart p14:bwMode="auto" r:id="rId64">
+              <p14:nvContentPartPr>
+                <p14:cNvPr id="39" name="잉크 38">
+                  <a:extLst>
+                    <a:ext uri="{FF2B5EF4-FFF2-40B4-BE49-F238E27FC236}">
+                      <a16:creationId xmlns:a16="http://schemas.microsoft.com/office/drawing/2014/main" id="{BFCD6685-B259-449C-8979-58D1AD2D3BF4}"/>
+                    </a:ext>
+                  </a:extLst>
+                </p14:cNvPr>
+                <p14:cNvContentPartPr/>
+                <p14:nvPr/>
+              </p14:nvContentPartPr>
+              <p14:xfrm>
+                <a:off x="6337200" y="4264009"/>
+                <a:ext cx="117720" cy="280440"/>
+              </p14:xfrm>
+            </p:contentPart>
+          </mc:Choice>
+          <mc:Fallback xmlns="">
+            <p:pic>
+              <p:nvPicPr>
+                <p:cNvPr id="39" name="잉크 38">
+                  <a:extLst>
+                    <a:ext uri="{FF2B5EF4-FFF2-40B4-BE49-F238E27FC236}">
+                      <a16:creationId xmlns:a16="http://schemas.microsoft.com/office/drawing/2014/main" id="{BFCD6685-B259-449C-8979-58D1AD2D3BF4}"/>
+                    </a:ext>
+                  </a:extLst>
+                </p:cNvPr>
+                <p:cNvPicPr/>
+                <p:nvPr/>
+              </p:nvPicPr>
+              <p:blipFill>
+                <a:blip r:embed="rId65"/>
+                <a:stretch>
+                  <a:fillRect/>
+                </a:stretch>
+              </p:blipFill>
+              <p:spPr>
+                <a:xfrm>
+                  <a:off x="6328200" y="4255369"/>
+                  <a:ext cx="135360" cy="298080"/>
+                </a:xfrm>
+                <a:prstGeom prst="rect">
+                  <a:avLst/>
+                </a:prstGeom>
+              </p:spPr>
+            </p:pic>
+          </mc:Fallback>
+        </mc:AlternateContent>
+        <mc:AlternateContent xmlns:mc="http://schemas.openxmlformats.org/markup-compatibility/2006" xmlns:p14="http://schemas.microsoft.com/office/powerpoint/2010/main">
+          <mc:Choice Requires="p14">
+            <p:contentPart p14:bwMode="auto" r:id="rId66">
+              <p14:nvContentPartPr>
+                <p14:cNvPr id="42" name="잉크 41">
+                  <a:extLst>
+                    <a:ext uri="{FF2B5EF4-FFF2-40B4-BE49-F238E27FC236}">
+                      <a16:creationId xmlns:a16="http://schemas.microsoft.com/office/drawing/2014/main" id="{40D1597D-BB09-413F-8F2F-B7D34FFE2D96}"/>
+                    </a:ext>
+                  </a:extLst>
+                </p14:cNvPr>
+                <p14:cNvContentPartPr/>
+                <p14:nvPr/>
+              </p14:nvContentPartPr>
+              <p14:xfrm>
+                <a:off x="3047520" y="4562449"/>
+                <a:ext cx="3387960" cy="63720"/>
+              </p14:xfrm>
+            </p:contentPart>
+          </mc:Choice>
+          <mc:Fallback xmlns="">
+            <p:pic>
+              <p:nvPicPr>
+                <p:cNvPr id="42" name="잉크 41">
+                  <a:extLst>
+                    <a:ext uri="{FF2B5EF4-FFF2-40B4-BE49-F238E27FC236}">
+                      <a16:creationId xmlns:a16="http://schemas.microsoft.com/office/drawing/2014/main" id="{40D1597D-BB09-413F-8F2F-B7D34FFE2D96}"/>
+                    </a:ext>
+                  </a:extLst>
+                </p:cNvPr>
+                <p:cNvPicPr/>
+                <p:nvPr/>
+              </p:nvPicPr>
+              <p:blipFill>
+                <a:blip r:embed="rId67"/>
+                <a:stretch>
+                  <a:fillRect/>
+                </a:stretch>
+              </p:blipFill>
+              <p:spPr>
+                <a:xfrm>
+                  <a:off x="3038880" y="4553449"/>
+                  <a:ext cx="3405600" cy="81360"/>
+                </a:xfrm>
+                <a:prstGeom prst="rect">
+                  <a:avLst/>
+                </a:prstGeom>
+              </p:spPr>
+            </p:pic>
+          </mc:Fallback>
+        </mc:AlternateContent>
+      </p:grpSp>
+      <mc:AlternateContent xmlns:mc="http://schemas.openxmlformats.org/markup-compatibility/2006" xmlns:p14="http://schemas.microsoft.com/office/powerpoint/2010/main">
+        <mc:Choice Requires="p14">
+          <p:contentPart p14:bwMode="auto" r:id="rId68">
+            <p14:nvContentPartPr>
+              <p14:cNvPr id="44" name="잉크 43">
+                <a:extLst>
+                  <a:ext uri="{FF2B5EF4-FFF2-40B4-BE49-F238E27FC236}">
+                    <a16:creationId xmlns:a16="http://schemas.microsoft.com/office/drawing/2014/main" id="{9EBA2B9D-2348-4F47-9070-EE66DD06CA79}"/>
+                  </a:ext>
+                </a:extLst>
+              </p14:cNvPr>
+              <p14:cNvContentPartPr/>
+              <p14:nvPr/>
+            </p14:nvContentPartPr>
+            <p14:xfrm>
+              <a:off x="4983960" y="2715649"/>
+              <a:ext cx="1505520" cy="36720"/>
+            </p14:xfrm>
+          </p:contentPart>
+        </mc:Choice>
+        <mc:Fallback xmlns="">
+          <p:pic>
+            <p:nvPicPr>
+              <p:cNvPr id="44" name="잉크 43">
+                <a:extLst>
+                  <a:ext uri="{FF2B5EF4-FFF2-40B4-BE49-F238E27FC236}">
+                    <a16:creationId xmlns:a16="http://schemas.microsoft.com/office/drawing/2014/main" id="{9EBA2B9D-2348-4F47-9070-EE66DD06CA79}"/>
+                  </a:ext>
+                </a:extLst>
+              </p:cNvPr>
+              <p:cNvPicPr/>
+              <p:nvPr/>
+            </p:nvPicPr>
+            <p:blipFill>
+              <a:blip r:embed="rId69"/>
+              <a:stretch>
+                <a:fillRect/>
+              </a:stretch>
+            </p:blipFill>
+            <p:spPr>
+              <a:xfrm>
+                <a:off x="4975320" y="2707009"/>
+                <a:ext cx="1523160" cy="54360"/>
+              </a:xfrm>
+              <a:prstGeom prst="rect">
+                <a:avLst/>
+              </a:prstGeom>
+            </p:spPr>
+          </p:pic>
+        </mc:Fallback>
+      </mc:AlternateContent>
+      <mc:AlternateContent xmlns:mc="http://schemas.openxmlformats.org/markup-compatibility/2006" xmlns:p14="http://schemas.microsoft.com/office/powerpoint/2010/main">
+        <mc:Choice Requires="p14">
+          <p:contentPart p14:bwMode="auto" r:id="rId70">
+            <p14:nvContentPartPr>
+              <p14:cNvPr id="45" name="잉크 44">
+                <a:extLst>
+                  <a:ext uri="{FF2B5EF4-FFF2-40B4-BE49-F238E27FC236}">
+                    <a16:creationId xmlns:a16="http://schemas.microsoft.com/office/drawing/2014/main" id="{CE6D44EF-9B5E-4581-AEB8-E42D9A867FEB}"/>
+                  </a:ext>
+                </a:extLst>
+              </p14:cNvPr>
+              <p14:cNvContentPartPr/>
+              <p14:nvPr/>
+            </p14:nvContentPartPr>
+            <p14:xfrm>
+              <a:off x="5360520" y="3209209"/>
+              <a:ext cx="1058400" cy="9720"/>
+            </p14:xfrm>
+          </p:contentPart>
+        </mc:Choice>
+        <mc:Fallback xmlns="">
+          <p:pic>
+            <p:nvPicPr>
+              <p:cNvPr id="45" name="잉크 44">
+                <a:extLst>
+                  <a:ext uri="{FF2B5EF4-FFF2-40B4-BE49-F238E27FC236}">
+                    <a16:creationId xmlns:a16="http://schemas.microsoft.com/office/drawing/2014/main" id="{CE6D44EF-9B5E-4581-AEB8-E42D9A867FEB}"/>
+                  </a:ext>
+                </a:extLst>
+              </p:cNvPr>
+              <p:cNvPicPr/>
+              <p:nvPr/>
+            </p:nvPicPr>
+            <p:blipFill>
+              <a:blip r:embed="rId71"/>
+              <a:stretch>
+                <a:fillRect/>
+              </a:stretch>
+            </p:blipFill>
+            <p:spPr>
+              <a:xfrm>
+                <a:off x="5351520" y="3200209"/>
+                <a:ext cx="1076040" cy="27360"/>
+              </a:xfrm>
+              <a:prstGeom prst="rect">
+                <a:avLst/>
+              </a:prstGeom>
+            </p:spPr>
+          </p:pic>
+        </mc:Fallback>
+      </mc:AlternateContent>
+    </p:spTree>
+    <p:extLst>
+      <p:ext uri="{BB962C8B-B14F-4D97-AF65-F5344CB8AC3E}">
+        <p14:creationId xmlns:p14="http://schemas.microsoft.com/office/powerpoint/2010/main" val="1959085441"/>
+      </p:ext>
+    </p:extLst>
+  </p:cSld>
+  <p:clrMapOvr>
+    <a:masterClrMapping/>
+  </p:clrMapOvr>
+  <mc:AlternateContent xmlns:mc="http://schemas.openxmlformats.org/markup-compatibility/2006" xmlns:p159="http://schemas.microsoft.com/office/powerpoint/2015/09/main">
+    <mc:Choice Requires="p159">
+      <p:transition xmlns:p14="http://schemas.microsoft.com/office/powerpoint/2010/main" spd="slow" p14:dur="2000">
+        <p159:morph option="byObject"/>
+      </p:transition>
+    </mc:Choice>
+    <mc:Fallback xmlns="">
+      <p:transition spd="slow">
+        <p:fade/>
+      </p:transition>
+    </mc:Fallback>
+  </mc:AlternateContent>
+</p:sld>
+</file>
+
+<file path=ppt/slides/slide26.xml><?xml version="1.0" encoding="utf-8"?>
+<p:sld xmlns:a="http://schemas.openxmlformats.org/drawingml/2006/main" xmlns:r="http://schemas.openxmlformats.org/officeDocument/2006/relationships" xmlns:p="http://schemas.openxmlformats.org/presentationml/2006/main">
+  <p:cSld>
+    <p:spTree>
+      <p:nvGrpSpPr>
+        <p:cNvPr id="1" name=""/>
+        <p:cNvGrpSpPr/>
+        <p:nvPr/>
+      </p:nvGrpSpPr>
+      <p:grpSpPr>
+        <a:xfrm>
+          <a:off x="0" y="0"/>
+          <a:ext cx="0" cy="0"/>
+          <a:chOff x="0" y="0"/>
+          <a:chExt cx="0" cy="0"/>
+        </a:xfrm>
+      </p:grpSpPr>
+      <p:sp>
+        <p:nvSpPr>
+          <p:cNvPr id="2" name="제목 1">
+            <a:extLst>
+              <a:ext uri="{FF2B5EF4-FFF2-40B4-BE49-F238E27FC236}">
+                <a16:creationId xmlns:a16="http://schemas.microsoft.com/office/drawing/2014/main" id="{F2E2FB63-6951-4115-AD60-D6F9C2DEE8FA}"/>
+              </a:ext>
+            </a:extLst>
+          </p:cNvPr>
+          <p:cNvSpPr>
+            <a:spLocks noGrp="1"/>
+          </p:cNvSpPr>
+          <p:nvPr>
+            <p:ph type="title"/>
+          </p:nvPr>
+        </p:nvSpPr>
+        <p:spPr/>
+        <p:txBody>
+          <a:bodyPr/>
+          <a:lstStyle/>
+          <a:p>
+            <a:r>
+              <a:rPr lang="en-US" altLang="ko-KR" dirty="0"/>
+              <a:t>Lambda </a:t>
+            </a:r>
+            <a:r>
+              <a:rPr lang="ko-KR" altLang="en-US" dirty="0"/>
+              <a:t>함수</a:t>
+            </a:r>
+          </a:p>
+        </p:txBody>
+      </p:sp>
+      <p:sp>
+        <p:nvSpPr>
+          <p:cNvPr id="3" name="내용 개체 틀 2">
+            <a:extLst>
+              <a:ext uri="{FF2B5EF4-FFF2-40B4-BE49-F238E27FC236}">
+                <a16:creationId xmlns:a16="http://schemas.microsoft.com/office/drawing/2014/main" id="{15D6A564-5F29-4510-9DD4-DFF4ABD0723A}"/>
+              </a:ext>
+            </a:extLst>
+          </p:cNvPr>
+          <p:cNvSpPr>
+            <a:spLocks noGrp="1"/>
+          </p:cNvSpPr>
+          <p:nvPr>
+            <p:ph idx="1"/>
+          </p:nvPr>
+        </p:nvSpPr>
+        <p:spPr/>
+        <p:txBody>
+          <a:bodyPr/>
+          <a:lstStyle/>
+          <a:p>
+            <a:r>
+              <a:rPr lang="ko-KR" altLang="en-US" dirty="0"/>
+              <a:t>이름 없는 한 </a:t>
+            </a:r>
+            <a:r>
+              <a:rPr lang="ko-KR" altLang="en-US" dirty="0" err="1"/>
+              <a:t>줄짜리</a:t>
+            </a:r>
+            <a:r>
+              <a:rPr lang="ko-KR" altLang="en-US" dirty="0"/>
+              <a:t> 익명 함수</a:t>
+            </a:r>
+            <a:r>
+              <a:rPr lang="en-US" altLang="ko-KR" dirty="0"/>
+              <a:t>. </a:t>
+            </a:r>
+            <a:r>
+              <a:rPr lang="ko-KR" altLang="en-US" dirty="0"/>
+              <a:t>주로 값을 바로 반환하는 데 쓰임</a:t>
+            </a:r>
+            <a:r>
+              <a:rPr lang="en-US" altLang="ko-KR" dirty="0"/>
+              <a:t>. Map</a:t>
+            </a:r>
+            <a:r>
+              <a:rPr lang="ko-KR" altLang="en-US" dirty="0"/>
+              <a:t>이나 </a:t>
+            </a:r>
+            <a:r>
+              <a:rPr lang="en-US" altLang="ko-KR" dirty="0"/>
+              <a:t>sort </a:t>
+            </a:r>
+            <a:r>
+              <a:rPr lang="ko-KR" altLang="en-US" dirty="0"/>
+              <a:t>등에서 자주 쓰임</a:t>
+            </a:r>
+            <a:endParaRPr lang="en-US" altLang="ko-KR" dirty="0"/>
+          </a:p>
+          <a:p>
+            <a:r>
+              <a:rPr lang="ko-KR" altLang="en-US" dirty="0">
+                <a:hlinkClick r:id="rId2"/>
+              </a:rPr>
+              <a:t>참고</a:t>
+            </a:r>
+            <a:endParaRPr lang="en-US" altLang="ko-KR" dirty="0"/>
+          </a:p>
+          <a:p>
+            <a:r>
+              <a:rPr lang="en-US" altLang="ko-KR" dirty="0"/>
+              <a:t>list(map(lambda x: x ** 2, range(5)))</a:t>
+            </a:r>
+          </a:p>
+          <a:p>
+            <a:pPr lvl="1"/>
+            <a:r>
+              <a:rPr lang="en-US" altLang="ko-KR" dirty="0"/>
+              <a:t>Map </a:t>
+            </a:r>
+            <a:r>
+              <a:rPr lang="ko-KR" altLang="en-US" dirty="0"/>
+              <a:t>함수는 첫 번째 함수를 두 번째 </a:t>
+            </a:r>
+            <a:r>
+              <a:rPr lang="ko-KR" altLang="en-US" dirty="0" err="1"/>
+              <a:t>이터러블</a:t>
+            </a:r>
+            <a:r>
+              <a:rPr lang="ko-KR" altLang="en-US" dirty="0"/>
+              <a:t> 객체 각 요소에 적용한 값을 </a:t>
+            </a:r>
+            <a:r>
+              <a:rPr lang="en-US" altLang="ko-KR" dirty="0"/>
+              <a:t>map </a:t>
+            </a:r>
+            <a:r>
+              <a:rPr lang="ko-KR" altLang="en-US" dirty="0"/>
+              <a:t>객체에 담아 돌려주는 역할을 하는 함수임</a:t>
+            </a:r>
+            <a:endParaRPr lang="en-US" altLang="ko-KR" dirty="0"/>
+          </a:p>
+          <a:p>
+            <a:pPr lvl="1"/>
+            <a:r>
+              <a:rPr lang="ko-KR" altLang="en-US" dirty="0"/>
+              <a:t>여기서 첫 번째 함수인 </a:t>
+            </a:r>
+            <a:r>
+              <a:rPr lang="en-US" altLang="ko-KR" dirty="0"/>
+              <a:t>lambda </a:t>
+            </a:r>
+            <a:r>
+              <a:rPr lang="ko-KR" altLang="en-US" dirty="0"/>
+              <a:t>함수는 원소를 하나 받아 제곱을 해서 돌려주는 함수이므로</a:t>
+            </a:r>
+            <a:r>
+              <a:rPr lang="en-US" altLang="ko-KR" dirty="0"/>
+              <a:t>, [0, 1, 2, 3, 4]</a:t>
+            </a:r>
+            <a:r>
+              <a:rPr lang="ko-KR" altLang="en-US" dirty="0"/>
+              <a:t>에 적용되어 </a:t>
+            </a:r>
+            <a:r>
+              <a:rPr lang="en-US" altLang="ko-KR" dirty="0"/>
+              <a:t>[0, 1, 4, 9, 16] </a:t>
+            </a:r>
+            <a:r>
+              <a:rPr lang="ko-KR" altLang="en-US" dirty="0"/>
+              <a:t>반환</a:t>
+            </a:r>
+            <a:endParaRPr lang="en-US" altLang="ko-KR" dirty="0"/>
+          </a:p>
+          <a:p>
+            <a:pPr lvl="1"/>
+            <a:endParaRPr lang="en-US" altLang="ko-KR" dirty="0"/>
+          </a:p>
+          <a:p>
+            <a:pPr lvl="1"/>
+            <a:endParaRPr lang="ko-KR" altLang="en-US" dirty="0"/>
+          </a:p>
+        </p:txBody>
+      </p:sp>
+      <mc:AlternateContent xmlns:mc="http://schemas.openxmlformats.org/markup-compatibility/2006" xmlns:p14="http://schemas.microsoft.com/office/powerpoint/2010/main">
+        <mc:Choice Requires="p14">
+          <p:contentPart p14:bwMode="auto" r:id="rId3">
+            <p14:nvContentPartPr>
+              <p14:cNvPr id="4" name="잉크 3">
+                <a:extLst>
+                  <a:ext uri="{FF2B5EF4-FFF2-40B4-BE49-F238E27FC236}">
+                    <a16:creationId xmlns:a16="http://schemas.microsoft.com/office/drawing/2014/main" id="{E449F303-70C0-4EA4-930F-C9C77FEF4578}"/>
+                  </a:ext>
+                </a:extLst>
+              </p14:cNvPr>
+              <p14:cNvContentPartPr/>
+              <p14:nvPr/>
+            </p14:nvContentPartPr>
+            <p14:xfrm>
+              <a:off x="715800" y="185569"/>
+              <a:ext cx="3742560" cy="1244880"/>
+            </p14:xfrm>
+          </p:contentPart>
+        </mc:Choice>
+        <mc:Fallback xmlns="">
+          <p:pic>
+            <p:nvPicPr>
+              <p:cNvPr id="4" name="잉크 3">
+                <a:extLst>
+                  <a:ext uri="{FF2B5EF4-FFF2-40B4-BE49-F238E27FC236}">
+                    <a16:creationId xmlns:a16="http://schemas.microsoft.com/office/drawing/2014/main" id="{E449F303-70C0-4EA4-930F-C9C77FEF4578}"/>
+                  </a:ext>
+                </a:extLst>
+              </p:cNvPr>
+              <p:cNvPicPr/>
+              <p:nvPr/>
+            </p:nvPicPr>
+            <p:blipFill>
+              <a:blip r:embed="rId4"/>
+              <a:stretch>
+                <a:fillRect/>
+              </a:stretch>
+            </p:blipFill>
+            <p:spPr>
+              <a:xfrm>
+                <a:off x="706800" y="176569"/>
+                <a:ext cx="3760200" cy="1262520"/>
+              </a:xfrm>
+              <a:prstGeom prst="rect">
+                <a:avLst/>
+              </a:prstGeom>
+            </p:spPr>
+          </p:pic>
+        </mc:Fallback>
+      </mc:AlternateContent>
+      <mc:AlternateContent xmlns:mc="http://schemas.openxmlformats.org/markup-compatibility/2006" xmlns:p14="http://schemas.microsoft.com/office/powerpoint/2010/main">
+        <mc:Choice Requires="p14">
+          <p:contentPart p14:bwMode="auto" r:id="rId5">
+            <p14:nvContentPartPr>
+              <p14:cNvPr id="5" name="잉크 4">
+                <a:extLst>
+                  <a:ext uri="{FF2B5EF4-FFF2-40B4-BE49-F238E27FC236}">
+                    <a16:creationId xmlns:a16="http://schemas.microsoft.com/office/drawing/2014/main" id="{6403A455-FB3B-4755-AA1A-36ED63BBC508}"/>
+                  </a:ext>
+                </a:extLst>
+              </p14:cNvPr>
+              <p14:cNvContentPartPr/>
+              <p14:nvPr/>
+            </p14:nvContentPartPr>
+            <p14:xfrm>
+              <a:off x="1029720" y="2455729"/>
+              <a:ext cx="1059840" cy="1013760"/>
+            </p14:xfrm>
+          </p:contentPart>
+        </mc:Choice>
+        <mc:Fallback xmlns="">
+          <p:pic>
+            <p:nvPicPr>
+              <p:cNvPr id="5" name="잉크 4">
+                <a:extLst>
+                  <a:ext uri="{FF2B5EF4-FFF2-40B4-BE49-F238E27FC236}">
+                    <a16:creationId xmlns:a16="http://schemas.microsoft.com/office/drawing/2014/main" id="{6403A455-FB3B-4755-AA1A-36ED63BBC508}"/>
+                  </a:ext>
+                </a:extLst>
+              </p:cNvPr>
+              <p:cNvPicPr/>
+              <p:nvPr/>
+            </p:nvPicPr>
+            <p:blipFill>
+              <a:blip r:embed="rId6"/>
+              <a:stretch>
+                <a:fillRect/>
+              </a:stretch>
+            </p:blipFill>
+            <p:spPr>
+              <a:xfrm>
+                <a:off x="1021080" y="2447089"/>
+                <a:ext cx="1077480" cy="1031400"/>
+              </a:xfrm>
+              <a:prstGeom prst="rect">
+                <a:avLst/>
+              </a:prstGeom>
+            </p:spPr>
+          </p:pic>
+        </mc:Fallback>
+      </mc:AlternateContent>
+      <mc:AlternateContent xmlns:mc="http://schemas.openxmlformats.org/markup-compatibility/2006" xmlns:p14="http://schemas.microsoft.com/office/powerpoint/2010/main">
+        <mc:Choice Requires="p14">
+          <p:contentPart p14:bwMode="auto" r:id="rId7">
+            <p14:nvContentPartPr>
+              <p14:cNvPr id="6" name="잉크 5">
+                <a:extLst>
+                  <a:ext uri="{FF2B5EF4-FFF2-40B4-BE49-F238E27FC236}">
+                    <a16:creationId xmlns:a16="http://schemas.microsoft.com/office/drawing/2014/main" id="{0F696CBF-1A54-4990-9CDE-F11584535406}"/>
+                  </a:ext>
+                </a:extLst>
+              </p14:cNvPr>
+              <p14:cNvContentPartPr/>
+              <p14:nvPr/>
+            </p14:nvContentPartPr>
+            <p14:xfrm>
+              <a:off x="7036680" y="2222809"/>
+              <a:ext cx="2410920" cy="9720"/>
+            </p14:xfrm>
+          </p:contentPart>
+        </mc:Choice>
+        <mc:Fallback xmlns="">
+          <p:pic>
+            <p:nvPicPr>
+              <p:cNvPr id="6" name="잉크 5">
+                <a:extLst>
+                  <a:ext uri="{FF2B5EF4-FFF2-40B4-BE49-F238E27FC236}">
+                    <a16:creationId xmlns:a16="http://schemas.microsoft.com/office/drawing/2014/main" id="{0F696CBF-1A54-4990-9CDE-F11584535406}"/>
+                  </a:ext>
+                </a:extLst>
+              </p:cNvPr>
+              <p:cNvPicPr/>
+              <p:nvPr/>
+            </p:nvPicPr>
+            <p:blipFill>
+              <a:blip r:embed="rId8"/>
+              <a:stretch>
+                <a:fillRect/>
+              </a:stretch>
+            </p:blipFill>
+            <p:spPr>
+              <a:xfrm>
+                <a:off x="7028040" y="2213809"/>
+                <a:ext cx="2428560" cy="27360"/>
+              </a:xfrm>
+              <a:prstGeom prst="rect">
+                <a:avLst/>
+              </a:prstGeom>
+            </p:spPr>
+          </p:pic>
+        </mc:Fallback>
+      </mc:AlternateContent>
+      <mc:AlternateContent xmlns:mc="http://schemas.openxmlformats.org/markup-compatibility/2006" xmlns:p14="http://schemas.microsoft.com/office/powerpoint/2010/main">
+        <mc:Choice Requires="p14">
+          <p:contentPart p14:bwMode="auto" r:id="rId9">
+            <p14:nvContentPartPr>
+              <p14:cNvPr id="7" name="잉크 6">
+                <a:extLst>
+                  <a:ext uri="{FF2B5EF4-FFF2-40B4-BE49-F238E27FC236}">
+                    <a16:creationId xmlns:a16="http://schemas.microsoft.com/office/drawing/2014/main" id="{670A2BBC-8B6B-4236-937E-8B5D98E3429C}"/>
+                  </a:ext>
+                </a:extLst>
+              </p14:cNvPr>
+              <p14:cNvContentPartPr/>
+              <p14:nvPr/>
+            </p14:nvContentPartPr>
+            <p14:xfrm>
+              <a:off x="2536680" y="3574969"/>
+              <a:ext cx="1370880" cy="137160"/>
+            </p14:xfrm>
+          </p:contentPart>
+        </mc:Choice>
+        <mc:Fallback xmlns="">
+          <p:pic>
+            <p:nvPicPr>
+              <p:cNvPr id="7" name="잉크 6">
+                <a:extLst>
+                  <a:ext uri="{FF2B5EF4-FFF2-40B4-BE49-F238E27FC236}">
+                    <a16:creationId xmlns:a16="http://schemas.microsoft.com/office/drawing/2014/main" id="{670A2BBC-8B6B-4236-937E-8B5D98E3429C}"/>
+                  </a:ext>
+                </a:extLst>
+              </p:cNvPr>
+              <p:cNvPicPr/>
+              <p:nvPr/>
+            </p:nvPicPr>
+            <p:blipFill>
+              <a:blip r:embed="rId10"/>
+              <a:stretch>
+                <a:fillRect/>
+              </a:stretch>
+            </p:blipFill>
+            <p:spPr>
+              <a:xfrm>
+                <a:off x="2528040" y="3566329"/>
+                <a:ext cx="1388520" cy="154800"/>
+              </a:xfrm>
+              <a:prstGeom prst="rect">
+                <a:avLst/>
+              </a:prstGeom>
+            </p:spPr>
+          </p:pic>
+        </mc:Fallback>
+      </mc:AlternateContent>
+      <mc:AlternateContent xmlns:mc="http://schemas.openxmlformats.org/markup-compatibility/2006" xmlns:p14="http://schemas.microsoft.com/office/powerpoint/2010/main">
+        <mc:Choice Requires="p14">
+          <p:contentPart p14:bwMode="auto" r:id="rId11">
+            <p14:nvContentPartPr>
+              <p14:cNvPr id="22" name="잉크 21">
+                <a:extLst>
+                  <a:ext uri="{FF2B5EF4-FFF2-40B4-BE49-F238E27FC236}">
+                    <a16:creationId xmlns:a16="http://schemas.microsoft.com/office/drawing/2014/main" id="{286EB867-AD47-4570-9851-B1E8D08EE483}"/>
+                  </a:ext>
+                </a:extLst>
+              </p14:cNvPr>
+              <p14:cNvContentPartPr/>
+              <p14:nvPr/>
+            </p14:nvContentPartPr>
+            <p14:xfrm>
+              <a:off x="5315520" y="3639049"/>
+              <a:ext cx="1483920" cy="29880"/>
+            </p14:xfrm>
+          </p:contentPart>
+        </mc:Choice>
+        <mc:Fallback xmlns="">
+          <p:pic>
+            <p:nvPicPr>
+              <p:cNvPr id="22" name="잉크 21">
+                <a:extLst>
+                  <a:ext uri="{FF2B5EF4-FFF2-40B4-BE49-F238E27FC236}">
+                    <a16:creationId xmlns:a16="http://schemas.microsoft.com/office/drawing/2014/main" id="{286EB867-AD47-4570-9851-B1E8D08EE483}"/>
+                  </a:ext>
+                </a:extLst>
+              </p:cNvPr>
+              <p:cNvPicPr/>
+              <p:nvPr/>
+            </p:nvPicPr>
+            <p:blipFill>
+              <a:blip r:embed="rId12"/>
+              <a:stretch>
+                <a:fillRect/>
+              </a:stretch>
+            </p:blipFill>
+            <p:spPr>
+              <a:xfrm>
+                <a:off x="5306880" y="3630049"/>
+                <a:ext cx="1501560" cy="47520"/>
+              </a:xfrm>
+              <a:prstGeom prst="rect">
+                <a:avLst/>
+              </a:prstGeom>
+            </p:spPr>
+          </p:pic>
+        </mc:Fallback>
+      </mc:AlternateContent>
+      <p:grpSp>
+        <p:nvGrpSpPr>
+          <p:cNvPr id="29" name="그룹 28">
+            <a:extLst>
+              <a:ext uri="{FF2B5EF4-FFF2-40B4-BE49-F238E27FC236}">
+                <a16:creationId xmlns:a16="http://schemas.microsoft.com/office/drawing/2014/main" id="{91454680-A735-4E0E-BFD6-EFD0814E9DAF}"/>
+              </a:ext>
+            </a:extLst>
+          </p:cNvPr>
+          <p:cNvGrpSpPr/>
+          <p:nvPr/>
+        </p:nvGrpSpPr>
+        <p:grpSpPr>
+          <a:xfrm>
+            <a:off x="1593840" y="2230009"/>
+            <a:ext cx="6721200" cy="1527840"/>
+            <a:chOff x="1593840" y="2230009"/>
+            <a:chExt cx="6721200" cy="1527840"/>
+          </a:xfrm>
+        </p:grpSpPr>
+        <mc:AlternateContent xmlns:mc="http://schemas.openxmlformats.org/markup-compatibility/2006" xmlns:p14="http://schemas.microsoft.com/office/powerpoint/2010/main">
+          <mc:Choice Requires="p14">
+            <p:contentPart p14:bwMode="auto" r:id="rId13">
+              <p14:nvContentPartPr>
+                <p14:cNvPr id="8" name="잉크 7">
+                  <a:extLst>
+                    <a:ext uri="{FF2B5EF4-FFF2-40B4-BE49-F238E27FC236}">
+                      <a16:creationId xmlns:a16="http://schemas.microsoft.com/office/drawing/2014/main" id="{90EBB28D-7B1B-46CA-9A98-1836015C34AB}"/>
+                    </a:ext>
+                  </a:extLst>
+                </p14:cNvPr>
+                <p14:cNvContentPartPr/>
+                <p14:nvPr/>
+              </p14:nvContentPartPr>
+              <p14:xfrm>
+                <a:off x="1593840" y="3154849"/>
+                <a:ext cx="881640" cy="574920"/>
+              </p14:xfrm>
+            </p:contentPart>
+          </mc:Choice>
+          <mc:Fallback xmlns="">
+            <p:pic>
+              <p:nvPicPr>
+                <p:cNvPr id="8" name="잉크 7">
+                  <a:extLst>
+                    <a:ext uri="{FF2B5EF4-FFF2-40B4-BE49-F238E27FC236}">
+                      <a16:creationId xmlns:a16="http://schemas.microsoft.com/office/drawing/2014/main" id="{90EBB28D-7B1B-46CA-9A98-1836015C34AB}"/>
+                    </a:ext>
+                  </a:extLst>
+                </p:cNvPr>
+                <p:cNvPicPr/>
+                <p:nvPr/>
+              </p:nvPicPr>
+              <p:blipFill>
+                <a:blip r:embed="rId14"/>
+                <a:stretch>
+                  <a:fillRect/>
+                </a:stretch>
+              </p:blipFill>
+              <p:spPr>
+                <a:xfrm>
+                  <a:off x="1584840" y="3145849"/>
+                  <a:ext cx="899280" cy="592560"/>
+                </a:xfrm>
+                <a:prstGeom prst="rect">
+                  <a:avLst/>
+                </a:prstGeom>
+              </p:spPr>
+            </p:pic>
+          </mc:Fallback>
+        </mc:AlternateContent>
+        <mc:AlternateContent xmlns:mc="http://schemas.openxmlformats.org/markup-compatibility/2006" xmlns:p14="http://schemas.microsoft.com/office/powerpoint/2010/main">
+          <mc:Choice Requires="p14">
+            <p:contentPart p14:bwMode="auto" r:id="rId15">
+              <p14:nvContentPartPr>
+                <p14:cNvPr id="9" name="잉크 8">
+                  <a:extLst>
+                    <a:ext uri="{FF2B5EF4-FFF2-40B4-BE49-F238E27FC236}">
+                      <a16:creationId xmlns:a16="http://schemas.microsoft.com/office/drawing/2014/main" id="{A1489027-8855-49D4-87B5-1F75179CFFA3}"/>
+                    </a:ext>
+                  </a:extLst>
+                </p14:cNvPr>
+                <p14:cNvContentPartPr/>
+                <p14:nvPr/>
+              </p14:nvContentPartPr>
+              <p14:xfrm>
+                <a:off x="3433080" y="2975929"/>
+                <a:ext cx="115920" cy="33480"/>
+              </p14:xfrm>
+            </p:contentPart>
+          </mc:Choice>
+          <mc:Fallback xmlns="">
+            <p:pic>
+              <p:nvPicPr>
+                <p:cNvPr id="9" name="잉크 8">
+                  <a:extLst>
+                    <a:ext uri="{FF2B5EF4-FFF2-40B4-BE49-F238E27FC236}">
+                      <a16:creationId xmlns:a16="http://schemas.microsoft.com/office/drawing/2014/main" id="{A1489027-8855-49D4-87B5-1F75179CFFA3}"/>
+                    </a:ext>
+                  </a:extLst>
+                </p:cNvPr>
+                <p:cNvPicPr/>
+                <p:nvPr/>
+              </p:nvPicPr>
+              <p:blipFill>
+                <a:blip r:embed="rId16"/>
+                <a:stretch>
+                  <a:fillRect/>
+                </a:stretch>
+              </p:blipFill>
+              <p:spPr>
+                <a:xfrm>
+                  <a:off x="3424080" y="2966929"/>
+                  <a:ext cx="133560" cy="51120"/>
+                </a:xfrm>
+                <a:prstGeom prst="rect">
+                  <a:avLst/>
+                </a:prstGeom>
+              </p:spPr>
+            </p:pic>
+          </mc:Fallback>
+        </mc:AlternateContent>
+        <mc:AlternateContent xmlns:mc="http://schemas.openxmlformats.org/markup-compatibility/2006" xmlns:p14="http://schemas.microsoft.com/office/powerpoint/2010/main">
+          <mc:Choice Requires="p14">
+            <p:contentPart p14:bwMode="auto" r:id="rId17">
+              <p14:nvContentPartPr>
+                <p14:cNvPr id="10" name="잉크 9">
+                  <a:extLst>
+                    <a:ext uri="{FF2B5EF4-FFF2-40B4-BE49-F238E27FC236}">
+                      <a16:creationId xmlns:a16="http://schemas.microsoft.com/office/drawing/2014/main" id="{665CC1D7-0F0E-4FDE-8388-C15BEE402EA9}"/>
+                    </a:ext>
+                  </a:extLst>
+                </p14:cNvPr>
+                <p14:cNvContentPartPr/>
+                <p14:nvPr/>
+              </p14:nvContentPartPr>
+              <p14:xfrm>
+                <a:off x="3477360" y="3074569"/>
+                <a:ext cx="19440" cy="205920"/>
+              </p14:xfrm>
+            </p:contentPart>
+          </mc:Choice>
+          <mc:Fallback xmlns="">
+            <p:pic>
+              <p:nvPicPr>
+                <p:cNvPr id="10" name="잉크 9">
+                  <a:extLst>
+                    <a:ext uri="{FF2B5EF4-FFF2-40B4-BE49-F238E27FC236}">
+                      <a16:creationId xmlns:a16="http://schemas.microsoft.com/office/drawing/2014/main" id="{665CC1D7-0F0E-4FDE-8388-C15BEE402EA9}"/>
+                    </a:ext>
+                  </a:extLst>
+                </p:cNvPr>
+                <p:cNvPicPr/>
+                <p:nvPr/>
+              </p:nvPicPr>
+              <p:blipFill>
+                <a:blip r:embed="rId18"/>
+                <a:stretch>
+                  <a:fillRect/>
+                </a:stretch>
+              </p:blipFill>
+              <p:spPr>
+                <a:xfrm>
+                  <a:off x="3468360" y="3065569"/>
+                  <a:ext cx="37080" cy="223560"/>
+                </a:xfrm>
+                <a:prstGeom prst="rect">
+                  <a:avLst/>
+                </a:prstGeom>
+              </p:spPr>
+            </p:pic>
+          </mc:Fallback>
+        </mc:AlternateContent>
+        <mc:AlternateContent xmlns:mc="http://schemas.openxmlformats.org/markup-compatibility/2006" xmlns:p14="http://schemas.microsoft.com/office/powerpoint/2010/main">
+          <mc:Choice Requires="p14">
+            <p:contentPart p14:bwMode="auto" r:id="rId19">
+              <p14:nvContentPartPr>
+                <p14:cNvPr id="11" name="잉크 10">
+                  <a:extLst>
+                    <a:ext uri="{FF2B5EF4-FFF2-40B4-BE49-F238E27FC236}">
+                      <a16:creationId xmlns:a16="http://schemas.microsoft.com/office/drawing/2014/main" id="{D1FE9CD0-AB72-4275-81C3-3BF47CBE214B}"/>
+                    </a:ext>
+                  </a:extLst>
+                </p14:cNvPr>
+                <p14:cNvContentPartPr/>
+                <p14:nvPr/>
+              </p14:nvContentPartPr>
+              <p14:xfrm>
+                <a:off x="3657000" y="3064129"/>
+                <a:ext cx="198360" cy="166320"/>
+              </p14:xfrm>
+            </p:contentPart>
+          </mc:Choice>
+          <mc:Fallback xmlns="">
+            <p:pic>
+              <p:nvPicPr>
+                <p:cNvPr id="11" name="잉크 10">
+                  <a:extLst>
+                    <a:ext uri="{FF2B5EF4-FFF2-40B4-BE49-F238E27FC236}">
+                      <a16:creationId xmlns:a16="http://schemas.microsoft.com/office/drawing/2014/main" id="{D1FE9CD0-AB72-4275-81C3-3BF47CBE214B}"/>
+                    </a:ext>
+                  </a:extLst>
+                </p:cNvPr>
+                <p:cNvPicPr/>
+                <p:nvPr/>
+              </p:nvPicPr>
+              <p:blipFill>
+                <a:blip r:embed="rId20"/>
+                <a:stretch>
+                  <a:fillRect/>
+                </a:stretch>
+              </p:blipFill>
+              <p:spPr>
+                <a:xfrm>
+                  <a:off x="3648360" y="3055489"/>
+                  <a:ext cx="216000" cy="183960"/>
+                </a:xfrm>
+                <a:prstGeom prst="rect">
+                  <a:avLst/>
+                </a:prstGeom>
+              </p:spPr>
+            </p:pic>
+          </mc:Fallback>
+        </mc:AlternateContent>
+        <mc:AlternateContent xmlns:mc="http://schemas.openxmlformats.org/markup-compatibility/2006" xmlns:p14="http://schemas.microsoft.com/office/powerpoint/2010/main">
+          <mc:Choice Requires="p14">
+            <p:contentPart p14:bwMode="auto" r:id="rId21">
+              <p14:nvContentPartPr>
+                <p14:cNvPr id="12" name="잉크 11">
+                  <a:extLst>
+                    <a:ext uri="{FF2B5EF4-FFF2-40B4-BE49-F238E27FC236}">
+                      <a16:creationId xmlns:a16="http://schemas.microsoft.com/office/drawing/2014/main" id="{B57976C5-3785-4F3B-89B3-1104BBE73790}"/>
+                    </a:ext>
+                  </a:extLst>
+                </p14:cNvPr>
+                <p14:cNvContentPartPr/>
+                <p14:nvPr/>
+              </p14:nvContentPartPr>
+              <p14:xfrm>
+                <a:off x="3854280" y="3047929"/>
+                <a:ext cx="363960" cy="360"/>
+              </p14:xfrm>
+            </p:contentPart>
+          </mc:Choice>
+          <mc:Fallback xmlns="">
+            <p:pic>
+              <p:nvPicPr>
+                <p:cNvPr id="12" name="잉크 11">
+                  <a:extLst>
+                    <a:ext uri="{FF2B5EF4-FFF2-40B4-BE49-F238E27FC236}">
+                      <a16:creationId xmlns:a16="http://schemas.microsoft.com/office/drawing/2014/main" id="{B57976C5-3785-4F3B-89B3-1104BBE73790}"/>
+                    </a:ext>
+                  </a:extLst>
+                </p:cNvPr>
+                <p:cNvPicPr/>
+                <p:nvPr/>
+              </p:nvPicPr>
+              <p:blipFill>
+                <a:blip r:embed="rId22"/>
+                <a:stretch>
+                  <a:fillRect/>
+                </a:stretch>
+              </p:blipFill>
+              <p:spPr>
+                <a:xfrm>
+                  <a:off x="3845640" y="3038929"/>
+                  <a:ext cx="381600" cy="18000"/>
+                </a:xfrm>
+                <a:prstGeom prst="rect">
+                  <a:avLst/>
+                </a:prstGeom>
+              </p:spPr>
+            </p:pic>
+          </mc:Fallback>
+        </mc:AlternateContent>
+        <mc:AlternateContent xmlns:mc="http://schemas.openxmlformats.org/markup-compatibility/2006" xmlns:p14="http://schemas.microsoft.com/office/powerpoint/2010/main">
+          <mc:Choice Requires="p14">
+            <p:contentPart p14:bwMode="auto" r:id="rId23">
+              <p14:nvContentPartPr>
+                <p14:cNvPr id="13" name="잉크 12">
+                  <a:extLst>
+                    <a:ext uri="{FF2B5EF4-FFF2-40B4-BE49-F238E27FC236}">
+                      <a16:creationId xmlns:a16="http://schemas.microsoft.com/office/drawing/2014/main" id="{F699E24B-ED41-4DD0-A75D-2A5334C64D9E}"/>
+                    </a:ext>
+                  </a:extLst>
+                </p14:cNvPr>
+                <p14:cNvContentPartPr/>
+                <p14:nvPr/>
+              </p14:nvContentPartPr>
+              <p14:xfrm>
+                <a:off x="4096560" y="2904289"/>
+                <a:ext cx="216360" cy="351000"/>
+              </p14:xfrm>
+            </p:contentPart>
+          </mc:Choice>
+          <mc:Fallback xmlns="">
+            <p:pic>
+              <p:nvPicPr>
+                <p:cNvPr id="13" name="잉크 12">
+                  <a:extLst>
+                    <a:ext uri="{FF2B5EF4-FFF2-40B4-BE49-F238E27FC236}">
+                      <a16:creationId xmlns:a16="http://schemas.microsoft.com/office/drawing/2014/main" id="{F699E24B-ED41-4DD0-A75D-2A5334C64D9E}"/>
+                    </a:ext>
+                  </a:extLst>
+                </p:cNvPr>
+                <p:cNvPicPr/>
+                <p:nvPr/>
+              </p:nvPicPr>
+              <p:blipFill>
+                <a:blip r:embed="rId24"/>
+                <a:stretch>
+                  <a:fillRect/>
+                </a:stretch>
+              </p:blipFill>
+              <p:spPr>
+                <a:xfrm>
+                  <a:off x="4087560" y="2895289"/>
+                  <a:ext cx="234000" cy="368640"/>
+                </a:xfrm>
+                <a:prstGeom prst="rect">
+                  <a:avLst/>
+                </a:prstGeom>
+              </p:spPr>
+            </p:pic>
+          </mc:Fallback>
+        </mc:AlternateContent>
+        <mc:AlternateContent xmlns:mc="http://schemas.openxmlformats.org/markup-compatibility/2006" xmlns:p14="http://schemas.microsoft.com/office/powerpoint/2010/main">
+          <mc:Choice Requires="p14">
+            <p:contentPart p14:bwMode="auto" r:id="rId25">
+              <p14:nvContentPartPr>
+                <p14:cNvPr id="15" name="잉크 14">
+                  <a:extLst>
+                    <a:ext uri="{FF2B5EF4-FFF2-40B4-BE49-F238E27FC236}">
+                      <a16:creationId xmlns:a16="http://schemas.microsoft.com/office/drawing/2014/main" id="{2C746A17-8790-41E3-8DB9-FB1D309FFA7D}"/>
+                    </a:ext>
+                  </a:extLst>
+                </p14:cNvPr>
+                <p14:cNvContentPartPr/>
+                <p14:nvPr/>
+              </p14:nvContentPartPr>
+              <p14:xfrm>
+                <a:off x="3413280" y="2778289"/>
+                <a:ext cx="927720" cy="601560"/>
+              </p14:xfrm>
+            </p:contentPart>
+          </mc:Choice>
+          <mc:Fallback xmlns="">
+            <p:pic>
+              <p:nvPicPr>
+                <p:cNvPr id="15" name="잉크 14">
+                  <a:extLst>
+                    <a:ext uri="{FF2B5EF4-FFF2-40B4-BE49-F238E27FC236}">
+                      <a16:creationId xmlns:a16="http://schemas.microsoft.com/office/drawing/2014/main" id="{2C746A17-8790-41E3-8DB9-FB1D309FFA7D}"/>
+                    </a:ext>
+                  </a:extLst>
+                </p:cNvPr>
+                <p:cNvPicPr/>
+                <p:nvPr/>
+              </p:nvPicPr>
+              <p:blipFill>
+                <a:blip r:embed="rId26"/>
+                <a:stretch>
+                  <a:fillRect/>
+                </a:stretch>
+              </p:blipFill>
+              <p:spPr>
+                <a:xfrm>
+                  <a:off x="3404640" y="2769649"/>
+                  <a:ext cx="945360" cy="619200"/>
+                </a:xfrm>
+                <a:prstGeom prst="rect">
+                  <a:avLst/>
+                </a:prstGeom>
+              </p:spPr>
+            </p:pic>
+          </mc:Fallback>
+        </mc:AlternateContent>
+        <mc:AlternateContent xmlns:mc="http://schemas.openxmlformats.org/markup-compatibility/2006" xmlns:p14="http://schemas.microsoft.com/office/powerpoint/2010/main">
+          <mc:Choice Requires="p14">
+            <p:contentPart p14:bwMode="auto" r:id="rId27">
+              <p14:nvContentPartPr>
+                <p14:cNvPr id="16" name="잉크 15">
+                  <a:extLst>
+                    <a:ext uri="{FF2B5EF4-FFF2-40B4-BE49-F238E27FC236}">
+                      <a16:creationId xmlns:a16="http://schemas.microsoft.com/office/drawing/2014/main" id="{3D7CD3D0-5C61-45F8-A897-E01604CA7F62}"/>
+                    </a:ext>
+                  </a:extLst>
+                </p14:cNvPr>
+                <p14:cNvContentPartPr/>
+                <p14:nvPr/>
+              </p14:nvContentPartPr>
+              <p14:xfrm>
+                <a:off x="4172160" y="2230009"/>
+                <a:ext cx="1995840" cy="647280"/>
+              </p14:xfrm>
+            </p:contentPart>
+          </mc:Choice>
+          <mc:Fallback xmlns="">
+            <p:pic>
+              <p:nvPicPr>
+                <p:cNvPr id="16" name="잉크 15">
+                  <a:extLst>
+                    <a:ext uri="{FF2B5EF4-FFF2-40B4-BE49-F238E27FC236}">
+                      <a16:creationId xmlns:a16="http://schemas.microsoft.com/office/drawing/2014/main" id="{3D7CD3D0-5C61-45F8-A897-E01604CA7F62}"/>
+                    </a:ext>
+                  </a:extLst>
+                </p:cNvPr>
+                <p:cNvPicPr/>
+                <p:nvPr/>
+              </p:nvPicPr>
+              <p:blipFill>
+                <a:blip r:embed="rId28"/>
+                <a:stretch>
+                  <a:fillRect/>
+                </a:stretch>
+              </p:blipFill>
+              <p:spPr>
+                <a:xfrm>
+                  <a:off x="4163160" y="2221369"/>
+                  <a:ext cx="2013480" cy="664920"/>
+                </a:xfrm>
+                <a:prstGeom prst="rect">
+                  <a:avLst/>
+                </a:prstGeom>
+              </p:spPr>
+            </p:pic>
+          </mc:Fallback>
+        </mc:AlternateContent>
+        <mc:AlternateContent xmlns:mc="http://schemas.openxmlformats.org/markup-compatibility/2006" xmlns:p14="http://schemas.microsoft.com/office/powerpoint/2010/main">
+          <mc:Choice Requires="p14">
+            <p:contentPart p14:bwMode="auto" r:id="rId29">
+              <p14:nvContentPartPr>
+                <p14:cNvPr id="17" name="잉크 16">
+                  <a:extLst>
+                    <a:ext uri="{FF2B5EF4-FFF2-40B4-BE49-F238E27FC236}">
+                      <a16:creationId xmlns:a16="http://schemas.microsoft.com/office/drawing/2014/main" id="{D4891B59-B106-4DEA-A3B5-8D871AE40589}"/>
+                    </a:ext>
+                  </a:extLst>
+                </p14:cNvPr>
+                <p14:cNvContentPartPr/>
+                <p14:nvPr/>
+              </p14:nvContentPartPr>
+              <p14:xfrm>
+                <a:off x="6023640" y="2644369"/>
+                <a:ext cx="356400" cy="155160"/>
+              </p14:xfrm>
+            </p:contentPart>
+          </mc:Choice>
+          <mc:Fallback xmlns="">
+            <p:pic>
+              <p:nvPicPr>
+                <p:cNvPr id="17" name="잉크 16">
+                  <a:extLst>
+                    <a:ext uri="{FF2B5EF4-FFF2-40B4-BE49-F238E27FC236}">
+                      <a16:creationId xmlns:a16="http://schemas.microsoft.com/office/drawing/2014/main" id="{D4891B59-B106-4DEA-A3B5-8D871AE40589}"/>
+                    </a:ext>
+                  </a:extLst>
+                </p:cNvPr>
+                <p:cNvPicPr/>
+                <p:nvPr/>
+              </p:nvPicPr>
+              <p:blipFill>
+                <a:blip r:embed="rId30"/>
+                <a:stretch>
+                  <a:fillRect/>
+                </a:stretch>
+              </p:blipFill>
+              <p:spPr>
+                <a:xfrm>
+                  <a:off x="6015000" y="2635369"/>
+                  <a:ext cx="374040" cy="172800"/>
+                </a:xfrm>
+                <a:prstGeom prst="rect">
+                  <a:avLst/>
+                </a:prstGeom>
+              </p:spPr>
+            </p:pic>
+          </mc:Fallback>
+        </mc:AlternateContent>
+        <mc:AlternateContent xmlns:mc="http://schemas.openxmlformats.org/markup-compatibility/2006" xmlns:p14="http://schemas.microsoft.com/office/powerpoint/2010/main">
+          <mc:Choice Requires="p14">
+            <p:contentPart p14:bwMode="auto" r:id="rId31">
+              <p14:nvContentPartPr>
+                <p14:cNvPr id="19" name="잉크 18">
+                  <a:extLst>
+                    <a:ext uri="{FF2B5EF4-FFF2-40B4-BE49-F238E27FC236}">
+                      <a16:creationId xmlns:a16="http://schemas.microsoft.com/office/drawing/2014/main" id="{03351C43-913B-48E0-AC5D-F58F5DCEF97E}"/>
+                    </a:ext>
+                  </a:extLst>
+                </p14:cNvPr>
+                <p14:cNvContentPartPr/>
+                <p14:nvPr/>
+              </p14:nvContentPartPr>
+              <p14:xfrm>
+                <a:off x="3798840" y="3180409"/>
+                <a:ext cx="280440" cy="477360"/>
+              </p14:xfrm>
+            </p:contentPart>
+          </mc:Choice>
+          <mc:Fallback xmlns="">
+            <p:pic>
+              <p:nvPicPr>
+                <p:cNvPr id="19" name="잉크 18">
+                  <a:extLst>
+                    <a:ext uri="{FF2B5EF4-FFF2-40B4-BE49-F238E27FC236}">
+                      <a16:creationId xmlns:a16="http://schemas.microsoft.com/office/drawing/2014/main" id="{03351C43-913B-48E0-AC5D-F58F5DCEF97E}"/>
+                    </a:ext>
+                  </a:extLst>
+                </p:cNvPr>
+                <p:cNvPicPr/>
+                <p:nvPr/>
+              </p:nvPicPr>
+              <p:blipFill>
+                <a:blip r:embed="rId32"/>
+                <a:stretch>
+                  <a:fillRect/>
+                </a:stretch>
+              </p:blipFill>
+              <p:spPr>
+                <a:xfrm>
+                  <a:off x="3790200" y="3171769"/>
+                  <a:ext cx="298080" cy="495000"/>
+                </a:xfrm>
+                <a:prstGeom prst="rect">
+                  <a:avLst/>
+                </a:prstGeom>
+              </p:spPr>
+            </p:pic>
+          </mc:Fallback>
+        </mc:AlternateContent>
+        <mc:AlternateContent xmlns:mc="http://schemas.openxmlformats.org/markup-compatibility/2006" xmlns:p14="http://schemas.microsoft.com/office/powerpoint/2010/main">
+          <mc:Choice Requires="p14">
+            <p:contentPart p14:bwMode="auto" r:id="rId33">
+              <p14:nvContentPartPr>
+                <p14:cNvPr id="20" name="잉크 19">
+                  <a:extLst>
+                    <a:ext uri="{FF2B5EF4-FFF2-40B4-BE49-F238E27FC236}">
+                      <a16:creationId xmlns:a16="http://schemas.microsoft.com/office/drawing/2014/main" id="{EC0484A5-9CFB-420A-A488-4A908A67F4A0}"/>
+                    </a:ext>
+                  </a:extLst>
+                </p14:cNvPr>
+                <p14:cNvContentPartPr/>
+                <p14:nvPr/>
+              </p14:nvContentPartPr>
+              <p14:xfrm>
+                <a:off x="4239840" y="3620329"/>
+                <a:ext cx="842040" cy="13680"/>
+              </p14:xfrm>
+            </p:contentPart>
+          </mc:Choice>
+          <mc:Fallback xmlns="">
+            <p:pic>
+              <p:nvPicPr>
+                <p:cNvPr id="20" name="잉크 19">
+                  <a:extLst>
+                    <a:ext uri="{FF2B5EF4-FFF2-40B4-BE49-F238E27FC236}">
+                      <a16:creationId xmlns:a16="http://schemas.microsoft.com/office/drawing/2014/main" id="{EC0484A5-9CFB-420A-A488-4A908A67F4A0}"/>
+                    </a:ext>
+                  </a:extLst>
+                </p:cNvPr>
+                <p:cNvPicPr/>
+                <p:nvPr/>
+              </p:nvPicPr>
+              <p:blipFill>
+                <a:blip r:embed="rId34"/>
+                <a:stretch>
+                  <a:fillRect/>
+                </a:stretch>
+              </p:blipFill>
+              <p:spPr>
+                <a:xfrm>
+                  <a:off x="4231200" y="3611689"/>
+                  <a:ext cx="859680" cy="31320"/>
+                </a:xfrm>
+                <a:prstGeom prst="rect">
+                  <a:avLst/>
+                </a:prstGeom>
+              </p:spPr>
+            </p:pic>
+          </mc:Fallback>
+        </mc:AlternateContent>
+        <mc:AlternateContent xmlns:mc="http://schemas.openxmlformats.org/markup-compatibility/2006" xmlns:p14="http://schemas.microsoft.com/office/powerpoint/2010/main">
+          <mc:Choice Requires="p14">
+            <p:contentPart p14:bwMode="auto" r:id="rId35">
+              <p14:nvContentPartPr>
+                <p14:cNvPr id="23" name="잉크 22">
+                  <a:extLst>
+                    <a:ext uri="{FF2B5EF4-FFF2-40B4-BE49-F238E27FC236}">
+                      <a16:creationId xmlns:a16="http://schemas.microsoft.com/office/drawing/2014/main" id="{3B2DB64C-21E6-4AF8-8664-1D4E1E0BA6D8}"/>
+                    </a:ext>
+                  </a:extLst>
+                </p14:cNvPr>
+                <p14:cNvContentPartPr/>
+                <p14:nvPr/>
+              </p14:nvContentPartPr>
+              <p14:xfrm>
+                <a:off x="7314240" y="2957929"/>
+                <a:ext cx="16920" cy="734400"/>
+              </p14:xfrm>
+            </p:contentPart>
+          </mc:Choice>
+          <mc:Fallback xmlns="">
+            <p:pic>
+              <p:nvPicPr>
+                <p:cNvPr id="23" name="잉크 22">
+                  <a:extLst>
+                    <a:ext uri="{FF2B5EF4-FFF2-40B4-BE49-F238E27FC236}">
+                      <a16:creationId xmlns:a16="http://schemas.microsoft.com/office/drawing/2014/main" id="{3B2DB64C-21E6-4AF8-8664-1D4E1E0BA6D8}"/>
+                    </a:ext>
+                  </a:extLst>
+                </p:cNvPr>
+                <p:cNvPicPr/>
+                <p:nvPr/>
+              </p:nvPicPr>
+              <p:blipFill>
+                <a:blip r:embed="rId36"/>
+                <a:stretch>
+                  <a:fillRect/>
+                </a:stretch>
+              </p:blipFill>
+              <p:spPr>
+                <a:xfrm>
+                  <a:off x="7305600" y="2949289"/>
+                  <a:ext cx="34560" cy="752040"/>
+                </a:xfrm>
+                <a:prstGeom prst="rect">
+                  <a:avLst/>
+                </a:prstGeom>
+              </p:spPr>
+            </p:pic>
+          </mc:Fallback>
+        </mc:AlternateContent>
+        <mc:AlternateContent xmlns:mc="http://schemas.openxmlformats.org/markup-compatibility/2006" xmlns:p14="http://schemas.microsoft.com/office/powerpoint/2010/main">
+          <mc:Choice Requires="p14">
+            <p:contentPart p14:bwMode="auto" r:id="rId37">
+              <p14:nvContentPartPr>
+                <p14:cNvPr id="24" name="잉크 23">
+                  <a:extLst>
+                    <a:ext uri="{FF2B5EF4-FFF2-40B4-BE49-F238E27FC236}">
+                      <a16:creationId xmlns:a16="http://schemas.microsoft.com/office/drawing/2014/main" id="{06AB54DC-A6E1-4894-A11C-B8688FCC059D}"/>
+                    </a:ext>
+                  </a:extLst>
+                </p14:cNvPr>
+                <p14:cNvContentPartPr/>
+                <p14:nvPr/>
+              </p14:nvContentPartPr>
+              <p14:xfrm>
+                <a:off x="7298040" y="3109129"/>
+                <a:ext cx="152640" cy="172440"/>
+              </p14:xfrm>
+            </p:contentPart>
+          </mc:Choice>
+          <mc:Fallback xmlns="">
+            <p:pic>
+              <p:nvPicPr>
+                <p:cNvPr id="24" name="잉크 23">
+                  <a:extLst>
+                    <a:ext uri="{FF2B5EF4-FFF2-40B4-BE49-F238E27FC236}">
+                      <a16:creationId xmlns:a16="http://schemas.microsoft.com/office/drawing/2014/main" id="{06AB54DC-A6E1-4894-A11C-B8688FCC059D}"/>
+                    </a:ext>
+                  </a:extLst>
+                </p:cNvPr>
+                <p:cNvPicPr/>
+                <p:nvPr/>
+              </p:nvPicPr>
+              <p:blipFill>
+                <a:blip r:embed="rId38"/>
+                <a:stretch>
+                  <a:fillRect/>
+                </a:stretch>
+              </p:blipFill>
+              <p:spPr>
+                <a:xfrm>
+                  <a:off x="7289400" y="3100129"/>
+                  <a:ext cx="170280" cy="190080"/>
+                </a:xfrm>
+                <a:prstGeom prst="rect">
+                  <a:avLst/>
+                </a:prstGeom>
+              </p:spPr>
+            </p:pic>
+          </mc:Fallback>
+        </mc:AlternateContent>
+        <mc:AlternateContent xmlns:mc="http://schemas.openxmlformats.org/markup-compatibility/2006" xmlns:p14="http://schemas.microsoft.com/office/powerpoint/2010/main">
+          <mc:Choice Requires="p14">
+            <p:contentPart p14:bwMode="auto" r:id="rId39">
+              <p14:nvContentPartPr>
+                <p14:cNvPr id="25" name="잉크 24">
+                  <a:extLst>
+                    <a:ext uri="{FF2B5EF4-FFF2-40B4-BE49-F238E27FC236}">
+                      <a16:creationId xmlns:a16="http://schemas.microsoft.com/office/drawing/2014/main" id="{A380E8E7-1B11-4B26-BBFB-8AD645824E4E}"/>
+                    </a:ext>
+                  </a:extLst>
+                </p14:cNvPr>
+                <p14:cNvContentPartPr/>
+                <p14:nvPr/>
+              </p14:nvContentPartPr>
+              <p14:xfrm>
+                <a:off x="7565520" y="3226489"/>
+                <a:ext cx="145800" cy="208800"/>
+              </p14:xfrm>
+            </p:contentPart>
+          </mc:Choice>
+          <mc:Fallback xmlns="">
+            <p:pic>
+              <p:nvPicPr>
+                <p:cNvPr id="25" name="잉크 24">
+                  <a:extLst>
+                    <a:ext uri="{FF2B5EF4-FFF2-40B4-BE49-F238E27FC236}">
+                      <a16:creationId xmlns:a16="http://schemas.microsoft.com/office/drawing/2014/main" id="{A380E8E7-1B11-4B26-BBFB-8AD645824E4E}"/>
+                    </a:ext>
+                  </a:extLst>
+                </p:cNvPr>
+                <p:cNvPicPr/>
+                <p:nvPr/>
+              </p:nvPicPr>
+              <p:blipFill>
+                <a:blip r:embed="rId40"/>
+                <a:stretch>
+                  <a:fillRect/>
+                </a:stretch>
+              </p:blipFill>
+              <p:spPr>
+                <a:xfrm>
+                  <a:off x="7556520" y="3217489"/>
+                  <a:ext cx="163440" cy="226440"/>
+                </a:xfrm>
+                <a:prstGeom prst="rect">
+                  <a:avLst/>
+                </a:prstGeom>
+              </p:spPr>
+            </p:pic>
+          </mc:Fallback>
+        </mc:AlternateContent>
+        <mc:AlternateContent xmlns:mc="http://schemas.openxmlformats.org/markup-compatibility/2006" xmlns:p14="http://schemas.microsoft.com/office/powerpoint/2010/main">
+          <mc:Choice Requires="p14">
+            <p:contentPart p14:bwMode="auto" r:id="rId41">
+              <p14:nvContentPartPr>
+                <p14:cNvPr id="26" name="잉크 25">
+                  <a:extLst>
+                    <a:ext uri="{FF2B5EF4-FFF2-40B4-BE49-F238E27FC236}">
+                      <a16:creationId xmlns:a16="http://schemas.microsoft.com/office/drawing/2014/main" id="{624B3F26-7F4E-4F2D-B20F-235556A78A58}"/>
+                    </a:ext>
+                  </a:extLst>
+                </p14:cNvPr>
+                <p14:cNvContentPartPr/>
+                <p14:nvPr/>
+              </p14:nvContentPartPr>
+              <p14:xfrm>
+                <a:off x="7816800" y="3229009"/>
+                <a:ext cx="498240" cy="233640"/>
+              </p14:xfrm>
+            </p:contentPart>
+          </mc:Choice>
+          <mc:Fallback xmlns="">
+            <p:pic>
+              <p:nvPicPr>
+                <p:cNvPr id="26" name="잉크 25">
+                  <a:extLst>
+                    <a:ext uri="{FF2B5EF4-FFF2-40B4-BE49-F238E27FC236}">
+                      <a16:creationId xmlns:a16="http://schemas.microsoft.com/office/drawing/2014/main" id="{624B3F26-7F4E-4F2D-B20F-235556A78A58}"/>
+                    </a:ext>
+                  </a:extLst>
+                </p:cNvPr>
+                <p:cNvPicPr/>
+                <p:nvPr/>
+              </p:nvPicPr>
+              <p:blipFill>
+                <a:blip r:embed="rId42"/>
+                <a:stretch>
+                  <a:fillRect/>
+                </a:stretch>
+              </p:blipFill>
+              <p:spPr>
+                <a:xfrm>
+                  <a:off x="7808160" y="3220009"/>
+                  <a:ext cx="515880" cy="251280"/>
+                </a:xfrm>
+                <a:prstGeom prst="rect">
+                  <a:avLst/>
+                </a:prstGeom>
+              </p:spPr>
+            </p:pic>
+          </mc:Fallback>
+        </mc:AlternateContent>
+        <mc:AlternateContent xmlns:mc="http://schemas.openxmlformats.org/markup-compatibility/2006" xmlns:p14="http://schemas.microsoft.com/office/powerpoint/2010/main">
+          <mc:Choice Requires="p14">
+            <p:contentPart p14:bwMode="auto" r:id="rId43">
+              <p14:nvContentPartPr>
+                <p14:cNvPr id="28" name="잉크 27">
+                  <a:extLst>
+                    <a:ext uri="{FF2B5EF4-FFF2-40B4-BE49-F238E27FC236}">
+                      <a16:creationId xmlns:a16="http://schemas.microsoft.com/office/drawing/2014/main" id="{03AAB9AD-94DD-41EE-AA5B-B8E631756A62}"/>
+                    </a:ext>
+                  </a:extLst>
+                </p14:cNvPr>
+                <p14:cNvContentPartPr/>
+                <p14:nvPr/>
+              </p14:nvContentPartPr>
+              <p14:xfrm>
+                <a:off x="2518680" y="3657409"/>
+                <a:ext cx="2590200" cy="100440"/>
+              </p14:xfrm>
+            </p:contentPart>
+          </mc:Choice>
+          <mc:Fallback xmlns="">
+            <p:pic>
+              <p:nvPicPr>
+                <p:cNvPr id="28" name="잉크 27">
+                  <a:extLst>
+                    <a:ext uri="{FF2B5EF4-FFF2-40B4-BE49-F238E27FC236}">
+                      <a16:creationId xmlns:a16="http://schemas.microsoft.com/office/drawing/2014/main" id="{03AAB9AD-94DD-41EE-AA5B-B8E631756A62}"/>
+                    </a:ext>
+                  </a:extLst>
+                </p:cNvPr>
+                <p:cNvPicPr/>
+                <p:nvPr/>
+              </p:nvPicPr>
+              <p:blipFill>
+                <a:blip r:embed="rId44"/>
+                <a:stretch>
+                  <a:fillRect/>
+                </a:stretch>
+              </p:blipFill>
+              <p:spPr>
+                <a:xfrm>
+                  <a:off x="2509680" y="3648409"/>
+                  <a:ext cx="2607840" cy="118080"/>
+                </a:xfrm>
+                <a:prstGeom prst="rect">
+                  <a:avLst/>
+                </a:prstGeom>
+              </p:spPr>
+            </p:pic>
+          </mc:Fallback>
+        </mc:AlternateContent>
+      </p:grpSp>
+    </p:spTree>
+    <p:extLst>
+      <p:ext uri="{BB962C8B-B14F-4D97-AF65-F5344CB8AC3E}">
+        <p14:creationId xmlns:p14="http://schemas.microsoft.com/office/powerpoint/2010/main" val="3066127288"/>
+      </p:ext>
+    </p:extLst>
+  </p:cSld>
+  <p:clrMapOvr>
+    <a:masterClrMapping/>
+  </p:clrMapOvr>
+  <mc:AlternateContent xmlns:mc="http://schemas.openxmlformats.org/markup-compatibility/2006" xmlns:p159="http://schemas.microsoft.com/office/powerpoint/2015/09/main">
+    <mc:Choice Requires="p159">
+      <p:transition xmlns:p14="http://schemas.microsoft.com/office/powerpoint/2010/main" spd="slow" p14:dur="2000">
+        <p159:morph option="byObject"/>
+      </p:transition>
+    </mc:Choice>
+    <mc:Fallback xmlns="">
+      <p:transition spd="slow">
+        <p:fade/>
+      </p:transition>
+    </mc:Fallback>
+  </mc:AlternateContent>
+</p:sld>
+</file>
+
+<file path=ppt/slides/slide27.xml><?xml version="1.0" encoding="utf-8"?>
+<p:sld xmlns:a="http://schemas.openxmlformats.org/drawingml/2006/main" xmlns:r="http://schemas.openxmlformats.org/officeDocument/2006/relationships" xmlns:p="http://schemas.openxmlformats.org/presentationml/2006/main">
+  <p:cSld>
+    <p:spTree>
+      <p:nvGrpSpPr>
+        <p:cNvPr id="1" name=""/>
+        <p:cNvGrpSpPr/>
+        <p:nvPr/>
+      </p:nvGrpSpPr>
+      <p:grpSpPr>
+        <a:xfrm>
+          <a:off x="0" y="0"/>
+          <a:ext cx="0" cy="0"/>
+          <a:chOff x="0" y="0"/>
+          <a:chExt cx="0" cy="0"/>
+        </a:xfrm>
+      </p:grpSpPr>
+      <p:sp>
+        <p:nvSpPr>
+          <p:cNvPr id="2" name="제목 1">
+            <a:extLst>
+              <a:ext uri="{FF2B5EF4-FFF2-40B4-BE49-F238E27FC236}">
+                <a16:creationId xmlns:a16="http://schemas.microsoft.com/office/drawing/2014/main" id="{8605CC04-B69A-470B-BC50-7ECDC63C8B38}"/>
+              </a:ext>
+            </a:extLst>
+          </p:cNvPr>
+          <p:cNvSpPr>
+            <a:spLocks noGrp="1"/>
+          </p:cNvSpPr>
+          <p:nvPr>
+            <p:ph type="title"/>
+          </p:nvPr>
+        </p:nvSpPr>
+        <p:spPr/>
+        <p:txBody>
+          <a:bodyPr/>
+          <a:lstStyle/>
+          <a:p>
+            <a:r>
+              <a:rPr lang="ko-KR" altLang="en-US" dirty="0"/>
+              <a:t>오늘 풀 문제</a:t>
+            </a:r>
+          </a:p>
+        </p:txBody>
+      </p:sp>
+      <p:sp>
+        <p:nvSpPr>
+          <p:cNvPr id="3" name="내용 개체 틀 2">
+            <a:extLst>
+              <a:ext uri="{FF2B5EF4-FFF2-40B4-BE49-F238E27FC236}">
+                <a16:creationId xmlns:a16="http://schemas.microsoft.com/office/drawing/2014/main" id="{475F9AD1-7161-4AB1-8D97-BA73B2F77A15}"/>
+              </a:ext>
+            </a:extLst>
+          </p:cNvPr>
+          <p:cNvSpPr>
+            <a:spLocks noGrp="1"/>
+          </p:cNvSpPr>
+          <p:nvPr>
+            <p:ph idx="1"/>
+          </p:nvPr>
+        </p:nvSpPr>
+        <p:spPr/>
+        <p:txBody>
+          <a:bodyPr/>
+          <a:lstStyle/>
+          <a:p>
+            <a:r>
+              <a:rPr lang="en-US" altLang="ko-KR" dirty="0">
+                <a:hlinkClick r:id="rId2"/>
+              </a:rPr>
+              <a:t>17478 </a:t>
+            </a:r>
+            <a:r>
+              <a:rPr lang="ko-KR" altLang="en-US" dirty="0">
+                <a:hlinkClick r:id="rId2"/>
+              </a:rPr>
+              <a:t>재귀함수가 </a:t>
+            </a:r>
+            <a:r>
+              <a:rPr lang="ko-KR" altLang="en-US" dirty="0" err="1">
+                <a:hlinkClick r:id="rId2"/>
+              </a:rPr>
+              <a:t>뭔가요</a:t>
+            </a:r>
+            <a:r>
+              <a:rPr lang="en-US" altLang="ko-KR" dirty="0">
+                <a:hlinkClick r:id="rId2"/>
+              </a:rPr>
+              <a:t>? </a:t>
+            </a:r>
+            <a:r>
+              <a:rPr lang="en-US" altLang="ko-KR" dirty="0"/>
+              <a:t>(</a:t>
+            </a:r>
+            <a:r>
+              <a:rPr lang="ko-KR" altLang="en-US" dirty="0"/>
+              <a:t>실버</a:t>
+            </a:r>
+            <a:r>
+              <a:rPr lang="en-US" altLang="ko-KR" dirty="0"/>
+              <a:t>5)</a:t>
+            </a:r>
+          </a:p>
+          <a:p>
+            <a:r>
+              <a:rPr lang="en-US" altLang="ko-KR" dirty="0">
+                <a:hlinkClick r:id="rId3"/>
+              </a:rPr>
+              <a:t>10867 </a:t>
+            </a:r>
+            <a:r>
+              <a:rPr lang="ko-KR" altLang="en-US" dirty="0">
+                <a:hlinkClick r:id="rId3"/>
+              </a:rPr>
+              <a:t>중복 빼고 정렬하기</a:t>
+            </a:r>
+            <a:r>
+              <a:rPr lang="ko-KR" altLang="en-US" dirty="0"/>
+              <a:t> </a:t>
+            </a:r>
+            <a:r>
+              <a:rPr lang="en-US" altLang="ko-KR" dirty="0"/>
+              <a:t>(</a:t>
+            </a:r>
+            <a:r>
+              <a:rPr lang="ko-KR" altLang="en-US" dirty="0"/>
+              <a:t>실버</a:t>
+            </a:r>
+            <a:r>
+              <a:rPr lang="en-US" altLang="ko-KR" dirty="0"/>
+              <a:t>5)</a:t>
+            </a:r>
+          </a:p>
+          <a:p>
+            <a:r>
+              <a:rPr lang="en-US" altLang="ko-KR" dirty="0">
+                <a:hlinkClick r:id="rId4"/>
+              </a:rPr>
+              <a:t>42746</a:t>
+            </a:r>
+            <a:r>
+              <a:rPr lang="ko-KR" altLang="en-US" dirty="0">
+                <a:hlinkClick r:id="rId4"/>
+              </a:rPr>
+              <a:t> 가장 큰 수 </a:t>
+            </a:r>
+            <a:r>
+              <a:rPr lang="en-US" altLang="ko-KR" dirty="0"/>
+              <a:t>(</a:t>
+            </a:r>
+            <a:r>
+              <a:rPr lang="ko-KR" altLang="en-US" dirty="0"/>
+              <a:t>레벨</a:t>
+            </a:r>
+            <a:r>
+              <a:rPr lang="en-US" altLang="ko-KR" dirty="0"/>
+              <a:t>2)</a:t>
+            </a:r>
+          </a:p>
+        </p:txBody>
+      </p:sp>
+      <mc:AlternateContent xmlns:mc="http://schemas.openxmlformats.org/markup-compatibility/2006" xmlns:p14="http://schemas.microsoft.com/office/powerpoint/2010/main">
+        <mc:Choice Requires="p14">
+          <p:contentPart p14:bwMode="auto" r:id="rId5">
+            <p14:nvContentPartPr>
+              <p14:cNvPr id="6" name="잉크 5">
+                <a:extLst>
+                  <a:ext uri="{FF2B5EF4-FFF2-40B4-BE49-F238E27FC236}">
+                    <a16:creationId xmlns:a16="http://schemas.microsoft.com/office/drawing/2014/main" id="{91AE50D8-00A9-4761-B1F4-DF2DA8A9238E}"/>
+                  </a:ext>
+                </a:extLst>
+              </p14:cNvPr>
+              <p14:cNvContentPartPr/>
+              <p14:nvPr/>
+            </p14:nvContentPartPr>
+            <p14:xfrm>
+              <a:off x="321600" y="2034889"/>
+              <a:ext cx="448200" cy="520560"/>
+            </p14:xfrm>
+          </p:contentPart>
+        </mc:Choice>
+        <mc:Fallback xmlns="">
+          <p:pic>
+            <p:nvPicPr>
+              <p:cNvPr id="6" name="잉크 5">
+                <a:extLst>
+                  <a:ext uri="{FF2B5EF4-FFF2-40B4-BE49-F238E27FC236}">
+                    <a16:creationId xmlns:a16="http://schemas.microsoft.com/office/drawing/2014/main" id="{91AE50D8-00A9-4761-B1F4-DF2DA8A9238E}"/>
+                  </a:ext>
+                </a:extLst>
+              </p:cNvPr>
+              <p:cNvPicPr/>
+              <p:nvPr/>
+            </p:nvPicPr>
+            <p:blipFill>
+              <a:blip r:embed="rId6"/>
+              <a:stretch>
+                <a:fillRect/>
+              </a:stretch>
+            </p:blipFill>
+            <p:spPr>
+              <a:xfrm>
+                <a:off x="312600" y="2025889"/>
+                <a:ext cx="465840" cy="538200"/>
+              </a:xfrm>
+              <a:prstGeom prst="rect">
+                <a:avLst/>
+              </a:prstGeom>
+            </p:spPr>
+          </p:pic>
+        </mc:Fallback>
+      </mc:AlternateContent>
+      <mc:AlternateContent xmlns:mc="http://schemas.openxmlformats.org/markup-compatibility/2006" xmlns:p14="http://schemas.microsoft.com/office/powerpoint/2010/main">
+        <mc:Choice Requires="p14">
+          <p:contentPart p14:bwMode="auto" r:id="rId7">
+            <p14:nvContentPartPr>
+              <p14:cNvPr id="10" name="잉크 9">
+                <a:extLst>
+                  <a:ext uri="{FF2B5EF4-FFF2-40B4-BE49-F238E27FC236}">
+                    <a16:creationId xmlns:a16="http://schemas.microsoft.com/office/drawing/2014/main" id="{9E906310-9372-4F68-A60F-B27A515049DE}"/>
+                  </a:ext>
+                </a:extLst>
+              </p14:cNvPr>
+              <p14:cNvContentPartPr/>
+              <p14:nvPr/>
+            </p14:nvContentPartPr>
+            <p14:xfrm>
+              <a:off x="6714120" y="2070169"/>
+              <a:ext cx="307440" cy="510120"/>
+            </p14:xfrm>
+          </p:contentPart>
+        </mc:Choice>
+        <mc:Fallback xmlns="">
+          <p:pic>
+            <p:nvPicPr>
+              <p:cNvPr id="10" name="잉크 9">
+                <a:extLst>
+                  <a:ext uri="{FF2B5EF4-FFF2-40B4-BE49-F238E27FC236}">
+                    <a16:creationId xmlns:a16="http://schemas.microsoft.com/office/drawing/2014/main" id="{9E906310-9372-4F68-A60F-B27A515049DE}"/>
+                  </a:ext>
+                </a:extLst>
+              </p:cNvPr>
+              <p:cNvPicPr/>
+              <p:nvPr/>
+            </p:nvPicPr>
+            <p:blipFill>
+              <a:blip r:embed="rId8"/>
+              <a:stretch>
+                <a:fillRect/>
+              </a:stretch>
+            </p:blipFill>
+            <p:spPr>
+              <a:xfrm>
+                <a:off x="6705120" y="2061529"/>
+                <a:ext cx="325080" cy="527760"/>
+              </a:xfrm>
+              <a:prstGeom prst="rect">
+                <a:avLst/>
+              </a:prstGeom>
+            </p:spPr>
+          </p:pic>
+        </mc:Fallback>
+      </mc:AlternateContent>
+      <p:grpSp>
+        <p:nvGrpSpPr>
+          <p:cNvPr id="28" name="그룹 27">
+            <a:extLst>
+              <a:ext uri="{FF2B5EF4-FFF2-40B4-BE49-F238E27FC236}">
+                <a16:creationId xmlns:a16="http://schemas.microsoft.com/office/drawing/2014/main" id="{1820762D-9960-4580-94D0-1BC9CA828A5A}"/>
+              </a:ext>
+            </a:extLst>
+          </p:cNvPr>
+          <p:cNvGrpSpPr/>
+          <p:nvPr/>
+        </p:nvGrpSpPr>
+        <p:grpSpPr>
+          <a:xfrm>
+            <a:off x="1180920" y="3463009"/>
+            <a:ext cx="2378160" cy="974520"/>
+            <a:chOff x="1180920" y="3463009"/>
+            <a:chExt cx="2378160" cy="974520"/>
+          </a:xfrm>
+        </p:grpSpPr>
+        <mc:AlternateContent xmlns:mc="http://schemas.openxmlformats.org/markup-compatibility/2006" xmlns:p14="http://schemas.microsoft.com/office/powerpoint/2010/main">
+          <mc:Choice Requires="p14">
+            <p:contentPart p14:bwMode="auto" r:id="rId9">
+              <p14:nvContentPartPr>
+                <p14:cNvPr id="11" name="잉크 10">
+                  <a:extLst>
+                    <a:ext uri="{FF2B5EF4-FFF2-40B4-BE49-F238E27FC236}">
+                      <a16:creationId xmlns:a16="http://schemas.microsoft.com/office/drawing/2014/main" id="{70A3635A-2BB8-4822-B212-07A60C3476F6}"/>
+                    </a:ext>
+                  </a:extLst>
+                </p14:cNvPr>
+                <p14:cNvContentPartPr/>
+                <p14:nvPr/>
+              </p14:nvContentPartPr>
+              <p14:xfrm>
+                <a:off x="1180920" y="3528529"/>
+                <a:ext cx="291600" cy="550440"/>
+              </p14:xfrm>
+            </p:contentPart>
+          </mc:Choice>
+          <mc:Fallback xmlns="">
+            <p:pic>
+              <p:nvPicPr>
+                <p:cNvPr id="11" name="잉크 10">
+                  <a:extLst>
+                    <a:ext uri="{FF2B5EF4-FFF2-40B4-BE49-F238E27FC236}">
+                      <a16:creationId xmlns:a16="http://schemas.microsoft.com/office/drawing/2014/main" id="{70A3635A-2BB8-4822-B212-07A60C3476F6}"/>
+                    </a:ext>
+                  </a:extLst>
+                </p:cNvPr>
+                <p:cNvPicPr/>
+                <p:nvPr/>
+              </p:nvPicPr>
+              <p:blipFill>
+                <a:blip r:embed="rId10"/>
+                <a:stretch>
+                  <a:fillRect/>
+                </a:stretch>
+              </p:blipFill>
+              <p:spPr>
+                <a:xfrm>
+                  <a:off x="1171920" y="3519529"/>
+                  <a:ext cx="309240" cy="568080"/>
+                </a:xfrm>
+                <a:prstGeom prst="rect">
+                  <a:avLst/>
+                </a:prstGeom>
+              </p:spPr>
+            </p:pic>
+          </mc:Fallback>
+        </mc:AlternateContent>
+        <mc:AlternateContent xmlns:mc="http://schemas.openxmlformats.org/markup-compatibility/2006" xmlns:p14="http://schemas.microsoft.com/office/powerpoint/2010/main">
+          <mc:Choice Requires="p14">
+            <p:contentPart p14:bwMode="auto" r:id="rId11">
+              <p14:nvContentPartPr>
+                <p14:cNvPr id="12" name="잉크 11">
+                  <a:extLst>
+                    <a:ext uri="{FF2B5EF4-FFF2-40B4-BE49-F238E27FC236}">
+                      <a16:creationId xmlns:a16="http://schemas.microsoft.com/office/drawing/2014/main" id="{5638E5A0-5365-4F34-85D0-7633E53EBBFE}"/>
+                    </a:ext>
+                  </a:extLst>
+                </p14:cNvPr>
+                <p14:cNvContentPartPr/>
+                <p14:nvPr/>
+              </p14:nvContentPartPr>
+              <p14:xfrm>
+                <a:off x="1272720" y="3463009"/>
+                <a:ext cx="272160" cy="185760"/>
+              </p14:xfrm>
+            </p:contentPart>
+          </mc:Choice>
+          <mc:Fallback xmlns="">
+            <p:pic>
+              <p:nvPicPr>
+                <p:cNvPr id="12" name="잉크 11">
+                  <a:extLst>
+                    <a:ext uri="{FF2B5EF4-FFF2-40B4-BE49-F238E27FC236}">
+                      <a16:creationId xmlns:a16="http://schemas.microsoft.com/office/drawing/2014/main" id="{5638E5A0-5365-4F34-85D0-7633E53EBBFE}"/>
+                    </a:ext>
+                  </a:extLst>
+                </p:cNvPr>
+                <p:cNvPicPr/>
+                <p:nvPr/>
+              </p:nvPicPr>
+              <p:blipFill>
+                <a:blip r:embed="rId12"/>
+                <a:stretch>
+                  <a:fillRect/>
+                </a:stretch>
+              </p:blipFill>
+              <p:spPr>
+                <a:xfrm>
+                  <a:off x="1263720" y="3454009"/>
+                  <a:ext cx="289800" cy="203400"/>
+                </a:xfrm>
+                <a:prstGeom prst="rect">
+                  <a:avLst/>
+                </a:prstGeom>
+              </p:spPr>
+            </p:pic>
+          </mc:Fallback>
+        </mc:AlternateContent>
+        <mc:AlternateContent xmlns:mc="http://schemas.openxmlformats.org/markup-compatibility/2006" xmlns:p14="http://schemas.microsoft.com/office/powerpoint/2010/main">
+          <mc:Choice Requires="p14">
+            <p:contentPart p14:bwMode="auto" r:id="rId13">
+              <p14:nvContentPartPr>
+                <p14:cNvPr id="13" name="잉크 12">
+                  <a:extLst>
+                    <a:ext uri="{FF2B5EF4-FFF2-40B4-BE49-F238E27FC236}">
+                      <a16:creationId xmlns:a16="http://schemas.microsoft.com/office/drawing/2014/main" id="{B59C2C1C-CFB1-44A3-86EA-607047C1ED5B}"/>
+                    </a:ext>
+                  </a:extLst>
+                </p14:cNvPr>
+                <p14:cNvContentPartPr/>
+                <p14:nvPr/>
+              </p14:nvContentPartPr>
+              <p14:xfrm>
+                <a:off x="1568640" y="4032889"/>
+                <a:ext cx="233640" cy="10080"/>
+              </p14:xfrm>
+            </p:contentPart>
+          </mc:Choice>
+          <mc:Fallback xmlns="">
+            <p:pic>
+              <p:nvPicPr>
+                <p:cNvPr id="13" name="잉크 12">
+                  <a:extLst>
+                    <a:ext uri="{FF2B5EF4-FFF2-40B4-BE49-F238E27FC236}">
+                      <a16:creationId xmlns:a16="http://schemas.microsoft.com/office/drawing/2014/main" id="{B59C2C1C-CFB1-44A3-86EA-607047C1ED5B}"/>
+                    </a:ext>
+                  </a:extLst>
+                </p:cNvPr>
+                <p:cNvPicPr/>
+                <p:nvPr/>
+              </p:nvPicPr>
+              <p:blipFill>
+                <a:blip r:embed="rId14"/>
+                <a:stretch>
+                  <a:fillRect/>
+                </a:stretch>
+              </p:blipFill>
+              <p:spPr>
+                <a:xfrm>
+                  <a:off x="1560000" y="4024249"/>
+                  <a:ext cx="251280" cy="27720"/>
+                </a:xfrm>
+                <a:prstGeom prst="rect">
+                  <a:avLst/>
+                </a:prstGeom>
+              </p:spPr>
+            </p:pic>
+          </mc:Fallback>
+        </mc:AlternateContent>
+        <mc:AlternateContent xmlns:mc="http://schemas.openxmlformats.org/markup-compatibility/2006" xmlns:p14="http://schemas.microsoft.com/office/powerpoint/2010/main">
+          <mc:Choice Requires="p14">
+            <p:contentPart p14:bwMode="auto" r:id="rId15">
+              <p14:nvContentPartPr>
+                <p14:cNvPr id="14" name="잉크 13">
+                  <a:extLst>
+                    <a:ext uri="{FF2B5EF4-FFF2-40B4-BE49-F238E27FC236}">
+                      <a16:creationId xmlns:a16="http://schemas.microsoft.com/office/drawing/2014/main" id="{8AC42819-6A9C-43F2-AEFB-4D2002329174}"/>
+                    </a:ext>
+                  </a:extLst>
+                </p14:cNvPr>
+                <p14:cNvContentPartPr/>
+                <p14:nvPr/>
+              </p14:nvContentPartPr>
+              <p14:xfrm>
+                <a:off x="1612560" y="4123609"/>
+                <a:ext cx="19440" cy="97560"/>
+              </p14:xfrm>
+            </p:contentPart>
+          </mc:Choice>
+          <mc:Fallback xmlns="">
+            <p:pic>
+              <p:nvPicPr>
+                <p:cNvPr id="14" name="잉크 13">
+                  <a:extLst>
+                    <a:ext uri="{FF2B5EF4-FFF2-40B4-BE49-F238E27FC236}">
+                      <a16:creationId xmlns:a16="http://schemas.microsoft.com/office/drawing/2014/main" id="{8AC42819-6A9C-43F2-AEFB-4D2002329174}"/>
+                    </a:ext>
+                  </a:extLst>
+                </p:cNvPr>
+                <p:cNvPicPr/>
+                <p:nvPr/>
+              </p:nvPicPr>
+              <p:blipFill>
+                <a:blip r:embed="rId16"/>
+                <a:stretch>
+                  <a:fillRect/>
+                </a:stretch>
+              </p:blipFill>
+              <p:spPr>
+                <a:xfrm>
+                  <a:off x="1603920" y="4114609"/>
+                  <a:ext cx="37080" cy="115200"/>
+                </a:xfrm>
+                <a:prstGeom prst="rect">
+                  <a:avLst/>
+                </a:prstGeom>
+              </p:spPr>
+            </p:pic>
+          </mc:Fallback>
+        </mc:AlternateContent>
+        <mc:AlternateContent xmlns:mc="http://schemas.openxmlformats.org/markup-compatibility/2006" xmlns:p14="http://schemas.microsoft.com/office/powerpoint/2010/main">
+          <mc:Choice Requires="p14">
+            <p:contentPart p14:bwMode="auto" r:id="rId17">
+              <p14:nvContentPartPr>
+                <p14:cNvPr id="15" name="잉크 14">
+                  <a:extLst>
+                    <a:ext uri="{FF2B5EF4-FFF2-40B4-BE49-F238E27FC236}">
+                      <a16:creationId xmlns:a16="http://schemas.microsoft.com/office/drawing/2014/main" id="{CAC82D4A-3A56-4FCB-AA74-BF9BA6DF8A61}"/>
+                    </a:ext>
+                  </a:extLst>
+                </p14:cNvPr>
+                <p14:cNvContentPartPr/>
+                <p14:nvPr/>
+              </p14:nvContentPartPr>
+              <p14:xfrm>
+                <a:off x="1719840" y="4150249"/>
+                <a:ext cx="37440" cy="125280"/>
+              </p14:xfrm>
+            </p:contentPart>
+          </mc:Choice>
+          <mc:Fallback xmlns="">
+            <p:pic>
+              <p:nvPicPr>
+                <p:cNvPr id="15" name="잉크 14">
+                  <a:extLst>
+                    <a:ext uri="{FF2B5EF4-FFF2-40B4-BE49-F238E27FC236}">
+                      <a16:creationId xmlns:a16="http://schemas.microsoft.com/office/drawing/2014/main" id="{CAC82D4A-3A56-4FCB-AA74-BF9BA6DF8A61}"/>
+                    </a:ext>
+                  </a:extLst>
+                </p:cNvPr>
+                <p:cNvPicPr/>
+                <p:nvPr/>
+              </p:nvPicPr>
+              <p:blipFill>
+                <a:blip r:embed="rId18"/>
+                <a:stretch>
+                  <a:fillRect/>
+                </a:stretch>
+              </p:blipFill>
+              <p:spPr>
+                <a:xfrm>
+                  <a:off x="1710840" y="4141609"/>
+                  <a:ext cx="55080" cy="142920"/>
+                </a:xfrm>
+                <a:prstGeom prst="rect">
+                  <a:avLst/>
+                </a:prstGeom>
+              </p:spPr>
+            </p:pic>
+          </mc:Fallback>
+        </mc:AlternateContent>
+        <mc:AlternateContent xmlns:mc="http://schemas.openxmlformats.org/markup-compatibility/2006" xmlns:p14="http://schemas.microsoft.com/office/powerpoint/2010/main">
+          <mc:Choice Requires="p14">
+            <p:contentPart p14:bwMode="auto" r:id="rId19">
+              <p14:nvContentPartPr>
+                <p14:cNvPr id="16" name="잉크 15">
+                  <a:extLst>
+                    <a:ext uri="{FF2B5EF4-FFF2-40B4-BE49-F238E27FC236}">
+                      <a16:creationId xmlns:a16="http://schemas.microsoft.com/office/drawing/2014/main" id="{2FD2A577-8652-4CFB-B81F-B664E1A076C6}"/>
+                    </a:ext>
+                  </a:extLst>
+                </p14:cNvPr>
+                <p14:cNvContentPartPr/>
+                <p14:nvPr/>
+              </p14:nvContentPartPr>
+              <p14:xfrm>
+                <a:off x="1604280" y="4347529"/>
+                <a:ext cx="179280" cy="360"/>
+              </p14:xfrm>
+            </p:contentPart>
+          </mc:Choice>
+          <mc:Fallback xmlns="">
+            <p:pic>
+              <p:nvPicPr>
+                <p:cNvPr id="16" name="잉크 15">
+                  <a:extLst>
+                    <a:ext uri="{FF2B5EF4-FFF2-40B4-BE49-F238E27FC236}">
+                      <a16:creationId xmlns:a16="http://schemas.microsoft.com/office/drawing/2014/main" id="{2FD2A577-8652-4CFB-B81F-B664E1A076C6}"/>
+                    </a:ext>
+                  </a:extLst>
+                </p:cNvPr>
+                <p:cNvPicPr/>
+                <p:nvPr/>
+              </p:nvPicPr>
+              <p:blipFill>
+                <a:blip r:embed="rId20"/>
+                <a:stretch>
+                  <a:fillRect/>
+                </a:stretch>
+              </p:blipFill>
+              <p:spPr>
+                <a:xfrm>
+                  <a:off x="1595280" y="4338889"/>
+                  <a:ext cx="196920" cy="18000"/>
+                </a:xfrm>
+                <a:prstGeom prst="rect">
+                  <a:avLst/>
+                </a:prstGeom>
+              </p:spPr>
+            </p:pic>
+          </mc:Fallback>
+        </mc:AlternateContent>
+        <mc:AlternateContent xmlns:mc="http://schemas.openxmlformats.org/markup-compatibility/2006" xmlns:p14="http://schemas.microsoft.com/office/powerpoint/2010/main">
+          <mc:Choice Requires="p14">
+            <p:contentPart p14:bwMode="auto" r:id="rId21">
+              <p14:nvContentPartPr>
+                <p14:cNvPr id="17" name="잉크 16">
+                  <a:extLst>
+                    <a:ext uri="{FF2B5EF4-FFF2-40B4-BE49-F238E27FC236}">
+                      <a16:creationId xmlns:a16="http://schemas.microsoft.com/office/drawing/2014/main" id="{119FFC86-8485-4593-B2A8-B12657FA3C89}"/>
+                    </a:ext>
+                  </a:extLst>
+                </p14:cNvPr>
+                <p14:cNvContentPartPr/>
+                <p14:nvPr/>
+              </p14:nvContentPartPr>
+              <p14:xfrm>
+                <a:off x="1902000" y="4004449"/>
+                <a:ext cx="135000" cy="192240"/>
+              </p14:xfrm>
+            </p:contentPart>
+          </mc:Choice>
+          <mc:Fallback xmlns="">
+            <p:pic>
+              <p:nvPicPr>
+                <p:cNvPr id="17" name="잉크 16">
+                  <a:extLst>
+                    <a:ext uri="{FF2B5EF4-FFF2-40B4-BE49-F238E27FC236}">
+                      <a16:creationId xmlns:a16="http://schemas.microsoft.com/office/drawing/2014/main" id="{119FFC86-8485-4593-B2A8-B12657FA3C89}"/>
+                    </a:ext>
+                  </a:extLst>
+                </p:cNvPr>
+                <p:cNvPicPr/>
+                <p:nvPr/>
+              </p:nvPicPr>
+              <p:blipFill>
+                <a:blip r:embed="rId22"/>
+                <a:stretch>
+                  <a:fillRect/>
+                </a:stretch>
+              </p:blipFill>
+              <p:spPr>
+                <a:xfrm>
+                  <a:off x="1893360" y="3995449"/>
+                  <a:ext cx="152640" cy="209880"/>
+                </a:xfrm>
+                <a:prstGeom prst="rect">
+                  <a:avLst/>
+                </a:prstGeom>
+              </p:spPr>
+            </p:pic>
+          </mc:Fallback>
+        </mc:AlternateContent>
+        <mc:AlternateContent xmlns:mc="http://schemas.openxmlformats.org/markup-compatibility/2006" xmlns:p14="http://schemas.microsoft.com/office/powerpoint/2010/main">
+          <mc:Choice Requires="p14">
+            <p:contentPart p14:bwMode="auto" r:id="rId23">
+              <p14:nvContentPartPr>
+                <p14:cNvPr id="18" name="잉크 17">
+                  <a:extLst>
+                    <a:ext uri="{FF2B5EF4-FFF2-40B4-BE49-F238E27FC236}">
+                      <a16:creationId xmlns:a16="http://schemas.microsoft.com/office/drawing/2014/main" id="{135F620B-151E-4E0C-9C9A-2EB9E95CB65F}"/>
+                    </a:ext>
+                  </a:extLst>
+                </p14:cNvPr>
+                <p14:cNvContentPartPr/>
+                <p14:nvPr/>
+              </p14:nvContentPartPr>
+              <p14:xfrm>
+                <a:off x="1917840" y="4195249"/>
+                <a:ext cx="211320" cy="189720"/>
+              </p14:xfrm>
+            </p:contentPart>
+          </mc:Choice>
+          <mc:Fallback xmlns="">
+            <p:pic>
+              <p:nvPicPr>
+                <p:cNvPr id="18" name="잉크 17">
+                  <a:extLst>
+                    <a:ext uri="{FF2B5EF4-FFF2-40B4-BE49-F238E27FC236}">
+                      <a16:creationId xmlns:a16="http://schemas.microsoft.com/office/drawing/2014/main" id="{135F620B-151E-4E0C-9C9A-2EB9E95CB65F}"/>
+                    </a:ext>
+                  </a:extLst>
+                </p:cNvPr>
+                <p:cNvPicPr/>
+                <p:nvPr/>
+              </p:nvPicPr>
+              <p:blipFill>
+                <a:blip r:embed="rId24"/>
+                <a:stretch>
+                  <a:fillRect/>
+                </a:stretch>
+              </p:blipFill>
+              <p:spPr>
+                <a:xfrm>
+                  <a:off x="1909200" y="4186249"/>
+                  <a:ext cx="228960" cy="207360"/>
+                </a:xfrm>
+                <a:prstGeom prst="rect">
+                  <a:avLst/>
+                </a:prstGeom>
+              </p:spPr>
+            </p:pic>
+          </mc:Fallback>
+        </mc:AlternateContent>
+        <mc:AlternateContent xmlns:mc="http://schemas.openxmlformats.org/markup-compatibility/2006" xmlns:p14="http://schemas.microsoft.com/office/powerpoint/2010/main">
+          <mc:Choice Requires="p14">
+            <p:contentPart p14:bwMode="auto" r:id="rId25">
+              <p14:nvContentPartPr>
+                <p14:cNvPr id="19" name="잉크 18">
+                  <a:extLst>
+                    <a:ext uri="{FF2B5EF4-FFF2-40B4-BE49-F238E27FC236}">
+                      <a16:creationId xmlns:a16="http://schemas.microsoft.com/office/drawing/2014/main" id="{C320FA71-4F4F-48C7-A0BD-077D9B4A943C}"/>
+                    </a:ext>
+                  </a:extLst>
+                </p14:cNvPr>
+                <p14:cNvContentPartPr/>
+                <p14:nvPr/>
+              </p14:nvContentPartPr>
+              <p14:xfrm>
+                <a:off x="2127720" y="4068169"/>
+                <a:ext cx="169560" cy="208080"/>
+              </p14:xfrm>
+            </p:contentPart>
+          </mc:Choice>
+          <mc:Fallback xmlns="">
+            <p:pic>
+              <p:nvPicPr>
+                <p:cNvPr id="19" name="잉크 18">
+                  <a:extLst>
+                    <a:ext uri="{FF2B5EF4-FFF2-40B4-BE49-F238E27FC236}">
+                      <a16:creationId xmlns:a16="http://schemas.microsoft.com/office/drawing/2014/main" id="{C320FA71-4F4F-48C7-A0BD-077D9B4A943C}"/>
+                    </a:ext>
+                  </a:extLst>
+                </p:cNvPr>
+                <p:cNvPicPr/>
+                <p:nvPr/>
+              </p:nvPicPr>
+              <p:blipFill>
+                <a:blip r:embed="rId26"/>
+                <a:stretch>
+                  <a:fillRect/>
+                </a:stretch>
+              </p:blipFill>
+              <p:spPr>
+                <a:xfrm>
+                  <a:off x="2119080" y="4059169"/>
+                  <a:ext cx="187200" cy="225720"/>
+                </a:xfrm>
+                <a:prstGeom prst="rect">
+                  <a:avLst/>
+                </a:prstGeom>
+              </p:spPr>
+            </p:pic>
+          </mc:Fallback>
+        </mc:AlternateContent>
+        <mc:AlternateContent xmlns:mc="http://schemas.openxmlformats.org/markup-compatibility/2006" xmlns:p14="http://schemas.microsoft.com/office/powerpoint/2010/main">
+          <mc:Choice Requires="p14">
+            <p:contentPart p14:bwMode="auto" r:id="rId27">
+              <p14:nvContentPartPr>
+                <p14:cNvPr id="20" name="잉크 19">
+                  <a:extLst>
+                    <a:ext uri="{FF2B5EF4-FFF2-40B4-BE49-F238E27FC236}">
+                      <a16:creationId xmlns:a16="http://schemas.microsoft.com/office/drawing/2014/main" id="{9E1AF2EB-88C2-440B-8D9B-4404BC85034E}"/>
+                    </a:ext>
+                  </a:extLst>
+                </p14:cNvPr>
+                <p14:cNvContentPartPr/>
+                <p14:nvPr/>
+              </p14:nvContentPartPr>
+              <p14:xfrm>
+                <a:off x="2258400" y="4293529"/>
+                <a:ext cx="153000" cy="36360"/>
+              </p14:xfrm>
+            </p:contentPart>
+          </mc:Choice>
+          <mc:Fallback xmlns="">
+            <p:pic>
+              <p:nvPicPr>
+                <p:cNvPr id="20" name="잉크 19">
+                  <a:extLst>
+                    <a:ext uri="{FF2B5EF4-FFF2-40B4-BE49-F238E27FC236}">
+                      <a16:creationId xmlns:a16="http://schemas.microsoft.com/office/drawing/2014/main" id="{9E1AF2EB-88C2-440B-8D9B-4404BC85034E}"/>
+                    </a:ext>
+                  </a:extLst>
+                </p:cNvPr>
+                <p:cNvPicPr/>
+                <p:nvPr/>
+              </p:nvPicPr>
+              <p:blipFill>
+                <a:blip r:embed="rId28"/>
+                <a:stretch>
+                  <a:fillRect/>
+                </a:stretch>
+              </p:blipFill>
+              <p:spPr>
+                <a:xfrm>
+                  <a:off x="2249760" y="4284529"/>
+                  <a:ext cx="170640" cy="54000"/>
+                </a:xfrm>
+                <a:prstGeom prst="rect">
+                  <a:avLst/>
+                </a:prstGeom>
+              </p:spPr>
+            </p:pic>
+          </mc:Fallback>
+        </mc:AlternateContent>
+        <mc:AlternateContent xmlns:mc="http://schemas.openxmlformats.org/markup-compatibility/2006" xmlns:p14="http://schemas.microsoft.com/office/powerpoint/2010/main">
+          <mc:Choice Requires="p14">
+            <p:contentPart p14:bwMode="auto" r:id="rId29">
+              <p14:nvContentPartPr>
+                <p14:cNvPr id="21" name="잉크 20">
+                  <a:extLst>
+                    <a:ext uri="{FF2B5EF4-FFF2-40B4-BE49-F238E27FC236}">
+                      <a16:creationId xmlns:a16="http://schemas.microsoft.com/office/drawing/2014/main" id="{81FA2697-1136-461D-9739-3178B3D19678}"/>
+                    </a:ext>
+                  </a:extLst>
+                </p14:cNvPr>
+                <p14:cNvContentPartPr/>
+                <p14:nvPr/>
+              </p14:nvContentPartPr>
+              <p14:xfrm>
+                <a:off x="2481960" y="4058809"/>
+                <a:ext cx="160560" cy="272520"/>
+              </p14:xfrm>
+            </p:contentPart>
+          </mc:Choice>
+          <mc:Fallback xmlns="">
+            <p:pic>
+              <p:nvPicPr>
+                <p:cNvPr id="21" name="잉크 20">
+                  <a:extLst>
+                    <a:ext uri="{FF2B5EF4-FFF2-40B4-BE49-F238E27FC236}">
+                      <a16:creationId xmlns:a16="http://schemas.microsoft.com/office/drawing/2014/main" id="{81FA2697-1136-461D-9739-3178B3D19678}"/>
+                    </a:ext>
+                  </a:extLst>
+                </p:cNvPr>
+                <p:cNvPicPr/>
+                <p:nvPr/>
+              </p:nvPicPr>
+              <p:blipFill>
+                <a:blip r:embed="rId30"/>
+                <a:stretch>
+                  <a:fillRect/>
+                </a:stretch>
+              </p:blipFill>
+              <p:spPr>
+                <a:xfrm>
+                  <a:off x="2472960" y="4050169"/>
+                  <a:ext cx="178200" cy="290160"/>
+                </a:xfrm>
+                <a:prstGeom prst="rect">
+                  <a:avLst/>
+                </a:prstGeom>
+              </p:spPr>
+            </p:pic>
+          </mc:Fallback>
+        </mc:AlternateContent>
+        <mc:AlternateContent xmlns:mc="http://schemas.openxmlformats.org/markup-compatibility/2006" xmlns:p14="http://schemas.microsoft.com/office/powerpoint/2010/main">
+          <mc:Choice Requires="p14">
+            <p:contentPart p14:bwMode="auto" r:id="rId31">
+              <p14:nvContentPartPr>
+                <p14:cNvPr id="22" name="잉크 21">
+                  <a:extLst>
+                    <a:ext uri="{FF2B5EF4-FFF2-40B4-BE49-F238E27FC236}">
+                      <a16:creationId xmlns:a16="http://schemas.microsoft.com/office/drawing/2014/main" id="{B4D6D56D-B78A-4010-BE21-18187DA46233}"/>
+                    </a:ext>
+                  </a:extLst>
+                </p14:cNvPr>
+                <p14:cNvContentPartPr/>
+                <p14:nvPr/>
+              </p14:nvContentPartPr>
+              <p14:xfrm>
+                <a:off x="2688600" y="4132609"/>
+                <a:ext cx="160560" cy="160560"/>
+              </p14:xfrm>
+            </p:contentPart>
+          </mc:Choice>
+          <mc:Fallback xmlns="">
+            <p:pic>
+              <p:nvPicPr>
+                <p:cNvPr id="22" name="잉크 21">
+                  <a:extLst>
+                    <a:ext uri="{FF2B5EF4-FFF2-40B4-BE49-F238E27FC236}">
+                      <a16:creationId xmlns:a16="http://schemas.microsoft.com/office/drawing/2014/main" id="{B4D6D56D-B78A-4010-BE21-18187DA46233}"/>
+                    </a:ext>
+                  </a:extLst>
+                </p:cNvPr>
+                <p:cNvPicPr/>
+                <p:nvPr/>
+              </p:nvPicPr>
+              <p:blipFill>
+                <a:blip r:embed="rId32"/>
+                <a:stretch>
+                  <a:fillRect/>
+                </a:stretch>
+              </p:blipFill>
+              <p:spPr>
+                <a:xfrm>
+                  <a:off x="2679600" y="4123609"/>
+                  <a:ext cx="178200" cy="178200"/>
+                </a:xfrm>
+                <a:prstGeom prst="rect">
+                  <a:avLst/>
+                </a:prstGeom>
+              </p:spPr>
+            </p:pic>
+          </mc:Fallback>
+        </mc:AlternateContent>
+        <mc:AlternateContent xmlns:mc="http://schemas.openxmlformats.org/markup-compatibility/2006" xmlns:p14="http://schemas.microsoft.com/office/powerpoint/2010/main">
+          <mc:Choice Requires="p14">
+            <p:contentPart p14:bwMode="auto" r:id="rId33">
+              <p14:nvContentPartPr>
+                <p14:cNvPr id="23" name="잉크 22">
+                  <a:extLst>
+                    <a:ext uri="{FF2B5EF4-FFF2-40B4-BE49-F238E27FC236}">
+                      <a16:creationId xmlns:a16="http://schemas.microsoft.com/office/drawing/2014/main" id="{3202F6FD-9CC8-4919-8DBF-22A2CD87BE33}"/>
+                    </a:ext>
+                  </a:extLst>
+                </p14:cNvPr>
+                <p14:cNvContentPartPr/>
+                <p14:nvPr/>
+              </p14:nvContentPartPr>
+              <p14:xfrm>
+                <a:off x="2939520" y="4089769"/>
+                <a:ext cx="74520" cy="250200"/>
+              </p14:xfrm>
+            </p:contentPart>
+          </mc:Choice>
+          <mc:Fallback xmlns="">
+            <p:pic>
+              <p:nvPicPr>
+                <p:cNvPr id="23" name="잉크 22">
+                  <a:extLst>
+                    <a:ext uri="{FF2B5EF4-FFF2-40B4-BE49-F238E27FC236}">
+                      <a16:creationId xmlns:a16="http://schemas.microsoft.com/office/drawing/2014/main" id="{3202F6FD-9CC8-4919-8DBF-22A2CD87BE33}"/>
+                    </a:ext>
+                  </a:extLst>
+                </p:cNvPr>
+                <p:cNvPicPr/>
+                <p:nvPr/>
+              </p:nvPicPr>
+              <p:blipFill>
+                <a:blip r:embed="rId34"/>
+                <a:stretch>
+                  <a:fillRect/>
+                </a:stretch>
+              </p:blipFill>
+              <p:spPr>
+                <a:xfrm>
+                  <a:off x="2930520" y="4080769"/>
+                  <a:ext cx="92160" cy="267840"/>
+                </a:xfrm>
+                <a:prstGeom prst="rect">
+                  <a:avLst/>
+                </a:prstGeom>
+              </p:spPr>
+            </p:pic>
+          </mc:Fallback>
+        </mc:AlternateContent>
+        <mc:AlternateContent xmlns:mc="http://schemas.openxmlformats.org/markup-compatibility/2006" xmlns:p14="http://schemas.microsoft.com/office/powerpoint/2010/main">
+          <mc:Choice Requires="p14">
+            <p:contentPart p14:bwMode="auto" r:id="rId35">
+              <p14:nvContentPartPr>
+                <p14:cNvPr id="24" name="잉크 23">
+                  <a:extLst>
+                    <a:ext uri="{FF2B5EF4-FFF2-40B4-BE49-F238E27FC236}">
+                      <a16:creationId xmlns:a16="http://schemas.microsoft.com/office/drawing/2014/main" id="{601AF93D-E531-416F-BC68-D1585919B0D2}"/>
+                    </a:ext>
+                  </a:extLst>
+                </p14:cNvPr>
+                <p14:cNvContentPartPr/>
+                <p14:nvPr/>
+              </p14:nvContentPartPr>
+              <p14:xfrm>
+                <a:off x="2948880" y="4121449"/>
+                <a:ext cx="208080" cy="226080"/>
+              </p14:xfrm>
+            </p:contentPart>
+          </mc:Choice>
+          <mc:Fallback xmlns="">
+            <p:pic>
+              <p:nvPicPr>
+                <p:cNvPr id="24" name="잉크 23">
+                  <a:extLst>
+                    <a:ext uri="{FF2B5EF4-FFF2-40B4-BE49-F238E27FC236}">
+                      <a16:creationId xmlns:a16="http://schemas.microsoft.com/office/drawing/2014/main" id="{601AF93D-E531-416F-BC68-D1585919B0D2}"/>
+                    </a:ext>
+                  </a:extLst>
+                </p:cNvPr>
+                <p:cNvPicPr/>
+                <p:nvPr/>
+              </p:nvPicPr>
+              <p:blipFill>
+                <a:blip r:embed="rId36"/>
+                <a:stretch>
+                  <a:fillRect/>
+                </a:stretch>
+              </p:blipFill>
+              <p:spPr>
+                <a:xfrm>
+                  <a:off x="2940240" y="4112449"/>
+                  <a:ext cx="225720" cy="243720"/>
+                </a:xfrm>
+                <a:prstGeom prst="rect">
+                  <a:avLst/>
+                </a:prstGeom>
+              </p:spPr>
+            </p:pic>
+          </mc:Fallback>
+        </mc:AlternateContent>
+        <mc:AlternateContent xmlns:mc="http://schemas.openxmlformats.org/markup-compatibility/2006" xmlns:p14="http://schemas.microsoft.com/office/powerpoint/2010/main">
+          <mc:Choice Requires="p14">
+            <p:contentPart p14:bwMode="auto" r:id="rId37">
+              <p14:nvContentPartPr>
+                <p14:cNvPr id="25" name="잉크 24">
+                  <a:extLst>
+                    <a:ext uri="{FF2B5EF4-FFF2-40B4-BE49-F238E27FC236}">
+                      <a16:creationId xmlns:a16="http://schemas.microsoft.com/office/drawing/2014/main" id="{AA49DA2A-51AE-45E4-9183-B5501D38E530}"/>
+                    </a:ext>
+                  </a:extLst>
+                </p14:cNvPr>
+                <p14:cNvContentPartPr/>
+                <p14:nvPr/>
+              </p14:nvContentPartPr>
+              <p14:xfrm>
+                <a:off x="3182880" y="4114249"/>
+                <a:ext cx="160920" cy="161640"/>
+              </p14:xfrm>
+            </p:contentPart>
+          </mc:Choice>
+          <mc:Fallback xmlns="">
+            <p:pic>
+              <p:nvPicPr>
+                <p:cNvPr id="25" name="잉크 24">
+                  <a:extLst>
+                    <a:ext uri="{FF2B5EF4-FFF2-40B4-BE49-F238E27FC236}">
+                      <a16:creationId xmlns:a16="http://schemas.microsoft.com/office/drawing/2014/main" id="{AA49DA2A-51AE-45E4-9183-B5501D38E530}"/>
+                    </a:ext>
+                  </a:extLst>
+                </p:cNvPr>
+                <p:cNvPicPr/>
+                <p:nvPr/>
+              </p:nvPicPr>
+              <p:blipFill>
+                <a:blip r:embed="rId38"/>
+                <a:stretch>
+                  <a:fillRect/>
+                </a:stretch>
+              </p:blipFill>
+              <p:spPr>
+                <a:xfrm>
+                  <a:off x="3174240" y="4105249"/>
+                  <a:ext cx="178560" cy="179280"/>
+                </a:xfrm>
+                <a:prstGeom prst="rect">
+                  <a:avLst/>
+                </a:prstGeom>
+              </p:spPr>
+            </p:pic>
+          </mc:Fallback>
+        </mc:AlternateContent>
+        <mc:AlternateContent xmlns:mc="http://schemas.openxmlformats.org/markup-compatibility/2006" xmlns:p14="http://schemas.microsoft.com/office/powerpoint/2010/main">
+          <mc:Choice Requires="p14">
+            <p:contentPart p14:bwMode="auto" r:id="rId39">
+              <p14:nvContentPartPr>
+                <p14:cNvPr id="26" name="잉크 25">
+                  <a:extLst>
+                    <a:ext uri="{FF2B5EF4-FFF2-40B4-BE49-F238E27FC236}">
+                      <a16:creationId xmlns:a16="http://schemas.microsoft.com/office/drawing/2014/main" id="{5ACF1451-64B1-49CE-B7FA-ACFFB7C49554}"/>
+                    </a:ext>
+                  </a:extLst>
+                </p14:cNvPr>
+                <p14:cNvContentPartPr/>
+                <p14:nvPr/>
+              </p14:nvContentPartPr>
+              <p14:xfrm>
+                <a:off x="3280440" y="4203889"/>
+                <a:ext cx="131760" cy="74880"/>
+              </p14:xfrm>
+            </p:contentPart>
+          </mc:Choice>
+          <mc:Fallback xmlns="">
+            <p:pic>
+              <p:nvPicPr>
+                <p:cNvPr id="26" name="잉크 25">
+                  <a:extLst>
+                    <a:ext uri="{FF2B5EF4-FFF2-40B4-BE49-F238E27FC236}">
+                      <a16:creationId xmlns:a16="http://schemas.microsoft.com/office/drawing/2014/main" id="{5ACF1451-64B1-49CE-B7FA-ACFFB7C49554}"/>
+                    </a:ext>
+                  </a:extLst>
+                </p:cNvPr>
+                <p:cNvPicPr/>
+                <p:nvPr/>
+              </p:nvPicPr>
+              <p:blipFill>
+                <a:blip r:embed="rId40"/>
+                <a:stretch>
+                  <a:fillRect/>
+                </a:stretch>
+              </p:blipFill>
+              <p:spPr>
+                <a:xfrm>
+                  <a:off x="3271800" y="4195249"/>
+                  <a:ext cx="149400" cy="92520"/>
+                </a:xfrm>
+                <a:prstGeom prst="rect">
+                  <a:avLst/>
+                </a:prstGeom>
+              </p:spPr>
+            </p:pic>
+          </mc:Fallback>
+        </mc:AlternateContent>
+        <mc:AlternateContent xmlns:mc="http://schemas.openxmlformats.org/markup-compatibility/2006" xmlns:p14="http://schemas.microsoft.com/office/powerpoint/2010/main">
+          <mc:Choice Requires="p14">
+            <p:contentPart p14:bwMode="auto" r:id="rId41">
+              <p14:nvContentPartPr>
+                <p14:cNvPr id="27" name="잉크 26">
+                  <a:extLst>
+                    <a:ext uri="{FF2B5EF4-FFF2-40B4-BE49-F238E27FC236}">
+                      <a16:creationId xmlns:a16="http://schemas.microsoft.com/office/drawing/2014/main" id="{9A580E9D-16F8-4A6C-86F0-4C7E4A30710D}"/>
+                    </a:ext>
+                  </a:extLst>
+                </p14:cNvPr>
+                <p14:cNvContentPartPr/>
+                <p14:nvPr/>
+              </p14:nvContentPartPr>
+              <p14:xfrm>
+                <a:off x="3119160" y="4418809"/>
+                <a:ext cx="439920" cy="18720"/>
+              </p14:xfrm>
+            </p:contentPart>
+          </mc:Choice>
+          <mc:Fallback xmlns="">
+            <p:pic>
+              <p:nvPicPr>
+                <p:cNvPr id="27" name="잉크 26">
+                  <a:extLst>
+                    <a:ext uri="{FF2B5EF4-FFF2-40B4-BE49-F238E27FC236}">
+                      <a16:creationId xmlns:a16="http://schemas.microsoft.com/office/drawing/2014/main" id="{9A580E9D-16F8-4A6C-86F0-4C7E4A30710D}"/>
+                    </a:ext>
+                  </a:extLst>
+                </p:cNvPr>
+                <p:cNvPicPr/>
+                <p:nvPr/>
+              </p:nvPicPr>
+              <p:blipFill>
+                <a:blip r:embed="rId42"/>
+                <a:stretch>
+                  <a:fillRect/>
+                </a:stretch>
+              </p:blipFill>
+              <p:spPr>
+                <a:xfrm>
+                  <a:off x="3110520" y="4409809"/>
+                  <a:ext cx="457560" cy="36360"/>
+                </a:xfrm>
+                <a:prstGeom prst="rect">
+                  <a:avLst/>
+                </a:prstGeom>
+              </p:spPr>
+            </p:pic>
+          </mc:Fallback>
+        </mc:AlternateContent>
+      </p:grpSp>
+    </p:spTree>
+    <p:extLst>
+      <p:ext uri="{BB962C8B-B14F-4D97-AF65-F5344CB8AC3E}">
+        <p14:creationId xmlns:p14="http://schemas.microsoft.com/office/powerpoint/2010/main" val="1915292052"/>
+      </p:ext>
+    </p:extLst>
+  </p:cSld>
+  <p:clrMapOvr>
+    <a:masterClrMapping/>
+  </p:clrMapOvr>
+  <mc:AlternateContent xmlns:mc="http://schemas.openxmlformats.org/markup-compatibility/2006" xmlns:p159="http://schemas.microsoft.com/office/powerpoint/2015/09/main">
+    <mc:Choice Requires="p159">
+      <p:transition xmlns:p14="http://schemas.microsoft.com/office/powerpoint/2010/main" spd="slow" p14:dur="2000">
+        <p159:morph option="byObject"/>
+      </p:transition>
+    </mc:Choice>
+    <mc:Fallback xmlns="">
+      <p:transition spd="slow">
+        <p:fade/>
+      </p:transition>
+    </mc:Fallback>
+  </mc:AlternateContent>
+</p:sld>
+</file>
+
+<file path=ppt/slides/slide28.xml><?xml version="1.0" encoding="utf-8"?>
+<p:sld xmlns:a="http://schemas.openxmlformats.org/drawingml/2006/main" xmlns:r="http://schemas.openxmlformats.org/officeDocument/2006/relationships" xmlns:p="http://schemas.openxmlformats.org/presentationml/2006/main">
+  <p:cSld>
+    <p:spTree>
+      <p:nvGrpSpPr>
+        <p:cNvPr id="1" name=""/>
+        <p:cNvGrpSpPr/>
+        <p:nvPr/>
+      </p:nvGrpSpPr>
+      <p:grpSpPr>
+        <a:xfrm>
+          <a:off x="0" y="0"/>
+          <a:ext cx="0" cy="0"/>
+          <a:chOff x="0" y="0"/>
+          <a:chExt cx="0" cy="0"/>
+        </a:xfrm>
+      </p:grpSpPr>
+      <p:sp>
+        <p:nvSpPr>
+          <p:cNvPr id="2" name="제목 1">
+            <a:extLst>
+              <a:ext uri="{FF2B5EF4-FFF2-40B4-BE49-F238E27FC236}">
+                <a16:creationId xmlns:a16="http://schemas.microsoft.com/office/drawing/2014/main" id="{FC7D8FBF-C836-47C0-A38E-D5D75E5BD521}"/>
+              </a:ext>
+            </a:extLst>
+          </p:cNvPr>
+          <p:cNvSpPr>
+            <a:spLocks noGrp="1"/>
+          </p:cNvSpPr>
+          <p:nvPr>
+            <p:ph type="title"/>
+          </p:nvPr>
+        </p:nvSpPr>
+        <p:spPr/>
+        <p:txBody>
+          <a:bodyPr/>
+          <a:lstStyle/>
+          <a:p>
+            <a:r>
+              <a:rPr lang="en-US" altLang="ko-KR" dirty="0"/>
+              <a:t>4</a:t>
+            </a:r>
+            <a:r>
+              <a:rPr lang="ko-KR" altLang="en-US" dirty="0"/>
+              <a:t>주 문제</a:t>
+            </a:r>
+          </a:p>
+        </p:txBody>
+      </p:sp>
+      <p:sp>
+        <p:nvSpPr>
+          <p:cNvPr id="3" name="내용 개체 틀 2">
+            <a:extLst>
+              <a:ext uri="{FF2B5EF4-FFF2-40B4-BE49-F238E27FC236}">
+                <a16:creationId xmlns:a16="http://schemas.microsoft.com/office/drawing/2014/main" id="{44B49A97-1452-4C0B-914C-5B71F94651A8}"/>
+              </a:ext>
+            </a:extLst>
+          </p:cNvPr>
+          <p:cNvSpPr>
+            <a:spLocks noGrp="1"/>
+          </p:cNvSpPr>
+          <p:nvPr>
+            <p:ph idx="1"/>
+          </p:nvPr>
+        </p:nvSpPr>
+        <p:spPr/>
+        <p:txBody>
+          <a:bodyPr>
+            <a:normAutofit lnSpcReduction="10000"/>
+          </a:bodyPr>
+          <a:lstStyle/>
+          <a:p>
+            <a:r>
+              <a:rPr lang="en-US" altLang="ko-KR" dirty="0"/>
+              <a:t>1914</a:t>
+            </a:r>
+            <a:r>
+              <a:rPr lang="ko-KR" altLang="en-US" dirty="0"/>
+              <a:t> 하노이 탑</a:t>
+            </a:r>
+            <a:r>
+              <a:rPr lang="en-US" altLang="ko-KR" dirty="0"/>
+              <a:t>(</a:t>
+            </a:r>
+            <a:r>
+              <a:rPr lang="ko-KR" altLang="en-US" dirty="0"/>
+              <a:t>재귀</a:t>
+            </a:r>
+            <a:r>
+              <a:rPr lang="en-US" altLang="ko-KR" dirty="0"/>
+              <a:t>, </a:t>
+            </a:r>
+            <a:r>
+              <a:rPr lang="ko-KR" altLang="en-US" dirty="0"/>
+              <a:t>실버</a:t>
+            </a:r>
+            <a:r>
+              <a:rPr lang="en-US" altLang="ko-KR" dirty="0"/>
+              <a:t>2) 2 -&gt; </a:t>
+            </a:r>
+            <a:r>
+              <a:rPr lang="ko-KR" altLang="en-US" dirty="0" err="1"/>
+              <a:t>경연님</a:t>
+            </a:r>
+            <a:endParaRPr lang="en-US" altLang="ko-KR" dirty="0"/>
+          </a:p>
+          <a:p>
+            <a:r>
+              <a:rPr lang="en-US" altLang="ko-KR" dirty="0"/>
+              <a:t>2447 </a:t>
+            </a:r>
+            <a:r>
+              <a:rPr lang="ko-KR" altLang="en-US" dirty="0"/>
+              <a:t>별 찍기 </a:t>
+            </a:r>
+            <a:r>
+              <a:rPr lang="en-US" altLang="ko-KR" dirty="0"/>
+              <a:t>– 10(</a:t>
+            </a:r>
+            <a:r>
+              <a:rPr lang="ko-KR" altLang="en-US" dirty="0"/>
+              <a:t>재귀</a:t>
+            </a:r>
+            <a:r>
+              <a:rPr lang="en-US" altLang="ko-KR" dirty="0"/>
+              <a:t>, </a:t>
+            </a:r>
+            <a:r>
+              <a:rPr lang="ko-KR" altLang="en-US" dirty="0"/>
+              <a:t>실버</a:t>
+            </a:r>
+            <a:r>
+              <a:rPr lang="en-US" altLang="ko-KR" dirty="0"/>
+              <a:t>1) 5 -&gt; </a:t>
+            </a:r>
+            <a:r>
+              <a:rPr lang="ko-KR" altLang="en-US" dirty="0"/>
+              <a:t>찬영님</a:t>
+            </a:r>
+            <a:endParaRPr lang="en-US" altLang="ko-KR" dirty="0"/>
+          </a:p>
+          <a:p>
+            <a:r>
+              <a:rPr lang="en-US" altLang="ko-KR" dirty="0"/>
+              <a:t>1431 </a:t>
+            </a:r>
+            <a:r>
+              <a:rPr lang="ko-KR" altLang="en-US" dirty="0"/>
+              <a:t>시리얼 번호</a:t>
+            </a:r>
+            <a:r>
+              <a:rPr lang="en-US" altLang="ko-KR" dirty="0"/>
+              <a:t>(</a:t>
+            </a:r>
+            <a:r>
+              <a:rPr lang="ko-KR" altLang="en-US" dirty="0"/>
+              <a:t>정렬</a:t>
+            </a:r>
+            <a:r>
+              <a:rPr lang="en-US" altLang="ko-KR" dirty="0"/>
+              <a:t>, </a:t>
+            </a:r>
+            <a:r>
+              <a:rPr lang="ko-KR" altLang="en-US" dirty="0"/>
+              <a:t>실버</a:t>
+            </a:r>
+            <a:r>
+              <a:rPr lang="en-US" altLang="ko-KR" dirty="0"/>
+              <a:t>3) 1 -&gt; </a:t>
+            </a:r>
+            <a:r>
+              <a:rPr lang="ko-KR" altLang="en-US" dirty="0"/>
+              <a:t>수현님</a:t>
+            </a:r>
+            <a:endParaRPr lang="en-US" altLang="ko-KR" dirty="0"/>
+          </a:p>
+          <a:p>
+            <a:r>
+              <a:rPr lang="en-US" altLang="ko-KR" dirty="0"/>
+              <a:t>18870 </a:t>
+            </a:r>
+            <a:r>
+              <a:rPr lang="ko-KR" altLang="en-US" dirty="0"/>
+              <a:t>좌표 압축</a:t>
+            </a:r>
+            <a:r>
+              <a:rPr lang="en-US" altLang="ko-KR" dirty="0"/>
+              <a:t>(</a:t>
+            </a:r>
+            <a:r>
+              <a:rPr lang="ko-KR" altLang="en-US" dirty="0"/>
+              <a:t>정렬</a:t>
+            </a:r>
+            <a:r>
+              <a:rPr lang="en-US" altLang="ko-KR" dirty="0"/>
+              <a:t>, </a:t>
+            </a:r>
+            <a:r>
+              <a:rPr lang="ko-KR" altLang="en-US" dirty="0"/>
+              <a:t>실버</a:t>
+            </a:r>
+            <a:r>
+              <a:rPr lang="en-US" altLang="ko-KR" dirty="0"/>
+              <a:t>2) 4 -&gt; </a:t>
+            </a:r>
+            <a:r>
+              <a:rPr lang="ko-KR" altLang="en-US" dirty="0"/>
+              <a:t>다인</a:t>
+            </a:r>
+            <a:endParaRPr lang="en-US" altLang="ko-KR" dirty="0"/>
+          </a:p>
+          <a:p>
+            <a:r>
+              <a:rPr lang="en-US" altLang="ko-KR" dirty="0"/>
+              <a:t>11286 </a:t>
+            </a:r>
+            <a:r>
+              <a:rPr lang="ko-KR" altLang="en-US" dirty="0"/>
+              <a:t>절댓값 </a:t>
+            </a:r>
+            <a:r>
+              <a:rPr lang="ko-KR" altLang="en-US" dirty="0" err="1"/>
+              <a:t>힙</a:t>
+            </a:r>
+            <a:r>
+              <a:rPr lang="en-US" altLang="ko-KR" dirty="0"/>
+              <a:t>(</a:t>
+            </a:r>
+            <a:r>
+              <a:rPr lang="ko-KR" altLang="en-US" dirty="0"/>
+              <a:t>정렬</a:t>
+            </a:r>
+            <a:r>
+              <a:rPr lang="en-US" altLang="ko-KR" dirty="0"/>
+              <a:t>, </a:t>
+            </a:r>
+            <a:r>
+              <a:rPr lang="ko-KR" altLang="en-US" dirty="0"/>
+              <a:t>실버</a:t>
+            </a:r>
+            <a:r>
+              <a:rPr lang="en-US" altLang="ko-KR" dirty="0"/>
+              <a:t>1) 3 -&gt; </a:t>
+            </a:r>
+            <a:r>
+              <a:rPr lang="ko-KR" altLang="en-US" dirty="0" err="1"/>
+              <a:t>수지님</a:t>
+            </a:r>
+            <a:endParaRPr lang="en-US" altLang="ko-KR" dirty="0"/>
+          </a:p>
+          <a:p>
+            <a:endParaRPr lang="en-US" altLang="ko-KR" dirty="0"/>
+          </a:p>
+          <a:p>
+            <a:r>
+              <a:rPr lang="en-US" altLang="ko-KR" dirty="0"/>
+              <a:t>1</a:t>
+            </a:r>
+            <a:r>
+              <a:rPr lang="ko-KR" altLang="en-US" dirty="0"/>
+              <a:t>일</a:t>
+            </a:r>
+            <a:r>
+              <a:rPr lang="en-US" altLang="ko-KR" dirty="0"/>
+              <a:t>1</a:t>
+            </a:r>
+            <a:r>
+              <a:rPr lang="ko-KR" altLang="en-US" dirty="0"/>
+              <a:t>백준</a:t>
+            </a:r>
+            <a:endParaRPr lang="en-US" altLang="ko-KR" dirty="0"/>
+          </a:p>
+          <a:p>
+            <a:r>
+              <a:rPr lang="en-US" altLang="ko-KR" dirty="0"/>
+              <a:t>1920 </a:t>
+            </a:r>
+            <a:r>
+              <a:rPr lang="ko-KR" altLang="en-US" dirty="0"/>
+              <a:t>수 찾기 </a:t>
+            </a:r>
+            <a:r>
+              <a:rPr lang="en-US" altLang="ko-KR" dirty="0"/>
+              <a:t>(</a:t>
+            </a:r>
+            <a:r>
+              <a:rPr lang="ko-KR" altLang="en-US" dirty="0"/>
+              <a:t>실버</a:t>
+            </a:r>
+            <a:r>
+              <a:rPr lang="en-US" altLang="ko-KR" dirty="0"/>
+              <a:t>4) </a:t>
+            </a:r>
+          </a:p>
+          <a:p>
+            <a:r>
+              <a:rPr lang="en-US" altLang="ko-KR" dirty="0"/>
+              <a:t>6603 </a:t>
+            </a:r>
+            <a:r>
+              <a:rPr lang="ko-KR" altLang="en-US" dirty="0"/>
+              <a:t>로또 </a:t>
+            </a:r>
+            <a:r>
+              <a:rPr lang="en-US" altLang="ko-KR" dirty="0"/>
+              <a:t>(</a:t>
+            </a:r>
+            <a:r>
+              <a:rPr lang="ko-KR" altLang="en-US" dirty="0"/>
+              <a:t>실버</a:t>
+            </a:r>
+            <a:r>
+              <a:rPr lang="en-US" altLang="ko-KR" dirty="0"/>
+              <a:t>2)</a:t>
+            </a:r>
+          </a:p>
+        </p:txBody>
+      </p:sp>
+    </p:spTree>
+    <p:extLst>
+      <p:ext uri="{BB962C8B-B14F-4D97-AF65-F5344CB8AC3E}">
+        <p14:creationId xmlns:p14="http://schemas.microsoft.com/office/powerpoint/2010/main" val="396295455"/>
+      </p:ext>
+    </p:extLst>
+  </p:cSld>
+  <p:clrMapOvr>
+    <a:masterClrMapping/>
+  </p:clrMapOvr>
+  <mc:AlternateContent xmlns:mc="http://schemas.openxmlformats.org/markup-compatibility/2006" xmlns:p159="http://schemas.microsoft.com/office/powerpoint/2015/09/main">
+    <mc:Choice Requires="p159">
+      <p:transition xmlns:p14="http://schemas.microsoft.com/office/powerpoint/2010/main" spd="slow" p14:dur="2000">
+        <p159:morph option="byObject"/>
+      </p:transition>
+    </mc:Choice>
+    <mc:Fallback xmlns="">
       <p:transition spd="slow">
         <p:fade/>
       </p:transition>
@@ -10894,13 +18418,13 @@
   <p:clrMapOvr>
     <a:masterClrMapping/>
   </p:clrMapOvr>
-  <mc:AlternateContent xmlns:mc="http://schemas.openxmlformats.org/markup-compatibility/2006">
-    <mc:Choice xmlns:p159="http://schemas.microsoft.com/office/powerpoint/2015/09/main" Requires="p159">
+  <mc:AlternateContent xmlns:mc="http://schemas.openxmlformats.org/markup-compatibility/2006" xmlns:p159="http://schemas.microsoft.com/office/powerpoint/2015/09/main">
+    <mc:Choice Requires="p159">
       <p:transition xmlns:p14="http://schemas.microsoft.com/office/powerpoint/2010/main" spd="slow" p14:dur="2000">
         <p159:morph option="byObject"/>
       </p:transition>
     </mc:Choice>
-    <mc:Fallback>
+    <mc:Fallback xmlns="">
       <p:transition spd="slow">
         <p:fade/>
       </p:transition>
@@ -11306,13 +18830,13 @@
   <p:clrMapOvr>
     <a:masterClrMapping/>
   </p:clrMapOvr>
-  <mc:AlternateContent xmlns:mc="http://schemas.openxmlformats.org/markup-compatibility/2006">
-    <mc:Choice xmlns:p159="http://schemas.microsoft.com/office/powerpoint/2015/09/main" Requires="p159">
+  <mc:AlternateContent xmlns:mc="http://schemas.openxmlformats.org/markup-compatibility/2006" xmlns:p159="http://schemas.microsoft.com/office/powerpoint/2015/09/main">
+    <mc:Choice Requires="p159">
       <p:transition xmlns:p14="http://schemas.microsoft.com/office/powerpoint/2010/main" spd="slow" p14:dur="2000">
         <p159:morph option="byObject"/>
       </p:transition>
     </mc:Choice>
-    <mc:Fallback>
+    <mc:Fallback xmlns="">
       <p:transition spd="slow">
         <p:fade/>
       </p:transition>
@@ -12154,13 +19678,13 @@
   <p:clrMapOvr>
     <a:masterClrMapping/>
   </p:clrMapOvr>
-  <mc:AlternateContent xmlns:mc="http://schemas.openxmlformats.org/markup-compatibility/2006">
-    <mc:Choice xmlns:p159="http://schemas.microsoft.com/office/powerpoint/2015/09/main" Requires="p159">
+  <mc:AlternateContent xmlns:mc="http://schemas.openxmlformats.org/markup-compatibility/2006" xmlns:p159="http://schemas.microsoft.com/office/powerpoint/2015/09/main">
+    <mc:Choice Requires="p159">
       <p:transition xmlns:p14="http://schemas.microsoft.com/office/powerpoint/2010/main" spd="slow" p14:dur="2000">
         <p159:morph option="byObject"/>
       </p:transition>
     </mc:Choice>
-    <mc:Fallback>
+    <mc:Fallback xmlns="">
       <p:transition spd="slow">
         <p:fade/>
       </p:transition>
@@ -12551,13 +20075,13 @@
   <p:clrMapOvr>
     <a:masterClrMapping/>
   </p:clrMapOvr>
-  <mc:AlternateContent xmlns:mc="http://schemas.openxmlformats.org/markup-compatibility/2006">
-    <mc:Choice xmlns:p159="http://schemas.microsoft.com/office/powerpoint/2015/09/main" Requires="p159">
+  <mc:AlternateContent xmlns:mc="http://schemas.openxmlformats.org/markup-compatibility/2006" xmlns:p159="http://schemas.microsoft.com/office/powerpoint/2015/09/main">
+    <mc:Choice Requires="p159">
       <p:transition xmlns:p14="http://schemas.microsoft.com/office/powerpoint/2010/main" spd="slow" p14:dur="2000">
         <p159:morph option="byObject"/>
       </p:transition>
     </mc:Choice>
-    <mc:Fallback>
+    <mc:Fallback xmlns="">
       <p:transition spd="slow">
         <p:fade/>
       </p:transition>
